--- a/Assets/Animation Clip/PPT Data/Animation Clip Example.pptx
+++ b/Assets/Animation Clip/PPT Data/Animation Clip Example.pptx
@@ -2,7 +2,7 @@
 <file path=ppt/presentation.xml><?xml version="1.0" encoding="utf-8"?>
 <p:presentation xmlns:a="http://schemas.openxmlformats.org/drawingml/2006/main" xmlns:r="http://schemas.openxmlformats.org/officeDocument/2006/relationships" xmlns:p="http://schemas.openxmlformats.org/presentationml/2006/main" xmlns:p14="http://schemas.microsoft.com/office/powerpoint/2010/main" saveSubsetFonts="1" firstSlideNum="0">
   <p:sldMasterIdLst>
-    <p:sldMasterId id="2147486999" r:id="rId12"/>
+    <p:sldMasterId id="2147487021" r:id="rId12"/>
   </p:sldMasterIdLst>
   <p:notesMasterIdLst>
     <p:notesMasterId r:id="rId14"/>
@@ -11,13 +11,13 @@
     <p:sldId id="315" r:id="rId16"/>
     <p:sldId id="327" r:id="rId18"/>
     <p:sldId id="336" r:id="rId20"/>
-    <p:sldId id="331" r:id="rId21"/>
-    <p:sldId id="319" r:id="rId22"/>
-    <p:sldId id="337" r:id="rId23"/>
-    <p:sldId id="333" r:id="rId24"/>
-    <p:sldId id="334" r:id="rId25"/>
-    <p:sldId id="335" r:id="rId27"/>
-    <p:sldId id="323" r:id="rId29"/>
+    <p:sldId id="331" r:id="rId22"/>
+    <p:sldId id="319" r:id="rId23"/>
+    <p:sldId id="337" r:id="rId24"/>
+    <p:sldId id="333" r:id="rId25"/>
+    <p:sldId id="338" r:id="rId26"/>
+    <p:sldId id="339" r:id="rId27"/>
+    <p:sldId id="340" r:id="rId28"/>
   </p:sldIdLst>
   <p:sldSz cx="12192000" cy="6858000"/>
   <p:notesSz cx="6858000" cy="9144000"/>
@@ -648,7 +648,7 @@
         <p:spPr>
           <a:xfrm rot="0">
             <a:off x="685800" y="1143000"/>
-            <a:ext cx="5494655" cy="3094355"/>
+            <a:ext cx="5495925" cy="3095625"/>
           </a:xfrm>
           <a:prstGeom prst="rect"/>
           <a:noFill/>
@@ -687,7 +687,7 @@
         <p:spPr>
           <a:xfrm rot="0">
             <a:off x="685800" y="4400550"/>
-            <a:ext cx="5494655" cy="3608705"/>
+            <a:ext cx="5495925" cy="3609975"/>
           </a:xfrm>
           <a:prstGeom prst="rect"/>
         </p:spPr>
@@ -717,7 +717,7 @@
         <p:spPr>
           <a:xfrm rot="0">
             <a:off x="3884930" y="8685530"/>
-            <a:ext cx="2980055" cy="466725"/>
+            <a:ext cx="2981325" cy="467995"/>
           </a:xfrm>
           <a:prstGeom prst="rect"/>
         </p:spPr>
@@ -1642,7 +1642,7 @@
         <p:spPr>
           <a:xfrm rot="0">
             <a:off x="685800" y="1143000"/>
-            <a:ext cx="5494655" cy="3094355"/>
+            <a:ext cx="5495290" cy="3094990"/>
           </a:xfrm>
           <a:prstGeom prst="rect"/>
           <a:noFill/>
@@ -1681,7 +1681,7 @@
         <p:spPr>
           <a:xfrm rot="0">
             <a:off x="685800" y="4400550"/>
-            <a:ext cx="5494655" cy="3608705"/>
+            <a:ext cx="5495290" cy="3609340"/>
           </a:xfrm>
           <a:prstGeom prst="rect"/>
         </p:spPr>
@@ -1711,7 +1711,7 @@
         <p:spPr>
           <a:xfrm rot="0">
             <a:off x="3884930" y="8685530"/>
-            <a:ext cx="2980055" cy="466725"/>
+            <a:ext cx="2980690" cy="467360"/>
           </a:xfrm>
           <a:prstGeom prst="rect"/>
         </p:spPr>
@@ -1784,7 +1784,7 @@
         <p:spPr>
           <a:xfrm rot="0">
             <a:off x="685800" y="1143000"/>
-            <a:ext cx="5494655" cy="3094355"/>
+            <a:ext cx="5495925" cy="3095625"/>
           </a:xfrm>
           <a:prstGeom prst="rect"/>
           <a:noFill/>
@@ -1823,7 +1823,7 @@
         <p:spPr>
           <a:xfrm rot="0">
             <a:off x="685800" y="4400550"/>
-            <a:ext cx="5494655" cy="3608705"/>
+            <a:ext cx="5495925" cy="3609975"/>
           </a:xfrm>
           <a:prstGeom prst="rect"/>
         </p:spPr>
@@ -1853,7 +1853,7 @@
         <p:spPr>
           <a:xfrm rot="0">
             <a:off x="3884930" y="8685530"/>
-            <a:ext cx="2980055" cy="466725"/>
+            <a:ext cx="2981325" cy="467995"/>
           </a:xfrm>
           <a:prstGeom prst="rect"/>
         </p:spPr>
@@ -7251,7 +7251,7 @@
 </file>
 
 <file path=ppt/slides/slide10.xml><?xml version="1.0" encoding="utf-8"?>
-<p:sld xmlns:a="http://schemas.openxmlformats.org/drawingml/2006/main" xmlns:r="http://schemas.openxmlformats.org/officeDocument/2006/relationships" xmlns:p="http://schemas.openxmlformats.org/presentationml/2006/main" xmlns:p14="http://schemas.microsoft.com/office/powerpoint/2010/main">
+<p:sld xmlns:a="http://schemas.openxmlformats.org/drawingml/2006/main" xmlns:r="http://schemas.openxmlformats.org/officeDocument/2006/relationships" xmlns:p="http://schemas.openxmlformats.org/presentationml/2006/main">
   <p:cSld>
     <p:spTree>
       <p:nvGrpSpPr>
@@ -7277,8 +7277,8 @@
         </p:nvSpPr>
         <p:spPr>
           <a:xfrm rot="0">
-            <a:off x="4492625" y="452755"/>
-            <a:ext cx="3213735" cy="554990"/>
+            <a:off x="4246880" y="353695"/>
+            <a:ext cx="3696970" cy="554990"/>
           </a:xfrm>
           <a:prstGeom prst="rect"/>
           <a:noFill/>
@@ -7293,23 +7293,30 @@
           </a:bodyPr>
           <a:lstStyle/>
           <a:p>
-            <a:pPr marL="0" indent="0" algn="l" latinLnBrk="0" hangingPunct="1">
-              <a:buFontTx/>
-              <a:buNone/>
-            </a:pPr>
+            <a:pPr marL="0" indent="0" algn="ctr" latinLnBrk="0" hangingPunct="1">
+              <a:buFontTx/>
+              <a:buNone/>
+            </a:pPr>
+            <a:r>
+              <a:rPr lang="ko-KR" sz="2500" b="1">
+                <a:latin typeface="나눔바른고딕" charset="0"/>
+                <a:ea typeface="나눔바른고딕" charset="0"/>
+              </a:rPr>
+              <a:t>열</a:t>
+            </a:r>
+            <a:r>
+              <a:rPr lang="ko-KR" sz="2500" b="1">
+                <a:latin typeface="나눔바른고딕" charset="0"/>
+                <a:ea typeface="나눔바른고딕" charset="0"/>
+              </a:rPr>
+              <a:t> 번째 튜토리얼</a:t>
+            </a:r>
             <a:r>
               <a:rPr lang="ko-KR" sz="3000" b="1">
                 <a:latin typeface="맑은 고딕" charset="0"/>
                 <a:ea typeface="맑은 고딕" charset="0"/>
               </a:rPr>
-              <a:t>열</a:t>
-            </a:r>
-            <a:r>
-              <a:rPr lang="ko-KR" sz="3000" b="1">
-                <a:latin typeface="맑은 고딕" charset="0"/>
-                <a:ea typeface="맑은 고딕" charset="0"/>
-              </a:rPr>
-              <a:t> 번째 튜토리얼 </a:t>
+              <a:t> </a:t>
             </a:r>
             <a:endParaRPr lang="ko-KR" altLang="en-US" sz="3000" b="1">
               <a:latin typeface="맑은 고딕" charset="0"/>
@@ -7318,90 +7325,16 @@
           </a:p>
         </p:txBody>
       </p:sp>
-      <p:sp>
-        <p:nvSpPr>
-          <p:cNvPr id="52" name="텍스트 상자 11"/>
-          <p:cNvSpPr txBox="1">
-            <a:spLocks/>
-          </p:cNvSpPr>
-          <p:nvPr/>
-        </p:nvSpPr>
-        <p:spPr>
-          <a:xfrm rot="0">
-            <a:off x="1513840" y="5124450"/>
-            <a:ext cx="3846830" cy="954405"/>
-          </a:xfrm>
-          <a:prstGeom prst="rect"/>
-          <a:noFill/>
-          <a:ln w="0">
-            <a:noFill/>
-            <a:prstDash/>
-          </a:ln>
-        </p:spPr>
-        <p:txBody>
-          <a:bodyPr wrap="square" lIns="89535" tIns="46355" rIns="89535" bIns="46355" numCol="1" vert="horz" anchor="t">
-            <a:spAutoFit/>
-          </a:bodyPr>
-          <a:lstStyle/>
-          <a:p>
-            <a:pPr marL="0" indent="0" algn="l" latinLnBrk="0" hangingPunct="1">
-              <a:buFontTx/>
-              <a:buNone/>
-            </a:pPr>
-            <a:r>
-              <a:rPr lang="ko-KR" sz="2000" b="1">
-                <a:solidFill>
-                  <a:srgbClr val="0611F2"/>
-                </a:solidFill>
-                <a:latin typeface="맑은 고딕" charset="0"/>
-                <a:ea typeface="맑은 고딕" charset="0"/>
-              </a:rPr>
-              <a:t>26</a:t>
-            </a:r>
-            <a:r>
-              <a:rPr lang="ko-KR" sz="2000" b="1">
-                <a:solidFill>
-                  <a:srgbClr val="0611F2"/>
-                </a:solidFill>
-                <a:latin typeface="맑은 고딕" charset="0"/>
-                <a:ea typeface="맑은 고딕" charset="0"/>
-              </a:rPr>
-              <a:t>.</a:t>
-            </a:r>
-            <a:r>
-              <a:rPr lang="ko-KR" sz="2000">
-                <a:solidFill>
-                  <a:srgbClr val="0611F2"/>
-                </a:solidFill>
-                <a:latin typeface="맑은 고딕" charset="0"/>
-                <a:ea typeface="맑은 고딕" charset="0"/>
-              </a:rPr>
-              <a:t> </a:t>
-            </a:r>
-            <a:r>
-              <a:rPr lang="ko-KR" sz="1800">
-                <a:latin typeface="맑은 고딕" charset="0"/>
-                <a:ea typeface="맑은 고딕" charset="0"/>
-              </a:rPr>
-              <a:t>이제 Animator Controller에서 Open에 Make Transition을 Close 애니메이션에 연결합니다.</a:t>
-            </a:r>
-            <a:endParaRPr lang="ko-KR" altLang="en-US" sz="1800">
-              <a:latin typeface="맑은 고딕" charset="0"/>
-              <a:ea typeface="맑은 고딕" charset="0"/>
-            </a:endParaRPr>
-          </a:p>
-        </p:txBody>
-      </p:sp>
       <p:pic>
         <p:nvPicPr>
-          <p:cNvPr id="57" name="그림 10"/>
+          <p:cNvPr id="76" name="그림 18" descr="C:/Users/Admin1/AppData/Roaming/PolarisOffice/ETemp/23832_17297800/fImage187123652391.png"/>
           <p:cNvPicPr>
             <a:picLocks noChangeAspect="1"/>
           </p:cNvPicPr>
           <p:nvPr/>
         </p:nvPicPr>
         <p:blipFill rotWithShape="1">
-          <a:blip r:embed="rId8" cstate="hqprint">
+          <a:blip r:embed="rId2" cstate="hqprint">
             <a:extLst>
               <a:ext uri="{28A0092B-C50C-407E-A947-70E740481C1C}">
                 <a14:useLocalDpi xmlns:a14="http://schemas.microsoft.com/office/drawing/2010/main"/>
@@ -7414,8 +7347,8 @@
         </p:blipFill>
         <p:spPr>
           <a:xfrm rot="0">
-            <a:off x="1517015" y="1446530"/>
-            <a:ext cx="3855720" cy="3545205"/>
+            <a:off x="1249680" y="1447165"/>
+            <a:ext cx="4126230" cy="1240790"/>
           </a:xfrm>
           <a:prstGeom prst="roundRect"/>
           <a:solidFill>
@@ -7425,7 +7358,7 @@
       </p:pic>
       <p:sp>
         <p:nvSpPr>
-          <p:cNvPr id="58" name="텍스트 상자 59"/>
+          <p:cNvPr id="77" name="텍스트 상자 19"/>
           <p:cNvSpPr txBox="1">
             <a:spLocks/>
           </p:cNvSpPr>
@@ -7433,8 +7366,8 @@
         </p:nvSpPr>
         <p:spPr>
           <a:xfrm rot="0">
-            <a:off x="6743065" y="5273675"/>
-            <a:ext cx="4144645" cy="955040"/>
+            <a:off x="1241425" y="2802255"/>
+            <a:ext cx="4117340" cy="954405"/>
           </a:xfrm>
           <a:prstGeom prst="rect"/>
           <a:noFill/>
@@ -7461,7 +7394,27 @@
                 <a:latin typeface="맑은 고딕" charset="0"/>
                 <a:ea typeface="맑은 고딕" charset="0"/>
               </a:rPr>
-              <a:t>28.</a:t>
+              <a:t>2</a:t>
+            </a:r>
+            <a:r>
+              <a:rPr lang="ko-KR" sz="2000" b="1">
+                <a:solidFill>
+                  <a:srgbClr val="0611F2"/>
+                </a:solidFill>
+                <a:latin typeface="맑은 고딕" charset="0"/>
+                <a:ea typeface="맑은 고딕" charset="0"/>
+              </a:rPr>
+              <a:t>6</a:t>
+            </a:r>
+            <a:r>
+              <a:rPr lang="ko-KR" sz="2000" b="1">
+                <a:solidFill>
+                  <a:srgbClr val="0611F2"/>
+                </a:solidFill>
+                <a:latin typeface="맑은 고딕" charset="0"/>
+                <a:ea typeface="맑은 고딕" charset="0"/>
+              </a:rPr>
+              <a:t>.</a:t>
             </a:r>
             <a:r>
               <a:rPr lang="ko-KR" sz="2000">
@@ -7478,35 +7431,49 @@
                 <a:latin typeface="맑은 고딕" charset="0"/>
                 <a:ea typeface="맑은 고딕" charset="0"/>
               </a:rPr>
-              <a:t>그다음으로 Transition을 선택하고 </a:t>
-            </a:r>
-            <a:r>
-              <a:rPr lang="ko-KR" sz="1800">
-                <a:latin typeface="맑은 고딕" charset="0"/>
-                <a:ea typeface="맑은 고딕" charset="0"/>
-              </a:rPr>
-              <a:t>Has</a:t>
-            </a:r>
-            <a:r>
-              <a:rPr lang="ko-KR" sz="1800">
-                <a:latin typeface="맑은 고딕" charset="0"/>
-                <a:ea typeface="맑은 고딕" charset="0"/>
-              </a:rPr>
-              <a:t> Exit Time의 설정을 해제한 다음 </a:t>
-            </a:r>
-            <a:r>
-              <a:rPr lang="ko-KR" sz="1800">
-                <a:latin typeface="맑은 고딕" charset="0"/>
-                <a:ea typeface="맑은 고딕" charset="0"/>
-              </a:rPr>
-              <a:t>Conditions을</a:t>
-            </a:r>
-            <a:r>
-              <a:rPr lang="ko-KR" sz="1800">
-                <a:latin typeface="맑은 고딕" charset="0"/>
-                <a:ea typeface="맑은 고딕" charset="0"/>
-              </a:rPr>
-              <a:t> 추가합니다.</a:t>
+              <a:t>그런 다음 Close Animation 뒤에 </a:t>
+            </a:r>
+            <a:r>
+              <a:rPr lang="ko-KR" sz="1800">
+                <a:latin typeface="맑은 고딕" charset="0"/>
+                <a:ea typeface="맑은 고딕" charset="0"/>
+              </a:rPr>
+              <a:t>있는</a:t>
+            </a:r>
+            <a:r>
+              <a:rPr lang="ko-KR" sz="1800">
+                <a:latin typeface="맑은 고딕" charset="0"/>
+                <a:ea typeface="맑은 고딕" charset="0"/>
+              </a:rPr>
+              <a:t> </a:t>
+            </a:r>
+            <a:r>
+              <a:rPr lang="ko-KR" sz="1800">
+                <a:latin typeface="맑은 고딕" charset="0"/>
+                <a:ea typeface="맑은 고딕" charset="0"/>
+              </a:rPr>
+              <a:t>Key</a:t>
+            </a:r>
+            <a:r>
+              <a:rPr lang="ko-KR" sz="1800">
+                <a:latin typeface="맑은 고딕" charset="0"/>
+                <a:ea typeface="맑은 고딕" charset="0"/>
+              </a:rPr>
+              <a:t> Frame을 0 : 30 으로 </a:t>
+            </a:r>
+            <a:r>
+              <a:rPr lang="ko-KR" sz="1800">
+                <a:latin typeface="맑은 고딕" charset="0"/>
+                <a:ea typeface="맑은 고딕" charset="0"/>
+              </a:rPr>
+              <a:t>이동시킵니다.</a:t>
+            </a:r>
+            <a:r>
+              <a:rPr lang="ko-KR" sz="1800">
+                <a:latin typeface="맑은 고딕" charset="0"/>
+                <a:ea typeface="맑은 고딕" charset="0"/>
+              </a:rPr>
+              <a:t> </a:t>
             </a:r>
             <a:endParaRPr lang="ko-KR" altLang="en-US" sz="1800">
               <a:latin typeface="맑은 고딕" charset="0"/>
@@ -7517,14 +7484,14 @@
       </p:sp>
       <p:pic>
         <p:nvPicPr>
-          <p:cNvPr id="59" name="그림 60" descr="C:/Users/Admin1/AppData/Roaming/PolarisOffice/ETemp/11208_17029008/fImage254542603281.png"/>
+          <p:cNvPr id="78" name="그림 20" descr="C:/Users/Admin1/AppData/Roaming/PolarisOffice/ETemp/23832_17297800/fImage208313734604.png"/>
           <p:cNvPicPr>
             <a:picLocks noChangeAspect="1"/>
           </p:cNvPicPr>
           <p:nvPr/>
         </p:nvPicPr>
         <p:blipFill rotWithShape="1">
-          <a:blip r:embed="rId15" cstate="hqprint">
+          <a:blip r:embed="rId3" cstate="hqprint">
             <a:extLst>
               <a:ext uri="{28A0092B-C50C-407E-A947-70E740481C1C}">
                 <a14:useLocalDpi xmlns:a14="http://schemas.microsoft.com/office/drawing/2010/main"/>
@@ -7537,13 +7504,474 @@
         </p:blipFill>
         <p:spPr>
           <a:xfrm rot="0">
-            <a:off x="6734810" y="1444625"/>
-            <a:ext cx="4152900" cy="3590290"/>
+            <a:off x="1240790" y="3858895"/>
+            <a:ext cx="4126230" cy="1266825"/>
+          </a:xfrm>
+          <a:prstGeom prst="roundRect"/>
+          <a:solidFill>
+            <a:srgbClr val="EDEDED"/>
+          </a:solidFill>
+        </p:spPr>
+      </p:pic>
+      <p:sp>
+        <p:nvSpPr>
+          <p:cNvPr id="79" name="텍스트 상자 21"/>
+          <p:cNvSpPr txBox="1">
+            <a:spLocks/>
+          </p:cNvSpPr>
+          <p:nvPr/>
+        </p:nvSpPr>
+        <p:spPr>
+          <a:xfrm rot="0">
+            <a:off x="1243965" y="5212715"/>
+            <a:ext cx="4131945" cy="954405"/>
           </a:xfrm>
           <a:prstGeom prst="rect"/>
           <a:noFill/>
+          <a:ln w="0">
+            <a:noFill/>
+            <a:prstDash/>
+          </a:ln>
+        </p:spPr>
+        <p:txBody>
+          <a:bodyPr wrap="square" lIns="89535" tIns="46355" rIns="89535" bIns="46355" numCol="1" vert="horz" anchor="t">
+            <a:spAutoFit/>
+          </a:bodyPr>
+          <a:lstStyle/>
+          <a:p>
+            <a:pPr marL="0" indent="0" algn="l" latinLnBrk="0" hangingPunct="1">
+              <a:buFontTx/>
+              <a:buNone/>
+            </a:pPr>
+            <a:r>
+              <a:rPr lang="ko-KR" sz="2000" b="1">
+                <a:solidFill>
+                  <a:srgbClr val="0611F2"/>
+                </a:solidFill>
+                <a:latin typeface="맑은 고딕" charset="0"/>
+                <a:ea typeface="맑은 고딕" charset="0"/>
+              </a:rPr>
+              <a:t>27.</a:t>
+            </a:r>
+            <a:r>
+              <a:rPr lang="ko-KR" sz="2000">
+                <a:solidFill>
+                  <a:srgbClr val="0611F2"/>
+                </a:solidFill>
+                <a:latin typeface="맑은 고딕" charset="0"/>
+                <a:ea typeface="맑은 고딕" charset="0"/>
+              </a:rPr>
+              <a:t> </a:t>
+            </a:r>
+            <a:r>
+              <a:rPr lang="ko-KR" sz="1800">
+                <a:latin typeface="맑은 고딕" charset="0"/>
+                <a:ea typeface="맑은 고딕" charset="0"/>
+              </a:rPr>
+              <a:t>그다음 Close Animation 앞에 </a:t>
+            </a:r>
+            <a:r>
+              <a:rPr lang="ko-KR" sz="1800">
+                <a:latin typeface="맑은 고딕" charset="0"/>
+                <a:ea typeface="맑은 고딕" charset="0"/>
+              </a:rPr>
+              <a:t>있는</a:t>
+            </a:r>
+            <a:r>
+              <a:rPr lang="ko-KR" sz="1800">
+                <a:latin typeface="맑은 고딕" charset="0"/>
+                <a:ea typeface="맑은 고딕" charset="0"/>
+              </a:rPr>
+              <a:t> </a:t>
+            </a:r>
+            <a:r>
+              <a:rPr lang="ko-KR" sz="1800">
+                <a:latin typeface="맑은 고딕" charset="0"/>
+                <a:ea typeface="맑은 고딕" charset="0"/>
+              </a:rPr>
+              <a:t>Key</a:t>
+            </a:r>
+            <a:r>
+              <a:rPr lang="ko-KR" sz="1800">
+                <a:latin typeface="맑은 고딕" charset="0"/>
+                <a:ea typeface="맑은 고딕" charset="0"/>
+              </a:rPr>
+              <a:t> </a:t>
+            </a:r>
+            <a:r>
+              <a:rPr lang="ko-KR" sz="1800">
+                <a:latin typeface="맑은 고딕" charset="0"/>
+                <a:ea typeface="맑은 고딕" charset="0"/>
+              </a:rPr>
+              <a:t>Frame의</a:t>
+            </a:r>
+            <a:r>
+              <a:rPr lang="ko-KR" sz="1800">
+                <a:latin typeface="맑은 고딕" charset="0"/>
+                <a:ea typeface="맑은 고딕" charset="0"/>
+              </a:rPr>
+              <a:t> Scale (x, y, z) 값을 </a:t>
+            </a:r>
+            <a:r>
+              <a:rPr lang="ko-KR" sz="1800">
+                <a:latin typeface="맑은 고딕" charset="0"/>
+                <a:ea typeface="맑은 고딕" charset="0"/>
+              </a:rPr>
+              <a:t>0</a:t>
+            </a:r>
+            <a:r>
+              <a:rPr lang="ko-KR" sz="1800">
+                <a:latin typeface="맑은 고딕" charset="0"/>
+                <a:ea typeface="맑은 고딕" charset="0"/>
+              </a:rPr>
+              <a:t> </a:t>
+            </a:r>
+            <a:r>
+              <a:rPr lang="ko-KR" sz="1800">
+                <a:latin typeface="맑은 고딕" charset="0"/>
+                <a:ea typeface="맑은 고딕" charset="0"/>
+              </a:rPr>
+              <a:t>으로</a:t>
+            </a:r>
+            <a:r>
+              <a:rPr lang="ko-KR" sz="1800">
+                <a:latin typeface="맑은 고딕" charset="0"/>
+                <a:ea typeface="맑은 고딕" charset="0"/>
+              </a:rPr>
+              <a:t> </a:t>
+            </a:r>
+            <a:r>
+              <a:rPr lang="ko-KR" sz="1800">
+                <a:latin typeface="맑은 고딕" charset="0"/>
+                <a:ea typeface="맑은 고딕" charset="0"/>
+              </a:rPr>
+              <a:t>설정합니다.</a:t>
+            </a:r>
+            <a:endParaRPr lang="ko-KR" altLang="en-US" sz="1800">
+              <a:latin typeface="맑은 고딕" charset="0"/>
+              <a:ea typeface="맑은 고딕" charset="0"/>
+            </a:endParaRPr>
+          </a:p>
+        </p:txBody>
+      </p:sp>
+      <p:sp>
+        <p:nvSpPr>
+          <p:cNvPr id="80" name="텍스트 상자 22"/>
+          <p:cNvSpPr txBox="1">
+            <a:spLocks/>
+          </p:cNvSpPr>
+          <p:nvPr/>
+        </p:nvSpPr>
+        <p:spPr>
+          <a:xfrm rot="0">
+            <a:off x="6807835" y="5214620"/>
+            <a:ext cx="4149090" cy="954405"/>
+          </a:xfrm>
+          <a:prstGeom prst="rect"/>
+          <a:noFill/>
+          <a:ln w="0">
+            <a:noFill/>
+            <a:prstDash/>
+          </a:ln>
+        </p:spPr>
+        <p:txBody>
+          <a:bodyPr wrap="square" lIns="89535" tIns="46355" rIns="89535" bIns="46355" numCol="1" vert="horz" anchor="t">
+            <a:spAutoFit/>
+          </a:bodyPr>
+          <a:lstStyle/>
+          <a:p>
+            <a:pPr marL="0" indent="0" algn="l" latinLnBrk="0" hangingPunct="1">
+              <a:buFontTx/>
+              <a:buNone/>
+            </a:pPr>
+            <a:r>
+              <a:rPr lang="ko-KR" sz="2000" b="1">
+                <a:solidFill>
+                  <a:srgbClr val="0611F2"/>
+                </a:solidFill>
+                <a:latin typeface="맑은 고딕" charset="0"/>
+                <a:ea typeface="맑은 고딕" charset="0"/>
+              </a:rPr>
+              <a:t>2</a:t>
+            </a:r>
+            <a:r>
+              <a:rPr lang="ko-KR" sz="2000" b="1">
+                <a:solidFill>
+                  <a:srgbClr val="0611F2"/>
+                </a:solidFill>
+                <a:latin typeface="맑은 고딕" charset="0"/>
+                <a:ea typeface="맑은 고딕" charset="0"/>
+              </a:rPr>
+              <a:t>9</a:t>
+            </a:r>
+            <a:r>
+              <a:rPr lang="ko-KR" sz="2000" b="1">
+                <a:solidFill>
+                  <a:srgbClr val="0611F2"/>
+                </a:solidFill>
+                <a:latin typeface="맑은 고딕" charset="0"/>
+                <a:ea typeface="맑은 고딕" charset="0"/>
+              </a:rPr>
+              <a:t>.</a:t>
+            </a:r>
+            <a:r>
+              <a:rPr lang="ko-KR" sz="2000">
+                <a:solidFill>
+                  <a:srgbClr val="0611F2"/>
+                </a:solidFill>
+                <a:latin typeface="맑은 고딕" charset="0"/>
+                <a:ea typeface="맑은 고딕" charset="0"/>
+              </a:rPr>
+              <a:t> </a:t>
+            </a:r>
+            <a:r>
+              <a:rPr lang="ko-KR" sz="1800">
+                <a:latin typeface="맑은 고딕" charset="0"/>
+                <a:ea typeface="맑은 고딕" charset="0"/>
+              </a:rPr>
+              <a:t>이제 Animator Controller의 </a:t>
+            </a:r>
+            <a:r>
+              <a:rPr lang="ko-KR" sz="1800">
+                <a:latin typeface="맑은 고딕" charset="0"/>
+                <a:ea typeface="맑은 고딕" charset="0"/>
+              </a:rPr>
+              <a:t>Paremeters에</a:t>
+            </a:r>
+            <a:r>
+              <a:rPr lang="ko-KR" sz="1800">
+                <a:latin typeface="맑은 고딕" charset="0"/>
+                <a:ea typeface="맑은 고딕" charset="0"/>
+              </a:rPr>
+              <a:t> Trigger 옵션을 </a:t>
+            </a:r>
+            <a:r>
+              <a:rPr lang="ko-KR" sz="1800">
+                <a:latin typeface="맑은 고딕" charset="0"/>
+                <a:ea typeface="맑은 고딕" charset="0"/>
+              </a:rPr>
+              <a:t>추가하고</a:t>
+            </a:r>
+            <a:r>
+              <a:rPr lang="ko-KR" sz="1800">
+                <a:latin typeface="맑은 고딕" charset="0"/>
+                <a:ea typeface="맑은 고딕" charset="0"/>
+              </a:rPr>
+              <a:t> </a:t>
+            </a:r>
+            <a:r>
+              <a:rPr lang="ko-KR" sz="1800">
+                <a:latin typeface="맑은 고딕" charset="0"/>
+                <a:ea typeface="맑은 고딕" charset="0"/>
+              </a:rPr>
+              <a:t>이름을</a:t>
+            </a:r>
+            <a:r>
+              <a:rPr lang="ko-KR" sz="1800">
+                <a:latin typeface="맑은 고딕" charset="0"/>
+                <a:ea typeface="맑은 고딕" charset="0"/>
+              </a:rPr>
+              <a:t> Close로 정의합니다.</a:t>
+            </a:r>
+            <a:endParaRPr lang="ko-KR" altLang="en-US" sz="1800">
+              <a:latin typeface="맑은 고딕" charset="0"/>
+              <a:ea typeface="맑은 고딕" charset="0"/>
+            </a:endParaRPr>
+          </a:p>
+        </p:txBody>
+      </p:sp>
+      <p:pic>
+        <p:nvPicPr>
+          <p:cNvPr id="81" name="그림 23" descr="C:/Users/Admin1/AppData/Roaming/PolarisOffice/ETemp/23832_17297800/fImage56242544464.png"/>
+          <p:cNvPicPr>
+            <a:picLocks noChangeAspect="1"/>
+          </p:cNvPicPr>
+          <p:nvPr/>
+        </p:nvPicPr>
+        <p:blipFill rotWithShape="1">
+          <a:blip r:embed="rId4" cstate="hqprint">
+            <a:extLst>
+              <a:ext uri="{28A0092B-C50C-407E-A947-70E740481C1C}">
+                <a14:useLocalDpi xmlns:a14="http://schemas.microsoft.com/office/drawing/2010/main"/>
+              </a:ext>
+            </a:extLst>
+          </a:blip>
+          <a:stretch>
+            <a:fillRect/>
+          </a:stretch>
+        </p:blipFill>
+        <p:spPr>
+          <a:xfrm rot="0">
+            <a:off x="6815455" y="3858895"/>
+            <a:ext cx="4150360" cy="1275080"/>
+          </a:xfrm>
+          <a:prstGeom prst="roundRect"/>
+          <a:solidFill>
+            <a:srgbClr val="EDEDED"/>
+          </a:solidFill>
         </p:spPr>
       </p:pic>
+      <p:pic>
+        <p:nvPicPr>
+          <p:cNvPr id="82" name="그림 25" descr="C:/Users/Admin1/AppData/Roaming/PolarisOffice/ETemp/23832_17297800/fImage30172699169.png"/>
+          <p:cNvPicPr>
+            <a:picLocks noChangeAspect="1"/>
+          </p:cNvPicPr>
+          <p:nvPr/>
+        </p:nvPicPr>
+        <p:blipFill rotWithShape="1">
+          <a:blip r:embed="rId5" cstate="hqprint">
+            <a:extLst>
+              <a:ext uri="{28A0092B-C50C-407E-A947-70E740481C1C}">
+                <a14:useLocalDpi xmlns:a14="http://schemas.microsoft.com/office/drawing/2010/main"/>
+              </a:ext>
+            </a:extLst>
+          </a:blip>
+          <a:stretch>
+            <a:fillRect/>
+          </a:stretch>
+        </p:blipFill>
+        <p:spPr>
+          <a:xfrm rot="0">
+            <a:off x="8194040" y="1445260"/>
+            <a:ext cx="2763520" cy="1242695"/>
+          </a:xfrm>
+          <a:prstGeom prst="roundRect"/>
+          <a:solidFill>
+            <a:srgbClr val="EDEDED"/>
+          </a:solidFill>
+        </p:spPr>
+      </p:pic>
+      <p:pic>
+        <p:nvPicPr>
+          <p:cNvPr id="83" name="그림 26" descr="C:/Users/Admin1/AppData/Roaming/PolarisOffice/ETemp/23832_17297800/fImage91962705724.png"/>
+          <p:cNvPicPr>
+            <a:picLocks noChangeAspect="1"/>
+          </p:cNvPicPr>
+          <p:nvPr/>
+        </p:nvPicPr>
+        <p:blipFill rotWithShape="1">
+          <a:blip r:embed="rId6" cstate="print">
+            <a:extLst>
+              <a:ext uri="{28A0092B-C50C-407E-A947-70E740481C1C}">
+                <a14:useLocalDpi xmlns:a14="http://schemas.microsoft.com/office/drawing/2010/main" val="0"/>
+              </a:ext>
+            </a:extLst>
+          </a:blip>
+          <a:stretch>
+            <a:fillRect/>
+          </a:stretch>
+        </p:blipFill>
+        <p:spPr>
+          <a:xfrm rot="0">
+            <a:off x="6795135" y="1446530"/>
+            <a:ext cx="1294130" cy="1241425"/>
+          </a:xfrm>
+          <a:prstGeom prst="roundRect"/>
+          <a:solidFill>
+            <a:srgbClr val="EDEDED"/>
+          </a:solidFill>
+        </p:spPr>
+      </p:pic>
+      <p:sp>
+        <p:nvSpPr>
+          <p:cNvPr id="84" name="텍스트 상자 29"/>
+          <p:cNvSpPr txBox="1">
+            <a:spLocks/>
+          </p:cNvSpPr>
+          <p:nvPr/>
+        </p:nvSpPr>
+        <p:spPr>
+          <a:xfrm rot="0">
+            <a:off x="6808470" y="2779395"/>
+            <a:ext cx="4149090" cy="954405"/>
+          </a:xfrm>
+          <a:prstGeom prst="rect"/>
+          <a:noFill/>
+          <a:ln w="0">
+            <a:noFill/>
+            <a:prstDash/>
+          </a:ln>
+        </p:spPr>
+        <p:txBody>
+          <a:bodyPr wrap="square" lIns="89535" tIns="46355" rIns="89535" bIns="46355" numCol="1" vert="horz" anchor="t">
+            <a:spAutoFit/>
+          </a:bodyPr>
+          <a:lstStyle/>
+          <a:p>
+            <a:pPr marL="0" indent="0" algn="l" latinLnBrk="0" hangingPunct="1">
+              <a:buFontTx/>
+              <a:buNone/>
+            </a:pPr>
+            <a:r>
+              <a:rPr lang="ko-KR" sz="2000" b="1">
+                <a:solidFill>
+                  <a:srgbClr val="0611F2"/>
+                </a:solidFill>
+                <a:latin typeface="맑은 고딕" charset="0"/>
+                <a:ea typeface="맑은 고딕" charset="0"/>
+              </a:rPr>
+              <a:t>28.</a:t>
+            </a:r>
+            <a:r>
+              <a:rPr lang="ko-KR" sz="2000">
+                <a:solidFill>
+                  <a:srgbClr val="0611F2"/>
+                </a:solidFill>
+                <a:latin typeface="맑은 고딕" charset="0"/>
+                <a:ea typeface="맑은 고딕" charset="0"/>
+              </a:rPr>
+              <a:t> </a:t>
+            </a:r>
+            <a:r>
+              <a:rPr lang="ko-KR" sz="1800">
+                <a:latin typeface="맑은 고딕" charset="0"/>
+                <a:ea typeface="맑은 고딕" charset="0"/>
+              </a:rPr>
+              <a:t>그러고 나서 Open Button </a:t>
+            </a:r>
+            <a:r>
+              <a:rPr lang="ko-KR" sz="1800">
+                <a:latin typeface="맑은 고딕" charset="0"/>
+                <a:ea typeface="맑은 고딕" charset="0"/>
+              </a:rPr>
+              <a:t>오브젝트의</a:t>
+            </a:r>
+            <a:r>
+              <a:rPr lang="ko-KR" sz="1800">
+                <a:latin typeface="맑은 고딕" charset="0"/>
+                <a:ea typeface="맑은 고딕" charset="0"/>
+              </a:rPr>
+              <a:t> </a:t>
+            </a:r>
+            <a:r>
+              <a:rPr lang="ko-KR" sz="1800">
+                <a:latin typeface="맑은 고딕" charset="0"/>
+                <a:ea typeface="맑은 고딕" charset="0"/>
+              </a:rPr>
+              <a:t>On Click( ) 함수를 </a:t>
+            </a:r>
+            <a:r>
+              <a:rPr lang="ko-KR" sz="1800">
+                <a:latin typeface="맑은 고딕" charset="0"/>
+                <a:ea typeface="맑은 고딕" charset="0"/>
+              </a:rPr>
+              <a:t>추가합니</a:t>
+            </a:r>
+            <a:r>
+              <a:rPr lang="ko-KR" sz="1800">
+                <a:latin typeface="맑은 고딕" charset="0"/>
+                <a:ea typeface="맑은 고딕" charset="0"/>
+              </a:rPr>
+              <a:t>다.</a:t>
+            </a:r>
+            <a:endParaRPr lang="ko-KR" altLang="en-US" sz="1800">
+              <a:latin typeface="맑은 고딕" charset="0"/>
+              <a:ea typeface="맑은 고딕" charset="0"/>
+            </a:endParaRPr>
+          </a:p>
+        </p:txBody>
+      </p:sp>
     </p:spTree>
   </p:cSld>
   <p:clrMapOvr>
@@ -8114,7 +8542,7 @@
                 <a:latin typeface="맑은 고딕" charset="0"/>
                 <a:ea typeface="맑은 고딕" charset="0"/>
               </a:rPr>
-              <a:t>그다음으로 Window 에서 </a:t>
+              <a:t>그다음으로 Window에서 </a:t>
             </a:r>
             <a:r>
               <a:rPr lang="ko-KR" sz="1800">
@@ -8128,21 +8556,7 @@
                 <a:latin typeface="맑은 고딕" charset="0"/>
                 <a:ea typeface="맑은 고딕" charset="0"/>
               </a:rPr>
-              <a:t> </a:t>
-            </a:r>
-            <a:r>
-              <a:rPr lang="ko-KR" sz="1800">
-                <a:latin typeface="맑은 고딕" charset="0"/>
-                <a:ea typeface="맑은 고딕" charset="0"/>
-              </a:rPr>
-              <a:t>선택하고 </a:t>
-            </a:r>
-            <a:r>
-              <a:rPr lang="ko-KR" sz="1800">
-                <a:latin typeface="맑은 고딕" charset="0"/>
-                <a:ea typeface="맑은 고딕" charset="0"/>
-              </a:rPr>
-              <a:t>Animation을 </a:t>
+              <a:t> 선택하고 Animation을 </a:t>
             </a:r>
             <a:r>
               <a:rPr lang="ko-KR" sz="1800">
@@ -8283,7 +8697,7 @@
       </p:pic>
       <p:pic>
         <p:nvPicPr>
-          <p:cNvPr id="52" name="그림 30" descr="C:/Users/Admin1/AppData/Roaming/PolarisOffice/ETemp/10128_7415416/fImage128833306962.png"/>
+          <p:cNvPr id="52" name="그림 30"/>
           <p:cNvPicPr>
             <a:picLocks noChangeAspect="1"/>
           </p:cNvPicPr>
@@ -8655,7 +9069,7 @@
       </p:sp>
       <p:pic>
         <p:nvPicPr>
-          <p:cNvPr id="53" name="그림 38" descr="C:/Users/Admin1/AppData/Roaming/PolarisOffice/ETemp/10128_7415416/fImage223063345705.png"/>
+          <p:cNvPr id="53" name="그림 38"/>
           <p:cNvPicPr>
             <a:picLocks noChangeAspect="1"/>
           </p:cNvPicPr>
@@ -8694,8 +9108,8 @@
         </p:nvSpPr>
         <p:spPr>
           <a:xfrm rot="0">
-            <a:off x="1241425" y="4481195"/>
-            <a:ext cx="4134485" cy="1784985"/>
+            <a:off x="1241425" y="4472305"/>
+            <a:ext cx="4135120" cy="1784985"/>
           </a:xfrm>
           <a:prstGeom prst="rect"/>
           <a:noFill/>
@@ -8746,7 +9160,7 @@
                 <a:latin typeface="맑은 고딕" charset="0"/>
                 <a:ea typeface="맑은 고딕" charset="0"/>
               </a:rPr>
-              <a:t>위한</a:t>
+              <a:t>위해</a:t>
             </a:r>
             <a:r>
               <a:rPr lang="ko-KR" sz="1800">
@@ -8815,21 +9229,7 @@
                 <a:latin typeface="맑은 고딕" charset="0"/>
                 <a:ea typeface="맑은 고딕" charset="0"/>
               </a:rPr>
-              <a:t> </a:t>
-            </a:r>
-            <a:r>
-              <a:rPr lang="ko-KR" sz="1800">
-                <a:latin typeface="맑은 고딕" charset="0"/>
-                <a:ea typeface="맑은 고딕" charset="0"/>
-              </a:rPr>
-              <a:t>애니메이션</a:t>
-            </a:r>
-            <a:r>
-              <a:rPr lang="ko-KR" sz="1800">
-                <a:latin typeface="맑은 고딕" charset="0"/>
-                <a:ea typeface="맑은 고딕" charset="0"/>
-              </a:rPr>
-              <a:t> 파일을 </a:t>
+              <a:t> 애니메이션 파일을 </a:t>
             </a:r>
             <a:r>
               <a:rPr lang="ko-KR" sz="1800">
@@ -8847,7 +9247,7 @@
       </p:sp>
       <p:pic>
         <p:nvPicPr>
-          <p:cNvPr id="55" name="그림 50" descr="C:/Users/Admin1/AppData/Roaming/PolarisOffice/ETemp/10128_7415416/fImage119993368145.png"/>
+          <p:cNvPr id="55" name="그림 50"/>
           <p:cNvPicPr>
             <a:picLocks noChangeAspect="1"/>
           </p:cNvPicPr>
@@ -8878,7 +9278,7 @@
       </p:pic>
       <p:pic>
         <p:nvPicPr>
-          <p:cNvPr id="56" name="그림 1" descr="C:/Users/Admin1/AppData/Roaming/PolarisOffice/ETemp/10128_7415416/fImage1163716241.png"/>
+          <p:cNvPr id="56" name="그림 1"/>
           <p:cNvPicPr>
             <a:picLocks noChangeAspect="1"/>
           </p:cNvPicPr>
@@ -8918,7 +9318,7 @@
         <p:spPr>
           <a:xfrm rot="0">
             <a:off x="6822440" y="5584190"/>
-            <a:ext cx="4143375" cy="677545"/>
+            <a:ext cx="4144010" cy="678180"/>
           </a:xfrm>
           <a:prstGeom prst="rect"/>
           <a:noFill/>
@@ -8945,7 +9345,7 @@
                 <a:latin typeface="맑은 고딕" charset="0"/>
                 <a:ea typeface="맑은 고딕" charset="0"/>
               </a:rPr>
-              <a:t>1</a:t>
+              <a:t>10.</a:t>
             </a:r>
             <a:r>
               <a:rPr lang="ko-KR" sz="2000" b="1">
@@ -8955,26 +9355,6 @@
                 <a:latin typeface="맑은 고딕" charset="0"/>
                 <a:ea typeface="맑은 고딕" charset="0"/>
               </a:rPr>
-              <a:t>0</a:t>
-            </a:r>
-            <a:r>
-              <a:rPr lang="ko-KR" sz="2000" b="1">
-                <a:solidFill>
-                  <a:srgbClr val="0611F2"/>
-                </a:solidFill>
-                <a:latin typeface="맑은 고딕" charset="0"/>
-                <a:ea typeface="맑은 고딕" charset="0"/>
-              </a:rPr>
-              <a:t>.</a:t>
-            </a:r>
-            <a:r>
-              <a:rPr lang="ko-KR" sz="2000" b="1">
-                <a:solidFill>
-                  <a:srgbClr val="0611F2"/>
-                </a:solidFill>
-                <a:latin typeface="맑은 고딕" charset="0"/>
-                <a:ea typeface="맑은 고딕" charset="0"/>
-              </a:rPr>
               <a:t> </a:t>
             </a:r>
             <a:r>
@@ -8982,21 +9362,7 @@
                 <a:latin typeface="맑은 고딕" charset="0"/>
                 <a:ea typeface="맑은 고딕" charset="0"/>
               </a:rPr>
-              <a:t>그러고 나서 Window </a:t>
-            </a:r>
-            <a:r>
-              <a:rPr lang="ko-KR" sz="1800">
-                <a:latin typeface="맑은 고딕" charset="0"/>
-                <a:ea typeface="맑은 고딕" charset="0"/>
-              </a:rPr>
-              <a:t>오브젝트의</a:t>
-            </a:r>
-            <a:r>
-              <a:rPr lang="ko-KR" sz="1800">
-                <a:latin typeface="맑은 고딕" charset="0"/>
-                <a:ea typeface="맑은 고딕" charset="0"/>
-              </a:rPr>
-              <a:t> </a:t>
+              <a:t>그러고 나서 Window 오브젝트의 </a:t>
             </a:r>
             <a:r>
               <a:rPr lang="ko-KR" sz="1800">
@@ -9010,14 +9376,7 @@
                 <a:latin typeface="맑은 고딕" charset="0"/>
                 <a:ea typeface="맑은 고딕" charset="0"/>
               </a:rPr>
-              <a:t> </a:t>
-            </a:r>
-            <a:r>
-              <a:rPr lang="ko-KR" sz="1800">
-                <a:latin typeface="맑은 고딕" charset="0"/>
-                <a:ea typeface="맑은 고딕" charset="0"/>
-              </a:rPr>
-              <a:t>설정합니다.</a:t>
+              <a:t> 설정합니다.</a:t>
             </a:r>
             <a:endParaRPr lang="ko-KR" altLang="en-US" sz="1800">
               <a:latin typeface="맑은 고딕" charset="0"/>
@@ -9140,7 +9499,7 @@
       </p:sp>
       <p:pic>
         <p:nvPicPr>
-          <p:cNvPr id="44" name="그림 33" descr="C:/Users/Admin1/AppData/Roaming/PolarisOffice/ETemp/10128_7415416/fImage124762851478.png"/>
+          <p:cNvPr id="44" name="그림 33" descr="C:/Users/Admin1/AppData/Roaming/PolarisOffice/ETemp/23832_17297800/fImage124762851478.png"/>
           <p:cNvPicPr>
             <a:picLocks noChangeAspect="1"/>
           </p:cNvPicPr>
@@ -9161,7 +9520,7 @@
         <p:spPr>
           <a:xfrm rot="0">
             <a:off x="1223645" y="1447165"/>
-            <a:ext cx="4160520" cy="1275080"/>
+            <a:ext cx="4161155" cy="1266825"/>
           </a:xfrm>
           <a:prstGeom prst="roundRect"/>
           <a:solidFill>
@@ -9179,8 +9538,8 @@
         </p:nvSpPr>
         <p:spPr>
           <a:xfrm rot="0">
-            <a:off x="6845935" y="5266055"/>
-            <a:ext cx="4102735" cy="954405"/>
+            <a:off x="6854825" y="5274945"/>
+            <a:ext cx="4103370" cy="955040"/>
           </a:xfrm>
           <a:prstGeom prst="rect"/>
           <a:noFill/>
@@ -9207,27 +9566,7 @@
                 <a:latin typeface="맑은 고딕" charset="0"/>
                 <a:ea typeface="맑은 고딕" charset="0"/>
               </a:rPr>
-              <a:t>1</a:t>
-            </a:r>
-            <a:r>
-              <a:rPr lang="ko-KR" sz="2000" b="1">
-                <a:solidFill>
-                  <a:srgbClr val="0611F2"/>
-                </a:solidFill>
-                <a:latin typeface="맑은 고딕" charset="0"/>
-                <a:ea typeface="맑은 고딕" charset="0"/>
-              </a:rPr>
-              <a:t>4</a:t>
-            </a:r>
-            <a:r>
-              <a:rPr lang="ko-KR" sz="2000" b="1">
-                <a:solidFill>
-                  <a:srgbClr val="0611F2"/>
-                </a:solidFill>
-                <a:latin typeface="맑은 고딕" charset="0"/>
-                <a:ea typeface="맑은 고딕" charset="0"/>
-              </a:rPr>
-              <a:t>.</a:t>
+              <a:t>14.</a:t>
             </a:r>
             <a:r>
               <a:rPr lang="ko-KR" sz="2000">
@@ -9244,14 +9583,7 @@
                 <a:latin typeface="맑은 고딕" charset="0"/>
                 <a:ea typeface="맑은 고딕" charset="0"/>
               </a:rPr>
-              <a:t>그런 다음 Open Animation </a:t>
-            </a:r>
-            <a:r>
-              <a:rPr lang="ko-KR" sz="1800">
-                <a:latin typeface="맑은 고딕" charset="0"/>
-                <a:ea typeface="맑은 고딕" charset="0"/>
-              </a:rPr>
-              <a:t>앞에 </a:t>
+              <a:t>그런 다음 Open Animation 앞에 </a:t>
             </a:r>
             <a:r>
               <a:rPr lang="ko-KR" sz="1800">
@@ -9265,77 +9597,7 @@
                 <a:latin typeface="맑은 고딕" charset="0"/>
                 <a:ea typeface="맑은 고딕" charset="0"/>
               </a:rPr>
-              <a:t> </a:t>
-            </a:r>
-            <a:r>
-              <a:rPr lang="ko-KR" sz="1800">
-                <a:latin typeface="맑은 고딕" charset="0"/>
-                <a:ea typeface="맑은 고딕" charset="0"/>
-              </a:rPr>
-              <a:t>Key</a:t>
-            </a:r>
-            <a:r>
-              <a:rPr lang="ko-KR" sz="1800">
-                <a:latin typeface="맑은 고딕" charset="0"/>
-                <a:ea typeface="맑은 고딕" charset="0"/>
-              </a:rPr>
-              <a:t> </a:t>
-            </a:r>
-            <a:r>
-              <a:rPr lang="ko-KR" sz="1800">
-                <a:latin typeface="맑은 고딕" charset="0"/>
-                <a:ea typeface="맑은 고딕" charset="0"/>
-              </a:rPr>
-              <a:t>Frame의</a:t>
-            </a:r>
-            <a:r>
-              <a:rPr lang="ko-KR" sz="1800">
-                <a:latin typeface="맑은 고딕" charset="0"/>
-                <a:ea typeface="맑은 고딕" charset="0"/>
-              </a:rPr>
-              <a:t> Scale (x, </a:t>
-            </a:r>
-            <a:r>
-              <a:rPr lang="ko-KR" sz="1800">
-                <a:latin typeface="맑은 고딕" charset="0"/>
-                <a:ea typeface="맑은 고딕" charset="0"/>
-              </a:rPr>
-              <a:t>y,</a:t>
-            </a:r>
-            <a:r>
-              <a:rPr lang="ko-KR" sz="1800">
-                <a:latin typeface="맑은 고딕" charset="0"/>
-                <a:ea typeface="맑은 고딕" charset="0"/>
-              </a:rPr>
-              <a:t> </a:t>
-            </a:r>
-            <a:r>
-              <a:rPr lang="ko-KR" sz="1800">
-                <a:latin typeface="맑은 고딕" charset="0"/>
-                <a:ea typeface="맑은 고딕" charset="0"/>
-              </a:rPr>
-              <a:t>z</a:t>
-            </a:r>
-            <a:r>
-              <a:rPr lang="ko-KR" sz="1800">
-                <a:latin typeface="맑은 고딕" charset="0"/>
-                <a:ea typeface="맑은 고딕" charset="0"/>
-              </a:rPr>
-              <a:t>) </a:t>
-            </a:r>
-            <a:r>
-              <a:rPr lang="ko-KR" sz="1800">
-                <a:latin typeface="맑은 고딕" charset="0"/>
-                <a:ea typeface="맑은 고딕" charset="0"/>
-              </a:rPr>
-              <a:t>값을</a:t>
-            </a:r>
-            <a:r>
-              <a:rPr lang="ko-KR" sz="1800">
-                <a:latin typeface="맑은 고딕" charset="0"/>
-                <a:ea typeface="맑은 고딕" charset="0"/>
-              </a:rPr>
-              <a:t> </a:t>
+              <a:t> Key Frame의 Scale (x, y, z) 값을 </a:t>
             </a:r>
             <a:r>
               <a:rPr lang="ko-KR" sz="1800">
@@ -9349,21 +9611,7 @@
                 <a:latin typeface="맑은 고딕" charset="0"/>
                 <a:ea typeface="맑은 고딕" charset="0"/>
               </a:rPr>
-              <a:t> 으로</a:t>
-            </a:r>
-            <a:r>
-              <a:rPr lang="ko-KR" sz="1800">
-                <a:latin typeface="맑은 고딕" charset="0"/>
-                <a:ea typeface="맑은 고딕" charset="0"/>
-              </a:rPr>
-              <a:t> </a:t>
-            </a:r>
-            <a:r>
-              <a:rPr lang="ko-KR" sz="1800">
-                <a:latin typeface="맑은 고딕" charset="0"/>
-                <a:ea typeface="맑은 고딕" charset="0"/>
-              </a:rPr>
-              <a:t>설정합니다.</a:t>
+              <a:t> 으로 설정합니다.</a:t>
             </a:r>
             <a:endParaRPr lang="ko-KR" altLang="en-US" sz="1800">
               <a:latin typeface="맑은 고딕" charset="0"/>
@@ -9466,17 +9714,17 @@
       </p:sp>
       <p:pic>
         <p:nvPicPr>
-          <p:cNvPr id="49" name="그림 8" descr="C:/Users/Admin1/AppData/Roaming/PolarisOffice/ETemp/10128_7415416/fImage259201678467.png"/>
+          <p:cNvPr id="49" name="그림 8" descr="C:/Users/Admin1/AppData/Roaming/PolarisOffice/ETemp/23832_17297800/fImage259201678467.png"/>
           <p:cNvPicPr>
             <a:picLocks noChangeAspect="1"/>
           </p:cNvPicPr>
           <p:nvPr/>
         </p:nvPicPr>
         <p:blipFill rotWithShape="1">
-          <a:blip r:embed="rId17" cstate="print">
+          <a:blip r:embed="rId17" cstate="hqprint">
             <a:extLst>
               <a:ext uri="{28A0092B-C50C-407E-A947-70E740481C1C}">
-                <a14:useLocalDpi xmlns:a14="http://schemas.microsoft.com/office/drawing/2010/main" val="0"/>
+                <a14:useLocalDpi xmlns:a14="http://schemas.microsoft.com/office/drawing/2010/main"/>
               </a:ext>
             </a:extLst>
           </a:blip>
@@ -9486,8 +9734,8 @@
         </p:blipFill>
         <p:spPr>
           <a:xfrm rot="0">
-            <a:off x="1231265" y="3850005"/>
-            <a:ext cx="4152900" cy="1645920"/>
+            <a:off x="1231265" y="3901440"/>
+            <a:ext cx="4144645" cy="1551305"/>
           </a:xfrm>
           <a:prstGeom prst="roundRect"/>
           <a:solidFill>
@@ -9505,8 +9753,8 @@
         </p:nvSpPr>
         <p:spPr>
           <a:xfrm rot="0">
-            <a:off x="1231900" y="2790190"/>
-            <a:ext cx="4155440" cy="954405"/>
+            <a:off x="1231900" y="2807335"/>
+            <a:ext cx="4156075" cy="955040"/>
           </a:xfrm>
           <a:prstGeom prst="rect"/>
           <a:noFill/>
@@ -9533,27 +9781,7 @@
                 <a:latin typeface="맑은 고딕" charset="0"/>
                 <a:ea typeface="맑은 고딕" charset="0"/>
               </a:rPr>
-              <a:t>1</a:t>
-            </a:r>
-            <a:r>
-              <a:rPr lang="ko-KR" sz="2000" b="1">
-                <a:solidFill>
-                  <a:srgbClr val="0611F2"/>
-                </a:solidFill>
-                <a:latin typeface="맑은 고딕" charset="0"/>
-                <a:ea typeface="맑은 고딕" charset="0"/>
-              </a:rPr>
-              <a:t>1</a:t>
-            </a:r>
-            <a:r>
-              <a:rPr lang="ko-KR" sz="2000" b="1">
-                <a:solidFill>
-                  <a:srgbClr val="0611F2"/>
-                </a:solidFill>
-                <a:latin typeface="맑은 고딕" charset="0"/>
-                <a:ea typeface="맑은 고딕" charset="0"/>
-              </a:rPr>
-              <a:t>.</a:t>
+              <a:t>11.</a:t>
             </a:r>
             <a:r>
               <a:rPr lang="ko-KR" sz="2000">
@@ -9570,35 +9798,7 @@
                 <a:latin typeface="맑은 고딕" charset="0"/>
                 <a:ea typeface="맑은 고딕" charset="0"/>
               </a:rPr>
-              <a:t>그다음 </a:t>
-            </a:r>
-            <a:r>
-              <a:rPr lang="ko-KR" sz="1800">
-                <a:latin typeface="맑은 고딕" charset="0"/>
-                <a:ea typeface="맑은 고딕" charset="0"/>
-              </a:rPr>
-              <a:t>Open</a:t>
-            </a:r>
-            <a:r>
-              <a:rPr lang="ko-KR" sz="1800">
-                <a:latin typeface="맑은 고딕" charset="0"/>
-                <a:ea typeface="맑은 고딕" charset="0"/>
-              </a:rPr>
-              <a:t> Animation </a:t>
-            </a:r>
-            <a:r>
-              <a:rPr lang="ko-KR" sz="1800">
-                <a:latin typeface="맑은 고딕" charset="0"/>
-                <a:ea typeface="맑은 고딕" charset="0"/>
-              </a:rPr>
-              <a:t>파일을</a:t>
-            </a:r>
-            <a:r>
-              <a:rPr lang="ko-KR" sz="1800">
-                <a:latin typeface="맑은 고딕" charset="0"/>
-                <a:ea typeface="맑은 고딕" charset="0"/>
-              </a:rPr>
-              <a:t> </a:t>
+              <a:t>그다음 Open Animation 파일을 </a:t>
             </a:r>
             <a:r>
               <a:rPr lang="ko-KR" sz="1800">
@@ -9612,70 +9812,21 @@
                 <a:latin typeface="맑은 고딕" charset="0"/>
                 <a:ea typeface="맑은 고딕" charset="0"/>
               </a:rPr>
-              <a:t> </a:t>
-            </a:r>
-            <a:r>
-              <a:rPr lang="ko-KR" sz="1800">
-                <a:latin typeface="맑은 고딕" charset="0"/>
-                <a:ea typeface="맑은 고딕" charset="0"/>
-              </a:rPr>
-              <a:t>다음 Window 오브젝트를 </a:t>
-            </a:r>
-            <a:r>
-              <a:rPr lang="ko-KR" sz="1800">
-                <a:latin typeface="맑은 고딕" charset="0"/>
-                <a:ea typeface="맑은 고딕" charset="0"/>
-              </a:rPr>
-              <a:t>선택하</a:t>
-            </a:r>
-            <a:r>
-              <a:rPr lang="ko-KR" sz="1800">
-                <a:latin typeface="맑은 고딕" charset="0"/>
-                <a:ea typeface="맑은 고딕" charset="0"/>
-              </a:rPr>
-              <a:t>고</a:t>
-            </a:r>
-            <a:r>
-              <a:rPr lang="ko-KR" sz="1800">
-                <a:latin typeface="맑은 고딕" charset="0"/>
-                <a:ea typeface="맑은 고딕" charset="0"/>
-              </a:rPr>
-              <a:t> </a:t>
-            </a:r>
-            <a:r>
-              <a:rPr lang="ko-KR" sz="1800">
-                <a:latin typeface="맑은 고딕" charset="0"/>
-                <a:ea typeface="맑은 고딕" charset="0"/>
-              </a:rPr>
-              <a:t>Add</a:t>
-            </a:r>
-            <a:r>
-              <a:rPr lang="ko-KR" sz="1800">
-                <a:latin typeface="맑은 고딕" charset="0"/>
-                <a:ea typeface="맑은 고딕" charset="0"/>
-              </a:rPr>
-              <a:t> </a:t>
-            </a:r>
-            <a:r>
-              <a:rPr lang="ko-KR" sz="1800">
-                <a:latin typeface="맑은 고딕" charset="0"/>
-                <a:ea typeface="맑은 고딕" charset="0"/>
-              </a:rPr>
-              <a:t>Property를</a:t>
-            </a:r>
-            <a:r>
-              <a:rPr lang="ko-KR" sz="1800">
-                <a:latin typeface="맑은 고딕" charset="0"/>
-                <a:ea typeface="맑은 고딕" charset="0"/>
-              </a:rPr>
-              <a:t> </a:t>
-            </a:r>
-            <a:r>
-              <a:rPr lang="ko-KR" sz="1800">
-                <a:latin typeface="맑은 고딕" charset="0"/>
-                <a:ea typeface="맑은 고딕" charset="0"/>
-              </a:rPr>
-              <a:t>선택합니다.</a:t>
+              <a:t> 다음 Window 오브젝트를 </a:t>
+            </a:r>
+            <a:r>
+              <a:rPr lang="ko-KR" sz="1800">
+                <a:latin typeface="맑은 고딕" charset="0"/>
+                <a:ea typeface="맑은 고딕" charset="0"/>
+              </a:rPr>
+              <a:t>선택하고</a:t>
+            </a:r>
+            <a:r>
+              <a:rPr lang="ko-KR" sz="1800">
+                <a:latin typeface="맑은 고딕" charset="0"/>
+                <a:ea typeface="맑은 고딕" charset="0"/>
+              </a:rPr>
+              <a:t> Add Property를 선택합니다.</a:t>
             </a:r>
             <a:endParaRPr lang="ko-KR" altLang="en-US" sz="1800">
               <a:latin typeface="맑은 고딕" charset="0"/>
@@ -9694,8 +9845,8 @@
         </p:nvSpPr>
         <p:spPr>
           <a:xfrm rot="0">
-            <a:off x="6847840" y="2805430"/>
-            <a:ext cx="4100830" cy="954405"/>
+            <a:off x="6856730" y="2805430"/>
+            <a:ext cx="4102100" cy="955675"/>
           </a:xfrm>
           <a:prstGeom prst="rect"/>
           <a:noFill/>
@@ -9739,14 +9890,7 @@
                 <a:latin typeface="맑은 고딕" charset="0"/>
                 <a:ea typeface="맑은 고딕" charset="0"/>
               </a:rPr>
-              <a:t>그리고 Open Animation </a:t>
-            </a:r>
-            <a:r>
-              <a:rPr lang="ko-KR" sz="1800">
-                <a:latin typeface="맑은 고딕" charset="0"/>
-                <a:ea typeface="맑은 고딕" charset="0"/>
-              </a:rPr>
-              <a:t>뒤에 </a:t>
+              <a:t>그리고 Open Animation 뒤에 </a:t>
             </a:r>
             <a:r>
               <a:rPr lang="ko-KR" sz="1800">
@@ -9760,49 +9904,7 @@
                 <a:latin typeface="맑은 고딕" charset="0"/>
                 <a:ea typeface="맑은 고딕" charset="0"/>
               </a:rPr>
-              <a:t> </a:t>
-            </a:r>
-            <a:r>
-              <a:rPr lang="ko-KR" sz="1800">
-                <a:latin typeface="맑은 고딕" charset="0"/>
-                <a:ea typeface="맑은 고딕" charset="0"/>
-              </a:rPr>
-              <a:t>Key</a:t>
-            </a:r>
-            <a:r>
-              <a:rPr lang="ko-KR" sz="1800">
-                <a:latin typeface="맑은 고딕" charset="0"/>
-                <a:ea typeface="맑은 고딕" charset="0"/>
-              </a:rPr>
-              <a:t> </a:t>
-            </a:r>
-            <a:r>
-              <a:rPr lang="ko-KR" sz="1800">
-                <a:latin typeface="맑은 고딕" charset="0"/>
-                <a:ea typeface="맑은 고딕" charset="0"/>
-              </a:rPr>
-              <a:t>Frame을</a:t>
-            </a:r>
-            <a:r>
-              <a:rPr lang="ko-KR" sz="1800">
-                <a:latin typeface="맑은 고딕" charset="0"/>
-                <a:ea typeface="맑은 고딕" charset="0"/>
-              </a:rPr>
-              <a:t> </a:t>
-            </a:r>
-            <a:r>
-              <a:rPr lang="ko-KR" sz="1800">
-                <a:latin typeface="맑은 고딕" charset="0"/>
-                <a:ea typeface="맑은 고딕" charset="0"/>
-              </a:rPr>
-              <a:t>0</a:t>
-            </a:r>
-            <a:r>
-              <a:rPr lang="ko-KR" sz="1800">
-                <a:latin typeface="맑은 고딕" charset="0"/>
-                <a:ea typeface="맑은 고딕" charset="0"/>
-              </a:rPr>
-              <a:t> : 45 로 </a:t>
+              <a:t> Key Frame을 0 : 45 로 </a:t>
             </a:r>
             <a:r>
               <a:rPr lang="ko-KR" sz="1800">
@@ -9820,7 +9922,7 @@
       </p:sp>
       <p:pic>
         <p:nvPicPr>
-          <p:cNvPr id="52" name="그림 18" descr="C:/Users/Admin1/AppData/Roaming/PolarisOffice/ETemp/10128_7415416/fImage196923288145.png"/>
+          <p:cNvPr id="52" name="그림 18" descr="C:/Users/Admin1/AppData/Roaming/PolarisOffice/ETemp/23832_17297800/fImage196923288145.png"/>
           <p:cNvPicPr>
             <a:picLocks noChangeAspect="1"/>
           </p:cNvPicPr>
@@ -9841,7 +9943,7 @@
         <p:spPr>
           <a:xfrm rot="0">
             <a:off x="6839585" y="1449705"/>
-            <a:ext cx="4117975" cy="1272540"/>
+            <a:ext cx="4118610" cy="1272540"/>
           </a:xfrm>
           <a:prstGeom prst="roundRect"/>
           <a:solidFill>
@@ -9851,7 +9953,7 @@
       </p:pic>
       <p:pic>
         <p:nvPicPr>
-          <p:cNvPr id="53" name="그림 19" descr="C:/Users/Admin1/AppData/Roaming/PolarisOffice/ETemp/10128_7415416/fImage197343306827.png"/>
+          <p:cNvPr id="53" name="그림 19" descr="C:/Users/Admin1/AppData/Roaming/PolarisOffice/ETemp/23832_17297800/fImage197343306827.png"/>
           <p:cNvPicPr>
             <a:picLocks noChangeAspect="1"/>
           </p:cNvPicPr>
@@ -9871,8 +9973,8 @@
         </p:blipFill>
         <p:spPr>
           <a:xfrm rot="0">
-            <a:off x="6847840" y="3850005"/>
-            <a:ext cx="4100830" cy="1301115"/>
+            <a:off x="6847840" y="3902075"/>
+            <a:ext cx="4101465" cy="1249680"/>
           </a:xfrm>
           <a:prstGeom prst="roundRect"/>
           <a:solidFill>
@@ -9904,7 +10006,7 @@
 </file>
 
 <file path=ppt/slides/slide6.xml><?xml version="1.0" encoding="utf-8"?>
-<p:sld xmlns:a="http://schemas.openxmlformats.org/drawingml/2006/main" xmlns:r="http://schemas.openxmlformats.org/officeDocument/2006/relationships" xmlns:p="http://schemas.openxmlformats.org/presentationml/2006/main">
+<p:sld xmlns:a="http://schemas.openxmlformats.org/drawingml/2006/main" xmlns:r="http://schemas.openxmlformats.org/officeDocument/2006/relationships" xmlns:p="http://schemas.openxmlformats.org/presentationml/2006/main" xmlns:p14="http://schemas.microsoft.com/office/powerpoint/2010/main">
   <p:cSld>
     <p:spTree>
       <p:nvGrpSpPr>
@@ -10002,8 +10104,8 @@
         </p:nvSpPr>
         <p:spPr>
           <a:xfrm rot="0">
-            <a:off x="6822440" y="5266055"/>
-            <a:ext cx="4144010" cy="954405"/>
+            <a:off x="6813550" y="5300345"/>
+            <a:ext cx="4145280" cy="955675"/>
           </a:xfrm>
           <a:prstGeom prst="rect"/>
           <a:noFill/>
@@ -10061,14 +10163,7 @@
                 <a:latin typeface="맑은 고딕" charset="0"/>
                 <a:ea typeface="맑은 고딕" charset="0"/>
               </a:rPr>
-              <a:t> </a:t>
-            </a:r>
-            <a:r>
-              <a:rPr lang="ko-KR" sz="1800">
-                <a:latin typeface="맑은 고딕" charset="0"/>
-                <a:ea typeface="맑은 고딕" charset="0"/>
-              </a:rPr>
-              <a:t>변수를 선언하고 RawImage </a:t>
+              <a:t> 변수를 선언하고 RawImage </a:t>
             </a:r>
             <a:r>
               <a:rPr lang="ko-KR" sz="1800">
@@ -10082,14 +10177,7 @@
                 <a:latin typeface="맑은 고딕" charset="0"/>
                 <a:ea typeface="맑은 고딕" charset="0"/>
               </a:rPr>
-              <a:t> </a:t>
-            </a:r>
-            <a:r>
-              <a:rPr lang="ko-KR" sz="1800">
-                <a:latin typeface="맑은 고딕" charset="0"/>
-                <a:ea typeface="맑은 고딕" charset="0"/>
-              </a:rPr>
-              <a:t>float 변수를 선언합니다.</a:t>
+              <a:t> float 변수를 선언합니다.</a:t>
             </a:r>
             <a:endParaRPr lang="ko-KR" altLang="en-US" sz="1800">
               <a:latin typeface="맑은 고딕" charset="0"/>
@@ -10108,8 +10196,8 @@
         </p:nvSpPr>
         <p:spPr>
           <a:xfrm rot="0">
-            <a:off x="1249680" y="4431665"/>
-            <a:ext cx="4126230" cy="1784985"/>
+            <a:off x="1240790" y="4465955"/>
+            <a:ext cx="4136390" cy="1785620"/>
           </a:xfrm>
           <a:prstGeom prst="rect"/>
           <a:noFill/>
@@ -10136,7 +10224,7 @@
                 <a:latin typeface="맑은 고딕" charset="0"/>
                 <a:ea typeface="맑은 고딕" charset="0"/>
               </a:rPr>
-              <a:t>1</a:t>
+              <a:t>15.</a:t>
             </a:r>
             <a:r>
               <a:rPr lang="ko-KR" sz="2000" b="1">
@@ -10146,26 +10234,6 @@
                 <a:latin typeface="맑은 고딕" charset="0"/>
                 <a:ea typeface="맑은 고딕" charset="0"/>
               </a:rPr>
-              <a:t>5</a:t>
-            </a:r>
-            <a:r>
-              <a:rPr lang="ko-KR" sz="2000" b="1">
-                <a:solidFill>
-                  <a:srgbClr val="0611F2"/>
-                </a:solidFill>
-                <a:latin typeface="맑은 고딕" charset="0"/>
-                <a:ea typeface="맑은 고딕" charset="0"/>
-              </a:rPr>
-              <a:t>.</a:t>
-            </a:r>
-            <a:r>
-              <a:rPr lang="ko-KR" sz="2000" b="1">
-                <a:solidFill>
-                  <a:srgbClr val="0611F2"/>
-                </a:solidFill>
-                <a:latin typeface="맑은 고딕" charset="0"/>
-                <a:ea typeface="맑은 고딕" charset="0"/>
-              </a:rPr>
               <a:t> </a:t>
             </a:r>
             <a:r>
@@ -10173,91 +10241,21 @@
                 <a:latin typeface="맑은 고딕" charset="0"/>
                 <a:ea typeface="맑은 고딕" charset="0"/>
               </a:rPr>
-              <a:t>그다음 Window </a:t>
-            </a:r>
-            <a:r>
-              <a:rPr lang="ko-KR" sz="1800">
-                <a:latin typeface="맑은 고딕" charset="0"/>
-                <a:ea typeface="맑은 고딕" charset="0"/>
-              </a:rPr>
-              <a:t>오브젝트</a:t>
-            </a:r>
-            <a:r>
-              <a:rPr lang="ko-KR" sz="1800">
-                <a:latin typeface="맑은 고딕" charset="0"/>
-                <a:ea typeface="맑은 고딕" charset="0"/>
-              </a:rPr>
-              <a:t>를 </a:t>
-            </a:r>
-            <a:r>
-              <a:rPr lang="ko-KR" sz="1800">
-                <a:latin typeface="맑은 고딕" charset="0"/>
-                <a:ea typeface="맑은 고딕" charset="0"/>
-              </a:rPr>
-              <a:t>선택</a:t>
-            </a:r>
-            <a:r>
-              <a:rPr lang="ko-KR" sz="1800">
-                <a:latin typeface="맑은 고딕" charset="0"/>
-                <a:ea typeface="맑은 고딕" charset="0"/>
-              </a:rPr>
-              <a:t>한</a:t>
-            </a:r>
-            <a:r>
-              <a:rPr lang="ko-KR" sz="1800">
-                <a:latin typeface="맑은 고딕" charset="0"/>
-                <a:ea typeface="맑은 고딕" charset="0"/>
-              </a:rPr>
-              <a:t> </a:t>
-            </a:r>
-            <a:r>
-              <a:rPr lang="ko-KR" sz="1800">
-                <a:latin typeface="맑은 고딕" charset="0"/>
-                <a:ea typeface="맑은 고딕" charset="0"/>
-              </a:rPr>
-              <a:t>다음 </a:t>
-            </a:r>
-            <a:r>
-              <a:rPr lang="ko-KR" sz="1800">
-                <a:latin typeface="맑은 고딕" charset="0"/>
-                <a:ea typeface="맑은 고딕" charset="0"/>
-              </a:rPr>
-              <a:t>UI 에서</a:t>
-            </a:r>
-            <a:r>
-              <a:rPr lang="ko-KR" sz="1800">
-                <a:latin typeface="맑은 고딕" charset="0"/>
-                <a:ea typeface="맑은 고딕" charset="0"/>
-              </a:rPr>
-              <a:t> </a:t>
-            </a:r>
-            <a:r>
-              <a:rPr lang="ko-KR" sz="1800">
-                <a:latin typeface="맑은 고딕" charset="0"/>
-                <a:ea typeface="맑은 고딕" charset="0"/>
-              </a:rPr>
-              <a:t>Button</a:t>
-            </a:r>
-            <a:r>
-              <a:rPr lang="ko-KR" sz="1800">
-                <a:latin typeface="맑은 고딕" charset="0"/>
-                <a:ea typeface="맑은 고딕" charset="0"/>
-              </a:rPr>
-              <a:t> </a:t>
-            </a:r>
-            <a:r>
-              <a:rPr lang="ko-KR" sz="1800">
-                <a:latin typeface="맑은 고딕" charset="0"/>
-                <a:ea typeface="맑은 고딕" charset="0"/>
-              </a:rPr>
-              <a:t>-</a:t>
-            </a:r>
-            <a:r>
-              <a:rPr lang="ko-KR" sz="1800">
-                <a:latin typeface="맑은 고딕" charset="0"/>
-                <a:ea typeface="맑은 고딕" charset="0"/>
-              </a:rPr>
-              <a:t> </a:t>
+              <a:t>그다음 Window 오브젝트를 </a:t>
+            </a:r>
+            <a:r>
+              <a:rPr lang="ko-KR" sz="1800">
+                <a:latin typeface="맑은 고딕" charset="0"/>
+                <a:ea typeface="맑은 고딕" charset="0"/>
+              </a:rPr>
+              <a:t>선택한</a:t>
+            </a:r>
+            <a:r>
+              <a:rPr lang="ko-KR" sz="1800">
+                <a:latin typeface="맑은 고딕" charset="0"/>
+                <a:ea typeface="맑은 고딕" charset="0"/>
+              </a:rPr>
+              <a:t> 다음 UI 에서 Button - </a:t>
             </a:r>
             <a:r>
               <a:rPr lang="ko-KR" sz="1800">
@@ -10271,28 +10269,7 @@
                 <a:latin typeface="맑은 고딕" charset="0"/>
                 <a:ea typeface="맑은 고딕" charset="0"/>
               </a:rPr>
-              <a:t> </a:t>
-            </a:r>
-            <a:r>
-              <a:rPr lang="ko-KR" sz="1800">
-                <a:latin typeface="맑은 고딕" charset="0"/>
-                <a:ea typeface="맑은 고딕" charset="0"/>
-              </a:rPr>
-              <a:t>오브젝트를</a:t>
-            </a:r>
-            <a:r>
-              <a:rPr lang="ko-KR" sz="1800">
-                <a:latin typeface="맑은 고딕" charset="0"/>
-                <a:ea typeface="맑은 고딕" charset="0"/>
-              </a:rPr>
-              <a:t> </a:t>
-            </a:r>
-            <a:r>
-              <a:rPr lang="ko-KR" sz="1800">
-                <a:latin typeface="맑은 고딕" charset="0"/>
-                <a:ea typeface="맑은 고딕" charset="0"/>
-              </a:rPr>
-              <a:t>생성합니다.</a:t>
+              <a:t> 오브젝트를 생성합니다.</a:t>
             </a:r>
             <a:endParaRPr lang="ko-KR" altLang="en-US" sz="1800">
               <a:latin typeface="맑은 고딕" charset="0"/>
@@ -10326,63 +10303,7 @@
                 <a:latin typeface="맑은 고딕" charset="0"/>
                 <a:ea typeface="맑은 고딕" charset="0"/>
               </a:rPr>
-              <a:t> </a:t>
-            </a:r>
-            <a:r>
-              <a:rPr lang="ko-KR" sz="1800">
-                <a:latin typeface="맑은 고딕" charset="0"/>
-                <a:ea typeface="맑은 고딕" charset="0"/>
-              </a:rPr>
-              <a:t>나서</a:t>
-            </a:r>
-            <a:r>
-              <a:rPr lang="ko-KR" sz="1800">
-                <a:latin typeface="맑은 고딕" charset="0"/>
-                <a:ea typeface="맑은 고딕" charset="0"/>
-              </a:rPr>
-              <a:t> </a:t>
-            </a:r>
-            <a:r>
-              <a:rPr lang="ko-KR" sz="1800">
-                <a:latin typeface="맑은 고딕" charset="0"/>
-                <a:ea typeface="맑은 고딕" charset="0"/>
-              </a:rPr>
-              <a:t>Close</a:t>
-            </a:r>
-            <a:r>
-              <a:rPr lang="ko-KR" sz="1800">
-                <a:latin typeface="맑은 고딕" charset="0"/>
-                <a:ea typeface="맑은 고딕" charset="0"/>
-              </a:rPr>
-              <a:t> </a:t>
-            </a:r>
-            <a:r>
-              <a:rPr lang="ko-KR" sz="1800">
-                <a:latin typeface="맑은 고딕" charset="0"/>
-                <a:ea typeface="맑은 고딕" charset="0"/>
-              </a:rPr>
-              <a:t>Button</a:t>
-            </a:r>
-            <a:r>
-              <a:rPr lang="ko-KR" sz="1800">
-                <a:latin typeface="맑은 고딕" charset="0"/>
-                <a:ea typeface="맑은 고딕" charset="0"/>
-              </a:rPr>
-              <a:t> </a:t>
-            </a:r>
-            <a:r>
-              <a:rPr lang="ko-KR" sz="1800">
-                <a:latin typeface="맑은 고딕" charset="0"/>
-                <a:ea typeface="맑은 고딕" charset="0"/>
-              </a:rPr>
-              <a:t>이라는</a:t>
-            </a:r>
-            <a:r>
-              <a:rPr lang="ko-KR" sz="1800">
-                <a:latin typeface="맑은 고딕" charset="0"/>
-                <a:ea typeface="맑은 고딕" charset="0"/>
-              </a:rPr>
-              <a:t> </a:t>
+              <a:t> 나서 Close Button 이라는 </a:t>
             </a:r>
             <a:r>
               <a:rPr lang="ko-KR" sz="1800">
@@ -10396,14 +10317,7 @@
                 <a:latin typeface="맑은 고딕" charset="0"/>
                 <a:ea typeface="맑은 고딕" charset="0"/>
               </a:rPr>
-              <a:t> </a:t>
-            </a:r>
-            <a:r>
-              <a:rPr lang="ko-KR" sz="1800">
-                <a:latin typeface="맑은 고딕" charset="0"/>
-                <a:ea typeface="맑은 고딕" charset="0"/>
-              </a:rPr>
-              <a:t>정의합니다.</a:t>
+              <a:t> 정의합니다.</a:t>
             </a:r>
             <a:endParaRPr lang="ko-KR" altLang="en-US" sz="1800">
               <a:latin typeface="맑은 고딕" charset="0"/>
@@ -10414,7 +10328,7 @@
       </p:sp>
       <p:pic>
         <p:nvPicPr>
-          <p:cNvPr id="55" name="그림 21" descr="C:/Users/Admin1/AppData/Roaming/PolarisOffice/ETemp/10128_7415416/fImage224372416334.png"/>
+          <p:cNvPr id="55" name="그림 21" descr="C:/Users/Admin1/AppData/Roaming/PolarisOffice/ETemp/23832_17297800/fImage224372416334.png"/>
           <p:cNvPicPr>
             <a:picLocks noChangeAspect="1"/>
           </p:cNvPicPr>
@@ -10435,7 +10349,7 @@
         <p:spPr>
           <a:xfrm rot="0">
             <a:off x="1240790" y="1446530"/>
-            <a:ext cx="2722245" cy="2835275"/>
+            <a:ext cx="2723515" cy="2860675"/>
           </a:xfrm>
           <a:prstGeom prst="roundRect"/>
           <a:solidFill>
@@ -10445,17 +10359,17 @@
       </p:pic>
       <p:pic>
         <p:nvPicPr>
-          <p:cNvPr id="56" name="그림 22" descr="C:/Users/Admin1/AppData/Roaming/PolarisOffice/ETemp/10128_7415416/fImage82822596334.png"/>
+          <p:cNvPr id="56" name="그림 22" descr="C:/Users/Admin1/AppData/Roaming/PolarisOffice/ETemp/23832_17297800/fImage82822596334.png"/>
           <p:cNvPicPr>
             <a:picLocks noChangeAspect="1"/>
           </p:cNvPicPr>
           <p:nvPr/>
         </p:nvPicPr>
         <p:blipFill rotWithShape="1">
-          <a:blip r:embed="rId3" cstate="print">
+          <a:blip r:embed="rId3" cstate="hqprint">
             <a:extLst>
               <a:ext uri="{28A0092B-C50C-407E-A947-70E740481C1C}">
-                <a14:useLocalDpi xmlns:a14="http://schemas.microsoft.com/office/drawing/2010/main" val="0"/>
+                <a14:useLocalDpi xmlns:a14="http://schemas.microsoft.com/office/drawing/2010/main"/>
               </a:ext>
             </a:extLst>
           </a:blip>
@@ -10466,7 +10380,7 @@
         <p:spPr>
           <a:xfrm rot="0">
             <a:off x="4109085" y="2032635"/>
-            <a:ext cx="1266825" cy="1680210"/>
+            <a:ext cx="1267460" cy="1680845"/>
           </a:xfrm>
           <a:prstGeom prst="roundRect"/>
           <a:solidFill>
@@ -10476,7 +10390,7 @@
       </p:pic>
       <p:pic>
         <p:nvPicPr>
-          <p:cNvPr id="57" name="그림 25" descr="C:/Users/Admin1/AppData/Roaming/PolarisOffice/ETemp/10128_7415416/fImage123502606500.png"/>
+          <p:cNvPr id="57" name="그림 25"/>
           <p:cNvPicPr>
             <a:picLocks noChangeAspect="1"/>
           </p:cNvPicPr>
@@ -10606,17 +10520,17 @@
       </p:sp>
       <p:pic>
         <p:nvPicPr>
-          <p:cNvPr id="59" name="그림 29" descr="C:/Users/Admin1/AppData/Roaming/PolarisOffice/ETemp/10128_7415416/fImage509832629169.png"/>
+          <p:cNvPr id="59" name="그림 29" descr="C:/Users/Admin1/AppData/Roaming/PolarisOffice/ETemp/23832_17297800/fImage509832629169.png"/>
           <p:cNvPicPr>
             <a:picLocks noChangeAspect="1"/>
           </p:cNvPicPr>
           <p:nvPr/>
         </p:nvPicPr>
         <p:blipFill rotWithShape="1">
-          <a:blip r:embed="rId5" cstate="print">
+          <a:blip r:embed="rId5" cstate="hqprint">
             <a:extLst>
               <a:ext uri="{28A0092B-C50C-407E-A947-70E740481C1C}">
-                <a14:useLocalDpi xmlns:a14="http://schemas.microsoft.com/office/drawing/2010/main" val="0"/>
+                <a14:useLocalDpi xmlns:a14="http://schemas.microsoft.com/office/drawing/2010/main"/>
               </a:ext>
             </a:extLst>
           </a:blip>
@@ -10626,8 +10540,8 @@
         </p:blipFill>
         <p:spPr>
           <a:xfrm rot="0">
-            <a:off x="6822440" y="3867150"/>
-            <a:ext cx="4143375" cy="1301750"/>
+            <a:off x="6822440" y="3893185"/>
+            <a:ext cx="4144645" cy="1294130"/>
           </a:xfrm>
           <a:prstGeom prst="roundRect"/>
           <a:solidFill>
@@ -10685,8 +10599,8 @@
         </p:nvSpPr>
         <p:spPr>
           <a:xfrm rot="0">
-            <a:off x="4324350" y="448310"/>
-            <a:ext cx="3553460" cy="554990"/>
+            <a:off x="4246880" y="370840"/>
+            <a:ext cx="3696335" cy="555625"/>
           </a:xfrm>
           <a:prstGeom prst="rect"/>
           <a:noFill/>
@@ -10701,23 +10615,30 @@
           </a:bodyPr>
           <a:lstStyle/>
           <a:p>
-            <a:pPr marL="0" indent="0" algn="l" latinLnBrk="0" hangingPunct="1">
-              <a:buFontTx/>
-              <a:buNone/>
-            </a:pPr>
+            <a:pPr marL="0" indent="0" algn="ctr" latinLnBrk="0" hangingPunct="1">
+              <a:buFontTx/>
+              <a:buNone/>
+            </a:pPr>
+            <a:r>
+              <a:rPr lang="ko-KR" sz="2500" b="1">
+                <a:latin typeface="나눔바른고딕" charset="0"/>
+                <a:ea typeface="나눔바른고딕" charset="0"/>
+              </a:rPr>
+              <a:t>일곱</a:t>
+            </a:r>
+            <a:r>
+              <a:rPr lang="ko-KR" sz="2500" b="1">
+                <a:latin typeface="나눔바른고딕" charset="0"/>
+                <a:ea typeface="나눔바른고딕" charset="0"/>
+              </a:rPr>
+              <a:t> 번째 튜토리얼</a:t>
+            </a:r>
             <a:r>
               <a:rPr lang="ko-KR" sz="3000" b="1">
                 <a:latin typeface="맑은 고딕" charset="0"/>
                 <a:ea typeface="맑은 고딕" charset="0"/>
               </a:rPr>
-              <a:t>여섯</a:t>
-            </a:r>
-            <a:r>
-              <a:rPr lang="ko-KR" sz="3000" b="1">
-                <a:latin typeface="맑은 고딕" charset="0"/>
-                <a:ea typeface="맑은 고딕" charset="0"/>
-              </a:rPr>
-              <a:t> 번째 튜토리얼 </a:t>
+              <a:t> </a:t>
             </a:r>
             <a:endParaRPr lang="ko-KR" altLang="en-US" sz="3000" b="1">
               <a:latin typeface="맑은 고딕" charset="0"/>
@@ -10726,80 +10647,16 @@
           </a:p>
         </p:txBody>
       </p:sp>
-      <p:sp>
-        <p:nvSpPr>
-          <p:cNvPr id="52" name="Rect 0"/>
-          <p:cNvSpPr txBox="1">
-            <a:spLocks/>
-          </p:cNvSpPr>
-          <p:nvPr/>
-        </p:nvSpPr>
-        <p:spPr>
-          <a:xfrm rot="0">
-            <a:off x="6832600" y="2919095"/>
-            <a:ext cx="4124960" cy="677545"/>
-          </a:xfrm>
-          <a:prstGeom prst="rect"/>
-          <a:noFill/>
-          <a:ln w="0">
-            <a:noFill/>
-            <a:prstDash/>
-          </a:ln>
-        </p:spPr>
-        <p:txBody>
-          <a:bodyPr wrap="square" lIns="89535" tIns="46355" rIns="89535" bIns="46355" numCol="1" vert="horz" anchor="t">
-            <a:spAutoFit/>
-          </a:bodyPr>
-          <a:lstStyle/>
-          <a:p>
-            <a:pPr marL="0" indent="0" algn="l" latinLnBrk="0" hangingPunct="1">
-              <a:buFontTx/>
-              <a:buNone/>
-            </a:pPr>
-            <a:r>
-              <a:rPr lang="ko-KR" sz="2000" b="1">
-                <a:solidFill>
-                  <a:srgbClr val="0611F2"/>
-                </a:solidFill>
-                <a:latin typeface="맑은 고딕" charset="0"/>
-                <a:ea typeface="맑은 고딕" charset="0"/>
-              </a:rPr>
-              <a:t>15.</a:t>
-            </a:r>
-            <a:r>
-              <a:rPr lang="ko-KR" sz="2000">
-                <a:solidFill>
-                  <a:srgbClr val="0611F2"/>
-                </a:solidFill>
-                <a:latin typeface="맑은 고딕" charset="0"/>
-                <a:ea typeface="맑은 고딕" charset="0"/>
-              </a:rPr>
-              <a:t> </a:t>
-            </a:r>
-            <a:r>
-              <a:rPr lang="ko-KR" sz="1800">
-                <a:latin typeface="맑은 고딕" charset="0"/>
-                <a:ea typeface="맑은 고딕" charset="0"/>
-              </a:rPr>
-              <a:t>그런 다음 Close 애니메이션을 열어줍니다.</a:t>
-            </a:r>
-            <a:endParaRPr lang="ko-KR" altLang="en-US" sz="1800">
-              <a:latin typeface="맑은 고딕" charset="0"/>
-              <a:ea typeface="맑은 고딕" charset="0"/>
-            </a:endParaRPr>
-          </a:p>
-        </p:txBody>
-      </p:sp>
       <p:pic>
         <p:nvPicPr>
-          <p:cNvPr id="57" name="그림 80"/>
+          <p:cNvPr id="58" name="그림 1" descr="C:/Users/Admin1/AppData/Roaming/PolarisOffice/ETemp/23832_17297800/fImage3917114341.png"/>
           <p:cNvPicPr>
             <a:picLocks noChangeAspect="1"/>
           </p:cNvPicPr>
           <p:nvPr/>
         </p:nvPicPr>
         <p:blipFill rotWithShape="1">
-          <a:blip r:embed="rId4" cstate="hqprint">
+          <a:blip r:embed="rId7" cstate="hqprint">
             <a:extLst>
               <a:ext uri="{28A0092B-C50C-407E-A947-70E740481C1C}">
                 <a14:useLocalDpi xmlns:a14="http://schemas.microsoft.com/office/drawing/2010/main"/>
@@ -10812,8 +10669,8 @@
         </p:blipFill>
         <p:spPr>
           <a:xfrm rot="0">
-            <a:off x="6819900" y="1442720"/>
-            <a:ext cx="4137660" cy="1387475"/>
+            <a:off x="1240790" y="1438275"/>
+            <a:ext cx="4145280" cy="2576195"/>
           </a:xfrm>
           <a:prstGeom prst="roundRect"/>
           <a:solidFill>
@@ -10821,6 +10678,449 @@
           </a:solidFill>
         </p:spPr>
       </p:pic>
+      <p:sp>
+        <p:nvSpPr>
+          <p:cNvPr id="59" name="텍스트 상자 4"/>
+          <p:cNvSpPr txBox="1">
+            <a:spLocks/>
+          </p:cNvSpPr>
+          <p:nvPr/>
+        </p:nvSpPr>
+        <p:spPr>
+          <a:xfrm rot="0">
+            <a:off x="1240790" y="4188460"/>
+            <a:ext cx="4135120" cy="2061845"/>
+          </a:xfrm>
+          <a:prstGeom prst="rect"/>
+          <a:noFill/>
+          <a:ln w="0">
+            <a:noFill/>
+            <a:prstDash/>
+          </a:ln>
+        </p:spPr>
+        <p:txBody>
+          <a:bodyPr wrap="square" lIns="89535" tIns="46355" rIns="89535" bIns="46355" numCol="1" vert="horz" anchor="t">
+            <a:spAutoFit/>
+          </a:bodyPr>
+          <a:lstStyle/>
+          <a:p>
+            <a:pPr marL="0" indent="0" algn="l" latinLnBrk="0" hangingPunct="1">
+              <a:buFontTx/>
+              <a:buNone/>
+            </a:pPr>
+            <a:r>
+              <a:rPr lang="ko-KR" sz="2000" b="1">
+                <a:solidFill>
+                  <a:srgbClr val="0611F2"/>
+                </a:solidFill>
+                <a:latin typeface="맑은 고딕" charset="0"/>
+                <a:ea typeface="맑은 고딕" charset="0"/>
+              </a:rPr>
+              <a:t>18.</a:t>
+            </a:r>
+            <a:r>
+              <a:rPr lang="ko-KR" sz="2000">
+                <a:solidFill>
+                  <a:srgbClr val="0611F2"/>
+                </a:solidFill>
+                <a:latin typeface="맑은 고딕" charset="0"/>
+                <a:ea typeface="맑은 고딕" charset="0"/>
+              </a:rPr>
+              <a:t> </a:t>
+            </a:r>
+            <a:r>
+              <a:rPr lang="ko-KR" sz="1800">
+                <a:latin typeface="맑은 고딕" charset="0"/>
+                <a:ea typeface="맑은 고딕" charset="0"/>
+              </a:rPr>
+              <a:t>그런 다음 Update( ) 함수에서 </a:t>
+            </a:r>
+            <a:r>
+              <a:rPr lang="ko-KR" sz="1800">
+                <a:latin typeface="맑은 고딕" charset="0"/>
+                <a:ea typeface="맑은 고딕" charset="0"/>
+              </a:rPr>
+              <a:t>rect에</a:t>
+            </a:r>
+            <a:r>
+              <a:rPr lang="ko-KR" sz="1800">
+                <a:latin typeface="맑은 고딕" charset="0"/>
+                <a:ea typeface="맑은 고딕" charset="0"/>
+              </a:rPr>
+              <a:t> rawImage의 uvRect 속성을 </a:t>
+            </a:r>
+            <a:r>
+              <a:rPr lang="ko-KR" sz="1800">
+                <a:latin typeface="맑은 고딕" charset="0"/>
+                <a:ea typeface="맑은 고딕" charset="0"/>
+              </a:rPr>
+              <a:t>넣어줍니다.</a:t>
+            </a:r>
+            <a:endParaRPr lang="ko-KR" altLang="en-US" sz="1800">
+              <a:latin typeface="맑은 고딕" charset="0"/>
+              <a:ea typeface="맑은 고딕" charset="0"/>
+            </a:endParaRPr>
+          </a:p>
+          <a:p>
+            <a:pPr marL="0" indent="0" algn="l" latinLnBrk="0" hangingPunct="1">
+              <a:buFontTx/>
+              <a:buNone/>
+            </a:pPr>
+            <a:endParaRPr lang="ko-KR" altLang="en-US" sz="1800">
+              <a:latin typeface="맑은 고딕" charset="0"/>
+              <a:ea typeface="맑은 고딕" charset="0"/>
+            </a:endParaRPr>
+          </a:p>
+          <a:p>
+            <a:pPr marL="0" indent="0" algn="l" latinLnBrk="0" hangingPunct="1">
+              <a:buFontTx/>
+              <a:buNone/>
+            </a:pPr>
+            <a:r>
+              <a:rPr lang="ko-KR" sz="1800">
+                <a:latin typeface="맑은 고딕" charset="0"/>
+                <a:ea typeface="맑은 고딕" charset="0"/>
+              </a:rPr>
+              <a:t>그다음으로</a:t>
+            </a:r>
+            <a:r>
+              <a:rPr lang="ko-KR" sz="1800">
+                <a:latin typeface="맑은 고딕" charset="0"/>
+                <a:ea typeface="맑은 고딕" charset="0"/>
+              </a:rPr>
+              <a:t> rect의 x 값을 계속 </a:t>
+            </a:r>
+            <a:r>
+              <a:rPr lang="ko-KR" sz="1800">
+                <a:latin typeface="맑은 고딕" charset="0"/>
+                <a:ea typeface="맑은 고딕" charset="0"/>
+              </a:rPr>
+              <a:t>증가시킨</a:t>
+            </a:r>
+            <a:r>
+              <a:rPr lang="ko-KR" sz="1800">
+                <a:latin typeface="맑은 고딕" charset="0"/>
+                <a:ea typeface="맑은 고딕" charset="0"/>
+              </a:rPr>
+              <a:t> </a:t>
+            </a:r>
+            <a:r>
+              <a:rPr lang="ko-KR" sz="1800">
+                <a:latin typeface="맑은 고딕" charset="0"/>
+                <a:ea typeface="맑은 고딕" charset="0"/>
+              </a:rPr>
+              <a:t>다음</a:t>
+            </a:r>
+            <a:r>
+              <a:rPr lang="ko-KR" sz="1800">
+                <a:latin typeface="맑은 고딕" charset="0"/>
+                <a:ea typeface="맑은 고딕" charset="0"/>
+              </a:rPr>
+              <a:t> rawImage의 uvRect에 </a:t>
+            </a:r>
+            <a:r>
+              <a:rPr lang="ko-KR" sz="1800">
+                <a:latin typeface="맑은 고딕" charset="0"/>
+                <a:ea typeface="맑은 고딕" charset="0"/>
+              </a:rPr>
+              <a:t>넣어줍니다.</a:t>
+            </a:r>
+            <a:r>
+              <a:rPr lang="ko-KR" sz="1800">
+                <a:latin typeface="맑은 고딕" charset="0"/>
+                <a:ea typeface="맑은 고딕" charset="0"/>
+              </a:rPr>
+              <a:t> </a:t>
+            </a:r>
+            <a:endParaRPr lang="ko-KR" altLang="en-US" sz="1800">
+              <a:latin typeface="맑은 고딕" charset="0"/>
+              <a:ea typeface="맑은 고딕" charset="0"/>
+            </a:endParaRPr>
+          </a:p>
+        </p:txBody>
+      </p:sp>
+      <p:pic>
+        <p:nvPicPr>
+          <p:cNvPr id="60" name="그림 6"/>
+          <p:cNvPicPr>
+            <a:picLocks noChangeAspect="1"/>
+          </p:cNvPicPr>
+          <p:nvPr/>
+        </p:nvPicPr>
+        <p:blipFill rotWithShape="1">
+          <a:blip r:embed="rId8" cstate="print">
+            <a:extLst>
+              <a:ext uri="{28A0092B-C50C-407E-A947-70E740481C1C}">
+                <a14:useLocalDpi xmlns:a14="http://schemas.microsoft.com/office/drawing/2010/main" val="0"/>
+              </a:ext>
+            </a:extLst>
+          </a:blip>
+          <a:stretch>
+            <a:fillRect/>
+          </a:stretch>
+        </p:blipFill>
+        <p:spPr>
+          <a:xfrm rot="0">
+            <a:off x="9544050" y="1430020"/>
+            <a:ext cx="1413510" cy="1499235"/>
+          </a:xfrm>
+          <a:prstGeom prst="roundRect"/>
+          <a:solidFill>
+            <a:srgbClr val="EDEDED"/>
+          </a:solidFill>
+        </p:spPr>
+      </p:pic>
+      <p:pic>
+        <p:nvPicPr>
+          <p:cNvPr id="61" name="그림 8"/>
+          <p:cNvPicPr>
+            <a:picLocks noChangeAspect="1"/>
+          </p:cNvPicPr>
+          <p:nvPr/>
+        </p:nvPicPr>
+        <p:blipFill rotWithShape="1">
+          <a:blip r:embed="rId9" cstate="hqprint">
+            <a:extLst>
+              <a:ext uri="{28A0092B-C50C-407E-A947-70E740481C1C}">
+                <a14:useLocalDpi xmlns:a14="http://schemas.microsoft.com/office/drawing/2010/main"/>
+              </a:ext>
+            </a:extLst>
+          </a:blip>
+          <a:stretch>
+            <a:fillRect/>
+          </a:stretch>
+        </p:blipFill>
+        <p:spPr>
+          <a:xfrm rot="0">
+            <a:off x="6813550" y="1438275"/>
+            <a:ext cx="2533015" cy="2576195"/>
+          </a:xfrm>
+          <a:prstGeom prst="roundRect"/>
+          <a:solidFill>
+            <a:srgbClr val="EDEDED"/>
+          </a:solidFill>
+        </p:spPr>
+      </p:pic>
+      <p:pic>
+        <p:nvPicPr>
+          <p:cNvPr id="62" name="그림 11"/>
+          <p:cNvPicPr>
+            <a:picLocks noChangeAspect="1"/>
+          </p:cNvPicPr>
+          <p:nvPr/>
+        </p:nvPicPr>
+        <p:blipFill rotWithShape="1">
+          <a:blip r:embed="rId10" cstate="hqprint">
+            <a:extLst>
+              <a:ext uri="{28A0092B-C50C-407E-A947-70E740481C1C}">
+                <a14:useLocalDpi xmlns:a14="http://schemas.microsoft.com/office/drawing/2010/main"/>
+              </a:ext>
+            </a:extLst>
+          </a:blip>
+          <a:stretch>
+            <a:fillRect/>
+          </a:stretch>
+        </p:blipFill>
+        <p:spPr>
+          <a:xfrm rot="0">
+            <a:off x="9923145" y="3281680"/>
+            <a:ext cx="655320" cy="732790"/>
+          </a:xfrm>
+          <a:prstGeom prst="roundRect"/>
+          <a:solidFill>
+            <a:srgbClr val="EDEDED"/>
+          </a:solidFill>
+        </p:spPr>
+      </p:pic>
+      <p:cxnSp>
+        <p:nvCxnSpPr>
+          <p:cNvPr id="63" name="도형 14"/>
+          <p:cNvCxnSpPr>
+            <a:stCxn id="62" idx="0"/>
+            <a:endCxn id="60" idx="2"/>
+          </p:cNvCxnSpPr>
+          <p:nvPr/>
+        </p:nvCxnSpPr>
+        <p:spPr>
+          <a:xfrm rot="0" flipV="1">
+            <a:off x="10250170" y="2929255"/>
+            <a:ext cx="1270" cy="353060"/>
+          </a:xfrm>
+          <a:prstGeom prst="straightConnector1"/>
+          <a:ln w="6350" cap="flat" cmpd="sng">
+            <a:prstDash/>
+            <a:tailEnd type="triangle" w="med" len="med"/>
+          </a:ln>
+        </p:spPr>
+        <p:style>
+          <a:lnRef idx="1">
+            <a:schemeClr val="accent1"/>
+          </a:lnRef>
+          <a:fillRef idx="0">
+            <a:schemeClr val="accent1"/>
+          </a:fillRef>
+          <a:effectRef idx="0">
+            <a:schemeClr val="accent1"/>
+          </a:effectRef>
+          <a:fontRef idx="minor">
+            <a:schemeClr val="tx1"/>
+          </a:fontRef>
+        </p:style>
+      </p:cxnSp>
+      <p:sp>
+        <p:nvSpPr>
+          <p:cNvPr id="64" name="텍스트 상자 15"/>
+          <p:cNvSpPr txBox="1">
+            <a:spLocks/>
+          </p:cNvSpPr>
+          <p:nvPr/>
+        </p:nvSpPr>
+        <p:spPr>
+          <a:xfrm rot="0">
+            <a:off x="6824980" y="4182745"/>
+            <a:ext cx="4132580" cy="2061845"/>
+          </a:xfrm>
+          <a:prstGeom prst="rect"/>
+          <a:noFill/>
+          <a:ln w="0">
+            <a:noFill/>
+            <a:prstDash/>
+          </a:ln>
+        </p:spPr>
+        <p:txBody>
+          <a:bodyPr wrap="square" lIns="89535" tIns="46355" rIns="89535" bIns="46355" numCol="1" vert="horz" anchor="t">
+            <a:spAutoFit/>
+          </a:bodyPr>
+          <a:lstStyle/>
+          <a:p>
+            <a:pPr marL="0" indent="0" algn="l" latinLnBrk="0" hangingPunct="1">
+              <a:buFontTx/>
+              <a:buNone/>
+            </a:pPr>
+            <a:r>
+              <a:rPr lang="ko-KR" sz="2000" b="1">
+                <a:solidFill>
+                  <a:srgbClr val="0611F2"/>
+                </a:solidFill>
+                <a:latin typeface="맑은 고딕" charset="0"/>
+                <a:ea typeface="맑은 고딕" charset="0"/>
+              </a:rPr>
+              <a:t>19.</a:t>
+            </a:r>
+            <a:r>
+              <a:rPr lang="ko-KR" sz="2000">
+                <a:solidFill>
+                  <a:srgbClr val="0611F2"/>
+                </a:solidFill>
+                <a:latin typeface="맑은 고딕" charset="0"/>
+                <a:ea typeface="맑은 고딕" charset="0"/>
+              </a:rPr>
+              <a:t> </a:t>
+            </a:r>
+            <a:r>
+              <a:rPr lang="ko-KR" sz="1800">
+                <a:latin typeface="맑은 고딕" charset="0"/>
+                <a:ea typeface="맑은 고딕" charset="0"/>
+              </a:rPr>
+              <a:t>그러고 나서 빈 게임 오브젝트를 </a:t>
+            </a:r>
+            <a:r>
+              <a:rPr lang="ko-KR" sz="1800">
+                <a:latin typeface="맑은 고딕" charset="0"/>
+                <a:ea typeface="맑은 고딕" charset="0"/>
+              </a:rPr>
+              <a:t>생성한</a:t>
+            </a:r>
+            <a:r>
+              <a:rPr lang="ko-KR" sz="1800">
+                <a:latin typeface="맑은 고딕" charset="0"/>
+                <a:ea typeface="맑은 고딕" charset="0"/>
+              </a:rPr>
+              <a:t> 다음 Animator Manager 라는 </a:t>
+            </a:r>
+            <a:r>
+              <a:rPr lang="ko-KR" sz="1800">
+                <a:latin typeface="맑은 고딕" charset="0"/>
+                <a:ea typeface="맑은 고딕" charset="0"/>
+              </a:rPr>
+              <a:t>이름으로</a:t>
+            </a:r>
+            <a:r>
+              <a:rPr lang="ko-KR" sz="1800">
+                <a:latin typeface="맑은 고딕" charset="0"/>
+                <a:ea typeface="맑은 고딕" charset="0"/>
+              </a:rPr>
+              <a:t> 정의합니다.</a:t>
+            </a:r>
+            <a:endParaRPr lang="ko-KR" altLang="en-US" sz="1800">
+              <a:latin typeface="맑은 고딕" charset="0"/>
+              <a:ea typeface="맑은 고딕" charset="0"/>
+            </a:endParaRPr>
+          </a:p>
+          <a:p>
+            <a:pPr marL="0" indent="0" algn="l" latinLnBrk="0" hangingPunct="1">
+              <a:buFontTx/>
+              <a:buNone/>
+            </a:pPr>
+            <a:endParaRPr lang="ko-KR" altLang="en-US" sz="1800">
+              <a:latin typeface="맑은 고딕" charset="0"/>
+              <a:ea typeface="맑은 고딕" charset="0"/>
+            </a:endParaRPr>
+          </a:p>
+          <a:p>
+            <a:pPr marL="0" indent="0" algn="l" latinLnBrk="0" hangingPunct="1">
+              <a:buFontTx/>
+              <a:buNone/>
+            </a:pPr>
+            <a:r>
+              <a:rPr lang="ko-KR" sz="1800">
+                <a:latin typeface="맑은 고딕" charset="0"/>
+                <a:ea typeface="맑은 고딕" charset="0"/>
+              </a:rPr>
+              <a:t>이제</a:t>
+            </a:r>
+            <a:r>
+              <a:rPr lang="ko-KR" sz="1800">
+                <a:latin typeface="맑은 고딕" charset="0"/>
+                <a:ea typeface="맑은 고딕" charset="0"/>
+              </a:rPr>
+              <a:t> AnimationManager 라는 </a:t>
+            </a:r>
+            <a:r>
+              <a:rPr lang="ko-KR" sz="1800">
+                <a:latin typeface="맑은 고딕" charset="0"/>
+                <a:ea typeface="맑은 고딕" charset="0"/>
+              </a:rPr>
+              <a:t>스크립트를</a:t>
+            </a:r>
+            <a:r>
+              <a:rPr lang="ko-KR" sz="1800">
+                <a:latin typeface="맑은 고딕" charset="0"/>
+                <a:ea typeface="맑은 고딕" charset="0"/>
+              </a:rPr>
+              <a:t> 생성하고 Animator </a:t>
+            </a:r>
+            <a:r>
+              <a:rPr lang="ko-KR" sz="1800">
+                <a:latin typeface="맑은 고딕" charset="0"/>
+                <a:ea typeface="맑은 고딕" charset="0"/>
+              </a:rPr>
+              <a:t>Manager</a:t>
+            </a:r>
+            <a:r>
+              <a:rPr lang="ko-KR" sz="1800">
+                <a:latin typeface="맑은 고딕" charset="0"/>
+                <a:ea typeface="맑은 고딕" charset="0"/>
+              </a:rPr>
+              <a:t> 오브젝트에 넣어줍니다.</a:t>
+            </a:r>
+            <a:endParaRPr lang="ko-KR" altLang="en-US" sz="1800">
+              <a:latin typeface="맑은 고딕" charset="0"/>
+              <a:ea typeface="맑은 고딕" charset="0"/>
+            </a:endParaRPr>
+          </a:p>
+        </p:txBody>
+      </p:sp>
     </p:spTree>
   </p:cSld>
   <p:clrMapOvr>
@@ -10871,8 +11171,8 @@
         </p:nvSpPr>
         <p:spPr>
           <a:xfrm rot="0">
-            <a:off x="4324350" y="448310"/>
-            <a:ext cx="3553460" cy="554990"/>
+            <a:off x="4246880" y="353695"/>
+            <a:ext cx="3696335" cy="554990"/>
           </a:xfrm>
           <a:prstGeom prst="rect"/>
           <a:noFill/>
@@ -10887,23 +11187,30 @@
           </a:bodyPr>
           <a:lstStyle/>
           <a:p>
-            <a:pPr marL="0" indent="0" algn="l" latinLnBrk="0" hangingPunct="1">
-              <a:buFontTx/>
-              <a:buNone/>
-            </a:pPr>
+            <a:pPr marL="0" indent="0" algn="ctr" latinLnBrk="0" hangingPunct="1">
+              <a:buFontTx/>
+              <a:buNone/>
+            </a:pPr>
+            <a:r>
+              <a:rPr lang="ko-KR" sz="2500" b="1">
+                <a:latin typeface="나눔바른고딕" charset="0"/>
+                <a:ea typeface="나눔바른고딕" charset="0"/>
+              </a:rPr>
+              <a:t>여덟</a:t>
+            </a:r>
+            <a:r>
+              <a:rPr lang="ko-KR" sz="2500" b="1">
+                <a:latin typeface="나눔바른고딕" charset="0"/>
+                <a:ea typeface="나눔바른고딕" charset="0"/>
+              </a:rPr>
+              <a:t> 번째 튜토리얼</a:t>
+            </a:r>
             <a:r>
               <a:rPr lang="ko-KR" sz="3000" b="1">
                 <a:latin typeface="맑은 고딕" charset="0"/>
                 <a:ea typeface="맑은 고딕" charset="0"/>
               </a:rPr>
-              <a:t>일곱</a:t>
-            </a:r>
-            <a:r>
-              <a:rPr lang="ko-KR" sz="3000" b="1">
-                <a:latin typeface="맑은 고딕" charset="0"/>
-                <a:ea typeface="맑은 고딕" charset="0"/>
-              </a:rPr>
-              <a:t> 번째 튜토리얼 </a:t>
+              <a:t> </a:t>
             </a:r>
             <a:endParaRPr lang="ko-KR" altLang="en-US" sz="3000" b="1">
               <a:latin typeface="맑은 고딕" charset="0"/>
@@ -10912,40 +11219,9 @@
           </a:p>
         </p:txBody>
       </p:sp>
-      <p:pic>
-        <p:nvPicPr>
-          <p:cNvPr id="58" name="Picture " descr="C:/Users/Admin1/AppData/Roaming/PolarisOffice/ETemp/18164_10088728/fImage109923422995.png"/>
-          <p:cNvPicPr>
-            <a:picLocks noChangeAspect="1"/>
-          </p:cNvPicPr>
-          <p:nvPr/>
-        </p:nvPicPr>
-        <p:blipFill rotWithShape="1">
-          <a:blip r:embed="rId2" cstate="hqprint">
-            <a:extLst>
-              <a:ext uri="{28A0092B-C50C-407E-A947-70E740481C1C}">
-                <a14:useLocalDpi xmlns:a14="http://schemas.microsoft.com/office/drawing/2010/main"/>
-              </a:ext>
-            </a:extLst>
-          </a:blip>
-          <a:stretch>
-            <a:fillRect/>
-          </a:stretch>
-        </p:blipFill>
-        <p:spPr>
-          <a:xfrm rot="0">
-            <a:off x="1238885" y="1447800"/>
-            <a:ext cx="4134485" cy="1734820"/>
-          </a:xfrm>
-          <a:prstGeom prst="roundRect"/>
-          <a:solidFill>
-            <a:srgbClr val="EDEDED"/>
-          </a:solidFill>
-        </p:spPr>
-      </p:pic>
-      <p:sp>
-        <p:nvSpPr>
-          <p:cNvPr id="60" name="텍스트 상자 88"/>
+      <p:sp>
+        <p:nvSpPr>
+          <p:cNvPr id="65" name="텍스트 상자 1"/>
           <p:cNvSpPr txBox="1">
             <a:spLocks/>
           </p:cNvSpPr>
@@ -10953,8 +11229,8 @@
         </p:nvSpPr>
         <p:spPr>
           <a:xfrm rot="0">
-            <a:off x="1247140" y="5249545"/>
-            <a:ext cx="4125595" cy="954405"/>
+            <a:off x="1240790" y="5443220"/>
+            <a:ext cx="4144010" cy="677545"/>
           </a:xfrm>
           <a:prstGeom prst="rect"/>
           <a:noFill/>
@@ -10981,16 +11257,36 @@
                 <a:latin typeface="맑은 고딕" charset="0"/>
                 <a:ea typeface="맑은 고딕" charset="0"/>
               </a:rPr>
-              <a:t>17.</a:t>
-            </a:r>
-            <a:r>
-              <a:rPr lang="ko-KR" sz="2000">
+              <a:t>2</a:t>
+            </a:r>
+            <a:r>
+              <a:rPr lang="ko-KR" sz="2000" b="1">
                 <a:solidFill>
                   <a:srgbClr val="0611F2"/>
                 </a:solidFill>
                 <a:latin typeface="맑은 고딕" charset="0"/>
                 <a:ea typeface="맑은 고딕" charset="0"/>
               </a:rPr>
+              <a:t>0</a:t>
+            </a:r>
+            <a:r>
+              <a:rPr lang="ko-KR" sz="2000" b="1">
+                <a:solidFill>
+                  <a:srgbClr val="0611F2"/>
+                </a:solidFill>
+                <a:latin typeface="맑은 고딕" charset="0"/>
+                <a:ea typeface="맑은 고딕" charset="0"/>
+              </a:rPr>
+              <a:t>.</a:t>
+            </a:r>
+            <a:r>
+              <a:rPr lang="ko-KR" sz="2000" b="1">
+                <a:solidFill>
+                  <a:srgbClr val="0611F2"/>
+                </a:solidFill>
+                <a:latin typeface="맑은 고딕" charset="0"/>
+                <a:ea typeface="맑은 고딕" charset="0"/>
+              </a:rPr>
               <a:t> </a:t>
             </a:r>
             <a:r>
@@ -10998,7 +11294,42 @@
                 <a:latin typeface="맑은 고딕" charset="0"/>
                 <a:ea typeface="맑은 고딕" charset="0"/>
               </a:rPr>
-              <a:t>이제 Window 오브젝트를 선택하고 Close Animation에서 Add Property를 추가합니다.</a:t>
+              <a:t>그리고 Window에서 </a:t>
+            </a:r>
+            <a:r>
+              <a:rPr lang="ko-KR" sz="1800">
+                <a:latin typeface="맑은 고딕" charset="0"/>
+                <a:ea typeface="맑은 고딕" charset="0"/>
+              </a:rPr>
+              <a:t>Animation을</a:t>
+            </a:r>
+            <a:r>
+              <a:rPr lang="ko-KR" sz="1800">
+                <a:latin typeface="맑은 고딕" charset="0"/>
+                <a:ea typeface="맑은 고딕" charset="0"/>
+              </a:rPr>
+              <a:t> </a:t>
+            </a:r>
+            <a:r>
+              <a:rPr lang="ko-KR" sz="1800">
+                <a:latin typeface="맑은 고딕" charset="0"/>
+                <a:ea typeface="맑은 고딕" charset="0"/>
+              </a:rPr>
+              <a:t>선택하고</a:t>
+            </a:r>
+            <a:r>
+              <a:rPr lang="ko-KR" sz="1800">
+                <a:latin typeface="맑은 고딕" charset="0"/>
+                <a:ea typeface="맑은 고딕" charset="0"/>
+              </a:rPr>
+              <a:t> Animation을 </a:t>
+            </a:r>
+            <a:r>
+              <a:rPr lang="ko-KR" sz="1800">
+                <a:latin typeface="맑은 고딕" charset="0"/>
+                <a:ea typeface="맑은 고딕" charset="0"/>
+              </a:rPr>
+              <a:t>생성합니다.</a:t>
             </a:r>
             <a:endParaRPr lang="ko-KR" altLang="en-US" sz="1800">
               <a:latin typeface="맑은 고딕" charset="0"/>
@@ -11009,7 +11340,7 @@
       </p:sp>
       <p:pic>
         <p:nvPicPr>
-          <p:cNvPr id="61" name="그림 89" descr="C:/Users/Admin1/AppData/Roaming/PolarisOffice/ETemp/18164_10088728/fImage62053481942.png"/>
+          <p:cNvPr id="66" name="그림 2" descr="C:/Users/Admin1/AppData/Roaming/PolarisOffice/ETemp/23832_17297800/fImage205293289358.png"/>
           <p:cNvPicPr>
             <a:picLocks noChangeAspect="1"/>
           </p:cNvPicPr>
@@ -11029,8 +11360,8 @@
         </p:blipFill>
         <p:spPr>
           <a:xfrm rot="0">
-            <a:off x="1255395" y="3381375"/>
-            <a:ext cx="4117975" cy="1744345"/>
+            <a:off x="1240790" y="1447165"/>
+            <a:ext cx="4136390" cy="3825875"/>
           </a:xfrm>
           <a:prstGeom prst="roundRect"/>
           <a:solidFill>
@@ -11038,97 +11369,16 @@
           </a:solidFill>
         </p:spPr>
       </p:pic>
-      <p:sp>
-        <p:nvSpPr>
-          <p:cNvPr id="62" name="텍스트 상자 95"/>
-          <p:cNvSpPr txBox="1">
-            <a:spLocks/>
-          </p:cNvSpPr>
-          <p:nvPr/>
-        </p:nvSpPr>
-        <p:spPr>
-          <a:xfrm rot="0">
-            <a:off x="6840855" y="5248910"/>
-            <a:ext cx="3907790" cy="954405"/>
-          </a:xfrm>
-          <a:prstGeom prst="rect"/>
-          <a:noFill/>
-          <a:ln w="0">
-            <a:noFill/>
-            <a:prstDash/>
-          </a:ln>
-        </p:spPr>
-        <p:txBody>
-          <a:bodyPr wrap="square" lIns="89535" tIns="46355" rIns="89535" bIns="46355" numCol="1" vert="horz" anchor="t">
-            <a:spAutoFit/>
-          </a:bodyPr>
-          <a:lstStyle/>
-          <a:p>
-            <a:pPr marL="0" indent="0" algn="l" latinLnBrk="0" hangingPunct="1">
-              <a:buFontTx/>
-              <a:buNone/>
-            </a:pPr>
-            <a:r>
-              <a:rPr lang="ko-KR" sz="2000" b="1">
-                <a:solidFill>
-                  <a:srgbClr val="0611F2"/>
-                </a:solidFill>
-                <a:latin typeface="맑은 고딕" charset="0"/>
-                <a:ea typeface="맑은 고딕" charset="0"/>
-              </a:rPr>
-              <a:t>18</a:t>
-            </a:r>
-            <a:r>
-              <a:rPr lang="ko-KR" sz="2000" b="1">
-                <a:solidFill>
-                  <a:srgbClr val="0611F2"/>
-                </a:solidFill>
-                <a:latin typeface="맑은 고딕" charset="0"/>
-                <a:ea typeface="맑은 고딕" charset="0"/>
-              </a:rPr>
-              <a:t>.</a:t>
-            </a:r>
-            <a:r>
-              <a:rPr lang="ko-KR" sz="2000">
-                <a:solidFill>
-                  <a:srgbClr val="0611F2"/>
-                </a:solidFill>
-                <a:latin typeface="맑은 고딕" charset="0"/>
-                <a:ea typeface="맑은 고딕" charset="0"/>
-              </a:rPr>
-              <a:t> </a:t>
-            </a:r>
-            <a:r>
-              <a:rPr lang="ko-KR" sz="1800">
-                <a:latin typeface="맑은 고딕" charset="0"/>
-                <a:ea typeface="맑은 고딕" charset="0"/>
-              </a:rPr>
-              <a:t>그다음</a:t>
-            </a:r>
-            <a:r>
-              <a:rPr lang="ko-KR" sz="1800">
-                <a:latin typeface="맑은 고딕" charset="0"/>
-                <a:ea typeface="맑은 고딕" charset="0"/>
-              </a:rPr>
-              <a:t>으로 Add Property에서 Rect Transform에 Scale을 선택합니다.</a:t>
-            </a:r>
-            <a:endParaRPr lang="ko-KR" altLang="en-US" sz="1800">
-              <a:latin typeface="맑은 고딕" charset="0"/>
-              <a:ea typeface="맑은 고딕" charset="0"/>
-            </a:endParaRPr>
-          </a:p>
-        </p:txBody>
-      </p:sp>
       <p:pic>
         <p:nvPicPr>
-          <p:cNvPr id="63" name="그림 96"/>
+          <p:cNvPr id="67" name="그림 1" descr="C:/Users/Admin1/AppData/Roaming/PolarisOffice/ETemp/23832_17297800/fImage1555015941.png"/>
           <p:cNvPicPr>
             <a:picLocks noChangeAspect="1"/>
           </p:cNvPicPr>
           <p:nvPr/>
         </p:nvPicPr>
         <p:blipFill rotWithShape="1">
-          <a:blip r:embed="rId4" cstate="print">
+          <a:blip r:embed="rId5" cstate="print">
             <a:extLst>
               <a:ext uri="{28A0092B-C50C-407E-A947-70E740481C1C}">
                 <a14:useLocalDpi xmlns:a14="http://schemas.microsoft.com/office/drawing/2010/main" val="0"/>
@@ -11141,8 +11391,8 @@
         </p:blipFill>
         <p:spPr>
           <a:xfrm rot="0">
-            <a:off x="6829425" y="1447800"/>
-            <a:ext cx="3922395" cy="3686810"/>
+            <a:off x="6822440" y="3945255"/>
+            <a:ext cx="4126230" cy="1395095"/>
           </a:xfrm>
           <a:prstGeom prst="roundRect"/>
           <a:solidFill>
@@ -11150,6 +11400,207 @@
           </a:solidFill>
         </p:spPr>
       </p:pic>
+      <p:sp>
+        <p:nvSpPr>
+          <p:cNvPr id="68" name="텍스트 상자 4"/>
+          <p:cNvSpPr txBox="1">
+            <a:spLocks/>
+          </p:cNvSpPr>
+          <p:nvPr/>
+        </p:nvSpPr>
+        <p:spPr>
+          <a:xfrm rot="0">
+            <a:off x="6822440" y="5443220"/>
+            <a:ext cx="4126230" cy="677545"/>
+          </a:xfrm>
+          <a:prstGeom prst="rect"/>
+          <a:noFill/>
+          <a:ln w="0">
+            <a:noFill/>
+            <a:prstDash/>
+          </a:ln>
+        </p:spPr>
+        <p:txBody>
+          <a:bodyPr wrap="square" lIns="89535" tIns="46355" rIns="89535" bIns="46355" numCol="1" vert="horz" anchor="t">
+            <a:spAutoFit/>
+          </a:bodyPr>
+          <a:lstStyle/>
+          <a:p>
+            <a:pPr marL="0" indent="0" algn="l" latinLnBrk="0" hangingPunct="1">
+              <a:buFontTx/>
+              <a:buNone/>
+            </a:pPr>
+            <a:r>
+              <a:rPr lang="ko-KR" sz="2000" b="1">
+                <a:solidFill>
+                  <a:srgbClr val="0611F2"/>
+                </a:solidFill>
+                <a:latin typeface="맑은 고딕" charset="0"/>
+                <a:ea typeface="맑은 고딕" charset="0"/>
+              </a:rPr>
+              <a:t>22.</a:t>
+            </a:r>
+            <a:r>
+              <a:rPr lang="ko-KR" sz="2000">
+                <a:solidFill>
+                  <a:srgbClr val="0611F2"/>
+                </a:solidFill>
+                <a:latin typeface="맑은 고딕" charset="0"/>
+                <a:ea typeface="맑은 고딕" charset="0"/>
+              </a:rPr>
+              <a:t> </a:t>
+            </a:r>
+            <a:r>
+              <a:rPr lang="ko-KR" sz="1800">
+                <a:latin typeface="맑은 고딕" charset="0"/>
+                <a:ea typeface="맑은 고딕" charset="0"/>
+              </a:rPr>
+              <a:t>그다음으로 Create New Clip을 </a:t>
+            </a:r>
+            <a:r>
+              <a:rPr lang="ko-KR" sz="1800">
+                <a:latin typeface="맑은 고딕" charset="0"/>
+                <a:ea typeface="맑은 고딕" charset="0"/>
+              </a:rPr>
+              <a:t>선택합니다.</a:t>
+            </a:r>
+            <a:endParaRPr lang="ko-KR" altLang="en-US" sz="1800">
+              <a:latin typeface="맑은 고딕" charset="0"/>
+              <a:ea typeface="맑은 고딕" charset="0"/>
+            </a:endParaRPr>
+          </a:p>
+        </p:txBody>
+      </p:sp>
+      <p:pic>
+        <p:nvPicPr>
+          <p:cNvPr id="69" name="그림 5" descr="C:/Users/Admin1/AppData/Roaming/PolarisOffice/ETemp/23832_17297800/fImage122251618467.png"/>
+          <p:cNvPicPr>
+            <a:picLocks noChangeAspect="1"/>
+          </p:cNvPicPr>
+          <p:nvPr/>
+        </p:nvPicPr>
+        <p:blipFill rotWithShape="1">
+          <a:blip r:embed="rId6" cstate="print">
+            <a:extLst>
+              <a:ext uri="{28A0092B-C50C-407E-A947-70E740481C1C}">
+                <a14:useLocalDpi xmlns:a14="http://schemas.microsoft.com/office/drawing/2010/main" val="0"/>
+              </a:ext>
+            </a:extLst>
+          </a:blip>
+          <a:stretch>
+            <a:fillRect/>
+          </a:stretch>
+        </p:blipFill>
+        <p:spPr>
+          <a:xfrm rot="0">
+            <a:off x="6810375" y="1447165"/>
+            <a:ext cx="4147185" cy="1344295"/>
+          </a:xfrm>
+          <a:prstGeom prst="roundRect"/>
+          <a:solidFill>
+            <a:srgbClr val="EDEDED"/>
+          </a:solidFill>
+        </p:spPr>
+      </p:pic>
+      <p:sp>
+        <p:nvSpPr>
+          <p:cNvPr id="70" name="텍스트 상자 8"/>
+          <p:cNvSpPr txBox="1">
+            <a:spLocks/>
+          </p:cNvSpPr>
+          <p:nvPr/>
+        </p:nvSpPr>
+        <p:spPr>
+          <a:xfrm rot="0">
+            <a:off x="6825615" y="2878455"/>
+            <a:ext cx="4131945" cy="954405"/>
+          </a:xfrm>
+          <a:prstGeom prst="rect"/>
+          <a:noFill/>
+          <a:ln w="0">
+            <a:noFill/>
+            <a:prstDash/>
+          </a:ln>
+        </p:spPr>
+        <p:txBody>
+          <a:bodyPr wrap="square" lIns="89535" tIns="46355" rIns="89535" bIns="46355" numCol="1" vert="horz" anchor="t">
+            <a:spAutoFit/>
+          </a:bodyPr>
+          <a:lstStyle/>
+          <a:p>
+            <a:pPr marL="0" indent="0" algn="l" latinLnBrk="0" hangingPunct="1">
+              <a:buFontTx/>
+              <a:buNone/>
+            </a:pPr>
+            <a:r>
+              <a:rPr lang="ko-KR" sz="2000" b="1">
+                <a:solidFill>
+                  <a:srgbClr val="0611F2"/>
+                </a:solidFill>
+                <a:latin typeface="맑은 고딕" charset="0"/>
+                <a:ea typeface="맑은 고딕" charset="0"/>
+              </a:rPr>
+              <a:t>21.</a:t>
+            </a:r>
+            <a:r>
+              <a:rPr lang="ko-KR" sz="2000">
+                <a:solidFill>
+                  <a:srgbClr val="0611F2"/>
+                </a:solidFill>
+                <a:latin typeface="맑은 고딕" charset="0"/>
+                <a:ea typeface="맑은 고딕" charset="0"/>
+              </a:rPr>
+              <a:t> </a:t>
+            </a:r>
+            <a:r>
+              <a:rPr lang="ko-KR" sz="1800">
+                <a:latin typeface="맑은 고딕" charset="0"/>
+                <a:ea typeface="맑은 고딕" charset="0"/>
+              </a:rPr>
+              <a:t>그런 다음 Animator Manager </a:t>
+            </a:r>
+            <a:r>
+              <a:rPr lang="ko-KR" sz="1800">
+                <a:latin typeface="맑은 고딕" charset="0"/>
+                <a:ea typeface="맑은 고딕" charset="0"/>
+              </a:rPr>
+              <a:t>오브젝트의</a:t>
+            </a:r>
+            <a:r>
+              <a:rPr lang="ko-KR" sz="1800">
+                <a:latin typeface="맑은 고딕" charset="0"/>
+                <a:ea typeface="맑은 고딕" charset="0"/>
+              </a:rPr>
+              <a:t> </a:t>
+            </a:r>
+            <a:r>
+              <a:rPr lang="ko-KR" sz="1800">
+                <a:latin typeface="맑은 고딕" charset="0"/>
+                <a:ea typeface="맑은 고딕" charset="0"/>
+              </a:rPr>
+              <a:t>위치와 회전 값을 </a:t>
+            </a:r>
+            <a:r>
+              <a:rPr lang="ko-KR" sz="1800">
+                <a:latin typeface="맑은 고딕" charset="0"/>
+                <a:ea typeface="맑은 고딕" charset="0"/>
+              </a:rPr>
+              <a:t>초기화합니</a:t>
+            </a:r>
+            <a:r>
+              <a:rPr lang="ko-KR" sz="1800">
+                <a:latin typeface="맑은 고딕" charset="0"/>
+                <a:ea typeface="맑은 고딕" charset="0"/>
+              </a:rPr>
+              <a:t>다.</a:t>
+            </a:r>
+            <a:endParaRPr lang="ko-KR" altLang="en-US" sz="1800">
+              <a:latin typeface="맑은 고딕" charset="0"/>
+              <a:ea typeface="맑은 고딕" charset="0"/>
+            </a:endParaRPr>
+          </a:p>
+        </p:txBody>
+      </p:sp>
     </p:spTree>
   </p:cSld>
   <p:clrMapOvr>
@@ -11174,7 +11625,7 @@
 </file>
 
 <file path=ppt/slides/slide9.xml><?xml version="1.0" encoding="utf-8"?>
-<p:sld xmlns:a="http://schemas.openxmlformats.org/drawingml/2006/main" xmlns:r="http://schemas.openxmlformats.org/officeDocument/2006/relationships" xmlns:p="http://schemas.openxmlformats.org/presentationml/2006/main" xmlns:p14="http://schemas.microsoft.com/office/powerpoint/2010/main">
+<p:sld xmlns:a="http://schemas.openxmlformats.org/drawingml/2006/main" xmlns:r="http://schemas.openxmlformats.org/officeDocument/2006/relationships" xmlns:p="http://schemas.openxmlformats.org/presentationml/2006/main">
   <p:cSld>
     <p:spTree>
       <p:nvGrpSpPr>
@@ -11200,8 +11651,8 @@
         </p:nvSpPr>
         <p:spPr>
           <a:xfrm rot="0">
-            <a:off x="4349750" y="452755"/>
-            <a:ext cx="3498850" cy="554990"/>
+            <a:off x="4246880" y="353695"/>
+            <a:ext cx="3696970" cy="554990"/>
           </a:xfrm>
           <a:prstGeom prst="rect"/>
           <a:noFill/>
@@ -11216,23 +11667,30 @@
           </a:bodyPr>
           <a:lstStyle/>
           <a:p>
-            <a:pPr marL="0" indent="0" algn="l" latinLnBrk="0" hangingPunct="1">
-              <a:buFontTx/>
-              <a:buNone/>
-            </a:pPr>
+            <a:pPr marL="0" indent="0" algn="ctr" latinLnBrk="0" hangingPunct="1">
+              <a:buFontTx/>
+              <a:buNone/>
+            </a:pPr>
+            <a:r>
+              <a:rPr lang="ko-KR" sz="2500" b="1">
+                <a:latin typeface="나눔바른고딕" charset="0"/>
+                <a:ea typeface="나눔바른고딕" charset="0"/>
+              </a:rPr>
+              <a:t>아홉</a:t>
+            </a:r>
+            <a:r>
+              <a:rPr lang="ko-KR" sz="2500" b="1">
+                <a:latin typeface="나눔바른고딕" charset="0"/>
+                <a:ea typeface="나눔바른고딕" charset="0"/>
+              </a:rPr>
+              <a:t> 번째 튜토리얼</a:t>
+            </a:r>
             <a:r>
               <a:rPr lang="ko-KR" sz="3000" b="1">
                 <a:latin typeface="맑은 고딕" charset="0"/>
                 <a:ea typeface="맑은 고딕" charset="0"/>
               </a:rPr>
-              <a:t>여덟</a:t>
-            </a:r>
-            <a:r>
-              <a:rPr lang="ko-KR" sz="3000" b="1">
-                <a:latin typeface="맑은 고딕" charset="0"/>
-                <a:ea typeface="맑은 고딕" charset="0"/>
-              </a:rPr>
-              <a:t> 번째 튜토리얼 </a:t>
+              <a:t> </a:t>
             </a:r>
             <a:endParaRPr lang="ko-KR" altLang="en-US" sz="3000" b="1">
               <a:latin typeface="맑은 고딕" charset="0"/>
@@ -11243,7 +11701,7 @@
       </p:sp>
       <p:sp>
         <p:nvSpPr>
-          <p:cNvPr id="34" name="Rect 0"/>
+          <p:cNvPr id="68" name="Rect 0"/>
           <p:cNvSpPr txBox="1">
             <a:spLocks/>
           </p:cNvSpPr>
@@ -11251,8 +11709,8 @@
         </p:nvSpPr>
         <p:spPr>
           <a:xfrm rot="0">
-            <a:off x="1306195" y="2994025"/>
-            <a:ext cx="4067175" cy="678180"/>
+            <a:off x="6805295" y="5511800"/>
+            <a:ext cx="4161155" cy="677545"/>
           </a:xfrm>
           <a:prstGeom prst="rect"/>
           <a:noFill/>
@@ -11279,7 +11737,7 @@
                 <a:latin typeface="맑은 고딕" charset="0"/>
                 <a:ea typeface="맑은 고딕" charset="0"/>
               </a:rPr>
-              <a:t>19.</a:t>
+              <a:t>25.</a:t>
             </a:r>
             <a:r>
               <a:rPr lang="ko-KR" sz="2000">
@@ -11296,7 +11754,35 @@
                 <a:latin typeface="맑은 고딕" charset="0"/>
                 <a:ea typeface="맑은 고딕" charset="0"/>
               </a:rPr>
-              <a:t>그런 다음 Close Animation의 Key Frame을 확인합니다.</a:t>
+              <a:t>그리고 Add Property에서 Rect </a:t>
+            </a:r>
+            <a:r>
+              <a:rPr lang="ko-KR" sz="1800">
+                <a:latin typeface="맑은 고딕" charset="0"/>
+                <a:ea typeface="맑은 고딕" charset="0"/>
+              </a:rPr>
+              <a:t>Transform에</a:t>
+            </a:r>
+            <a:r>
+              <a:rPr lang="ko-KR" sz="1800">
+                <a:latin typeface="맑은 고딕" charset="0"/>
+                <a:ea typeface="맑은 고딕" charset="0"/>
+              </a:rPr>
+              <a:t> </a:t>
+            </a:r>
+            <a:r>
+              <a:rPr lang="ko-KR" sz="1800">
+                <a:latin typeface="맑은 고딕" charset="0"/>
+                <a:ea typeface="맑은 고딕" charset="0"/>
+              </a:rPr>
+              <a:t>Scale을</a:t>
+            </a:r>
+            <a:r>
+              <a:rPr lang="ko-KR" sz="1800">
+                <a:latin typeface="맑은 고딕" charset="0"/>
+                <a:ea typeface="맑은 고딕" charset="0"/>
+              </a:rPr>
+              <a:t> 선택합니다</a:t>
             </a:r>
             <a:endParaRPr lang="ko-KR" altLang="en-US" sz="1800">
               <a:latin typeface="맑은 고딕" charset="0"/>
@@ -11307,7 +11793,7 @@
       </p:sp>
       <p:pic>
         <p:nvPicPr>
-          <p:cNvPr id="35" name="Picture "/>
+          <p:cNvPr id="71" name="그림 9" descr="C:/Users/Admin1/AppData/Roaming/PolarisOffice/ETemp/23832_17297800/fImage235232466334.png"/>
           <p:cNvPicPr>
             <a:picLocks noChangeAspect="1"/>
           </p:cNvPicPr>
@@ -11327,8 +11813,8 @@
         </p:blipFill>
         <p:spPr>
           <a:xfrm rot="0">
-            <a:off x="1304925" y="1385570"/>
-            <a:ext cx="4077335" cy="1510665"/>
+            <a:off x="1240790" y="1447165"/>
+            <a:ext cx="4135120" cy="2506980"/>
           </a:xfrm>
           <a:prstGeom prst="roundRect"/>
           <a:solidFill>
@@ -11336,9 +11822,246 @@
           </a:solidFill>
         </p:spPr>
       </p:pic>
+      <p:sp>
+        <p:nvSpPr>
+          <p:cNvPr id="72" name="텍스트 상자 12"/>
+          <p:cNvSpPr txBox="1">
+            <a:spLocks/>
+          </p:cNvSpPr>
+          <p:nvPr/>
+        </p:nvSpPr>
+        <p:spPr>
+          <a:xfrm rot="0">
+            <a:off x="1231900" y="4127500"/>
+            <a:ext cx="4135120" cy="2061845"/>
+          </a:xfrm>
+          <a:prstGeom prst="rect"/>
+          <a:noFill/>
+          <a:ln w="0">
+            <a:noFill/>
+            <a:prstDash/>
+          </a:ln>
+        </p:spPr>
+        <p:txBody>
+          <a:bodyPr wrap="square" lIns="89535" tIns="46355" rIns="89535" bIns="46355" numCol="1" vert="horz" anchor="t">
+            <a:spAutoFit/>
+          </a:bodyPr>
+          <a:lstStyle/>
+          <a:p>
+            <a:pPr marL="0" indent="0" algn="l" latinLnBrk="0" hangingPunct="1">
+              <a:buFontTx/>
+              <a:buNone/>
+            </a:pPr>
+            <a:r>
+              <a:rPr lang="ko-KR" sz="2000" b="1">
+                <a:solidFill>
+                  <a:srgbClr val="0611F2"/>
+                </a:solidFill>
+                <a:latin typeface="맑은 고딕" charset="0"/>
+                <a:ea typeface="맑은 고딕" charset="0"/>
+              </a:rPr>
+              <a:t>2</a:t>
+            </a:r>
+            <a:r>
+              <a:rPr lang="ko-KR" sz="2000" b="1">
+                <a:solidFill>
+                  <a:srgbClr val="0611F2"/>
+                </a:solidFill>
+                <a:latin typeface="맑은 고딕" charset="0"/>
+                <a:ea typeface="맑은 고딕" charset="0"/>
+              </a:rPr>
+              <a:t>3</a:t>
+            </a:r>
+            <a:r>
+              <a:rPr lang="ko-KR" sz="2000" b="1">
+                <a:solidFill>
+                  <a:srgbClr val="0611F2"/>
+                </a:solidFill>
+                <a:latin typeface="맑은 고딕" charset="0"/>
+                <a:ea typeface="맑은 고딕" charset="0"/>
+              </a:rPr>
+              <a:t>.</a:t>
+            </a:r>
+            <a:r>
+              <a:rPr lang="ko-KR" sz="2000" b="1">
+                <a:solidFill>
+                  <a:srgbClr val="0611F2"/>
+                </a:solidFill>
+                <a:latin typeface="맑은 고딕" charset="0"/>
+                <a:ea typeface="맑은 고딕" charset="0"/>
+              </a:rPr>
+              <a:t> </a:t>
+            </a:r>
+            <a:r>
+              <a:rPr lang="ko-KR" sz="1800">
+                <a:latin typeface="맑은 고딕" charset="0"/>
+                <a:ea typeface="맑은 고딕" charset="0"/>
+              </a:rPr>
+              <a:t>그러고 나서 Animation 파일을 </a:t>
+            </a:r>
+            <a:r>
+              <a:rPr lang="ko-KR" sz="1800">
+                <a:latin typeface="맑은 고딕" charset="0"/>
+                <a:ea typeface="맑은 고딕" charset="0"/>
+              </a:rPr>
+              <a:t>저장하기</a:t>
+            </a:r>
+            <a:r>
+              <a:rPr lang="ko-KR" sz="1800">
+                <a:latin typeface="맑은 고딕" charset="0"/>
+                <a:ea typeface="맑은 고딕" charset="0"/>
+              </a:rPr>
+              <a:t> </a:t>
+            </a:r>
+            <a:r>
+              <a:rPr lang="ko-KR" sz="1800">
+                <a:latin typeface="맑은 고딕" charset="0"/>
+                <a:ea typeface="맑은 고딕" charset="0"/>
+              </a:rPr>
+              <a:t>위한</a:t>
+            </a:r>
+            <a:r>
+              <a:rPr lang="ko-KR" sz="1800">
+                <a:latin typeface="맑은 고딕" charset="0"/>
+                <a:ea typeface="맑은 고딕" charset="0"/>
+              </a:rPr>
+              <a:t> </a:t>
+            </a:r>
+            <a:r>
+              <a:rPr lang="ko-KR" sz="1800">
+                <a:latin typeface="맑은 고딕" charset="0"/>
+                <a:ea typeface="맑은 고딕" charset="0"/>
+              </a:rPr>
+              <a:t>Animation</a:t>
+            </a:r>
+            <a:r>
+              <a:rPr lang="ko-KR" sz="1800">
+                <a:latin typeface="맑은 고딕" charset="0"/>
+                <a:ea typeface="맑은 고딕" charset="0"/>
+              </a:rPr>
+              <a:t> 폴더를 </a:t>
+            </a:r>
+            <a:r>
+              <a:rPr lang="ko-KR" sz="1800">
+                <a:latin typeface="맑은 고딕" charset="0"/>
+                <a:ea typeface="맑은 고딕" charset="0"/>
+              </a:rPr>
+              <a:t>지정합니다.</a:t>
+            </a:r>
+            <a:endParaRPr lang="ko-KR" altLang="en-US" sz="1800">
+              <a:latin typeface="맑은 고딕" charset="0"/>
+              <a:ea typeface="맑은 고딕" charset="0"/>
+            </a:endParaRPr>
+          </a:p>
+          <a:p>
+            <a:pPr marL="0" indent="0" algn="l" latinLnBrk="0" hangingPunct="1">
+              <a:buFontTx/>
+              <a:buNone/>
+            </a:pPr>
+            <a:endParaRPr lang="ko-KR" altLang="en-US" sz="1800">
+              <a:latin typeface="맑은 고딕" charset="0"/>
+              <a:ea typeface="맑은 고딕" charset="0"/>
+            </a:endParaRPr>
+          </a:p>
+          <a:p>
+            <a:pPr marL="0" indent="0" algn="l" latinLnBrk="0" hangingPunct="1">
+              <a:buFontTx/>
+              <a:buNone/>
+            </a:pPr>
+            <a:r>
+              <a:rPr lang="ko-KR" sz="1800">
+                <a:latin typeface="맑은 고딕" charset="0"/>
+                <a:ea typeface="맑은 고딕" charset="0"/>
+              </a:rPr>
+              <a:t>마지막으로</a:t>
+            </a:r>
+            <a:r>
+              <a:rPr lang="ko-KR" sz="1800">
+                <a:latin typeface="맑은 고딕" charset="0"/>
+                <a:ea typeface="맑은 고딕" charset="0"/>
+              </a:rPr>
+              <a:t> Close.anim이라는 </a:t>
+            </a:r>
+            <a:r>
+              <a:rPr lang="ko-KR" sz="1800">
+                <a:latin typeface="맑은 고딕" charset="0"/>
+                <a:ea typeface="맑은 고딕" charset="0"/>
+              </a:rPr>
+              <a:t>이름으로</a:t>
+            </a:r>
+            <a:r>
+              <a:rPr lang="ko-KR" sz="1800">
+                <a:latin typeface="맑은 고딕" charset="0"/>
+                <a:ea typeface="맑은 고딕" charset="0"/>
+              </a:rPr>
+              <a:t> </a:t>
+            </a:r>
+            <a:r>
+              <a:rPr lang="ko-KR" sz="1800">
+                <a:latin typeface="맑은 고딕" charset="0"/>
+                <a:ea typeface="맑은 고딕" charset="0"/>
+              </a:rPr>
+              <a:t>정의한 </a:t>
+            </a:r>
+            <a:r>
+              <a:rPr lang="ko-KR" sz="1800">
+                <a:latin typeface="맑은 고딕" charset="0"/>
+                <a:ea typeface="맑은 고딕" charset="0"/>
+              </a:rPr>
+              <a:t>다음</a:t>
+            </a:r>
+            <a:r>
+              <a:rPr lang="ko-KR" sz="1800">
+                <a:latin typeface="맑은 고딕" charset="0"/>
+                <a:ea typeface="맑은 고딕" charset="0"/>
+              </a:rPr>
+              <a:t> </a:t>
+            </a:r>
+            <a:r>
+              <a:rPr lang="ko-KR" sz="1800">
+                <a:latin typeface="맑은 고딕" charset="0"/>
+                <a:ea typeface="맑은 고딕" charset="0"/>
+              </a:rPr>
+              <a:t>애니메이션</a:t>
+            </a:r>
+            <a:r>
+              <a:rPr lang="ko-KR" sz="1800">
+                <a:latin typeface="맑은 고딕" charset="0"/>
+                <a:ea typeface="맑은 고딕" charset="0"/>
+              </a:rPr>
+              <a:t> </a:t>
+            </a:r>
+            <a:r>
+              <a:rPr lang="ko-KR" sz="1800">
+                <a:latin typeface="맑은 고딕" charset="0"/>
+                <a:ea typeface="맑은 고딕" charset="0"/>
+              </a:rPr>
+              <a:t>파일을</a:t>
+            </a:r>
+            <a:r>
+              <a:rPr lang="ko-KR" sz="1800">
+                <a:latin typeface="맑은 고딕" charset="0"/>
+                <a:ea typeface="맑은 고딕" charset="0"/>
+              </a:rPr>
+              <a:t> </a:t>
+            </a:r>
+            <a:r>
+              <a:rPr lang="ko-KR" sz="1800">
+                <a:latin typeface="맑은 고딕" charset="0"/>
+                <a:ea typeface="맑은 고딕" charset="0"/>
+              </a:rPr>
+              <a:t>저장합니다.</a:t>
+            </a:r>
+            <a:endParaRPr lang="ko-KR" altLang="en-US" sz="1800">
+              <a:latin typeface="맑은 고딕" charset="0"/>
+              <a:ea typeface="맑은 고딕" charset="0"/>
+            </a:endParaRPr>
+          </a:p>
+        </p:txBody>
+      </p:sp>
       <p:pic>
         <p:nvPicPr>
-          <p:cNvPr id="36" name="Picture " descr="C:/Users/Admin1/AppData/Roaming/PolarisOffice/ETemp/18164_10088728/fImage187123652391.png"/>
+          <p:cNvPr id="73" name="그림 13" descr="C:/Users/Admin1/AppData/Roaming/PolarisOffice/ETemp/23832_17297800/fImage109923422995.png"/>
           <p:cNvPicPr>
             <a:picLocks noChangeAspect="1"/>
           </p:cNvPicPr>
@@ -11358,8 +12081,8 @@
         </p:blipFill>
         <p:spPr>
           <a:xfrm rot="0">
-            <a:off x="1318895" y="3785870"/>
-            <a:ext cx="4054475" cy="1601470"/>
+            <a:off x="6813550" y="1447165"/>
+            <a:ext cx="4144010" cy="1335405"/>
           </a:xfrm>
           <a:prstGeom prst="roundRect"/>
           <a:solidFill>
@@ -11369,7 +12092,7 @@
       </p:pic>
       <p:sp>
         <p:nvSpPr>
-          <p:cNvPr id="37" name="Rect 0"/>
+          <p:cNvPr id="74" name="텍스트 상자 14"/>
           <p:cNvSpPr txBox="1">
             <a:spLocks/>
           </p:cNvSpPr>
@@ -11377,8 +12100,8 @@
         </p:nvSpPr>
         <p:spPr>
           <a:xfrm rot="0">
-            <a:off x="1301750" y="5499100"/>
-            <a:ext cx="4067175" cy="678180"/>
+            <a:off x="6822440" y="2884805"/>
+            <a:ext cx="4143375" cy="954405"/>
           </a:xfrm>
           <a:prstGeom prst="rect"/>
           <a:noFill/>
@@ -11405,7 +12128,27 @@
                 <a:latin typeface="맑은 고딕" charset="0"/>
                 <a:ea typeface="맑은 고딕" charset="0"/>
               </a:rPr>
-              <a:t>20.</a:t>
+              <a:t>2</a:t>
+            </a:r>
+            <a:r>
+              <a:rPr lang="ko-KR" sz="2000" b="1">
+                <a:solidFill>
+                  <a:srgbClr val="0611F2"/>
+                </a:solidFill>
+                <a:latin typeface="맑은 고딕" charset="0"/>
+                <a:ea typeface="맑은 고딕" charset="0"/>
+              </a:rPr>
+              <a:t>4</a:t>
+            </a:r>
+            <a:r>
+              <a:rPr lang="ko-KR" sz="2000" b="1">
+                <a:solidFill>
+                  <a:srgbClr val="0611F2"/>
+                </a:solidFill>
+                <a:latin typeface="맑은 고딕" charset="0"/>
+                <a:ea typeface="맑은 고딕" charset="0"/>
+              </a:rPr>
+              <a:t>.</a:t>
             </a:r>
             <a:r>
               <a:rPr lang="ko-KR" sz="2000">
@@ -11422,7 +12165,77 @@
                 <a:latin typeface="맑은 고딕" charset="0"/>
                 <a:ea typeface="맑은 고딕" charset="0"/>
               </a:rPr>
-              <a:t>그리고 Key Frame을 1 : 00에서 0 : 30으로 이동시킵니다.</a:t>
+              <a:t>이제 Close Animation 파일을 </a:t>
+            </a:r>
+            <a:r>
+              <a:rPr lang="ko-KR" sz="1800">
+                <a:latin typeface="맑은 고딕" charset="0"/>
+                <a:ea typeface="맑은 고딕" charset="0"/>
+              </a:rPr>
+              <a:t>열어준</a:t>
+            </a:r>
+            <a:r>
+              <a:rPr lang="ko-KR" sz="1800">
+                <a:latin typeface="맑은 고딕" charset="0"/>
+                <a:ea typeface="맑은 고딕" charset="0"/>
+              </a:rPr>
+              <a:t> </a:t>
+            </a:r>
+            <a:r>
+              <a:rPr lang="ko-KR" sz="1800">
+                <a:latin typeface="맑은 고딕" charset="0"/>
+                <a:ea typeface="맑은 고딕" charset="0"/>
+              </a:rPr>
+              <a:t>다음</a:t>
+            </a:r>
+            <a:r>
+              <a:rPr lang="ko-KR" sz="1800">
+                <a:latin typeface="맑은 고딕" charset="0"/>
+                <a:ea typeface="맑은 고딕" charset="0"/>
+              </a:rPr>
+              <a:t> Window 오브젝트를 </a:t>
+            </a:r>
+            <a:r>
+              <a:rPr lang="ko-KR" sz="1800">
+                <a:latin typeface="맑은 고딕" charset="0"/>
+                <a:ea typeface="맑은 고딕" charset="0"/>
+              </a:rPr>
+              <a:t>선택하고</a:t>
+            </a:r>
+            <a:r>
+              <a:rPr lang="ko-KR" sz="1800">
+                <a:latin typeface="맑은 고딕" charset="0"/>
+                <a:ea typeface="맑은 고딕" charset="0"/>
+              </a:rPr>
+              <a:t> </a:t>
+            </a:r>
+            <a:r>
+              <a:rPr lang="ko-KR" sz="1800">
+                <a:latin typeface="맑은 고딕" charset="0"/>
+                <a:ea typeface="맑은 고딕" charset="0"/>
+              </a:rPr>
+              <a:t>Add</a:t>
+            </a:r>
+            <a:r>
+              <a:rPr lang="ko-KR" sz="1800">
+                <a:latin typeface="맑은 고딕" charset="0"/>
+                <a:ea typeface="맑은 고딕" charset="0"/>
+              </a:rPr>
+              <a:t> </a:t>
+            </a:r>
+            <a:r>
+              <a:rPr lang="ko-KR" sz="1800">
+                <a:latin typeface="맑은 고딕" charset="0"/>
+                <a:ea typeface="맑은 고딕" charset="0"/>
+              </a:rPr>
+              <a:t>Property를</a:t>
+            </a:r>
+            <a:r>
+              <a:rPr lang="ko-KR" sz="1800">
+                <a:latin typeface="맑은 고딕" charset="0"/>
+                <a:ea typeface="맑은 고딕" charset="0"/>
+              </a:rPr>
+              <a:t> 선택합니다.</a:t>
             </a:r>
             <a:endParaRPr lang="ko-KR" altLang="en-US" sz="1800">
               <a:latin typeface="맑은 고딕" charset="0"/>
@@ -11431,79 +12244,9 @@
           </a:p>
         </p:txBody>
       </p:sp>
-      <p:sp>
-        <p:nvSpPr>
-          <p:cNvPr id="39" name="텍스트 상자 112"/>
-          <p:cNvSpPr txBox="1">
-            <a:spLocks/>
-          </p:cNvSpPr>
-          <p:nvPr/>
-        </p:nvSpPr>
-        <p:spPr>
-          <a:xfrm rot="0">
-            <a:off x="6819900" y="3000375"/>
-            <a:ext cx="4096385" cy="861695"/>
-          </a:xfrm>
-          <a:prstGeom prst="rect"/>
-          <a:noFill/>
-        </p:spPr>
-        <p:txBody>
-          <a:bodyPr wrap="square" lIns="0" tIns="0" rIns="0" bIns="0" vert="horz" anchor="t">
-            <a:noAutofit/>
-          </a:bodyPr>
-          <a:lstStyle/>
-          <a:p>
-            <a:pPr marL="0" indent="0" algn="l" latinLnBrk="0" hangingPunct="1">
-              <a:buFontTx/>
-              <a:buNone/>
-            </a:pPr>
-            <a:r>
-              <a:rPr lang="ko-KR" sz="2000" b="1">
-                <a:solidFill>
-                  <a:srgbClr val="0611F2"/>
-                </a:solidFill>
-                <a:latin typeface="맑은 고딕" charset="0"/>
-                <a:ea typeface="맑은 고딕" charset="0"/>
-              </a:rPr>
-              <a:t>21</a:t>
-            </a:r>
-            <a:r>
-              <a:rPr lang="ko-KR" sz="2000" b="1">
-                <a:solidFill>
-                  <a:srgbClr val="0611F2"/>
-                </a:solidFill>
-                <a:latin typeface="맑은 고딕" charset="0"/>
-                <a:ea typeface="맑은 고딕" charset="0"/>
-              </a:rPr>
-              <a:t>.</a:t>
-            </a:r>
-            <a:r>
-              <a:rPr lang="ko-KR" sz="2000">
-                <a:solidFill>
-                  <a:srgbClr val="0611F2"/>
-                </a:solidFill>
-                <a:latin typeface="맑은 고딕" charset="0"/>
-                <a:ea typeface="맑은 고딕" charset="0"/>
-              </a:rPr>
-              <a:t> </a:t>
-            </a:r>
-            <a:r>
-              <a:rPr lang="ko-KR" sz="1800">
-                <a:latin typeface="맑은 고딕" charset="0"/>
-                <a:ea typeface="맑은 고딕" charset="0"/>
-              </a:rPr>
-              <a:t>마지막 Close 애니메이션 키 프레임 0 : 30 위치에 Scale x, y, z 값을 0으로 설정합니다.</a:t>
-            </a:r>
-            <a:endParaRPr lang="ko-KR" altLang="en-US" sz="1800">
-              <a:latin typeface="맑은 고딕" charset="0"/>
-              <a:ea typeface="맑은 고딕" charset="0"/>
-            </a:endParaRPr>
-          </a:p>
-        </p:txBody>
-      </p:sp>
       <p:pic>
         <p:nvPicPr>
-          <p:cNvPr id="40" name="그림 113"/>
+          <p:cNvPr id="75" name="그림 15" descr="C:/Users/Admin1/AppData/Roaming/PolarisOffice/ETemp/23832_17297800/fImage260092506500.png"/>
           <p:cNvPicPr>
             <a:picLocks noChangeAspect="1"/>
           </p:cNvPicPr>
@@ -11523,103 +12266,8 @@
         </p:blipFill>
         <p:spPr>
           <a:xfrm rot="0">
-            <a:off x="6819900" y="1371600"/>
-            <a:ext cx="4096385" cy="1534160"/>
-          </a:xfrm>
-          <a:prstGeom prst="roundRect"/>
-          <a:solidFill>
-            <a:srgbClr val="EDEDED"/>
-          </a:solidFill>
-        </p:spPr>
-      </p:pic>
-      <p:sp>
-        <p:nvSpPr>
-          <p:cNvPr id="41" name="텍스트 상자 118"/>
-          <p:cNvSpPr txBox="1">
-            <a:spLocks/>
-          </p:cNvSpPr>
-          <p:nvPr/>
-        </p:nvSpPr>
-        <p:spPr>
-          <a:xfrm rot="0">
-            <a:off x="6816725" y="5231765"/>
-            <a:ext cx="4134485" cy="954405"/>
-          </a:xfrm>
-          <a:prstGeom prst="rect"/>
-          <a:noFill/>
-          <a:ln w="0">
-            <a:noFill/>
-            <a:prstDash/>
-          </a:ln>
-        </p:spPr>
-        <p:txBody>
-          <a:bodyPr wrap="square" lIns="89535" tIns="46355" rIns="89535" bIns="46355" numCol="1" vert="horz" anchor="t">
-            <a:spAutoFit/>
-          </a:bodyPr>
-          <a:lstStyle/>
-          <a:p>
-            <a:pPr marL="0" indent="0" algn="l" latinLnBrk="0" hangingPunct="1">
-              <a:buFontTx/>
-              <a:buNone/>
-            </a:pPr>
-            <a:r>
-              <a:rPr lang="ko-KR" sz="2000" b="1">
-                <a:solidFill>
-                  <a:srgbClr val="0611F2"/>
-                </a:solidFill>
-                <a:latin typeface="맑은 고딕" charset="0"/>
-                <a:ea typeface="맑은 고딕" charset="0"/>
-              </a:rPr>
-              <a:t>22.</a:t>
-            </a:r>
-            <a:r>
-              <a:rPr lang="ko-KR" sz="2000">
-                <a:solidFill>
-                  <a:srgbClr val="0611F2"/>
-                </a:solidFill>
-                <a:latin typeface="맑은 고딕" charset="0"/>
-                <a:ea typeface="맑은 고딕" charset="0"/>
-              </a:rPr>
-              <a:t> </a:t>
-            </a:r>
-            <a:r>
-              <a:rPr lang="ko-KR" sz="1800">
-                <a:latin typeface="맑은 고딕" charset="0"/>
-                <a:ea typeface="맑은 고딕" charset="0"/>
-              </a:rPr>
-              <a:t>이제 Animator Controller의 Paremeters에 Trigger 옵션을 추가하고 이름을 Close로 정의합니다.</a:t>
-            </a:r>
-            <a:endParaRPr lang="ko-KR" altLang="en-US" sz="1800">
-              <a:latin typeface="맑은 고딕" charset="0"/>
-              <a:ea typeface="맑은 고딕" charset="0"/>
-            </a:endParaRPr>
-          </a:p>
-        </p:txBody>
-      </p:sp>
-      <p:pic>
-        <p:nvPicPr>
-          <p:cNvPr id="42" name="그림 119" descr="C:/Users/Admin1/AppData/Roaming/PolarisOffice/ETemp/18164_10088728/fImage56242544464.png"/>
-          <p:cNvPicPr>
-            <a:picLocks noChangeAspect="1"/>
-          </p:cNvPicPr>
-          <p:nvPr/>
-        </p:nvPicPr>
-        <p:blipFill rotWithShape="1">
-          <a:blip r:embed="rId5" cstate="hqprint">
-            <a:extLst>
-              <a:ext uri="{28A0092B-C50C-407E-A947-70E740481C1C}">
-                <a14:useLocalDpi xmlns:a14="http://schemas.microsoft.com/office/drawing/2010/main"/>
-              </a:ext>
-            </a:extLst>
-          </a:blip>
-          <a:stretch>
-            <a:fillRect/>
-          </a:stretch>
-        </p:blipFill>
-        <p:spPr>
-          <a:xfrm rot="0">
-            <a:off x="6815455" y="4006850"/>
-            <a:ext cx="4091940" cy="1147445"/>
+            <a:off x="6822440" y="3962400"/>
+            <a:ext cx="4135120" cy="1421765"/>
           </a:xfrm>
           <a:prstGeom prst="roundRect"/>
           <a:solidFill>

--- a/Assets/Animation Clip/PPT Data/Animation Clip Example.pptx
+++ b/Assets/Animation Clip/PPT Data/Animation Clip Example.pptx
@@ -2,7 +2,7 @@
 <file path=ppt/presentation.xml><?xml version="1.0" encoding="utf-8"?>
 <p:presentation xmlns:a="http://schemas.openxmlformats.org/drawingml/2006/main" xmlns:r="http://schemas.openxmlformats.org/officeDocument/2006/relationships" xmlns:p="http://schemas.openxmlformats.org/presentationml/2006/main" xmlns:p14="http://schemas.microsoft.com/office/powerpoint/2010/main" saveSubsetFonts="1" firstSlideNum="0">
   <p:sldMasterIdLst>
-    <p:sldMasterId id="2147487021" r:id="rId12"/>
+    <p:sldMasterId id="2147487090" r:id="rId12"/>
   </p:sldMasterIdLst>
   <p:notesMasterIdLst>
     <p:notesMasterId r:id="rId14"/>
@@ -12,12 +12,21 @@
     <p:sldId id="327" r:id="rId18"/>
     <p:sldId id="336" r:id="rId20"/>
     <p:sldId id="331" r:id="rId22"/>
-    <p:sldId id="319" r:id="rId23"/>
-    <p:sldId id="337" r:id="rId24"/>
-    <p:sldId id="333" r:id="rId25"/>
-    <p:sldId id="338" r:id="rId26"/>
-    <p:sldId id="339" r:id="rId27"/>
-    <p:sldId id="340" r:id="rId28"/>
+    <p:sldId id="319" r:id="rId24"/>
+    <p:sldId id="337" r:id="rId26"/>
+    <p:sldId id="333" r:id="rId28"/>
+    <p:sldId id="338" r:id="rId30"/>
+    <p:sldId id="339" r:id="rId32"/>
+    <p:sldId id="340" r:id="rId34"/>
+    <p:sldId id="341" r:id="rId36"/>
+    <p:sldId id="342" r:id="rId38"/>
+    <p:sldId id="344" r:id="rId40"/>
+    <p:sldId id="343" r:id="rId42"/>
+    <p:sldId id="345" r:id="rId44"/>
+    <p:sldId id="346" r:id="rId46"/>
+    <p:sldId id="348" r:id="rId48"/>
+    <p:sldId id="349" r:id="rId49"/>
+    <p:sldId id="350" r:id="rId50"/>
   </p:sldIdLst>
   <p:sldSz cx="12192000" cy="6858000"/>
   <p:notesSz cx="6858000" cy="9144000"/>
@@ -760,6 +769,1284 @@
 </p:notes>
 </file>
 
+<file path=ppt/notesSlides/notesSlide11.xml><?xml version="1.0" encoding="utf-8"?>
+<p:notes xmlns:a="http://schemas.openxmlformats.org/drawingml/2006/main" xmlns:r="http://schemas.openxmlformats.org/officeDocument/2006/relationships" xmlns:p="http://schemas.openxmlformats.org/presentationml/2006/main">
+  <p:cSld>
+    <p:spTree>
+      <p:nvGrpSpPr>
+        <p:cNvPr id="1" name=""/>
+        <p:cNvGrpSpPr/>
+        <p:nvPr/>
+      </p:nvGrpSpPr>
+      <p:grpSpPr>
+        <a:xfrm>
+          <a:off x="0" y="0"/>
+          <a:ext cx="0" cy="0"/>
+          <a:chOff x="0" y="0"/>
+          <a:chExt cx="0" cy="0"/>
+        </a:xfrm>
+      </p:grpSpPr>
+      <p:sp>
+        <p:nvSpPr>
+          <p:cNvPr id="2" name="슬라이드 이미지 개체 틀 3"/>
+          <p:cNvSpPr>
+            <a:spLocks noChangeAspect="1"/>
+          </p:cNvSpPr>
+          <p:nvPr>
+            <p:ph type="sldImg" idx="2"/>
+          </p:nvPr>
+        </p:nvSpPr>
+        <p:spPr>
+          <a:xfrm rot="0">
+            <a:off x="685800" y="1143000"/>
+            <a:ext cx="5496560" cy="3096260"/>
+          </a:xfrm>
+          <a:prstGeom prst="rect"/>
+          <a:noFill/>
+          <a:ln w="12700" cap="flat" cmpd="sng">
+            <a:solidFill>
+              <a:srgbClr val="000000">
+                <a:alpha val="100000"/>
+              </a:srgbClr>
+            </a:solidFill>
+            <a:prstDash val="solid"/>
+          </a:ln>
+        </p:spPr>
+        <p:txBody>
+          <a:bodyPr wrap="square" lIns="91440" tIns="45720" rIns="91440" bIns="45720" numCol="1" vert="horz" anchor="ctr">
+            <a:noAutofit/>
+          </a:bodyPr>
+          <a:lstStyle/>
+          <a:p>
+            <a:pPr marL="0" indent="0" latinLnBrk="0">
+              <a:buFontTx/>
+              <a:buNone/>
+            </a:pPr>
+          </a:p>
+        </p:txBody>
+      </p:sp>
+      <p:sp>
+        <p:nvSpPr>
+          <p:cNvPr id="3" name="슬라이드 노트 개체 틀 4"/>
+          <p:cNvSpPr txBox="1">
+            <a:spLocks/>
+          </p:cNvSpPr>
+          <p:nvPr>
+            <p:ph type="body" idx="3"/>
+          </p:nvPr>
+        </p:nvSpPr>
+        <p:spPr>
+          <a:xfrm rot="0">
+            <a:off x="685800" y="4400550"/>
+            <a:ext cx="5496560" cy="3610610"/>
+          </a:xfrm>
+          <a:prstGeom prst="rect"/>
+        </p:spPr>
+        <p:txBody>
+          <a:bodyPr wrap="square" lIns="91440" tIns="45720" rIns="91440" bIns="45720" numCol="1" vert="horz" anchor="t">
+            <a:noAutofit/>
+          </a:bodyPr>
+          <a:lstStyle/>
+          <a:p>
+            <a:pPr marL="0" indent="0" latinLnBrk="0">
+              <a:buFontTx/>
+              <a:buNone/>
+            </a:pPr>
+          </a:p>
+        </p:txBody>
+      </p:sp>
+      <p:sp>
+        <p:nvSpPr>
+          <p:cNvPr id="4" name="슬라이드 번호 개체 틀 6"/>
+          <p:cNvSpPr txBox="1">
+            <a:spLocks/>
+          </p:cNvSpPr>
+          <p:nvPr>
+            <p:ph type="sldNum" idx="5"/>
+          </p:nvPr>
+        </p:nvSpPr>
+        <p:spPr>
+          <a:xfrm rot="0">
+            <a:off x="3884930" y="8685530"/>
+            <a:ext cx="2981960" cy="468630"/>
+          </a:xfrm>
+          <a:prstGeom prst="rect"/>
+        </p:spPr>
+        <p:txBody>
+          <a:bodyPr wrap="square" lIns="91440" tIns="45720" rIns="91440" bIns="45720" numCol="1" vert="horz" anchor="b">
+            <a:noAutofit/>
+          </a:bodyPr>
+          <a:lstStyle>
+            <a:lvl1pPr marL="0" indent="0" algn="r" latinLnBrk="0">
+              <a:buFontTx/>
+              <a:buNone/>
+              <a:defRPr lang="en-GB" altLang="en-US" sz="1200"/>
+            </a:lvl1pPr>
+          </a:lstStyle>
+          <a:p>
+            <a:pPr marL="0" indent="0" latinLnBrk="0">
+              <a:buFontTx/>
+              <a:buNone/>
+            </a:pPr>
+            <a:fld id="{B9320F77-B9A0-41C5-862A-B4B631284C64}" type="slidenum">
+              <a:rPr lang="ko-KR" altLang="en-US"/>
+              <a:t>‹#›</a:t>
+            </a:fld>
+          </a:p>
+        </p:txBody>
+      </p:sp>
+    </p:spTree>
+  </p:cSld>
+  <p:clrMapOvr>
+    <a:masterClrMapping/>
+  </p:clrMapOvr>
+  <mc:AlternateContent xmlns:mc="http://schemas.openxmlformats.org/markup-compatibility/2006">
+    <mc:Choice xmlns:p14="http://schemas.microsoft.com/office/powerpoint/2010/main" Requires="p14">
+      <p:transition spd="slow" p14:dur="0"/>
+    </mc:Choice>
+    <mc:Fallback>
+      <p:transition spd="slow"/>
+    </mc:Fallback>
+  </mc:AlternateContent>
+</p:notes>
+</file>
+
+<file path=ppt/notesSlides/notesSlide12.xml><?xml version="1.0" encoding="utf-8"?>
+<p:notes xmlns:a="http://schemas.openxmlformats.org/drawingml/2006/main" xmlns:r="http://schemas.openxmlformats.org/officeDocument/2006/relationships" xmlns:p="http://schemas.openxmlformats.org/presentationml/2006/main">
+  <p:cSld>
+    <p:spTree>
+      <p:nvGrpSpPr>
+        <p:cNvPr id="1" name=""/>
+        <p:cNvGrpSpPr/>
+        <p:nvPr/>
+      </p:nvGrpSpPr>
+      <p:grpSpPr>
+        <a:xfrm>
+          <a:off x="0" y="0"/>
+          <a:ext cx="0" cy="0"/>
+          <a:chOff x="0" y="0"/>
+          <a:chExt cx="0" cy="0"/>
+        </a:xfrm>
+      </p:grpSpPr>
+      <p:sp>
+        <p:nvSpPr>
+          <p:cNvPr id="2" name="슬라이드 이미지 개체 틀 3"/>
+          <p:cNvSpPr>
+            <a:spLocks noChangeAspect="1"/>
+          </p:cNvSpPr>
+          <p:nvPr>
+            <p:ph type="sldImg" idx="2"/>
+          </p:nvPr>
+        </p:nvSpPr>
+        <p:spPr>
+          <a:xfrm rot="0">
+            <a:off x="685800" y="1143000"/>
+            <a:ext cx="5496560" cy="3096260"/>
+          </a:xfrm>
+          <a:prstGeom prst="rect"/>
+          <a:noFill/>
+          <a:ln w="12700" cap="flat" cmpd="sng">
+            <a:solidFill>
+              <a:srgbClr val="000000">
+                <a:alpha val="100000"/>
+              </a:srgbClr>
+            </a:solidFill>
+            <a:prstDash val="solid"/>
+          </a:ln>
+        </p:spPr>
+        <p:txBody>
+          <a:bodyPr wrap="square" lIns="91440" tIns="45720" rIns="91440" bIns="45720" numCol="1" vert="horz" anchor="ctr">
+            <a:noAutofit/>
+          </a:bodyPr>
+          <a:lstStyle/>
+          <a:p>
+            <a:pPr marL="0" indent="0" latinLnBrk="0">
+              <a:buFontTx/>
+              <a:buNone/>
+            </a:pPr>
+          </a:p>
+        </p:txBody>
+      </p:sp>
+      <p:sp>
+        <p:nvSpPr>
+          <p:cNvPr id="3" name="슬라이드 노트 개체 틀 4"/>
+          <p:cNvSpPr txBox="1">
+            <a:spLocks/>
+          </p:cNvSpPr>
+          <p:nvPr>
+            <p:ph type="body" idx="3"/>
+          </p:nvPr>
+        </p:nvSpPr>
+        <p:spPr>
+          <a:xfrm rot="0">
+            <a:off x="685800" y="4400550"/>
+            <a:ext cx="5496560" cy="3610610"/>
+          </a:xfrm>
+          <a:prstGeom prst="rect"/>
+        </p:spPr>
+        <p:txBody>
+          <a:bodyPr wrap="square" lIns="91440" tIns="45720" rIns="91440" bIns="45720" numCol="1" vert="horz" anchor="t">
+            <a:noAutofit/>
+          </a:bodyPr>
+          <a:lstStyle/>
+          <a:p>
+            <a:pPr marL="0" indent="0" latinLnBrk="0">
+              <a:buFontTx/>
+              <a:buNone/>
+            </a:pPr>
+          </a:p>
+        </p:txBody>
+      </p:sp>
+      <p:sp>
+        <p:nvSpPr>
+          <p:cNvPr id="4" name="슬라이드 번호 개체 틀 6"/>
+          <p:cNvSpPr txBox="1">
+            <a:spLocks/>
+          </p:cNvSpPr>
+          <p:nvPr>
+            <p:ph type="sldNum" idx="5"/>
+          </p:nvPr>
+        </p:nvSpPr>
+        <p:spPr>
+          <a:xfrm rot="0">
+            <a:off x="3884930" y="8685530"/>
+            <a:ext cx="2981960" cy="468630"/>
+          </a:xfrm>
+          <a:prstGeom prst="rect"/>
+        </p:spPr>
+        <p:txBody>
+          <a:bodyPr wrap="square" lIns="91440" tIns="45720" rIns="91440" bIns="45720" numCol="1" vert="horz" anchor="b">
+            <a:noAutofit/>
+          </a:bodyPr>
+          <a:lstStyle>
+            <a:lvl1pPr marL="0" indent="0" algn="r" latinLnBrk="0">
+              <a:buFontTx/>
+              <a:buNone/>
+              <a:defRPr lang="en-GB" altLang="en-US" sz="1200"/>
+            </a:lvl1pPr>
+          </a:lstStyle>
+          <a:p>
+            <a:pPr marL="0" indent="0" latinLnBrk="0">
+              <a:buFontTx/>
+              <a:buNone/>
+            </a:pPr>
+            <a:fld id="{B9320F77-B9A0-41C5-862A-B4B631284C64}" type="slidenum">
+              <a:rPr lang="ko-KR" altLang="en-US"/>
+              <a:t>‹#›</a:t>
+            </a:fld>
+          </a:p>
+        </p:txBody>
+      </p:sp>
+    </p:spTree>
+  </p:cSld>
+  <p:clrMapOvr>
+    <a:masterClrMapping/>
+  </p:clrMapOvr>
+  <mc:AlternateContent xmlns:mc="http://schemas.openxmlformats.org/markup-compatibility/2006">
+    <mc:Choice xmlns:p14="http://schemas.microsoft.com/office/powerpoint/2010/main" Requires="p14">
+      <p:transition spd="slow" p14:dur="0"/>
+    </mc:Choice>
+    <mc:Fallback>
+      <p:transition spd="slow"/>
+    </mc:Fallback>
+  </mc:AlternateContent>
+</p:notes>
+</file>
+
+<file path=ppt/notesSlides/notesSlide13.xml><?xml version="1.0" encoding="utf-8"?>
+<p:notes xmlns:a="http://schemas.openxmlformats.org/drawingml/2006/main" xmlns:r="http://schemas.openxmlformats.org/officeDocument/2006/relationships" xmlns:p="http://schemas.openxmlformats.org/presentationml/2006/main">
+  <p:cSld>
+    <p:spTree>
+      <p:nvGrpSpPr>
+        <p:cNvPr id="1" name=""/>
+        <p:cNvGrpSpPr/>
+        <p:nvPr/>
+      </p:nvGrpSpPr>
+      <p:grpSpPr>
+        <a:xfrm>
+          <a:off x="0" y="0"/>
+          <a:ext cx="0" cy="0"/>
+          <a:chOff x="0" y="0"/>
+          <a:chExt cx="0" cy="0"/>
+        </a:xfrm>
+      </p:grpSpPr>
+      <p:sp>
+        <p:nvSpPr>
+          <p:cNvPr id="2" name="슬라이드 이미지 개체 틀 3"/>
+          <p:cNvSpPr>
+            <a:spLocks noChangeAspect="1"/>
+          </p:cNvSpPr>
+          <p:nvPr>
+            <p:ph type="sldImg" idx="2"/>
+          </p:nvPr>
+        </p:nvSpPr>
+        <p:spPr>
+          <a:xfrm rot="0">
+            <a:off x="685800" y="1143000"/>
+            <a:ext cx="5497195" cy="3096895"/>
+          </a:xfrm>
+          <a:prstGeom prst="rect"/>
+          <a:noFill/>
+          <a:ln w="12700" cap="flat" cmpd="sng">
+            <a:solidFill>
+              <a:srgbClr val="000000">
+                <a:alpha val="100000"/>
+              </a:srgbClr>
+            </a:solidFill>
+            <a:prstDash val="solid"/>
+          </a:ln>
+        </p:spPr>
+        <p:txBody>
+          <a:bodyPr wrap="square" lIns="91440" tIns="45720" rIns="91440" bIns="45720" numCol="1" vert="horz" anchor="ctr">
+            <a:noAutofit/>
+          </a:bodyPr>
+          <a:lstStyle/>
+          <a:p>
+            <a:pPr marL="0" indent="0" latinLnBrk="0">
+              <a:buFontTx/>
+              <a:buNone/>
+            </a:pPr>
+          </a:p>
+        </p:txBody>
+      </p:sp>
+      <p:sp>
+        <p:nvSpPr>
+          <p:cNvPr id="3" name="슬라이드 노트 개체 틀 4"/>
+          <p:cNvSpPr txBox="1">
+            <a:spLocks/>
+          </p:cNvSpPr>
+          <p:nvPr>
+            <p:ph type="body" idx="3"/>
+          </p:nvPr>
+        </p:nvSpPr>
+        <p:spPr>
+          <a:xfrm rot="0">
+            <a:off x="685800" y="4400550"/>
+            <a:ext cx="5497195" cy="3611245"/>
+          </a:xfrm>
+          <a:prstGeom prst="rect"/>
+        </p:spPr>
+        <p:txBody>
+          <a:bodyPr wrap="square" lIns="91440" tIns="45720" rIns="91440" bIns="45720" numCol="1" vert="horz" anchor="t">
+            <a:noAutofit/>
+          </a:bodyPr>
+          <a:lstStyle/>
+          <a:p>
+            <a:pPr marL="0" indent="0" latinLnBrk="0">
+              <a:buFontTx/>
+              <a:buNone/>
+            </a:pPr>
+          </a:p>
+        </p:txBody>
+      </p:sp>
+      <p:sp>
+        <p:nvSpPr>
+          <p:cNvPr id="4" name="슬라이드 번호 개체 틀 6"/>
+          <p:cNvSpPr txBox="1">
+            <a:spLocks/>
+          </p:cNvSpPr>
+          <p:nvPr>
+            <p:ph type="sldNum" idx="5"/>
+          </p:nvPr>
+        </p:nvSpPr>
+        <p:spPr>
+          <a:xfrm rot="0">
+            <a:off x="3884930" y="8685530"/>
+            <a:ext cx="2982595" cy="469265"/>
+          </a:xfrm>
+          <a:prstGeom prst="rect"/>
+        </p:spPr>
+        <p:txBody>
+          <a:bodyPr wrap="square" lIns="91440" tIns="45720" rIns="91440" bIns="45720" numCol="1" vert="horz" anchor="b">
+            <a:noAutofit/>
+          </a:bodyPr>
+          <a:lstStyle>
+            <a:lvl1pPr marL="0" indent="0" algn="r" latinLnBrk="0">
+              <a:buFontTx/>
+              <a:buNone/>
+              <a:defRPr lang="en-GB" altLang="en-US" sz="1200"/>
+            </a:lvl1pPr>
+          </a:lstStyle>
+          <a:p>
+            <a:pPr marL="0" indent="0" latinLnBrk="0">
+              <a:buFontTx/>
+              <a:buNone/>
+            </a:pPr>
+            <a:fld id="{B9320F77-B9A0-41C5-862A-B4B631284C64}" type="slidenum">
+              <a:rPr lang="ko-KR" altLang="en-US"/>
+              <a:t>‹#›</a:t>
+            </a:fld>
+          </a:p>
+        </p:txBody>
+      </p:sp>
+    </p:spTree>
+  </p:cSld>
+  <p:clrMapOvr>
+    <a:masterClrMapping/>
+  </p:clrMapOvr>
+  <mc:AlternateContent xmlns:mc="http://schemas.openxmlformats.org/markup-compatibility/2006">
+    <mc:Choice xmlns:p14="http://schemas.microsoft.com/office/powerpoint/2010/main" Requires="p14">
+      <p:transition spd="slow" p14:dur="0"/>
+    </mc:Choice>
+    <mc:Fallback>
+      <p:transition spd="slow"/>
+    </mc:Fallback>
+  </mc:AlternateContent>
+</p:notes>
+</file>
+
+<file path=ppt/notesSlides/notesSlide14.xml><?xml version="1.0" encoding="utf-8"?>
+<p:notes xmlns:a="http://schemas.openxmlformats.org/drawingml/2006/main" xmlns:r="http://schemas.openxmlformats.org/officeDocument/2006/relationships" xmlns:p="http://schemas.openxmlformats.org/presentationml/2006/main">
+  <p:cSld>
+    <p:spTree>
+      <p:nvGrpSpPr>
+        <p:cNvPr id="1" name=""/>
+        <p:cNvGrpSpPr/>
+        <p:nvPr/>
+      </p:nvGrpSpPr>
+      <p:grpSpPr>
+        <a:xfrm>
+          <a:off x="0" y="0"/>
+          <a:ext cx="0" cy="0"/>
+          <a:chOff x="0" y="0"/>
+          <a:chExt cx="0" cy="0"/>
+        </a:xfrm>
+      </p:grpSpPr>
+      <p:sp>
+        <p:nvSpPr>
+          <p:cNvPr id="2" name="슬라이드 이미지 개체 틀 3"/>
+          <p:cNvSpPr>
+            <a:spLocks noChangeAspect="1"/>
+          </p:cNvSpPr>
+          <p:nvPr>
+            <p:ph type="sldImg" idx="2"/>
+          </p:nvPr>
+        </p:nvSpPr>
+        <p:spPr>
+          <a:xfrm rot="0">
+            <a:off x="685800" y="1143000"/>
+            <a:ext cx="5496560" cy="3096260"/>
+          </a:xfrm>
+          <a:prstGeom prst="rect"/>
+          <a:noFill/>
+          <a:ln w="12700" cap="flat" cmpd="sng">
+            <a:solidFill>
+              <a:srgbClr val="000000">
+                <a:alpha val="100000"/>
+              </a:srgbClr>
+            </a:solidFill>
+            <a:prstDash val="solid"/>
+          </a:ln>
+        </p:spPr>
+        <p:txBody>
+          <a:bodyPr wrap="square" lIns="91440" tIns="45720" rIns="91440" bIns="45720" numCol="1" vert="horz" anchor="ctr">
+            <a:noAutofit/>
+          </a:bodyPr>
+          <a:lstStyle/>
+          <a:p>
+            <a:pPr marL="0" indent="0" latinLnBrk="0">
+              <a:buFontTx/>
+              <a:buNone/>
+            </a:pPr>
+          </a:p>
+        </p:txBody>
+      </p:sp>
+      <p:sp>
+        <p:nvSpPr>
+          <p:cNvPr id="3" name="슬라이드 노트 개체 틀 4"/>
+          <p:cNvSpPr txBox="1">
+            <a:spLocks/>
+          </p:cNvSpPr>
+          <p:nvPr>
+            <p:ph type="body" idx="3"/>
+          </p:nvPr>
+        </p:nvSpPr>
+        <p:spPr>
+          <a:xfrm rot="0">
+            <a:off x="685800" y="4400550"/>
+            <a:ext cx="5496560" cy="3610610"/>
+          </a:xfrm>
+          <a:prstGeom prst="rect"/>
+        </p:spPr>
+        <p:txBody>
+          <a:bodyPr wrap="square" lIns="91440" tIns="45720" rIns="91440" bIns="45720" numCol="1" vert="horz" anchor="t">
+            <a:noAutofit/>
+          </a:bodyPr>
+          <a:lstStyle/>
+          <a:p>
+            <a:pPr marL="0" indent="0" latinLnBrk="0">
+              <a:buFontTx/>
+              <a:buNone/>
+            </a:pPr>
+          </a:p>
+        </p:txBody>
+      </p:sp>
+      <p:sp>
+        <p:nvSpPr>
+          <p:cNvPr id="4" name="슬라이드 번호 개체 틀 6"/>
+          <p:cNvSpPr txBox="1">
+            <a:spLocks/>
+          </p:cNvSpPr>
+          <p:nvPr>
+            <p:ph type="sldNum" idx="5"/>
+          </p:nvPr>
+        </p:nvSpPr>
+        <p:spPr>
+          <a:xfrm rot="0">
+            <a:off x="3884930" y="8685530"/>
+            <a:ext cx="2981960" cy="468630"/>
+          </a:xfrm>
+          <a:prstGeom prst="rect"/>
+        </p:spPr>
+        <p:txBody>
+          <a:bodyPr wrap="square" lIns="91440" tIns="45720" rIns="91440" bIns="45720" numCol="1" vert="horz" anchor="b">
+            <a:noAutofit/>
+          </a:bodyPr>
+          <a:lstStyle>
+            <a:lvl1pPr marL="0" indent="0" algn="r" latinLnBrk="0">
+              <a:buFontTx/>
+              <a:buNone/>
+              <a:defRPr lang="en-GB" altLang="en-US" sz="1200"/>
+            </a:lvl1pPr>
+          </a:lstStyle>
+          <a:p>
+            <a:pPr marL="0" indent="0" latinLnBrk="0">
+              <a:buFontTx/>
+              <a:buNone/>
+            </a:pPr>
+            <a:fld id="{B9320F77-B9A0-41C5-862A-B4B631284C64}" type="slidenum">
+              <a:rPr lang="ko-KR" altLang="en-US"/>
+              <a:t>‹#›</a:t>
+            </a:fld>
+          </a:p>
+        </p:txBody>
+      </p:sp>
+    </p:spTree>
+  </p:cSld>
+  <p:clrMapOvr>
+    <a:masterClrMapping/>
+  </p:clrMapOvr>
+  <mc:AlternateContent xmlns:mc="http://schemas.openxmlformats.org/markup-compatibility/2006">
+    <mc:Choice xmlns:p14="http://schemas.microsoft.com/office/powerpoint/2010/main" Requires="p14">
+      <p:transition spd="slow" p14:dur="0"/>
+    </mc:Choice>
+    <mc:Fallback>
+      <p:transition spd="slow"/>
+    </mc:Fallback>
+  </mc:AlternateContent>
+</p:notes>
+</file>
+
+<file path=ppt/notesSlides/notesSlide15.xml><?xml version="1.0" encoding="utf-8"?>
+<p:notes xmlns:a="http://schemas.openxmlformats.org/drawingml/2006/main" xmlns:r="http://schemas.openxmlformats.org/officeDocument/2006/relationships" xmlns:p="http://schemas.openxmlformats.org/presentationml/2006/main">
+  <p:cSld>
+    <p:spTree>
+      <p:nvGrpSpPr>
+        <p:cNvPr id="1" name=""/>
+        <p:cNvGrpSpPr/>
+        <p:nvPr/>
+      </p:nvGrpSpPr>
+      <p:grpSpPr>
+        <a:xfrm>
+          <a:off x="0" y="0"/>
+          <a:ext cx="0" cy="0"/>
+          <a:chOff x="0" y="0"/>
+          <a:chExt cx="0" cy="0"/>
+        </a:xfrm>
+      </p:grpSpPr>
+      <p:sp>
+        <p:nvSpPr>
+          <p:cNvPr id="2" name="슬라이드 이미지 개체 틀 3"/>
+          <p:cNvSpPr>
+            <a:spLocks noChangeAspect="1"/>
+          </p:cNvSpPr>
+          <p:nvPr>
+            <p:ph type="sldImg" idx="2"/>
+          </p:nvPr>
+        </p:nvSpPr>
+        <p:spPr>
+          <a:xfrm rot="0">
+            <a:off x="685800" y="1143000"/>
+            <a:ext cx="5497195" cy="3096895"/>
+          </a:xfrm>
+          <a:prstGeom prst="rect"/>
+          <a:noFill/>
+          <a:ln w="12700" cap="flat" cmpd="sng">
+            <a:solidFill>
+              <a:srgbClr val="000000">
+                <a:alpha val="100000"/>
+              </a:srgbClr>
+            </a:solidFill>
+            <a:prstDash val="solid"/>
+          </a:ln>
+        </p:spPr>
+        <p:txBody>
+          <a:bodyPr wrap="square" lIns="91440" tIns="45720" rIns="91440" bIns="45720" numCol="1" vert="horz" anchor="ctr">
+            <a:noAutofit/>
+          </a:bodyPr>
+          <a:lstStyle/>
+          <a:p>
+            <a:pPr marL="0" indent="0" latinLnBrk="0">
+              <a:buFontTx/>
+              <a:buNone/>
+            </a:pPr>
+          </a:p>
+        </p:txBody>
+      </p:sp>
+      <p:sp>
+        <p:nvSpPr>
+          <p:cNvPr id="3" name="슬라이드 노트 개체 틀 4"/>
+          <p:cNvSpPr txBox="1">
+            <a:spLocks/>
+          </p:cNvSpPr>
+          <p:nvPr>
+            <p:ph type="body" idx="3"/>
+          </p:nvPr>
+        </p:nvSpPr>
+        <p:spPr>
+          <a:xfrm rot="0">
+            <a:off x="685800" y="4400550"/>
+            <a:ext cx="5497195" cy="3611245"/>
+          </a:xfrm>
+          <a:prstGeom prst="rect"/>
+        </p:spPr>
+        <p:txBody>
+          <a:bodyPr wrap="square" lIns="91440" tIns="45720" rIns="91440" bIns="45720" numCol="1" vert="horz" anchor="t">
+            <a:noAutofit/>
+          </a:bodyPr>
+          <a:lstStyle/>
+          <a:p>
+            <a:pPr marL="0" indent="0" latinLnBrk="0">
+              <a:buFontTx/>
+              <a:buNone/>
+            </a:pPr>
+          </a:p>
+        </p:txBody>
+      </p:sp>
+      <p:sp>
+        <p:nvSpPr>
+          <p:cNvPr id="4" name="슬라이드 번호 개체 틀 6"/>
+          <p:cNvSpPr txBox="1">
+            <a:spLocks/>
+          </p:cNvSpPr>
+          <p:nvPr>
+            <p:ph type="sldNum" idx="5"/>
+          </p:nvPr>
+        </p:nvSpPr>
+        <p:spPr>
+          <a:xfrm rot="0">
+            <a:off x="3884930" y="8685530"/>
+            <a:ext cx="2982595" cy="469265"/>
+          </a:xfrm>
+          <a:prstGeom prst="rect"/>
+        </p:spPr>
+        <p:txBody>
+          <a:bodyPr wrap="square" lIns="91440" tIns="45720" rIns="91440" bIns="45720" numCol="1" vert="horz" anchor="b">
+            <a:noAutofit/>
+          </a:bodyPr>
+          <a:lstStyle>
+            <a:lvl1pPr marL="0" indent="0" algn="r" latinLnBrk="0">
+              <a:buFontTx/>
+              <a:buNone/>
+              <a:defRPr lang="en-GB" altLang="en-US" sz="1200"/>
+            </a:lvl1pPr>
+          </a:lstStyle>
+          <a:p>
+            <a:pPr marL="0" indent="0" latinLnBrk="0">
+              <a:buFontTx/>
+              <a:buNone/>
+            </a:pPr>
+            <a:fld id="{B9320F77-B9A0-41C5-862A-B4B631284C64}" type="slidenum">
+              <a:rPr lang="ko-KR" altLang="en-US"/>
+              <a:t>‹#›</a:t>
+            </a:fld>
+          </a:p>
+        </p:txBody>
+      </p:sp>
+    </p:spTree>
+  </p:cSld>
+  <p:clrMapOvr>
+    <a:masterClrMapping/>
+  </p:clrMapOvr>
+  <mc:AlternateContent xmlns:mc="http://schemas.openxmlformats.org/markup-compatibility/2006">
+    <mc:Choice xmlns:p14="http://schemas.microsoft.com/office/powerpoint/2010/main" Requires="p14">
+      <p:transition spd="slow" p14:dur="0"/>
+    </mc:Choice>
+    <mc:Fallback>
+      <p:transition spd="slow"/>
+    </mc:Fallback>
+  </mc:AlternateContent>
+</p:notes>
+</file>
+
+<file path=ppt/notesSlides/notesSlide16.xml><?xml version="1.0" encoding="utf-8"?>
+<p:notes xmlns:a="http://schemas.openxmlformats.org/drawingml/2006/main" xmlns:r="http://schemas.openxmlformats.org/officeDocument/2006/relationships" xmlns:p="http://schemas.openxmlformats.org/presentationml/2006/main">
+  <p:cSld>
+    <p:spTree>
+      <p:nvGrpSpPr>
+        <p:cNvPr id="1" name=""/>
+        <p:cNvGrpSpPr/>
+        <p:nvPr/>
+      </p:nvGrpSpPr>
+      <p:grpSpPr>
+        <a:xfrm>
+          <a:off x="0" y="0"/>
+          <a:ext cx="0" cy="0"/>
+          <a:chOff x="0" y="0"/>
+          <a:chExt cx="0" cy="0"/>
+        </a:xfrm>
+      </p:grpSpPr>
+      <p:sp>
+        <p:nvSpPr>
+          <p:cNvPr id="2" name="슬라이드 이미지 개체 틀 3"/>
+          <p:cNvSpPr>
+            <a:spLocks noChangeAspect="1"/>
+          </p:cNvSpPr>
+          <p:nvPr>
+            <p:ph type="sldImg" idx="2"/>
+          </p:nvPr>
+        </p:nvSpPr>
+        <p:spPr>
+          <a:xfrm rot="0">
+            <a:off x="685800" y="1143000"/>
+            <a:ext cx="5497830" cy="3097530"/>
+          </a:xfrm>
+          <a:prstGeom prst="rect"/>
+          <a:noFill/>
+          <a:ln w="12700" cap="flat" cmpd="sng">
+            <a:solidFill>
+              <a:srgbClr val="000000">
+                <a:alpha val="100000"/>
+              </a:srgbClr>
+            </a:solidFill>
+            <a:prstDash val="solid"/>
+          </a:ln>
+        </p:spPr>
+        <p:txBody>
+          <a:bodyPr wrap="square" lIns="91440" tIns="45720" rIns="91440" bIns="45720" numCol="1" vert="horz" anchor="ctr">
+            <a:noAutofit/>
+          </a:bodyPr>
+          <a:lstStyle/>
+          <a:p>
+            <a:pPr marL="0" indent="0" latinLnBrk="0">
+              <a:buFontTx/>
+              <a:buNone/>
+            </a:pPr>
+          </a:p>
+        </p:txBody>
+      </p:sp>
+      <p:sp>
+        <p:nvSpPr>
+          <p:cNvPr id="3" name="슬라이드 노트 개체 틀 4"/>
+          <p:cNvSpPr txBox="1">
+            <a:spLocks/>
+          </p:cNvSpPr>
+          <p:nvPr>
+            <p:ph type="body" idx="3"/>
+          </p:nvPr>
+        </p:nvSpPr>
+        <p:spPr>
+          <a:xfrm rot="0">
+            <a:off x="685800" y="4400550"/>
+            <a:ext cx="5497830" cy="3611880"/>
+          </a:xfrm>
+          <a:prstGeom prst="rect"/>
+        </p:spPr>
+        <p:txBody>
+          <a:bodyPr wrap="square" lIns="91440" tIns="45720" rIns="91440" bIns="45720" numCol="1" vert="horz" anchor="t">
+            <a:noAutofit/>
+          </a:bodyPr>
+          <a:lstStyle/>
+          <a:p>
+            <a:pPr marL="0" indent="0" latinLnBrk="0">
+              <a:buFontTx/>
+              <a:buNone/>
+            </a:pPr>
+          </a:p>
+        </p:txBody>
+      </p:sp>
+      <p:sp>
+        <p:nvSpPr>
+          <p:cNvPr id="4" name="슬라이드 번호 개체 틀 6"/>
+          <p:cNvSpPr txBox="1">
+            <a:spLocks/>
+          </p:cNvSpPr>
+          <p:nvPr>
+            <p:ph type="sldNum" idx="5"/>
+          </p:nvPr>
+        </p:nvSpPr>
+        <p:spPr>
+          <a:xfrm rot="0">
+            <a:off x="3884930" y="8685530"/>
+            <a:ext cx="2983230" cy="469900"/>
+          </a:xfrm>
+          <a:prstGeom prst="rect"/>
+        </p:spPr>
+        <p:txBody>
+          <a:bodyPr wrap="square" lIns="91440" tIns="45720" rIns="91440" bIns="45720" numCol="1" vert="horz" anchor="b">
+            <a:noAutofit/>
+          </a:bodyPr>
+          <a:lstStyle>
+            <a:lvl1pPr marL="0" indent="0" algn="r" latinLnBrk="0">
+              <a:buFontTx/>
+              <a:buNone/>
+              <a:defRPr lang="en-GB" altLang="en-US" sz="1200"/>
+            </a:lvl1pPr>
+          </a:lstStyle>
+          <a:p>
+            <a:pPr marL="0" indent="0" latinLnBrk="0">
+              <a:buFontTx/>
+              <a:buNone/>
+            </a:pPr>
+            <a:fld id="{B9320F77-B9A0-41C5-862A-B4B631284C64}" type="slidenum">
+              <a:rPr lang="ko-KR" altLang="en-US"/>
+              <a:t>‹#›</a:t>
+            </a:fld>
+          </a:p>
+        </p:txBody>
+      </p:sp>
+    </p:spTree>
+  </p:cSld>
+  <p:clrMapOvr>
+    <a:masterClrMapping/>
+  </p:clrMapOvr>
+  <mc:AlternateContent xmlns:mc="http://schemas.openxmlformats.org/markup-compatibility/2006">
+    <mc:Choice xmlns:p14="http://schemas.microsoft.com/office/powerpoint/2010/main" Requires="p14">
+      <p:transition spd="slow" p14:dur="0"/>
+    </mc:Choice>
+    <mc:Fallback>
+      <p:transition spd="slow"/>
+    </mc:Fallback>
+  </mc:AlternateContent>
+</p:notes>
+</file>
+
+<file path=ppt/notesSlides/notesSlide17.xml><?xml version="1.0" encoding="utf-8"?>
+<p:notes xmlns:a="http://schemas.openxmlformats.org/drawingml/2006/main" xmlns:r="http://schemas.openxmlformats.org/officeDocument/2006/relationships" xmlns:p="http://schemas.openxmlformats.org/presentationml/2006/main">
+  <p:cSld>
+    <p:spTree>
+      <p:nvGrpSpPr>
+        <p:cNvPr id="1" name=""/>
+        <p:cNvGrpSpPr/>
+        <p:nvPr/>
+      </p:nvGrpSpPr>
+      <p:grpSpPr>
+        <a:xfrm>
+          <a:off x="0" y="0"/>
+          <a:ext cx="0" cy="0"/>
+          <a:chOff x="0" y="0"/>
+          <a:chExt cx="0" cy="0"/>
+        </a:xfrm>
+      </p:grpSpPr>
+      <p:sp>
+        <p:nvSpPr>
+          <p:cNvPr id="2" name="슬라이드 이미지 개체 틀 3"/>
+          <p:cNvSpPr>
+            <a:spLocks noChangeAspect="1"/>
+          </p:cNvSpPr>
+          <p:nvPr>
+            <p:ph type="sldImg" idx="2"/>
+          </p:nvPr>
+        </p:nvSpPr>
+        <p:spPr>
+          <a:xfrm rot="0">
+            <a:off x="685800" y="1143000"/>
+            <a:ext cx="5497830" cy="3097530"/>
+          </a:xfrm>
+          <a:prstGeom prst="rect"/>
+          <a:noFill/>
+          <a:ln w="12700" cap="flat" cmpd="sng">
+            <a:solidFill>
+              <a:srgbClr val="000000">
+                <a:alpha val="100000"/>
+              </a:srgbClr>
+            </a:solidFill>
+            <a:prstDash val="solid"/>
+          </a:ln>
+        </p:spPr>
+        <p:txBody>
+          <a:bodyPr wrap="square" lIns="91440" tIns="45720" rIns="91440" bIns="45720" numCol="1" vert="horz" anchor="ctr">
+            <a:noAutofit/>
+          </a:bodyPr>
+          <a:lstStyle/>
+          <a:p>
+            <a:pPr marL="0" indent="0" latinLnBrk="0">
+              <a:buFontTx/>
+              <a:buNone/>
+            </a:pPr>
+          </a:p>
+        </p:txBody>
+      </p:sp>
+      <p:sp>
+        <p:nvSpPr>
+          <p:cNvPr id="3" name="슬라이드 노트 개체 틀 4"/>
+          <p:cNvSpPr txBox="1">
+            <a:spLocks/>
+          </p:cNvSpPr>
+          <p:nvPr>
+            <p:ph type="body" idx="3"/>
+          </p:nvPr>
+        </p:nvSpPr>
+        <p:spPr>
+          <a:xfrm rot="0">
+            <a:off x="685800" y="4400550"/>
+            <a:ext cx="5497830" cy="3611880"/>
+          </a:xfrm>
+          <a:prstGeom prst="rect"/>
+        </p:spPr>
+        <p:txBody>
+          <a:bodyPr wrap="square" lIns="91440" tIns="45720" rIns="91440" bIns="45720" numCol="1" vert="horz" anchor="t">
+            <a:noAutofit/>
+          </a:bodyPr>
+          <a:lstStyle/>
+          <a:p>
+            <a:pPr marL="0" indent="0" latinLnBrk="0">
+              <a:buFontTx/>
+              <a:buNone/>
+            </a:pPr>
+          </a:p>
+        </p:txBody>
+      </p:sp>
+      <p:sp>
+        <p:nvSpPr>
+          <p:cNvPr id="4" name="슬라이드 번호 개체 틀 6"/>
+          <p:cNvSpPr txBox="1">
+            <a:spLocks/>
+          </p:cNvSpPr>
+          <p:nvPr>
+            <p:ph type="sldNum" idx="5"/>
+          </p:nvPr>
+        </p:nvSpPr>
+        <p:spPr>
+          <a:xfrm rot="0">
+            <a:off x="3884930" y="8685530"/>
+            <a:ext cx="2983230" cy="469900"/>
+          </a:xfrm>
+          <a:prstGeom prst="rect"/>
+        </p:spPr>
+        <p:txBody>
+          <a:bodyPr wrap="square" lIns="91440" tIns="45720" rIns="91440" bIns="45720" numCol="1" vert="horz" anchor="b">
+            <a:noAutofit/>
+          </a:bodyPr>
+          <a:lstStyle>
+            <a:lvl1pPr marL="0" indent="0" algn="r" latinLnBrk="0">
+              <a:buFontTx/>
+              <a:buNone/>
+              <a:defRPr lang="en-GB" altLang="en-US" sz="1200"/>
+            </a:lvl1pPr>
+          </a:lstStyle>
+          <a:p>
+            <a:pPr marL="0" indent="0" latinLnBrk="0">
+              <a:buFontTx/>
+              <a:buNone/>
+            </a:pPr>
+            <a:fld id="{B9320F77-B9A0-41C5-862A-B4B631284C64}" type="slidenum">
+              <a:rPr lang="ko-KR" altLang="en-US"/>
+              <a:t>‹#›</a:t>
+            </a:fld>
+          </a:p>
+        </p:txBody>
+      </p:sp>
+    </p:spTree>
+  </p:cSld>
+  <p:clrMapOvr>
+    <a:masterClrMapping/>
+  </p:clrMapOvr>
+  <mc:AlternateContent xmlns:mc="http://schemas.openxmlformats.org/markup-compatibility/2006">
+    <mc:Choice xmlns:p14="http://schemas.microsoft.com/office/powerpoint/2010/main" Requires="p14">
+      <p:transition spd="slow" p14:dur="0"/>
+    </mc:Choice>
+    <mc:Fallback>
+      <p:transition spd="slow"/>
+    </mc:Fallback>
+  </mc:AlternateContent>
+</p:notes>
+</file>
+
+<file path=ppt/notesSlides/notesSlide18.xml><?xml version="1.0" encoding="utf-8"?>
+<p:notes xmlns:a="http://schemas.openxmlformats.org/drawingml/2006/main" xmlns:r="http://schemas.openxmlformats.org/officeDocument/2006/relationships" xmlns:p="http://schemas.openxmlformats.org/presentationml/2006/main">
+  <p:cSld>
+    <p:spTree>
+      <p:nvGrpSpPr>
+        <p:cNvPr id="1" name=""/>
+        <p:cNvGrpSpPr/>
+        <p:nvPr/>
+      </p:nvGrpSpPr>
+      <p:grpSpPr>
+        <a:xfrm>
+          <a:off x="0" y="0"/>
+          <a:ext cx="0" cy="0"/>
+          <a:chOff x="0" y="0"/>
+          <a:chExt cx="0" cy="0"/>
+        </a:xfrm>
+      </p:grpSpPr>
+      <p:sp>
+        <p:nvSpPr>
+          <p:cNvPr id="2" name="슬라이드 이미지 개체 틀 3"/>
+          <p:cNvSpPr>
+            <a:spLocks noChangeAspect="1"/>
+          </p:cNvSpPr>
+          <p:nvPr>
+            <p:ph type="sldImg" idx="2"/>
+          </p:nvPr>
+        </p:nvSpPr>
+        <p:spPr>
+          <a:xfrm rot="0">
+            <a:off x="685800" y="1143000"/>
+            <a:ext cx="5498465" cy="3098165"/>
+          </a:xfrm>
+          <a:prstGeom prst="rect"/>
+          <a:noFill/>
+          <a:ln w="12700" cap="flat" cmpd="sng">
+            <a:solidFill>
+              <a:srgbClr val="000000">
+                <a:alpha val="100000"/>
+              </a:srgbClr>
+            </a:solidFill>
+            <a:prstDash val="solid"/>
+          </a:ln>
+        </p:spPr>
+        <p:txBody>
+          <a:bodyPr wrap="square" lIns="91440" tIns="45720" rIns="91440" bIns="45720" numCol="1" vert="horz" anchor="ctr">
+            <a:noAutofit/>
+          </a:bodyPr>
+          <a:lstStyle/>
+          <a:p>
+            <a:pPr marL="0" indent="0" latinLnBrk="0">
+              <a:buFontTx/>
+              <a:buNone/>
+            </a:pPr>
+          </a:p>
+        </p:txBody>
+      </p:sp>
+      <p:sp>
+        <p:nvSpPr>
+          <p:cNvPr id="3" name="슬라이드 노트 개체 틀 4"/>
+          <p:cNvSpPr txBox="1">
+            <a:spLocks/>
+          </p:cNvSpPr>
+          <p:nvPr>
+            <p:ph type="body" idx="3"/>
+          </p:nvPr>
+        </p:nvSpPr>
+        <p:spPr>
+          <a:xfrm rot="0">
+            <a:off x="685800" y="4400550"/>
+            <a:ext cx="5498465" cy="3612515"/>
+          </a:xfrm>
+          <a:prstGeom prst="rect"/>
+        </p:spPr>
+        <p:txBody>
+          <a:bodyPr wrap="square" lIns="91440" tIns="45720" rIns="91440" bIns="45720" numCol="1" vert="horz" anchor="t">
+            <a:noAutofit/>
+          </a:bodyPr>
+          <a:lstStyle/>
+          <a:p>
+            <a:pPr marL="0" indent="0" latinLnBrk="0">
+              <a:buFontTx/>
+              <a:buNone/>
+            </a:pPr>
+          </a:p>
+        </p:txBody>
+      </p:sp>
+      <p:sp>
+        <p:nvSpPr>
+          <p:cNvPr id="4" name="슬라이드 번호 개체 틀 6"/>
+          <p:cNvSpPr txBox="1">
+            <a:spLocks/>
+          </p:cNvSpPr>
+          <p:nvPr>
+            <p:ph type="sldNum" idx="5"/>
+          </p:nvPr>
+        </p:nvSpPr>
+        <p:spPr>
+          <a:xfrm rot="0">
+            <a:off x="3884930" y="8685530"/>
+            <a:ext cx="2983865" cy="470535"/>
+          </a:xfrm>
+          <a:prstGeom prst="rect"/>
+        </p:spPr>
+        <p:txBody>
+          <a:bodyPr wrap="square" lIns="91440" tIns="45720" rIns="91440" bIns="45720" numCol="1" vert="horz" anchor="b">
+            <a:noAutofit/>
+          </a:bodyPr>
+          <a:lstStyle>
+            <a:lvl1pPr marL="0" indent="0" algn="r" latinLnBrk="0">
+              <a:buFontTx/>
+              <a:buNone/>
+              <a:defRPr lang="en-GB" altLang="en-US" sz="1200"/>
+            </a:lvl1pPr>
+          </a:lstStyle>
+          <a:p>
+            <a:pPr marL="0" indent="0" latinLnBrk="0">
+              <a:buFontTx/>
+              <a:buNone/>
+            </a:pPr>
+            <a:fld id="{B9320F77-B9A0-41C5-862A-B4B631284C64}" type="slidenum">
+              <a:rPr lang="ko-KR" altLang="en-US"/>
+              <a:t>‹#›</a:t>
+            </a:fld>
+          </a:p>
+        </p:txBody>
+      </p:sp>
+    </p:spTree>
+  </p:cSld>
+  <p:clrMapOvr>
+    <a:masterClrMapping/>
+  </p:clrMapOvr>
+  <mc:AlternateContent xmlns:mc="http://schemas.openxmlformats.org/markup-compatibility/2006">
+    <mc:Choice xmlns:p14="http://schemas.microsoft.com/office/powerpoint/2010/main" Requires="p14">
+      <p:transition spd="slow" p14:dur="0"/>
+    </mc:Choice>
+    <mc:Fallback>
+      <p:transition spd="slow"/>
+    </mc:Fallback>
+  </mc:AlternateContent>
+</p:notes>
+</file>
+
+<file path=ppt/notesSlides/notesSlide19.xml><?xml version="1.0" encoding="utf-8"?>
+<p:notes xmlns:a="http://schemas.openxmlformats.org/drawingml/2006/main" xmlns:r="http://schemas.openxmlformats.org/officeDocument/2006/relationships" xmlns:p="http://schemas.openxmlformats.org/presentationml/2006/main">
+  <p:cSld>
+    <p:spTree>
+      <p:nvGrpSpPr>
+        <p:cNvPr id="1" name=""/>
+        <p:cNvGrpSpPr/>
+        <p:nvPr/>
+      </p:nvGrpSpPr>
+      <p:grpSpPr>
+        <a:xfrm>
+          <a:off x="0" y="0"/>
+          <a:ext cx="0" cy="0"/>
+          <a:chOff x="0" y="0"/>
+          <a:chExt cx="0" cy="0"/>
+        </a:xfrm>
+      </p:grpSpPr>
+      <p:sp>
+        <p:nvSpPr>
+          <p:cNvPr id="2" name="슬라이드 이미지 개체 틀 3"/>
+          <p:cNvSpPr>
+            <a:spLocks noChangeAspect="1"/>
+          </p:cNvSpPr>
+          <p:nvPr>
+            <p:ph type="sldImg" idx="2"/>
+          </p:nvPr>
+        </p:nvSpPr>
+        <p:spPr>
+          <a:xfrm rot="0">
+            <a:off x="685800" y="1143000"/>
+            <a:ext cx="5498465" cy="3098165"/>
+          </a:xfrm>
+          <a:prstGeom prst="rect"/>
+          <a:noFill/>
+          <a:ln w="12700" cap="flat" cmpd="sng">
+            <a:solidFill>
+              <a:srgbClr val="000000">
+                <a:alpha val="100000"/>
+              </a:srgbClr>
+            </a:solidFill>
+            <a:prstDash val="solid"/>
+          </a:ln>
+        </p:spPr>
+        <p:txBody>
+          <a:bodyPr wrap="square" lIns="91440" tIns="45720" rIns="91440" bIns="45720" numCol="1" vert="horz" anchor="ctr">
+            <a:noAutofit/>
+          </a:bodyPr>
+          <a:lstStyle/>
+          <a:p>
+            <a:pPr marL="0" indent="0" latinLnBrk="0">
+              <a:buFontTx/>
+              <a:buNone/>
+            </a:pPr>
+          </a:p>
+        </p:txBody>
+      </p:sp>
+      <p:sp>
+        <p:nvSpPr>
+          <p:cNvPr id="3" name="슬라이드 노트 개체 틀 4"/>
+          <p:cNvSpPr txBox="1">
+            <a:spLocks/>
+          </p:cNvSpPr>
+          <p:nvPr>
+            <p:ph type="body" idx="3"/>
+          </p:nvPr>
+        </p:nvSpPr>
+        <p:spPr>
+          <a:xfrm rot="0">
+            <a:off x="685800" y="4400550"/>
+            <a:ext cx="5498465" cy="3612515"/>
+          </a:xfrm>
+          <a:prstGeom prst="rect"/>
+        </p:spPr>
+        <p:txBody>
+          <a:bodyPr wrap="square" lIns="91440" tIns="45720" rIns="91440" bIns="45720" numCol="1" vert="horz" anchor="t">
+            <a:noAutofit/>
+          </a:bodyPr>
+          <a:lstStyle/>
+          <a:p>
+            <a:pPr marL="0" indent="0" latinLnBrk="0">
+              <a:buFontTx/>
+              <a:buNone/>
+            </a:pPr>
+          </a:p>
+        </p:txBody>
+      </p:sp>
+      <p:sp>
+        <p:nvSpPr>
+          <p:cNvPr id="4" name="슬라이드 번호 개체 틀 6"/>
+          <p:cNvSpPr txBox="1">
+            <a:spLocks/>
+          </p:cNvSpPr>
+          <p:nvPr>
+            <p:ph type="sldNum" idx="5"/>
+          </p:nvPr>
+        </p:nvSpPr>
+        <p:spPr>
+          <a:xfrm rot="0">
+            <a:off x="3884930" y="8685530"/>
+            <a:ext cx="2983865" cy="470535"/>
+          </a:xfrm>
+          <a:prstGeom prst="rect"/>
+        </p:spPr>
+        <p:txBody>
+          <a:bodyPr wrap="square" lIns="91440" tIns="45720" rIns="91440" bIns="45720" numCol="1" vert="horz" anchor="b">
+            <a:noAutofit/>
+          </a:bodyPr>
+          <a:lstStyle>
+            <a:lvl1pPr marL="0" indent="0" algn="r" latinLnBrk="0">
+              <a:buFontTx/>
+              <a:buNone/>
+              <a:defRPr lang="en-GB" altLang="en-US" sz="1200"/>
+            </a:lvl1pPr>
+          </a:lstStyle>
+          <a:p>
+            <a:pPr marL="0" indent="0" latinLnBrk="0">
+              <a:buFontTx/>
+              <a:buNone/>
+            </a:pPr>
+            <a:fld id="{B9320F77-B9A0-41C5-862A-B4B631284C64}" type="slidenum">
+              <a:rPr lang="ko-KR" altLang="en-US"/>
+              <a:t>‹#›</a:t>
+            </a:fld>
+          </a:p>
+        </p:txBody>
+      </p:sp>
+    </p:spTree>
+  </p:cSld>
+  <p:clrMapOvr>
+    <a:masterClrMapping/>
+  </p:clrMapOvr>
+  <mc:AlternateContent xmlns:mc="http://schemas.openxmlformats.org/markup-compatibility/2006">
+    <mc:Choice xmlns:p14="http://schemas.microsoft.com/office/powerpoint/2010/main" Requires="p14">
+      <p:transition spd="slow" p14:dur="0"/>
+    </mc:Choice>
+    <mc:Fallback>
+      <p:transition spd="slow"/>
+    </mc:Fallback>
+  </mc:AlternateContent>
+</p:notes>
+</file>
+
 <file path=ppt/notesSlides/notesSlide2.xml><?xml version="1.0" encoding="utf-8"?>
 <p:notes xmlns:a="http://schemas.openxmlformats.org/drawingml/2006/main" xmlns:r="http://schemas.openxmlformats.org/officeDocument/2006/relationships" xmlns:p="http://schemas.openxmlformats.org/presentationml/2006/main">
   <p:cSld>
@@ -7251,6 +8538,806 @@
 </file>
 
 <file path=ppt/slides/slide10.xml><?xml version="1.0" encoding="utf-8"?>
+<p:sld xmlns:a="http://schemas.openxmlformats.org/drawingml/2006/main" xmlns:r="http://schemas.openxmlformats.org/officeDocument/2006/relationships" xmlns:p="http://schemas.openxmlformats.org/presentationml/2006/main" xmlns:p14="http://schemas.microsoft.com/office/powerpoint/2010/main">
+  <p:cSld>
+    <p:spTree>
+      <p:nvGrpSpPr>
+        <p:cNvPr id="1" name=""/>
+        <p:cNvGrpSpPr/>
+        <p:nvPr/>
+      </p:nvGrpSpPr>
+      <p:grpSpPr>
+        <a:xfrm>
+          <a:off x="0" y="0"/>
+          <a:ext cx="0" cy="0"/>
+          <a:chOff x="0" y="0"/>
+          <a:chExt cx="0" cy="0"/>
+        </a:xfrm>
+      </p:grpSpPr>
+      <p:sp>
+        <p:nvSpPr>
+          <p:cNvPr id="22" name="Rect 0"/>
+          <p:cNvSpPr txBox="1">
+            <a:spLocks/>
+          </p:cNvSpPr>
+          <p:nvPr/>
+        </p:nvSpPr>
+        <p:spPr>
+          <a:xfrm rot="0">
+            <a:off x="4246880" y="353695"/>
+            <a:ext cx="3696970" cy="554990"/>
+          </a:xfrm>
+          <a:prstGeom prst="rect"/>
+          <a:noFill/>
+          <a:ln w="0">
+            <a:noFill/>
+            <a:prstDash/>
+          </a:ln>
+        </p:spPr>
+        <p:txBody>
+          <a:bodyPr wrap="square" lIns="89535" tIns="46355" rIns="89535" bIns="46355" numCol="1" vert="horz" anchor="t">
+            <a:spAutoFit/>
+          </a:bodyPr>
+          <a:lstStyle/>
+          <a:p>
+            <a:pPr marL="0" indent="0" algn="ctr" latinLnBrk="0" hangingPunct="1">
+              <a:buFontTx/>
+              <a:buNone/>
+            </a:pPr>
+            <a:r>
+              <a:rPr lang="ko-KR" sz="2500" b="1">
+                <a:latin typeface="나눔바른고딕" charset="0"/>
+                <a:ea typeface="나눔바른고딕" charset="0"/>
+              </a:rPr>
+              <a:t>열</a:t>
+            </a:r>
+            <a:r>
+              <a:rPr lang="ko-KR" sz="2500" b="1">
+                <a:latin typeface="나눔바른고딕" charset="0"/>
+                <a:ea typeface="나눔바른고딕" charset="0"/>
+              </a:rPr>
+              <a:t> 번째 튜토리얼</a:t>
+            </a:r>
+            <a:r>
+              <a:rPr lang="ko-KR" sz="3000" b="1">
+                <a:latin typeface="맑은 고딕" charset="0"/>
+                <a:ea typeface="맑은 고딕" charset="0"/>
+              </a:rPr>
+              <a:t> </a:t>
+            </a:r>
+            <a:endParaRPr lang="ko-KR" altLang="en-US" sz="3000" b="1">
+              <a:latin typeface="맑은 고딕" charset="0"/>
+              <a:ea typeface="맑은 고딕" charset="0"/>
+            </a:endParaRPr>
+          </a:p>
+        </p:txBody>
+      </p:sp>
+      <p:pic>
+        <p:nvPicPr>
+          <p:cNvPr id="76" name="그림 18"/>
+          <p:cNvPicPr>
+            <a:picLocks noChangeAspect="1"/>
+          </p:cNvPicPr>
+          <p:nvPr/>
+        </p:nvPicPr>
+        <p:blipFill rotWithShape="1">
+          <a:blip r:embed="rId2" cstate="hqprint">
+            <a:extLst>
+              <a:ext uri="{28A0092B-C50C-407E-A947-70E740481C1C}">
+                <a14:useLocalDpi xmlns:a14="http://schemas.microsoft.com/office/drawing/2010/main"/>
+              </a:ext>
+            </a:extLst>
+          </a:blip>
+          <a:stretch>
+            <a:fillRect/>
+          </a:stretch>
+        </p:blipFill>
+        <p:spPr>
+          <a:xfrm rot="0">
+            <a:off x="1249680" y="1447165"/>
+            <a:ext cx="4126230" cy="1240790"/>
+          </a:xfrm>
+          <a:prstGeom prst="roundRect"/>
+          <a:solidFill>
+            <a:srgbClr val="EDEDED"/>
+          </a:solidFill>
+        </p:spPr>
+      </p:pic>
+      <p:sp>
+        <p:nvSpPr>
+          <p:cNvPr id="77" name="텍스트 상자 19"/>
+          <p:cNvSpPr txBox="1">
+            <a:spLocks/>
+          </p:cNvSpPr>
+          <p:nvPr/>
+        </p:nvSpPr>
+        <p:spPr>
+          <a:xfrm rot="0">
+            <a:off x="1241425" y="2785110"/>
+            <a:ext cx="4117975" cy="954405"/>
+          </a:xfrm>
+          <a:prstGeom prst="rect"/>
+          <a:noFill/>
+          <a:ln w="0">
+            <a:noFill/>
+            <a:prstDash/>
+          </a:ln>
+        </p:spPr>
+        <p:txBody>
+          <a:bodyPr wrap="square" lIns="89535" tIns="46355" rIns="89535" bIns="46355" numCol="1" vert="horz" anchor="t">
+            <a:spAutoFit/>
+          </a:bodyPr>
+          <a:lstStyle/>
+          <a:p>
+            <a:pPr marL="0" indent="0" algn="l" latinLnBrk="0" hangingPunct="1">
+              <a:buFontTx/>
+              <a:buNone/>
+            </a:pPr>
+            <a:r>
+              <a:rPr lang="ko-KR" sz="2000" b="1">
+                <a:solidFill>
+                  <a:srgbClr val="0611F2"/>
+                </a:solidFill>
+                <a:latin typeface="맑은 고딕" charset="0"/>
+                <a:ea typeface="맑은 고딕" charset="0"/>
+              </a:rPr>
+              <a:t>27.</a:t>
+            </a:r>
+            <a:r>
+              <a:rPr lang="ko-KR" sz="2000">
+                <a:solidFill>
+                  <a:srgbClr val="0611F2"/>
+                </a:solidFill>
+                <a:latin typeface="맑은 고딕" charset="0"/>
+                <a:ea typeface="맑은 고딕" charset="0"/>
+              </a:rPr>
+              <a:t> </a:t>
+            </a:r>
+            <a:r>
+              <a:rPr lang="ko-KR" sz="1800">
+                <a:latin typeface="맑은 고딕" charset="0"/>
+                <a:ea typeface="맑은 고딕" charset="0"/>
+              </a:rPr>
+              <a:t>그러고 나서 Close Animation </a:t>
+            </a:r>
+            <a:r>
+              <a:rPr lang="ko-KR" sz="1800">
+                <a:latin typeface="맑은 고딕" charset="0"/>
+                <a:ea typeface="맑은 고딕" charset="0"/>
+              </a:rPr>
+              <a:t>뒤에</a:t>
+            </a:r>
+            <a:r>
+              <a:rPr lang="ko-KR" sz="1800">
+                <a:latin typeface="맑은 고딕" charset="0"/>
+                <a:ea typeface="맑은 고딕" charset="0"/>
+              </a:rPr>
+              <a:t> </a:t>
+            </a:r>
+            <a:r>
+              <a:rPr lang="ko-KR" sz="1800">
+                <a:latin typeface="맑은 고딕" charset="0"/>
+                <a:ea typeface="맑은 고딕" charset="0"/>
+              </a:rPr>
+              <a:t>있는</a:t>
+            </a:r>
+            <a:r>
+              <a:rPr lang="ko-KR" sz="1800">
+                <a:latin typeface="맑은 고딕" charset="0"/>
+                <a:ea typeface="맑은 고딕" charset="0"/>
+              </a:rPr>
+              <a:t> </a:t>
+            </a:r>
+            <a:r>
+              <a:rPr lang="ko-KR" sz="1800">
+                <a:latin typeface="맑은 고딕" charset="0"/>
+                <a:ea typeface="맑은 고딕" charset="0"/>
+              </a:rPr>
+              <a:t>Key</a:t>
+            </a:r>
+            <a:r>
+              <a:rPr lang="ko-KR" sz="1800">
+                <a:latin typeface="맑은 고딕" charset="0"/>
+                <a:ea typeface="맑은 고딕" charset="0"/>
+              </a:rPr>
+              <a:t> </a:t>
+            </a:r>
+            <a:r>
+              <a:rPr lang="ko-KR" sz="1800">
+                <a:latin typeface="맑은 고딕" charset="0"/>
+                <a:ea typeface="맑은 고딕" charset="0"/>
+              </a:rPr>
+              <a:t>Frame을</a:t>
+            </a:r>
+            <a:r>
+              <a:rPr lang="ko-KR" sz="1800">
+                <a:latin typeface="맑은 고딕" charset="0"/>
+                <a:ea typeface="맑은 고딕" charset="0"/>
+              </a:rPr>
+              <a:t> 0 : 30 으로 </a:t>
+            </a:r>
+            <a:r>
+              <a:rPr lang="ko-KR" sz="1800">
+                <a:latin typeface="맑은 고딕" charset="0"/>
+                <a:ea typeface="맑은 고딕" charset="0"/>
+              </a:rPr>
+              <a:t>이동시킵니다.</a:t>
+            </a:r>
+            <a:r>
+              <a:rPr lang="ko-KR" sz="1800">
+                <a:latin typeface="맑은 고딕" charset="0"/>
+                <a:ea typeface="맑은 고딕" charset="0"/>
+              </a:rPr>
+              <a:t> </a:t>
+            </a:r>
+            <a:endParaRPr lang="ko-KR" altLang="en-US" sz="1800">
+              <a:latin typeface="맑은 고딕" charset="0"/>
+              <a:ea typeface="맑은 고딕" charset="0"/>
+            </a:endParaRPr>
+          </a:p>
+        </p:txBody>
+      </p:sp>
+      <p:pic>
+        <p:nvPicPr>
+          <p:cNvPr id="78" name="그림 20"/>
+          <p:cNvPicPr>
+            <a:picLocks noChangeAspect="1"/>
+          </p:cNvPicPr>
+          <p:nvPr/>
+        </p:nvPicPr>
+        <p:blipFill rotWithShape="1">
+          <a:blip r:embed="rId3" cstate="hqprint">
+            <a:extLst>
+              <a:ext uri="{28A0092B-C50C-407E-A947-70E740481C1C}">
+                <a14:useLocalDpi xmlns:a14="http://schemas.microsoft.com/office/drawing/2010/main"/>
+              </a:ext>
+            </a:extLst>
+          </a:blip>
+          <a:stretch>
+            <a:fillRect/>
+          </a:stretch>
+        </p:blipFill>
+        <p:spPr>
+          <a:xfrm rot="0">
+            <a:off x="1240790" y="3858895"/>
+            <a:ext cx="4126230" cy="1266825"/>
+          </a:xfrm>
+          <a:prstGeom prst="roundRect"/>
+          <a:solidFill>
+            <a:srgbClr val="EDEDED"/>
+          </a:solidFill>
+        </p:spPr>
+      </p:pic>
+      <p:sp>
+        <p:nvSpPr>
+          <p:cNvPr id="79" name="텍스트 상자 21"/>
+          <p:cNvSpPr txBox="1">
+            <a:spLocks/>
+          </p:cNvSpPr>
+          <p:nvPr/>
+        </p:nvSpPr>
+        <p:spPr>
+          <a:xfrm>
+            <a:off x="1243965" y="5212715"/>
+            <a:ext cx="4132580" cy="954405"/>
+          </a:xfrm>
+          <a:prstGeom prst="rect"/>
+          <a:noFill/>
+          <a:ln w="0">
+            <a:noFill/>
+            <a:prstDash/>
+          </a:ln>
+        </p:spPr>
+        <p:txBody>
+          <a:bodyPr wrap="square" lIns="89535" tIns="46355" rIns="89535" bIns="46355" numCol="1" vert="horz" anchor="t">
+            <a:spAutoFit/>
+          </a:bodyPr>
+          <a:lstStyle/>
+          <a:p>
+            <a:pPr marL="0" indent="0" algn="l" latinLnBrk="0" hangingPunct="1">
+              <a:buFontTx/>
+              <a:buNone/>
+            </a:pPr>
+            <a:r>
+              <a:rPr lang="ko-KR" sz="2000" b="1">
+                <a:solidFill>
+                  <a:srgbClr val="0611F2"/>
+                </a:solidFill>
+                <a:latin typeface="맑은 고딕" charset="0"/>
+                <a:ea typeface="맑은 고딕" charset="0"/>
+              </a:rPr>
+              <a:t>28.</a:t>
+            </a:r>
+            <a:r>
+              <a:rPr lang="ko-KR" sz="2000">
+                <a:solidFill>
+                  <a:srgbClr val="0611F2"/>
+                </a:solidFill>
+                <a:latin typeface="맑은 고딕" charset="0"/>
+                <a:ea typeface="맑은 고딕" charset="0"/>
+              </a:rPr>
+              <a:t> </a:t>
+            </a:r>
+            <a:r>
+              <a:rPr lang="ko-KR" sz="1800">
+                <a:latin typeface="맑은 고딕" charset="0"/>
+                <a:ea typeface="맑은 고딕" charset="0"/>
+              </a:rPr>
+              <a:t>이제 Close Animation 앞에 </a:t>
+            </a:r>
+            <a:r>
+              <a:rPr lang="ko-KR" sz="1800">
+                <a:latin typeface="맑은 고딕" charset="0"/>
+                <a:ea typeface="맑은 고딕" charset="0"/>
+              </a:rPr>
+              <a:t>있는</a:t>
+            </a:r>
+            <a:r>
+              <a:rPr lang="ko-KR" sz="1800">
+                <a:latin typeface="맑은 고딕" charset="0"/>
+                <a:ea typeface="맑은 고딕" charset="0"/>
+              </a:rPr>
+              <a:t> </a:t>
+            </a:r>
+            <a:r>
+              <a:rPr lang="ko-KR" sz="1800">
+                <a:latin typeface="맑은 고딕" charset="0"/>
+                <a:ea typeface="맑은 고딕" charset="0"/>
+              </a:rPr>
+              <a:t>Key</a:t>
+            </a:r>
+            <a:r>
+              <a:rPr lang="ko-KR" sz="1800">
+                <a:latin typeface="맑은 고딕" charset="0"/>
+                <a:ea typeface="맑은 고딕" charset="0"/>
+              </a:rPr>
+              <a:t> </a:t>
+            </a:r>
+            <a:r>
+              <a:rPr lang="ko-KR" sz="1800">
+                <a:latin typeface="맑은 고딕" charset="0"/>
+                <a:ea typeface="맑은 고딕" charset="0"/>
+              </a:rPr>
+              <a:t>Frame의</a:t>
+            </a:r>
+            <a:r>
+              <a:rPr lang="ko-KR" sz="1800">
+                <a:latin typeface="맑은 고딕" charset="0"/>
+                <a:ea typeface="맑은 고딕" charset="0"/>
+              </a:rPr>
+              <a:t> Scale (x, y, z) 값을 </a:t>
+            </a:r>
+            <a:r>
+              <a:rPr lang="ko-KR" sz="1800">
+                <a:latin typeface="맑은 고딕" charset="0"/>
+                <a:ea typeface="맑은 고딕" charset="0"/>
+              </a:rPr>
+              <a:t>0</a:t>
+            </a:r>
+            <a:r>
+              <a:rPr lang="ko-KR" sz="1800">
+                <a:latin typeface="맑은 고딕" charset="0"/>
+                <a:ea typeface="맑은 고딕" charset="0"/>
+              </a:rPr>
+              <a:t> </a:t>
+            </a:r>
+            <a:r>
+              <a:rPr lang="ko-KR" sz="1800">
+                <a:latin typeface="맑은 고딕" charset="0"/>
+                <a:ea typeface="맑은 고딕" charset="0"/>
+              </a:rPr>
+              <a:t>으로</a:t>
+            </a:r>
+            <a:r>
+              <a:rPr lang="ko-KR" sz="1800">
+                <a:latin typeface="맑은 고딕" charset="0"/>
+                <a:ea typeface="맑은 고딕" charset="0"/>
+              </a:rPr>
+              <a:t> </a:t>
+            </a:r>
+            <a:r>
+              <a:rPr lang="ko-KR" sz="1800">
+                <a:latin typeface="맑은 고딕" charset="0"/>
+                <a:ea typeface="맑은 고딕" charset="0"/>
+              </a:rPr>
+              <a:t>설정합니다.</a:t>
+            </a:r>
+            <a:endParaRPr lang="ko-KR" altLang="en-US" sz="1800">
+              <a:latin typeface="맑은 고딕" charset="0"/>
+              <a:ea typeface="맑은 고딕" charset="0"/>
+            </a:endParaRPr>
+          </a:p>
+        </p:txBody>
+      </p:sp>
+      <p:sp>
+        <p:nvSpPr>
+          <p:cNvPr id="80" name="텍스트 상자 22"/>
+          <p:cNvSpPr txBox="1">
+            <a:spLocks/>
+          </p:cNvSpPr>
+          <p:nvPr/>
+        </p:nvSpPr>
+        <p:spPr>
+          <a:xfrm rot="0">
+            <a:off x="6798945" y="5214620"/>
+            <a:ext cx="4164330" cy="954405"/>
+          </a:xfrm>
+          <a:prstGeom prst="rect"/>
+          <a:noFill/>
+          <a:ln w="0">
+            <a:noFill/>
+            <a:prstDash/>
+          </a:ln>
+        </p:spPr>
+        <p:txBody>
+          <a:bodyPr wrap="square" lIns="89535" tIns="46355" rIns="89535" bIns="46355" numCol="1" vert="horz" anchor="t">
+            <a:spAutoFit/>
+          </a:bodyPr>
+          <a:lstStyle/>
+          <a:p>
+            <a:pPr marL="0" indent="0" algn="l" latinLnBrk="0" hangingPunct="1">
+              <a:buFontTx/>
+              <a:buNone/>
+            </a:pPr>
+            <a:r>
+              <a:rPr lang="ko-KR" sz="2000" b="1">
+                <a:solidFill>
+                  <a:srgbClr val="0611F2"/>
+                </a:solidFill>
+                <a:latin typeface="맑은 고딕" charset="0"/>
+                <a:ea typeface="맑은 고딕" charset="0"/>
+              </a:rPr>
+              <a:t>3</a:t>
+            </a:r>
+            <a:r>
+              <a:rPr lang="ko-KR" sz="2000" b="1">
+                <a:solidFill>
+                  <a:srgbClr val="0611F2"/>
+                </a:solidFill>
+                <a:latin typeface="맑은 고딕" charset="0"/>
+                <a:ea typeface="맑은 고딕" charset="0"/>
+              </a:rPr>
+              <a:t>0</a:t>
+            </a:r>
+            <a:r>
+              <a:rPr lang="ko-KR" sz="2000" b="1">
+                <a:solidFill>
+                  <a:srgbClr val="0611F2"/>
+                </a:solidFill>
+                <a:latin typeface="맑은 고딕" charset="0"/>
+                <a:ea typeface="맑은 고딕" charset="0"/>
+              </a:rPr>
+              <a:t>.</a:t>
+            </a:r>
+            <a:r>
+              <a:rPr lang="ko-KR" sz="2000">
+                <a:solidFill>
+                  <a:srgbClr val="0611F2"/>
+                </a:solidFill>
+                <a:latin typeface="맑은 고딕" charset="0"/>
+                <a:ea typeface="맑은 고딕" charset="0"/>
+              </a:rPr>
+              <a:t> </a:t>
+            </a:r>
+            <a:r>
+              <a:rPr lang="ko-KR" sz="1800">
+                <a:latin typeface="맑은 고딕" charset="0"/>
+                <a:ea typeface="맑은 고딕" charset="0"/>
+              </a:rPr>
+              <a:t>그런 다음 Animator Controller의 </a:t>
+            </a:r>
+            <a:r>
+              <a:rPr lang="ko-KR" sz="1800">
+                <a:latin typeface="맑은 고딕" charset="0"/>
+                <a:ea typeface="맑은 고딕" charset="0"/>
+              </a:rPr>
+              <a:t>Paremeters에</a:t>
+            </a:r>
+            <a:r>
+              <a:rPr lang="ko-KR" sz="1800">
+                <a:latin typeface="맑은 고딕" charset="0"/>
+                <a:ea typeface="맑은 고딕" charset="0"/>
+              </a:rPr>
+              <a:t> Trigger 옵션을 추가하고 </a:t>
+            </a:r>
+            <a:r>
+              <a:rPr lang="ko-KR" sz="1800">
+                <a:latin typeface="맑은 고딕" charset="0"/>
+                <a:ea typeface="맑은 고딕" charset="0"/>
+              </a:rPr>
+              <a:t>이름을</a:t>
+            </a:r>
+            <a:r>
+              <a:rPr lang="ko-KR" sz="1800">
+                <a:latin typeface="맑은 고딕" charset="0"/>
+                <a:ea typeface="맑은 고딕" charset="0"/>
+              </a:rPr>
+              <a:t> Close로 정의합니다.</a:t>
+            </a:r>
+            <a:endParaRPr lang="ko-KR" altLang="en-US" sz="1800">
+              <a:latin typeface="맑은 고딕" charset="0"/>
+              <a:ea typeface="맑은 고딕" charset="0"/>
+            </a:endParaRPr>
+          </a:p>
+        </p:txBody>
+      </p:sp>
+      <p:pic>
+        <p:nvPicPr>
+          <p:cNvPr id="81" name="그림 23" descr="C:/Users/Admin1/AppData/Roaming/PolarisOffice/ETemp/19756_13428312/fImage56242544464.png"/>
+          <p:cNvPicPr>
+            <a:picLocks noChangeAspect="1"/>
+          </p:cNvPicPr>
+          <p:nvPr/>
+        </p:nvPicPr>
+        <p:blipFill rotWithShape="1">
+          <a:blip r:embed="rId4" cstate="hqprint">
+            <a:extLst>
+              <a:ext uri="{28A0092B-C50C-407E-A947-70E740481C1C}">
+                <a14:useLocalDpi xmlns:a14="http://schemas.microsoft.com/office/drawing/2010/main"/>
+              </a:ext>
+            </a:extLst>
+          </a:blip>
+          <a:stretch>
+            <a:fillRect/>
+          </a:stretch>
+        </p:blipFill>
+        <p:spPr>
+          <a:xfrm rot="0">
+            <a:off x="6815455" y="3853180"/>
+            <a:ext cx="4150995" cy="1256665"/>
+          </a:xfrm>
+          <a:prstGeom prst="roundRect"/>
+          <a:solidFill>
+            <a:srgbClr val="EDEDED"/>
+          </a:solidFill>
+        </p:spPr>
+      </p:pic>
+      <p:sp>
+        <p:nvSpPr>
+          <p:cNvPr id="84" name="텍스트 상자 29"/>
+          <p:cNvSpPr txBox="1">
+            <a:spLocks/>
+          </p:cNvSpPr>
+          <p:nvPr/>
+        </p:nvSpPr>
+        <p:spPr>
+          <a:xfrm rot="0">
+            <a:off x="6808470" y="2753360"/>
+            <a:ext cx="4154805" cy="954405"/>
+          </a:xfrm>
+          <a:prstGeom prst="rect"/>
+          <a:noFill/>
+          <a:ln w="0">
+            <a:noFill/>
+            <a:prstDash/>
+          </a:ln>
+        </p:spPr>
+        <p:txBody>
+          <a:bodyPr wrap="square" lIns="89535" tIns="46355" rIns="89535" bIns="46355" numCol="1" vert="horz" anchor="t">
+            <a:spAutoFit/>
+          </a:bodyPr>
+          <a:lstStyle/>
+          <a:p>
+            <a:pPr marL="0" indent="0" algn="l" latinLnBrk="0" hangingPunct="1">
+              <a:buFontTx/>
+              <a:buNone/>
+            </a:pPr>
+            <a:r>
+              <a:rPr lang="ko-KR" sz="2000" b="1">
+                <a:solidFill>
+                  <a:srgbClr val="0611F2"/>
+                </a:solidFill>
+                <a:latin typeface="맑은 고딕" charset="0"/>
+                <a:ea typeface="맑은 고딕" charset="0"/>
+              </a:rPr>
+              <a:t>29.</a:t>
+            </a:r>
+            <a:r>
+              <a:rPr lang="ko-KR" sz="2000">
+                <a:solidFill>
+                  <a:srgbClr val="0611F2"/>
+                </a:solidFill>
+                <a:latin typeface="맑은 고딕" charset="0"/>
+                <a:ea typeface="맑은 고딕" charset="0"/>
+              </a:rPr>
+              <a:t> </a:t>
+            </a:r>
+            <a:r>
+              <a:rPr lang="ko-KR" sz="1800">
+                <a:latin typeface="맑은 고딕" charset="0"/>
+                <a:ea typeface="맑은 고딕" charset="0"/>
+              </a:rPr>
+              <a:t>그리고 Open Button </a:t>
+            </a:r>
+            <a:r>
+              <a:rPr lang="ko-KR" sz="1800">
+                <a:latin typeface="맑은 고딕" charset="0"/>
+                <a:ea typeface="맑은 고딕" charset="0"/>
+              </a:rPr>
+              <a:t>오브젝트의</a:t>
+            </a:r>
+            <a:r>
+              <a:rPr lang="ko-KR" sz="1800">
+                <a:latin typeface="맑은 고딕" charset="0"/>
+                <a:ea typeface="맑은 고딕" charset="0"/>
+              </a:rPr>
+              <a:t> </a:t>
+            </a:r>
+            <a:r>
+              <a:rPr lang="ko-KR" sz="1800">
+                <a:latin typeface="맑은 고딕" charset="0"/>
+                <a:ea typeface="맑은 고딕" charset="0"/>
+              </a:rPr>
+              <a:t>On</a:t>
+            </a:r>
+            <a:r>
+              <a:rPr lang="ko-KR" sz="1800">
+                <a:latin typeface="맑은 고딕" charset="0"/>
+                <a:ea typeface="맑은 고딕" charset="0"/>
+              </a:rPr>
+              <a:t> </a:t>
+            </a:r>
+            <a:r>
+              <a:rPr lang="ko-KR" sz="1800">
+                <a:latin typeface="맑은 고딕" charset="0"/>
+                <a:ea typeface="맑은 고딕" charset="0"/>
+              </a:rPr>
+              <a:t>Click(</a:t>
+            </a:r>
+            <a:r>
+              <a:rPr lang="ko-KR" sz="1800">
+                <a:latin typeface="맑은 고딕" charset="0"/>
+                <a:ea typeface="맑은 고딕" charset="0"/>
+              </a:rPr>
+              <a:t> ) 함수에 Animator Manager </a:t>
+            </a:r>
+            <a:r>
+              <a:rPr lang="ko-KR" sz="1800">
+                <a:latin typeface="맑은 고딕" charset="0"/>
+                <a:ea typeface="맑은 고딕" charset="0"/>
+              </a:rPr>
+              <a:t>오브젝트를</a:t>
+            </a:r>
+            <a:r>
+              <a:rPr lang="ko-KR" sz="1800">
+                <a:latin typeface="맑은 고딕" charset="0"/>
+                <a:ea typeface="맑은 고딕" charset="0"/>
+              </a:rPr>
+              <a:t> </a:t>
+            </a:r>
+            <a:r>
+              <a:rPr lang="ko-KR" sz="1800">
+                <a:latin typeface="맑은 고딕" charset="0"/>
+                <a:ea typeface="맑은 고딕" charset="0"/>
+              </a:rPr>
+              <a:t>넣어줍니다.</a:t>
+            </a:r>
+            <a:endParaRPr lang="ko-KR" altLang="en-US" sz="1800">
+              <a:latin typeface="맑은 고딕" charset="0"/>
+              <a:ea typeface="맑은 고딕" charset="0"/>
+            </a:endParaRPr>
+          </a:p>
+        </p:txBody>
+      </p:sp>
+      <p:pic>
+        <p:nvPicPr>
+          <p:cNvPr id="85" name="그림 53" descr="C:/Users/Admin1/AppData/Roaming/PolarisOffice/ETemp/19756_13428312/fImage53862866334.png"/>
+          <p:cNvPicPr>
+            <a:picLocks noChangeAspect="1"/>
+          </p:cNvPicPr>
+          <p:nvPr/>
+        </p:nvPicPr>
+        <p:blipFill rotWithShape="1">
+          <a:blip r:embed="rId8" cstate="print">
+            <a:extLst>
+              <a:ext uri="{28A0092B-C50C-407E-A947-70E740481C1C}">
+                <a14:useLocalDpi xmlns:a14="http://schemas.microsoft.com/office/drawing/2010/main" val="0"/>
+              </a:ext>
+            </a:extLst>
+          </a:blip>
+          <a:stretch>
+            <a:fillRect/>
+          </a:stretch>
+        </p:blipFill>
+        <p:spPr>
+          <a:xfrm rot="0">
+            <a:off x="8191500" y="1447800"/>
+            <a:ext cx="2776220" cy="1228725"/>
+          </a:xfrm>
+          <a:prstGeom prst="roundRect"/>
+          <a:solidFill>
+            <a:srgbClr val="EDEDED"/>
+          </a:solidFill>
+        </p:spPr>
+      </p:pic>
+      <p:pic>
+        <p:nvPicPr>
+          <p:cNvPr id="86" name="그림 60" descr="C:/Users/Admin1/AppData/Roaming/PolarisOffice/ETemp/19756_13428312/fImage85031468467.png"/>
+          <p:cNvPicPr>
+            <a:picLocks noChangeAspect="1"/>
+          </p:cNvPicPr>
+          <p:nvPr/>
+        </p:nvPicPr>
+        <p:blipFill rotWithShape="1">
+          <a:blip r:embed="rId9" cstate="hqprint">
+            <a:extLst>
+              <a:ext uri="{28A0092B-C50C-407E-A947-70E740481C1C}">
+                <a14:useLocalDpi xmlns:a14="http://schemas.microsoft.com/office/drawing/2010/main"/>
+              </a:ext>
+            </a:extLst>
+          </a:blip>
+          <a:stretch>
+            <a:fillRect/>
+          </a:stretch>
+        </p:blipFill>
+        <p:spPr>
+          <a:xfrm rot="0">
+            <a:off x="6823710" y="1447165"/>
+            <a:ext cx="1247140" cy="1237615"/>
+          </a:xfrm>
+          <a:prstGeom prst="roundRect"/>
+          <a:solidFill>
+            <a:srgbClr val="EDEDED"/>
+          </a:solidFill>
+        </p:spPr>
+      </p:pic>
+      <p:cxnSp>
+        <p:nvCxnSpPr>
+          <p:cNvPr id="87" name="도형 61"/>
+          <p:cNvCxnSpPr/>
+          <p:nvPr/>
+        </p:nvCxnSpPr>
+        <p:spPr>
+          <a:xfrm rot="0" flipV="1">
+            <a:off x="7905750" y="2164715"/>
+            <a:ext cx="1178560" cy="416560"/>
+          </a:xfrm>
+          <a:prstGeom prst="straightConnector1"/>
+          <a:ln w="6350" cap="flat" cmpd="sng">
+            <a:prstDash/>
+            <a:headEnd type="none" w="med" len="med"/>
+            <a:tailEnd type="triangle" w="med" len="med"/>
+          </a:ln>
+        </p:spPr>
+        <p:style>
+          <a:lnRef idx="1">
+            <a:schemeClr val="accent1"/>
+          </a:lnRef>
+          <a:fillRef idx="0">
+            <a:schemeClr val="accent1"/>
+          </a:fillRef>
+          <a:effectRef idx="0">
+            <a:schemeClr val="accent1"/>
+          </a:effectRef>
+          <a:fontRef idx="minor">
+            <a:schemeClr val="tx1"/>
+          </a:fontRef>
+        </p:style>
+      </p:cxnSp>
+    </p:spTree>
+  </p:cSld>
+  <p:clrMapOvr>
+    <a:masterClrMapping/>
+  </p:clrMapOvr>
+  <mc:AlternateContent xmlns:mc="http://schemas.openxmlformats.org/markup-compatibility/2006">
+    <mc:Choice xmlns:p14="http://schemas.microsoft.com/office/powerpoint/2010/main" Requires="p14">
+      <p:transition spd="slow" p14:dur="2000"/>
+    </mc:Choice>
+    <mc:Fallback>
+      <p:transition spd="slow"/>
+    </mc:Fallback>
+  </mc:AlternateContent>
+  <p:timing>
+    <p:tnLst>
+      <p:par>
+        <p:cTn id="1" dur="indefinite" restart="never" nodeType="tmRoot"/>
+      </p:par>
+    </p:tnLst>
+  </p:timing>
+</p:sld>
+</file>
+
+<file path=ppt/slides/slide11.xml><?xml version="1.0" encoding="utf-8"?>
 <p:sld xmlns:a="http://schemas.openxmlformats.org/drawingml/2006/main" xmlns:r="http://schemas.openxmlformats.org/officeDocument/2006/relationships" xmlns:p="http://schemas.openxmlformats.org/presentationml/2006/main">
   <p:cSld>
     <p:spTree>
@@ -7277,8 +9364,8 @@
         </p:nvSpPr>
         <p:spPr>
           <a:xfrm rot="0">
-            <a:off x="4246880" y="353695"/>
-            <a:ext cx="3696970" cy="554990"/>
+            <a:off x="4152265" y="336550"/>
+            <a:ext cx="3876675" cy="554990"/>
           </a:xfrm>
           <a:prstGeom prst="rect"/>
           <a:noFill/>
@@ -7302,7 +9389,7 @@
                 <a:latin typeface="나눔바른고딕" charset="0"/>
                 <a:ea typeface="나눔바른고딕" charset="0"/>
               </a:rPr>
-              <a:t>열</a:t>
+              <a:t>열한</a:t>
             </a:r>
             <a:r>
               <a:rPr lang="ko-KR" sz="2500" b="1">
@@ -7325,9 +9412,263 @@
           </a:p>
         </p:txBody>
       </p:sp>
+      <p:sp>
+        <p:nvSpPr>
+          <p:cNvPr id="79" name="Rect 0"/>
+          <p:cNvSpPr txBox="1">
+            <a:spLocks/>
+          </p:cNvSpPr>
+          <p:nvPr/>
+        </p:nvSpPr>
+        <p:spPr>
+          <a:xfrm rot="0">
+            <a:off x="1235710" y="5229860"/>
+            <a:ext cx="4150995" cy="954405"/>
+          </a:xfrm>
+          <a:prstGeom prst="rect"/>
+          <a:noFill/>
+          <a:ln w="0">
+            <a:noFill/>
+            <a:prstDash/>
+          </a:ln>
+        </p:spPr>
+        <p:txBody>
+          <a:bodyPr wrap="square" lIns="89535" tIns="46355" rIns="89535" bIns="46355" numCol="1" vert="horz" anchor="t">
+            <a:spAutoFit/>
+          </a:bodyPr>
+          <a:lstStyle/>
+          <a:p>
+            <a:pPr marL="0" indent="0" algn="l" latinLnBrk="0" hangingPunct="1">
+              <a:buFontTx/>
+              <a:buNone/>
+            </a:pPr>
+            <a:r>
+              <a:rPr lang="ko-KR" sz="2000" b="1">
+                <a:solidFill>
+                  <a:srgbClr val="0611F2"/>
+                </a:solidFill>
+                <a:latin typeface="맑은 고딕" charset="0"/>
+                <a:ea typeface="맑은 고딕" charset="0"/>
+              </a:rPr>
+              <a:t>31.</a:t>
+            </a:r>
+            <a:r>
+              <a:rPr lang="ko-KR" sz="2000">
+                <a:solidFill>
+                  <a:srgbClr val="0611F2"/>
+                </a:solidFill>
+                <a:latin typeface="맑은 고딕" charset="0"/>
+                <a:ea typeface="맑은 고딕" charset="0"/>
+              </a:rPr>
+              <a:t> </a:t>
+            </a:r>
+            <a:r>
+              <a:rPr lang="ko-KR" sz="1800">
+                <a:latin typeface="맑은 고딕" charset="0"/>
+                <a:ea typeface="맑은 고딕" charset="0"/>
+              </a:rPr>
+              <a:t>그다음 Project 폴더 아래에 </a:t>
+            </a:r>
+            <a:r>
+              <a:rPr lang="ko-KR" sz="1800">
+                <a:latin typeface="맑은 고딕" charset="0"/>
+                <a:ea typeface="맑은 고딕" charset="0"/>
+              </a:rPr>
+              <a:t>있는</a:t>
+            </a:r>
+            <a:r>
+              <a:rPr lang="ko-KR" sz="1800">
+                <a:latin typeface="맑은 고딕" charset="0"/>
+                <a:ea typeface="맑은 고딕" charset="0"/>
+              </a:rPr>
+              <a:t> </a:t>
+            </a:r>
+            <a:r>
+              <a:rPr lang="ko-KR" sz="1800">
+                <a:latin typeface="맑은 고딕" charset="0"/>
+                <a:ea typeface="맑은 고딕" charset="0"/>
+              </a:rPr>
+              <a:t>A</a:t>
+            </a:r>
+            <a:r>
+              <a:rPr lang="ko-KR" sz="1800">
+                <a:latin typeface="맑은 고딕" charset="0"/>
+                <a:ea typeface="맑은 고딕" charset="0"/>
+              </a:rPr>
+              <a:t>nimation</a:t>
+            </a:r>
+            <a:r>
+              <a:rPr lang="ko-KR" sz="1800">
+                <a:latin typeface="맑은 고딕" charset="0"/>
+                <a:ea typeface="맑은 고딕" charset="0"/>
+              </a:rPr>
+              <a:t> 폴더에 Open 애니메이션</a:t>
+            </a:r>
+            <a:r>
+              <a:rPr lang="ko-KR" sz="1800">
+                <a:latin typeface="맑은 고딕" charset="0"/>
+                <a:ea typeface="맑은 고딕" charset="0"/>
+              </a:rPr>
+              <a:t>을 </a:t>
+            </a:r>
+            <a:r>
+              <a:rPr lang="ko-KR" sz="1800">
+                <a:latin typeface="맑은 고딕" charset="0"/>
+                <a:ea typeface="맑은 고딕" charset="0"/>
+              </a:rPr>
+              <a:t>Animator</a:t>
+            </a:r>
+            <a:r>
+              <a:rPr lang="ko-KR" sz="1800">
+                <a:latin typeface="맑은 고딕" charset="0"/>
+                <a:ea typeface="맑은 고딕" charset="0"/>
+              </a:rPr>
+              <a:t> Controller에 추가합니</a:t>
+            </a:r>
+            <a:r>
+              <a:rPr lang="ko-KR" sz="1800">
+                <a:latin typeface="맑은 고딕" charset="0"/>
+                <a:ea typeface="맑은 고딕" charset="0"/>
+              </a:rPr>
+              <a:t>다.</a:t>
+            </a:r>
+            <a:endParaRPr lang="ko-KR" altLang="en-US" sz="1800">
+              <a:latin typeface="맑은 고딕" charset="0"/>
+              <a:ea typeface="맑은 고딕" charset="0"/>
+            </a:endParaRPr>
+          </a:p>
+        </p:txBody>
+      </p:sp>
+      <p:sp>
+        <p:nvSpPr>
+          <p:cNvPr id="80" name="Rect 0"/>
+          <p:cNvSpPr txBox="1">
+            <a:spLocks/>
+          </p:cNvSpPr>
+          <p:nvPr/>
+        </p:nvSpPr>
+        <p:spPr>
+          <a:xfrm rot="0">
+            <a:off x="6816725" y="5231765"/>
+            <a:ext cx="4146550" cy="954405"/>
+          </a:xfrm>
+          <a:prstGeom prst="rect"/>
+          <a:noFill/>
+          <a:ln w="0">
+            <a:noFill/>
+            <a:prstDash/>
+          </a:ln>
+        </p:spPr>
+        <p:txBody>
+          <a:bodyPr wrap="square" lIns="89535" tIns="46355" rIns="89535" bIns="46355" numCol="1" vert="horz" anchor="t">
+            <a:spAutoFit/>
+          </a:bodyPr>
+          <a:lstStyle/>
+          <a:p>
+            <a:pPr marL="0" indent="0" algn="l" latinLnBrk="0" hangingPunct="1">
+              <a:buFontTx/>
+              <a:buNone/>
+            </a:pPr>
+            <a:r>
+              <a:rPr lang="ko-KR" sz="2000" b="1">
+                <a:solidFill>
+                  <a:srgbClr val="0611F2"/>
+                </a:solidFill>
+                <a:latin typeface="맑은 고딕" charset="0"/>
+                <a:ea typeface="맑은 고딕" charset="0"/>
+              </a:rPr>
+              <a:t>33.</a:t>
+            </a:r>
+            <a:r>
+              <a:rPr lang="ko-KR" sz="2000">
+                <a:solidFill>
+                  <a:srgbClr val="0611F2"/>
+                </a:solidFill>
+                <a:latin typeface="맑은 고딕" charset="0"/>
+                <a:ea typeface="맑은 고딕" charset="0"/>
+              </a:rPr>
+              <a:t> </a:t>
+            </a:r>
+            <a:r>
+              <a:rPr lang="ko-KR" sz="1800">
+                <a:latin typeface="맑은 고딕" charset="0"/>
+                <a:ea typeface="맑은 고딕" charset="0"/>
+              </a:rPr>
+              <a:t>이제 Parallax 스크립트의 </a:t>
+            </a:r>
+            <a:r>
+              <a:rPr lang="ko-KR" sz="1800">
+                <a:latin typeface="맑은 고딕" charset="0"/>
+                <a:ea typeface="맑은 고딕" charset="0"/>
+              </a:rPr>
+              <a:t>Raw</a:t>
+            </a:r>
+            <a:r>
+              <a:rPr lang="ko-KR" sz="1800">
+                <a:latin typeface="맑은 고딕" charset="0"/>
+                <a:ea typeface="맑은 고딕" charset="0"/>
+              </a:rPr>
+              <a:t> </a:t>
+            </a:r>
+            <a:r>
+              <a:rPr lang="ko-KR" sz="1800">
+                <a:latin typeface="맑은 고딕" charset="0"/>
+                <a:ea typeface="맑은 고딕" charset="0"/>
+              </a:rPr>
+              <a:t>Image</a:t>
+            </a:r>
+            <a:r>
+              <a:rPr lang="ko-KR" sz="1800">
+                <a:latin typeface="맑은 고딕" charset="0"/>
+                <a:ea typeface="맑은 고딕" charset="0"/>
+              </a:rPr>
+              <a:t> </a:t>
+            </a:r>
+            <a:r>
+              <a:rPr lang="ko-KR" sz="1800">
+                <a:latin typeface="맑은 고딕" charset="0"/>
+                <a:ea typeface="맑은 고딕" charset="0"/>
+              </a:rPr>
+              <a:t>변수에</a:t>
+            </a:r>
+            <a:r>
+              <a:rPr lang="ko-KR" sz="1800">
+                <a:latin typeface="맑은 고딕" charset="0"/>
+                <a:ea typeface="맑은 고딕" charset="0"/>
+              </a:rPr>
+              <a:t> Parallax Ground </a:t>
+            </a:r>
+            <a:r>
+              <a:rPr lang="ko-KR" sz="1800">
+                <a:latin typeface="맑은 고딕" charset="0"/>
+                <a:ea typeface="맑은 고딕" charset="0"/>
+              </a:rPr>
+              <a:t>오브젝트를</a:t>
+            </a:r>
+            <a:r>
+              <a:rPr lang="ko-KR" sz="1800">
+                <a:latin typeface="맑은 고딕" charset="0"/>
+                <a:ea typeface="맑은 고딕" charset="0"/>
+              </a:rPr>
+              <a:t> </a:t>
+            </a:r>
+            <a:r>
+              <a:rPr lang="ko-KR" sz="1800">
+                <a:latin typeface="맑은 고딕" charset="0"/>
+                <a:ea typeface="맑은 고딕" charset="0"/>
+              </a:rPr>
+              <a:t>넣어줍니다.</a:t>
+            </a:r>
+            <a:endParaRPr lang="ko-KR" altLang="en-US" sz="1800">
+              <a:latin typeface="맑은 고딕" charset="0"/>
+              <a:ea typeface="맑은 고딕" charset="0"/>
+            </a:endParaRPr>
+          </a:p>
+        </p:txBody>
+      </p:sp>
       <p:pic>
         <p:nvPicPr>
-          <p:cNvPr id="76" name="그림 18" descr="C:/Users/Admin1/AppData/Roaming/PolarisOffice/ETemp/23832_17297800/fImage187123652391.png"/>
+          <p:cNvPr id="82" name="Picture " descr="C:/Users/Admin1/AppData/Roaming/PolarisOffice/ETemp/19756_13428312/fImage30172699169.png"/>
           <p:cNvPicPr>
             <a:picLocks noChangeAspect="1"/>
           </p:cNvPicPr>
@@ -7347,8 +9688,8 @@
         </p:blipFill>
         <p:spPr>
           <a:xfrm rot="0">
-            <a:off x="1249680" y="1447165"/>
-            <a:ext cx="4126230" cy="1240790"/>
+            <a:off x="8194040" y="1445260"/>
+            <a:ext cx="2764155" cy="1234440"/>
           </a:xfrm>
           <a:prstGeom prst="roundRect"/>
           <a:solidFill>
@@ -7358,7 +9699,7 @@
       </p:pic>
       <p:sp>
         <p:nvSpPr>
-          <p:cNvPr id="77" name="텍스트 상자 19"/>
+          <p:cNvPr id="84" name="Rect 0"/>
           <p:cNvSpPr txBox="1">
             <a:spLocks/>
           </p:cNvSpPr>
@@ -7366,8 +9707,8 @@
         </p:nvSpPr>
         <p:spPr>
           <a:xfrm rot="0">
-            <a:off x="1241425" y="2802255"/>
-            <a:ext cx="4117340" cy="954405"/>
+            <a:off x="6808470" y="2779395"/>
+            <a:ext cx="4145915" cy="954405"/>
           </a:xfrm>
           <a:prstGeom prst="rect"/>
           <a:noFill/>
@@ -7394,8 +9735,440 @@
                 <a:latin typeface="맑은 고딕" charset="0"/>
                 <a:ea typeface="맑은 고딕" charset="0"/>
               </a:rPr>
-              <a:t>2</a:t>
-            </a:r>
+              <a:t>32.</a:t>
+            </a:r>
+            <a:r>
+              <a:rPr lang="ko-KR" sz="2000">
+                <a:solidFill>
+                  <a:srgbClr val="0611F2"/>
+                </a:solidFill>
+                <a:latin typeface="맑은 고딕" charset="0"/>
+                <a:ea typeface="맑은 고딕" charset="0"/>
+              </a:rPr>
+              <a:t> </a:t>
+            </a:r>
+            <a:r>
+              <a:rPr lang="ko-KR" sz="1800">
+                <a:latin typeface="맑은 고딕" charset="0"/>
+                <a:ea typeface="맑은 고딕" charset="0"/>
+              </a:rPr>
+              <a:t>그러고 나서 Close Button </a:t>
+            </a:r>
+            <a:r>
+              <a:rPr lang="ko-KR" sz="1800">
+                <a:latin typeface="맑은 고딕" charset="0"/>
+                <a:ea typeface="맑은 고딕" charset="0"/>
+              </a:rPr>
+              <a:t>오브젝트의</a:t>
+            </a:r>
+            <a:r>
+              <a:rPr lang="ko-KR" sz="1800">
+                <a:latin typeface="맑은 고딕" charset="0"/>
+                <a:ea typeface="맑은 고딕" charset="0"/>
+              </a:rPr>
+              <a:t> </a:t>
+            </a:r>
+            <a:r>
+              <a:rPr lang="ko-KR" sz="1800">
+                <a:latin typeface="맑은 고딕" charset="0"/>
+                <a:ea typeface="맑은 고딕" charset="0"/>
+              </a:rPr>
+              <a:t>On</a:t>
+            </a:r>
+            <a:r>
+              <a:rPr lang="ko-KR" sz="1800">
+                <a:latin typeface="맑은 고딕" charset="0"/>
+                <a:ea typeface="맑은 고딕" charset="0"/>
+              </a:rPr>
+              <a:t> </a:t>
+            </a:r>
+            <a:r>
+              <a:rPr lang="ko-KR" sz="1800">
+                <a:latin typeface="맑은 고딕" charset="0"/>
+                <a:ea typeface="맑은 고딕" charset="0"/>
+              </a:rPr>
+              <a:t>Click(</a:t>
+            </a:r>
+            <a:r>
+              <a:rPr lang="ko-KR" sz="1800">
+                <a:latin typeface="맑은 고딕" charset="0"/>
+                <a:ea typeface="맑은 고딕" charset="0"/>
+              </a:rPr>
+              <a:t> </a:t>
+            </a:r>
+            <a:r>
+              <a:rPr lang="ko-KR" sz="1800">
+                <a:latin typeface="맑은 고딕" charset="0"/>
+                <a:ea typeface="맑은 고딕" charset="0"/>
+              </a:rPr>
+              <a:t>)</a:t>
+            </a:r>
+            <a:r>
+              <a:rPr lang="ko-KR" sz="1800">
+                <a:latin typeface="맑은 고딕" charset="0"/>
+                <a:ea typeface="맑은 고딕" charset="0"/>
+              </a:rPr>
+              <a:t> 함수를 </a:t>
+            </a:r>
+            <a:r>
+              <a:rPr lang="ko-KR" sz="1800">
+                <a:latin typeface="맑은 고딕" charset="0"/>
+                <a:ea typeface="맑은 고딕" charset="0"/>
+              </a:rPr>
+              <a:t>추가합니다.</a:t>
+            </a:r>
+            <a:endParaRPr lang="ko-KR" altLang="en-US" sz="1800">
+              <a:latin typeface="맑은 고딕" charset="0"/>
+              <a:ea typeface="맑은 고딕" charset="0"/>
+            </a:endParaRPr>
+          </a:p>
+        </p:txBody>
+      </p:sp>
+      <p:pic>
+        <p:nvPicPr>
+          <p:cNvPr id="85" name="그림 1" descr="C:/Users/Admin1/AppData/Roaming/PolarisOffice/ETemp/19756_13428312/fImage163192376500.png"/>
+          <p:cNvPicPr>
+            <a:picLocks noChangeAspect="1"/>
+          </p:cNvPicPr>
+          <p:nvPr/>
+        </p:nvPicPr>
+        <p:blipFill rotWithShape="1">
+          <a:blip r:embed="rId3" cstate="print">
+            <a:extLst>
+              <a:ext uri="{28A0092B-C50C-407E-A947-70E740481C1C}">
+                <a14:useLocalDpi xmlns:a14="http://schemas.microsoft.com/office/drawing/2010/main" val="0"/>
+              </a:ext>
+            </a:extLst>
+          </a:blip>
+          <a:stretch>
+            <a:fillRect/>
+          </a:stretch>
+        </p:blipFill>
+        <p:spPr>
+          <a:xfrm rot="0">
+            <a:off x="1231900" y="1438275"/>
+            <a:ext cx="4152265" cy="2386965"/>
+          </a:xfrm>
+          <a:prstGeom prst="roundRect"/>
+          <a:solidFill>
+            <a:srgbClr val="EDEDED"/>
+          </a:solidFill>
+        </p:spPr>
+      </p:pic>
+      <p:pic>
+        <p:nvPicPr>
+          <p:cNvPr id="86" name="그림 4" descr="C:/Users/Admin1/AppData/Roaming/PolarisOffice/ETemp/19756_13428312/fImage47042389169.png"/>
+          <p:cNvPicPr>
+            <a:picLocks noChangeAspect="1"/>
+          </p:cNvPicPr>
+          <p:nvPr/>
+        </p:nvPicPr>
+        <p:blipFill rotWithShape="1">
+          <a:blip r:embed="rId4" cstate="print">
+            <a:extLst>
+              <a:ext uri="{28A0092B-C50C-407E-A947-70E740481C1C}">
+                <a14:useLocalDpi xmlns:a14="http://schemas.microsoft.com/office/drawing/2010/main" val="0"/>
+              </a:ext>
+            </a:extLst>
+          </a:blip>
+          <a:stretch>
+            <a:fillRect/>
+          </a:stretch>
+        </p:blipFill>
+        <p:spPr>
+          <a:xfrm rot="0">
+            <a:off x="1231900" y="4057015"/>
+            <a:ext cx="4135120" cy="1085215"/>
+          </a:xfrm>
+          <a:prstGeom prst="roundRect"/>
+          <a:solidFill>
+            <a:srgbClr val="EDEDED"/>
+          </a:solidFill>
+        </p:spPr>
+      </p:pic>
+      <p:pic>
+        <p:nvPicPr>
+          <p:cNvPr id="87" name="그림 8" descr="C:/Users/Admin1/AppData/Roaming/PolarisOffice/ETemp/19756_13428312/fImage2242172415724.png"/>
+          <p:cNvPicPr>
+            <a:picLocks noChangeAspect="1"/>
+          </p:cNvPicPr>
+          <p:nvPr/>
+        </p:nvPicPr>
+        <p:blipFill rotWithShape="1">
+          <a:blip r:embed="rId5" cstate="hqprint">
+            <a:extLst>
+              <a:ext uri="{28A0092B-C50C-407E-A947-70E740481C1C}">
+                <a14:useLocalDpi xmlns:a14="http://schemas.microsoft.com/office/drawing/2010/main"/>
+              </a:ext>
+            </a:extLst>
+          </a:blip>
+          <a:stretch>
+            <a:fillRect/>
+          </a:stretch>
+        </p:blipFill>
+        <p:spPr>
+          <a:xfrm rot="16200000">
+            <a:off x="2903855" y="3572510"/>
+            <a:ext cx="790575" cy="638175"/>
+          </a:xfrm>
+          <a:prstGeom prst="rect"/>
+          <a:noFill/>
+        </p:spPr>
+      </p:pic>
+      <p:pic>
+        <p:nvPicPr>
+          <p:cNvPr id="88" name="그림 12" descr="C:/Users/Admin1/AppData/Roaming/PolarisOffice/ETemp/19756_13428312/fImage91262431478.png"/>
+          <p:cNvPicPr>
+            <a:picLocks noChangeAspect="1"/>
+          </p:cNvPicPr>
+          <p:nvPr/>
+        </p:nvPicPr>
+        <p:blipFill rotWithShape="1">
+          <a:blip r:embed="rId6" cstate="print">
+            <a:extLst>
+              <a:ext uri="{28A0092B-C50C-407E-A947-70E740481C1C}">
+                <a14:useLocalDpi xmlns:a14="http://schemas.microsoft.com/office/drawing/2010/main" val="0"/>
+              </a:ext>
+            </a:extLst>
+          </a:blip>
+          <a:stretch>
+            <a:fillRect/>
+          </a:stretch>
+        </p:blipFill>
+        <p:spPr>
+          <a:xfrm rot="0">
+            <a:off x="6805295" y="1446530"/>
+            <a:ext cx="1292225" cy="1233170"/>
+          </a:xfrm>
+          <a:prstGeom prst="roundRect"/>
+          <a:solidFill>
+            <a:srgbClr val="EDEDED"/>
+          </a:solidFill>
+        </p:spPr>
+      </p:pic>
+      <p:pic>
+        <p:nvPicPr>
+          <p:cNvPr id="89" name="그림 15" descr="C:/Users/Admin1/AppData/Roaming/PolarisOffice/ETemp/19756_13428312/fImage107482449358.png"/>
+          <p:cNvPicPr>
+            <a:picLocks noChangeAspect="1"/>
+          </p:cNvPicPr>
+          <p:nvPr/>
+        </p:nvPicPr>
+        <p:blipFill rotWithShape="1">
+          <a:blip r:embed="rId7" cstate="print">
+            <a:extLst>
+              <a:ext uri="{28A0092B-C50C-407E-A947-70E740481C1C}">
+                <a14:useLocalDpi xmlns:a14="http://schemas.microsoft.com/office/drawing/2010/main" val="0"/>
+              </a:ext>
+            </a:extLst>
+          </a:blip>
+          <a:stretch>
+            <a:fillRect/>
+          </a:stretch>
+        </p:blipFill>
+        <p:spPr>
+          <a:xfrm rot="0">
+            <a:off x="8200390" y="3867150"/>
+            <a:ext cx="2769870" cy="1258570"/>
+          </a:xfrm>
+          <a:prstGeom prst="roundRect"/>
+          <a:solidFill>
+            <a:srgbClr val="EDEDED"/>
+          </a:solidFill>
+        </p:spPr>
+      </p:pic>
+      <p:pic>
+        <p:nvPicPr>
+          <p:cNvPr id="90" name="그림 18" descr="C:/Users/Admin1/AppData/Roaming/PolarisOffice/ETemp/19756_13428312/fImage84622456962.png"/>
+          <p:cNvPicPr>
+            <a:picLocks noChangeAspect="1"/>
+          </p:cNvPicPr>
+          <p:nvPr/>
+        </p:nvPicPr>
+        <p:blipFill rotWithShape="1">
+          <a:blip r:embed="rId8" cstate="print">
+            <a:extLst>
+              <a:ext uri="{28A0092B-C50C-407E-A947-70E740481C1C}">
+                <a14:useLocalDpi xmlns:a14="http://schemas.microsoft.com/office/drawing/2010/main" val="0"/>
+              </a:ext>
+            </a:extLst>
+          </a:blip>
+          <a:stretch>
+            <a:fillRect/>
+          </a:stretch>
+        </p:blipFill>
+        <p:spPr>
+          <a:xfrm rot="0">
+            <a:off x="6807200" y="3874770"/>
+            <a:ext cx="1290320" cy="1250950"/>
+          </a:xfrm>
+          <a:prstGeom prst="roundRect"/>
+          <a:solidFill>
+            <a:srgbClr val="EDEDED"/>
+          </a:solidFill>
+        </p:spPr>
+      </p:pic>
+      <p:cxnSp>
+        <p:nvCxnSpPr>
+          <p:cNvPr id="91" name="도형 21"/>
+          <p:cNvCxnSpPr/>
+          <p:nvPr/>
+        </p:nvCxnSpPr>
+        <p:spPr>
+          <a:xfrm rot="0">
+            <a:off x="7915910" y="4453255"/>
+            <a:ext cx="2981325" cy="310515"/>
+          </a:xfrm>
+          <a:prstGeom prst="straightConnector1"/>
+          <a:ln w="6350" cap="flat" cmpd="sng">
+            <a:prstDash/>
+            <a:headEnd type="none" w="med" len="med"/>
+            <a:tailEnd type="triangle" w="med" len="med"/>
+          </a:ln>
+        </p:spPr>
+        <p:style>
+          <a:lnRef idx="1">
+            <a:schemeClr val="accent1"/>
+          </a:lnRef>
+          <a:fillRef idx="0">
+            <a:schemeClr val="accent1"/>
+          </a:fillRef>
+          <a:effectRef idx="0">
+            <a:schemeClr val="accent1"/>
+          </a:effectRef>
+          <a:fontRef idx="minor">
+            <a:schemeClr val="tx1"/>
+          </a:fontRef>
+        </p:style>
+      </p:cxnSp>
+    </p:spTree>
+  </p:cSld>
+  <p:clrMapOvr>
+    <a:masterClrMapping/>
+  </p:clrMapOvr>
+  <mc:AlternateContent xmlns:mc="http://schemas.openxmlformats.org/markup-compatibility/2006">
+    <mc:Choice xmlns:p14="http://schemas.microsoft.com/office/powerpoint/2010/main" Requires="p14">
+      <p:transition spd="slow" p14:dur="2000"/>
+    </mc:Choice>
+    <mc:Fallback>
+      <p:transition spd="slow"/>
+    </mc:Fallback>
+  </mc:AlternateContent>
+  <p:timing>
+    <p:tnLst>
+      <p:par>
+        <p:cTn id="1" dur="indefinite" restart="never" nodeType="tmRoot"/>
+      </p:par>
+    </p:tnLst>
+  </p:timing>
+</p:sld>
+</file>
+
+<file path=ppt/slides/slide12.xml><?xml version="1.0" encoding="utf-8"?>
+<p:sld xmlns:a="http://schemas.openxmlformats.org/drawingml/2006/main" xmlns:r="http://schemas.openxmlformats.org/officeDocument/2006/relationships" xmlns:p="http://schemas.openxmlformats.org/presentationml/2006/main" xmlns:p14="http://schemas.microsoft.com/office/powerpoint/2010/main">
+  <p:cSld>
+    <p:spTree>
+      <p:nvGrpSpPr>
+        <p:cNvPr id="1" name=""/>
+        <p:cNvGrpSpPr/>
+        <p:nvPr/>
+      </p:nvGrpSpPr>
+      <p:grpSpPr>
+        <a:xfrm>
+          <a:off x="0" y="0"/>
+          <a:ext cx="0" cy="0"/>
+          <a:chOff x="0" y="0"/>
+          <a:chExt cx="0" cy="0"/>
+        </a:xfrm>
+      </p:grpSpPr>
+      <p:sp>
+        <p:nvSpPr>
+          <p:cNvPr id="22" name="Rect 0"/>
+          <p:cNvSpPr txBox="1">
+            <a:spLocks/>
+          </p:cNvSpPr>
+          <p:nvPr/>
+        </p:nvSpPr>
+        <p:spPr>
+          <a:xfrm rot="0">
+            <a:off x="4152265" y="336550"/>
+            <a:ext cx="3876675" cy="554990"/>
+          </a:xfrm>
+          <a:prstGeom prst="rect"/>
+          <a:noFill/>
+          <a:ln w="0">
+            <a:noFill/>
+            <a:prstDash/>
+          </a:ln>
+        </p:spPr>
+        <p:txBody>
+          <a:bodyPr wrap="square" lIns="89535" tIns="46355" rIns="89535" bIns="46355" numCol="1" vert="horz" anchor="t">
+            <a:spAutoFit/>
+          </a:bodyPr>
+          <a:lstStyle/>
+          <a:p>
+            <a:pPr marL="0" indent="0" algn="ctr" latinLnBrk="0" hangingPunct="1">
+              <a:buFontTx/>
+              <a:buNone/>
+            </a:pPr>
+            <a:r>
+              <a:rPr lang="ko-KR" sz="2500" b="1">
+                <a:latin typeface="나눔바른고딕" charset="0"/>
+                <a:ea typeface="나눔바른고딕" charset="0"/>
+              </a:rPr>
+              <a:t>열두</a:t>
+            </a:r>
+            <a:r>
+              <a:rPr lang="ko-KR" sz="2500" b="1">
+                <a:latin typeface="나눔바른고딕" charset="0"/>
+                <a:ea typeface="나눔바른고딕" charset="0"/>
+              </a:rPr>
+              <a:t> 번째 튜토리얼</a:t>
+            </a:r>
+            <a:r>
+              <a:rPr lang="ko-KR" sz="3000" b="1">
+                <a:latin typeface="맑은 고딕" charset="0"/>
+                <a:ea typeface="맑은 고딕" charset="0"/>
+              </a:rPr>
+              <a:t> </a:t>
+            </a:r>
+            <a:endParaRPr lang="ko-KR" altLang="en-US" sz="3000" b="1">
+              <a:latin typeface="맑은 고딕" charset="0"/>
+              <a:ea typeface="맑은 고딕" charset="0"/>
+            </a:endParaRPr>
+          </a:p>
+        </p:txBody>
+      </p:sp>
+      <p:sp>
+        <p:nvSpPr>
+          <p:cNvPr id="79" name="Rect 0"/>
+          <p:cNvSpPr txBox="1">
+            <a:spLocks/>
+          </p:cNvSpPr>
+          <p:nvPr/>
+        </p:nvSpPr>
+        <p:spPr>
+          <a:xfrm rot="0">
+            <a:off x="1235710" y="5222875"/>
+            <a:ext cx="4140200" cy="954405"/>
+          </a:xfrm>
+          <a:prstGeom prst="rect"/>
+          <a:noFill/>
+          <a:ln w="0">
+            <a:noFill/>
+            <a:prstDash/>
+          </a:ln>
+        </p:spPr>
+        <p:txBody>
+          <a:bodyPr wrap="square" lIns="89535" tIns="46355" rIns="89535" bIns="46355" numCol="1" vert="horz" anchor="t">
+            <a:spAutoFit/>
+          </a:bodyPr>
+          <a:lstStyle/>
+          <a:p>
+            <a:pPr marL="0" indent="0" algn="l" latinLnBrk="0" hangingPunct="1">
+              <a:buFontTx/>
+              <a:buNone/>
+            </a:pPr>
             <a:r>
               <a:rPr lang="ko-KR" sz="2000" b="1">
                 <a:solidFill>
@@ -7404,8 +10177,125 @@
                 <a:latin typeface="맑은 고딕" charset="0"/>
                 <a:ea typeface="맑은 고딕" charset="0"/>
               </a:rPr>
-              <a:t>6</a:t>
-            </a:r>
+              <a:t>34.</a:t>
+            </a:r>
+            <a:r>
+              <a:rPr lang="ko-KR" sz="2000">
+                <a:solidFill>
+                  <a:srgbClr val="0611F2"/>
+                </a:solidFill>
+                <a:latin typeface="맑은 고딕" charset="0"/>
+                <a:ea typeface="맑은 고딕" charset="0"/>
+              </a:rPr>
+              <a:t> </a:t>
+            </a:r>
+            <a:r>
+              <a:rPr lang="ko-KR" sz="1800">
+                <a:latin typeface="맑은 고딕" charset="0"/>
+                <a:ea typeface="맑은 고딕" charset="0"/>
+              </a:rPr>
+              <a:t>그리고 Project 폴더 아래에 </a:t>
+            </a:r>
+            <a:r>
+              <a:rPr lang="ko-KR" sz="1800">
+                <a:latin typeface="맑은 고딕" charset="0"/>
+                <a:ea typeface="맑은 고딕" charset="0"/>
+              </a:rPr>
+              <a:t>있는</a:t>
+            </a:r>
+            <a:r>
+              <a:rPr lang="ko-KR" sz="1800">
+                <a:latin typeface="맑은 고딕" charset="0"/>
+                <a:ea typeface="맑은 고딕" charset="0"/>
+              </a:rPr>
+              <a:t> </a:t>
+            </a:r>
+            <a:r>
+              <a:rPr lang="ko-KR" sz="1800">
+                <a:latin typeface="맑은 고딕" charset="0"/>
+                <a:ea typeface="맑은 고딕" charset="0"/>
+              </a:rPr>
+              <a:t>A</a:t>
+            </a:r>
+            <a:r>
+              <a:rPr lang="ko-KR" sz="1800">
+                <a:latin typeface="맑은 고딕" charset="0"/>
+                <a:ea typeface="맑은 고딕" charset="0"/>
+              </a:rPr>
+              <a:t>nimation</a:t>
+            </a:r>
+            <a:r>
+              <a:rPr lang="ko-KR" sz="1800">
+                <a:latin typeface="맑은 고딕" charset="0"/>
+                <a:ea typeface="맑은 고딕" charset="0"/>
+              </a:rPr>
+              <a:t> 폴더에 Close 애니메이션</a:t>
+            </a:r>
+            <a:r>
+              <a:rPr lang="ko-KR" sz="1800">
+                <a:latin typeface="맑은 고딕" charset="0"/>
+                <a:ea typeface="맑은 고딕" charset="0"/>
+              </a:rPr>
+              <a:t>을 </a:t>
+            </a:r>
+            <a:r>
+              <a:rPr lang="ko-KR" sz="1800">
+                <a:latin typeface="맑은 고딕" charset="0"/>
+                <a:ea typeface="맑은 고딕" charset="0"/>
+              </a:rPr>
+              <a:t>Animator</a:t>
+            </a:r>
+            <a:r>
+              <a:rPr lang="ko-KR" sz="1800">
+                <a:latin typeface="맑은 고딕" charset="0"/>
+                <a:ea typeface="맑은 고딕" charset="0"/>
+              </a:rPr>
+              <a:t> Controller에 추가합니</a:t>
+            </a:r>
+            <a:r>
+              <a:rPr lang="ko-KR" sz="1800">
+                <a:latin typeface="맑은 고딕" charset="0"/>
+                <a:ea typeface="맑은 고딕" charset="0"/>
+              </a:rPr>
+              <a:t>다.</a:t>
+            </a:r>
+            <a:endParaRPr lang="ko-KR" altLang="en-US" sz="1800">
+              <a:latin typeface="맑은 고딕" charset="0"/>
+              <a:ea typeface="맑은 고딕" charset="0"/>
+            </a:endParaRPr>
+          </a:p>
+        </p:txBody>
+      </p:sp>
+      <p:sp>
+        <p:nvSpPr>
+          <p:cNvPr id="80" name="Rect 0"/>
+          <p:cNvSpPr txBox="1">
+            <a:spLocks/>
+          </p:cNvSpPr>
+          <p:nvPr/>
+        </p:nvSpPr>
+        <p:spPr>
+          <a:xfrm rot="0">
+            <a:off x="6814820" y="3279140"/>
+            <a:ext cx="4152265" cy="955040"/>
+          </a:xfrm>
+          <a:prstGeom prst="rect"/>
+          <a:noFill/>
+          <a:ln w="0">
+            <a:noFill/>
+            <a:prstDash/>
+          </a:ln>
+        </p:spPr>
+        <p:txBody>
+          <a:bodyPr wrap="square" lIns="89535" tIns="46355" rIns="89535" bIns="46355" numCol="1" vert="horz" anchor="t">
+            <a:spAutoFit/>
+          </a:bodyPr>
+          <a:lstStyle/>
+          <a:p>
+            <a:pPr marL="0" indent="0" algn="l" latinLnBrk="0" hangingPunct="1">
+              <a:buFontTx/>
+              <a:buNone/>
+            </a:pPr>
             <a:r>
               <a:rPr lang="ko-KR" sz="2000" b="1">
                 <a:solidFill>
@@ -7414,7 +10304,7 @@
                 <a:latin typeface="맑은 고딕" charset="0"/>
                 <a:ea typeface="맑은 고딕" charset="0"/>
               </a:rPr>
-              <a:t>.</a:t>
+              <a:t>35.</a:t>
             </a:r>
             <a:r>
               <a:rPr lang="ko-KR" sz="2000">
@@ -7431,49 +10321,35 @@
                 <a:latin typeface="맑은 고딕" charset="0"/>
                 <a:ea typeface="맑은 고딕" charset="0"/>
               </a:rPr>
-              <a:t>그런 다음 Close Animation 뒤에 </a:t>
-            </a:r>
-            <a:r>
-              <a:rPr lang="ko-KR" sz="1800">
-                <a:latin typeface="맑은 고딕" charset="0"/>
-                <a:ea typeface="맑은 고딕" charset="0"/>
-              </a:rPr>
-              <a:t>있는</a:t>
-            </a:r>
-            <a:r>
-              <a:rPr lang="ko-KR" sz="1800">
-                <a:latin typeface="맑은 고딕" charset="0"/>
-                <a:ea typeface="맑은 고딕" charset="0"/>
-              </a:rPr>
-              <a:t> </a:t>
-            </a:r>
-            <a:r>
-              <a:rPr lang="ko-KR" sz="1800">
-                <a:latin typeface="맑은 고딕" charset="0"/>
-                <a:ea typeface="맑은 고딕" charset="0"/>
-              </a:rPr>
-              <a:t>Key</a:t>
-            </a:r>
-            <a:r>
-              <a:rPr lang="ko-KR" sz="1800">
-                <a:latin typeface="맑은 고딕" charset="0"/>
-                <a:ea typeface="맑은 고딕" charset="0"/>
-              </a:rPr>
-              <a:t> Frame을 0 : 30 으로 </a:t>
-            </a:r>
-            <a:r>
-              <a:rPr lang="ko-KR" sz="1800">
-                <a:latin typeface="맑은 고딕" charset="0"/>
-                <a:ea typeface="맑은 고딕" charset="0"/>
-              </a:rPr>
-              <a:t>이동시킵니다.</a:t>
-            </a:r>
-            <a:r>
-              <a:rPr lang="ko-KR" sz="1800">
-                <a:latin typeface="맑은 고딕" charset="0"/>
-                <a:ea typeface="맑은 고딕" charset="0"/>
-              </a:rPr>
-              <a:t> </a:t>
+              <a:t>그런 다음 Open 애니메이션을 </a:t>
+            </a:r>
+            <a:r>
+              <a:rPr lang="ko-KR" sz="1800">
+                <a:latin typeface="맑은 고딕" charset="0"/>
+                <a:ea typeface="맑은 고딕" charset="0"/>
+              </a:rPr>
+              <a:t>선택하고</a:t>
+            </a:r>
+            <a:r>
+              <a:rPr lang="ko-KR" sz="1800">
+                <a:latin typeface="맑은 고딕" charset="0"/>
+                <a:ea typeface="맑은 고딕" charset="0"/>
+              </a:rPr>
+              <a:t> Make Transition을 생성한 </a:t>
+            </a:r>
+            <a:r>
+              <a:rPr lang="ko-KR" sz="1800">
+                <a:latin typeface="맑은 고딕" charset="0"/>
+                <a:ea typeface="맑은 고딕" charset="0"/>
+              </a:rPr>
+              <a:t>다음</a:t>
+            </a:r>
+            <a:r>
+              <a:rPr lang="ko-KR" sz="1800">
+                <a:latin typeface="맑은 고딕" charset="0"/>
+                <a:ea typeface="맑은 고딕" charset="0"/>
+              </a:rPr>
+              <a:t> Close 애니메이션에 연결합니다.</a:t>
             </a:r>
             <a:endParaRPr lang="ko-KR" altLang="en-US" sz="1800">
               <a:latin typeface="맑은 고딕" charset="0"/>
@@ -7484,7 +10360,3445 @@
       </p:sp>
       <p:pic>
         <p:nvPicPr>
-          <p:cNvPr id="78" name="그림 20" descr="C:/Users/Admin1/AppData/Roaming/PolarisOffice/ETemp/23832_17297800/fImage208313734604.png"/>
+          <p:cNvPr id="92" name="그림 22"/>
+          <p:cNvPicPr>
+            <a:picLocks noChangeAspect="1"/>
+          </p:cNvPicPr>
+          <p:nvPr/>
+        </p:nvPicPr>
+        <p:blipFill rotWithShape="1">
+          <a:blip r:embed="rId2" cstate="print">
+            <a:extLst>
+              <a:ext uri="{28A0092B-C50C-407E-A947-70E740481C1C}">
+                <a14:useLocalDpi xmlns:a14="http://schemas.microsoft.com/office/drawing/2010/main" val="0"/>
+              </a:ext>
+            </a:extLst>
+          </a:blip>
+          <a:stretch>
+            <a:fillRect/>
+          </a:stretch>
+        </p:blipFill>
+        <p:spPr>
+          <a:xfrm rot="0">
+            <a:off x="1238885" y="1447165"/>
+            <a:ext cx="4137025" cy="2329180"/>
+          </a:xfrm>
+          <a:prstGeom prst="roundRect"/>
+          <a:solidFill>
+            <a:srgbClr val="EDEDED"/>
+          </a:solidFill>
+        </p:spPr>
+      </p:pic>
+      <p:pic>
+        <p:nvPicPr>
+          <p:cNvPr id="93" name="그림 26"/>
+          <p:cNvPicPr>
+            <a:picLocks noChangeAspect="1"/>
+          </p:cNvPicPr>
+          <p:nvPr/>
+        </p:nvPicPr>
+        <p:blipFill rotWithShape="1">
+          <a:blip r:embed="rId3" cstate="print">
+            <a:extLst>
+              <a:ext uri="{28A0092B-C50C-407E-A947-70E740481C1C}">
+                <a14:useLocalDpi xmlns:a14="http://schemas.microsoft.com/office/drawing/2010/main" val="0"/>
+              </a:ext>
+            </a:extLst>
+          </a:blip>
+          <a:stretch>
+            <a:fillRect/>
+          </a:stretch>
+        </p:blipFill>
+        <p:spPr>
+          <a:xfrm rot="0">
+            <a:off x="1240790" y="3957320"/>
+            <a:ext cx="4135120" cy="1151890"/>
+          </a:xfrm>
+          <a:prstGeom prst="roundRect"/>
+          <a:solidFill>
+            <a:srgbClr val="EDEDED"/>
+          </a:solidFill>
+        </p:spPr>
+      </p:pic>
+      <p:pic>
+        <p:nvPicPr>
+          <p:cNvPr id="87" name="Picture "/>
+          <p:cNvPicPr>
+            <a:picLocks noChangeAspect="1"/>
+          </p:cNvPicPr>
+          <p:nvPr/>
+        </p:nvPicPr>
+        <p:blipFill rotWithShape="1">
+          <a:blip r:embed="rId4" cstate="hqprint">
+            <a:extLst>
+              <a:ext uri="{28A0092B-C50C-407E-A947-70E740481C1C}">
+                <a14:useLocalDpi xmlns:a14="http://schemas.microsoft.com/office/drawing/2010/main"/>
+              </a:ext>
+            </a:extLst>
+          </a:blip>
+          <a:stretch>
+            <a:fillRect/>
+          </a:stretch>
+        </p:blipFill>
+        <p:spPr>
+          <a:xfrm rot="16200000">
+            <a:off x="2912745" y="3504565"/>
+            <a:ext cx="790575" cy="638175"/>
+          </a:xfrm>
+          <a:prstGeom prst="rect"/>
+          <a:noFill/>
+        </p:spPr>
+      </p:pic>
+      <p:pic>
+        <p:nvPicPr>
+          <p:cNvPr id="94" name="그림 30" descr="C:/Users/Admin1/AppData/Roaming/PolarisOffice/ETemp/19036_23582592/fImage251822643281.png"/>
+          <p:cNvPicPr>
+            <a:picLocks noChangeAspect="1"/>
+          </p:cNvPicPr>
+          <p:nvPr/>
+        </p:nvPicPr>
+        <p:blipFill rotWithShape="1">
+          <a:blip r:embed="rId5" cstate="hqprint">
+            <a:extLst>
+              <a:ext uri="{28A0092B-C50C-407E-A947-70E740481C1C}">
+                <a14:useLocalDpi xmlns:a14="http://schemas.microsoft.com/office/drawing/2010/main"/>
+              </a:ext>
+            </a:extLst>
+          </a:blip>
+          <a:stretch>
+            <a:fillRect/>
+          </a:stretch>
+        </p:blipFill>
+        <p:spPr>
+          <a:xfrm rot="0">
+            <a:off x="6813550" y="1447165"/>
+            <a:ext cx="4144010" cy="1731645"/>
+          </a:xfrm>
+          <a:prstGeom prst="roundRect"/>
+          <a:solidFill>
+            <a:srgbClr val="EDEDED"/>
+          </a:solidFill>
+        </p:spPr>
+      </p:pic>
+      <p:sp>
+        <p:nvSpPr>
+          <p:cNvPr id="97" name="텍스트 상자 44"/>
+          <p:cNvSpPr txBox="1">
+            <a:spLocks/>
+          </p:cNvSpPr>
+          <p:nvPr/>
+        </p:nvSpPr>
+        <p:spPr>
+          <a:xfrm rot="0">
+            <a:off x="6819900" y="5501005"/>
+            <a:ext cx="4144010" cy="678180"/>
+          </a:xfrm>
+          <a:prstGeom prst="rect"/>
+          <a:noFill/>
+          <a:ln w="0">
+            <a:noFill/>
+            <a:prstDash/>
+          </a:ln>
+        </p:spPr>
+        <p:txBody>
+          <a:bodyPr wrap="square" lIns="89535" tIns="46355" rIns="89535" bIns="46355" numCol="1" vert="horz" anchor="t">
+            <a:spAutoFit/>
+          </a:bodyPr>
+          <a:lstStyle/>
+          <a:p>
+            <a:pPr marL="0" indent="0" algn="l" latinLnBrk="0" hangingPunct="1">
+              <a:buFontTx/>
+              <a:buNone/>
+            </a:pPr>
+            <a:r>
+              <a:rPr lang="ko-KR" sz="2000" b="1">
+                <a:solidFill>
+                  <a:srgbClr val="0611F2"/>
+                </a:solidFill>
+                <a:latin typeface="맑은 고딕" charset="0"/>
+                <a:ea typeface="맑은 고딕" charset="0"/>
+              </a:rPr>
+              <a:t>36.</a:t>
+            </a:r>
+            <a:r>
+              <a:rPr lang="ko-KR" sz="2000">
+                <a:solidFill>
+                  <a:srgbClr val="0611F2"/>
+                </a:solidFill>
+                <a:latin typeface="맑은 고딕" charset="0"/>
+                <a:ea typeface="맑은 고딕" charset="0"/>
+              </a:rPr>
+              <a:t> </a:t>
+            </a:r>
+            <a:r>
+              <a:rPr lang="ko-KR" sz="1800">
+                <a:latin typeface="맑은 고딕" charset="0"/>
+                <a:ea typeface="맑은 고딕" charset="0"/>
+              </a:rPr>
+              <a:t>그다음으로 Window 오브젝트를 </a:t>
+            </a:r>
+            <a:r>
+              <a:rPr lang="ko-KR" sz="1800">
+                <a:latin typeface="맑은 고딕" charset="0"/>
+                <a:ea typeface="맑은 고딕" charset="0"/>
+              </a:rPr>
+              <a:t>비활성화합니다.</a:t>
+            </a:r>
+            <a:endParaRPr lang="ko-KR" altLang="en-US" sz="1800">
+              <a:latin typeface="맑은 고딕" charset="0"/>
+              <a:ea typeface="맑은 고딕" charset="0"/>
+            </a:endParaRPr>
+          </a:p>
+        </p:txBody>
+      </p:sp>
+      <p:pic>
+        <p:nvPicPr>
+          <p:cNvPr id="98" name="그림 45" descr="C:/Users/Admin1/AppData/Roaming/PolarisOffice/ETemp/19036_23582592/fImage72172826827.png"/>
+          <p:cNvPicPr>
+            <a:picLocks noChangeAspect="1"/>
+          </p:cNvPicPr>
+          <p:nvPr/>
+        </p:nvPicPr>
+        <p:blipFill rotWithShape="1">
+          <a:blip r:embed="rId6" cstate="hqprint">
+            <a:extLst>
+              <a:ext uri="{28A0092B-C50C-407E-A947-70E740481C1C}">
+                <a14:useLocalDpi xmlns:a14="http://schemas.microsoft.com/office/drawing/2010/main"/>
+              </a:ext>
+            </a:extLst>
+          </a:blip>
+          <a:stretch>
+            <a:fillRect/>
+          </a:stretch>
+        </p:blipFill>
+        <p:spPr>
+          <a:xfrm rot="0">
+            <a:off x="6823710" y="4358640"/>
+            <a:ext cx="4131310" cy="1071880"/>
+          </a:xfrm>
+          <a:prstGeom prst="roundRect"/>
+          <a:solidFill>
+            <a:srgbClr val="EDEDED"/>
+          </a:solidFill>
+        </p:spPr>
+      </p:pic>
+    </p:spTree>
+  </p:cSld>
+  <p:clrMapOvr>
+    <a:masterClrMapping/>
+  </p:clrMapOvr>
+  <mc:AlternateContent xmlns:mc="http://schemas.openxmlformats.org/markup-compatibility/2006">
+    <mc:Choice xmlns:p14="http://schemas.microsoft.com/office/powerpoint/2010/main" Requires="p14">
+      <p:transition spd="slow" p14:dur="2000"/>
+    </mc:Choice>
+    <mc:Fallback>
+      <p:transition spd="slow"/>
+    </mc:Fallback>
+  </mc:AlternateContent>
+  <p:timing>
+    <p:tnLst>
+      <p:par>
+        <p:cTn id="1" dur="indefinite" restart="never" nodeType="tmRoot"/>
+      </p:par>
+    </p:tnLst>
+  </p:timing>
+</p:sld>
+</file>
+
+<file path=ppt/slides/slide13.xml><?xml version="1.0" encoding="utf-8"?>
+<p:sld xmlns:a="http://schemas.openxmlformats.org/drawingml/2006/main" xmlns:r="http://schemas.openxmlformats.org/officeDocument/2006/relationships" xmlns:p="http://schemas.openxmlformats.org/presentationml/2006/main">
+  <p:cSld>
+    <p:spTree>
+      <p:nvGrpSpPr>
+        <p:cNvPr id="1" name=""/>
+        <p:cNvGrpSpPr/>
+        <p:nvPr/>
+      </p:nvGrpSpPr>
+      <p:grpSpPr>
+        <a:xfrm>
+          <a:off x="0" y="0"/>
+          <a:ext cx="0" cy="0"/>
+          <a:chOff x="0" y="0"/>
+          <a:chExt cx="0" cy="0"/>
+        </a:xfrm>
+      </p:grpSpPr>
+      <p:sp>
+        <p:nvSpPr>
+          <p:cNvPr id="22" name="Rect 0"/>
+          <p:cNvSpPr txBox="1">
+            <a:spLocks/>
+          </p:cNvSpPr>
+          <p:nvPr/>
+        </p:nvSpPr>
+        <p:spPr>
+          <a:xfrm rot="0">
+            <a:off x="4152265" y="336550"/>
+            <a:ext cx="3877310" cy="554990"/>
+          </a:xfrm>
+          <a:prstGeom prst="rect"/>
+          <a:noFill/>
+          <a:ln w="0">
+            <a:noFill/>
+            <a:prstDash/>
+          </a:ln>
+        </p:spPr>
+        <p:txBody>
+          <a:bodyPr wrap="square" lIns="89535" tIns="46355" rIns="89535" bIns="46355" numCol="1" vert="horz" anchor="t">
+            <a:spAutoFit/>
+          </a:bodyPr>
+          <a:lstStyle/>
+          <a:p>
+            <a:pPr marL="0" indent="0" algn="ctr" latinLnBrk="0" hangingPunct="1">
+              <a:buFontTx/>
+              <a:buNone/>
+            </a:pPr>
+            <a:r>
+              <a:rPr lang="ko-KR" sz="2500" b="1">
+                <a:latin typeface="나눔바른고딕" charset="0"/>
+                <a:ea typeface="나눔바른고딕" charset="0"/>
+              </a:rPr>
+              <a:t>열세</a:t>
+            </a:r>
+            <a:r>
+              <a:rPr lang="ko-KR" sz="2500" b="1">
+                <a:latin typeface="나눔바른고딕" charset="0"/>
+                <a:ea typeface="나눔바른고딕" charset="0"/>
+              </a:rPr>
+              <a:t> 번째 튜토리얼</a:t>
+            </a:r>
+            <a:r>
+              <a:rPr lang="ko-KR" sz="3000" b="1">
+                <a:latin typeface="맑은 고딕" charset="0"/>
+                <a:ea typeface="맑은 고딕" charset="0"/>
+              </a:rPr>
+              <a:t> </a:t>
+            </a:r>
+            <a:endParaRPr lang="ko-KR" altLang="en-US" sz="3000" b="1">
+              <a:latin typeface="맑은 고딕" charset="0"/>
+              <a:ea typeface="맑은 고딕" charset="0"/>
+            </a:endParaRPr>
+          </a:p>
+        </p:txBody>
+      </p:sp>
+      <p:sp>
+        <p:nvSpPr>
+          <p:cNvPr id="79" name="Rect 0"/>
+          <p:cNvSpPr txBox="1">
+            <a:spLocks/>
+          </p:cNvSpPr>
+          <p:nvPr/>
+        </p:nvSpPr>
+        <p:spPr>
+          <a:xfrm rot="0">
+            <a:off x="1240790" y="4396105"/>
+            <a:ext cx="4117340" cy="1784985"/>
+          </a:xfrm>
+          <a:prstGeom prst="rect"/>
+          <a:noFill/>
+          <a:ln w="0">
+            <a:noFill/>
+            <a:prstDash/>
+          </a:ln>
+        </p:spPr>
+        <p:txBody>
+          <a:bodyPr wrap="square" lIns="89535" tIns="46355" rIns="89535" bIns="46355" numCol="1" vert="horz" anchor="t">
+            <a:spAutoFit/>
+          </a:bodyPr>
+          <a:lstStyle/>
+          <a:p>
+            <a:pPr marL="0" indent="0" algn="l" latinLnBrk="0" hangingPunct="1">
+              <a:buFontTx/>
+              <a:buNone/>
+            </a:pPr>
+            <a:r>
+              <a:rPr lang="ko-KR" sz="2000" b="1">
+                <a:solidFill>
+                  <a:srgbClr val="0611F2"/>
+                </a:solidFill>
+                <a:latin typeface="맑은 고딕" charset="0"/>
+                <a:ea typeface="맑은 고딕" charset="0"/>
+              </a:rPr>
+              <a:t>37.</a:t>
+            </a:r>
+            <a:r>
+              <a:rPr lang="ko-KR" sz="2000">
+                <a:solidFill>
+                  <a:srgbClr val="0611F2"/>
+                </a:solidFill>
+                <a:latin typeface="맑은 고딕" charset="0"/>
+                <a:ea typeface="맑은 고딕" charset="0"/>
+              </a:rPr>
+              <a:t> </a:t>
+            </a:r>
+            <a:r>
+              <a:rPr lang="ko-KR" sz="1800">
+                <a:latin typeface="맑은 고딕" charset="0"/>
+                <a:ea typeface="맑은 고딕" charset="0"/>
+              </a:rPr>
+              <a:t>그러고 나서 Project 폴더 아래에 </a:t>
+            </a:r>
+            <a:r>
+              <a:rPr lang="ko-KR" sz="1800">
+                <a:latin typeface="맑은 고딕" charset="0"/>
+                <a:ea typeface="맑은 고딕" charset="0"/>
+              </a:rPr>
+              <a:t>있는</a:t>
+            </a:r>
+            <a:r>
+              <a:rPr lang="ko-KR" sz="1800">
+                <a:latin typeface="맑은 고딕" charset="0"/>
+                <a:ea typeface="맑은 고딕" charset="0"/>
+              </a:rPr>
+              <a:t> </a:t>
+            </a:r>
+            <a:r>
+              <a:rPr lang="ko-KR" sz="1800">
+                <a:latin typeface="맑은 고딕" charset="0"/>
+                <a:ea typeface="맑은 고딕" charset="0"/>
+              </a:rPr>
+              <a:t>Texture 폴더에 Deep Sea </a:t>
+            </a:r>
+            <a:r>
+              <a:rPr lang="ko-KR" sz="1800">
+                <a:latin typeface="맑은 고딕" charset="0"/>
+                <a:ea typeface="맑은 고딕" charset="0"/>
+              </a:rPr>
+              <a:t>텍스처를</a:t>
+            </a:r>
+            <a:r>
+              <a:rPr lang="ko-KR" sz="1800">
+                <a:latin typeface="맑은 고딕" charset="0"/>
+                <a:ea typeface="맑은 고딕" charset="0"/>
+              </a:rPr>
+              <a:t> </a:t>
+            </a:r>
+            <a:r>
+              <a:rPr lang="ko-KR" sz="1800">
+                <a:latin typeface="맑은 고딕" charset="0"/>
+                <a:ea typeface="맑은 고딕" charset="0"/>
+              </a:rPr>
+              <a:t>선택합니다.</a:t>
+            </a:r>
+            <a:endParaRPr lang="ko-KR" altLang="en-US" sz="1800">
+              <a:latin typeface="맑은 고딕" charset="0"/>
+              <a:ea typeface="맑은 고딕" charset="0"/>
+            </a:endParaRPr>
+          </a:p>
+          <a:p>
+            <a:pPr marL="0" indent="0" algn="l" latinLnBrk="0" hangingPunct="1">
+              <a:buFontTx/>
+              <a:buNone/>
+            </a:pPr>
+            <a:endParaRPr lang="ko-KR" altLang="en-US" sz="1800">
+              <a:latin typeface="맑은 고딕" charset="0"/>
+              <a:ea typeface="맑은 고딕" charset="0"/>
+            </a:endParaRPr>
+          </a:p>
+          <a:p>
+            <a:pPr marL="0" indent="0" algn="l" latinLnBrk="0" hangingPunct="1">
+              <a:buFontTx/>
+              <a:buNone/>
+            </a:pPr>
+            <a:r>
+              <a:rPr lang="ko-KR" sz="1800">
+                <a:latin typeface="맑은 고딕" charset="0"/>
+                <a:ea typeface="맑은 고딕" charset="0"/>
+              </a:rPr>
+              <a:t>마지막으</a:t>
+            </a:r>
+            <a:r>
+              <a:rPr lang="ko-KR" sz="1800">
+                <a:latin typeface="맑은 고딕" charset="0"/>
+                <a:ea typeface="맑은 고딕" charset="0"/>
+              </a:rPr>
+              <a:t>로</a:t>
+            </a:r>
+            <a:r>
+              <a:rPr lang="ko-KR" sz="1800">
+                <a:latin typeface="맑은 고딕" charset="0"/>
+                <a:ea typeface="맑은 고딕" charset="0"/>
+              </a:rPr>
+              <a:t> </a:t>
+            </a:r>
+            <a:r>
+              <a:rPr lang="ko-KR" sz="1800">
+                <a:latin typeface="맑은 고딕" charset="0"/>
+                <a:ea typeface="맑은 고딕" charset="0"/>
+              </a:rPr>
+              <a:t>Parallax Ground </a:t>
+            </a:r>
+            <a:r>
+              <a:rPr lang="ko-KR" sz="1800">
+                <a:latin typeface="맑은 고딕" charset="0"/>
+                <a:ea typeface="맑은 고딕" charset="0"/>
+              </a:rPr>
+              <a:t>오브젝트</a:t>
+            </a:r>
+            <a:r>
+              <a:rPr lang="ko-KR" sz="1800">
+                <a:latin typeface="맑은 고딕" charset="0"/>
+                <a:ea typeface="맑은 고딕" charset="0"/>
+              </a:rPr>
+              <a:t>의</a:t>
+            </a:r>
+            <a:r>
+              <a:rPr lang="ko-KR" sz="1800">
+                <a:latin typeface="맑은 고딕" charset="0"/>
+                <a:ea typeface="맑은 고딕" charset="0"/>
+              </a:rPr>
+              <a:t> </a:t>
+            </a:r>
+            <a:r>
+              <a:rPr lang="ko-KR" sz="1800">
+                <a:latin typeface="맑은 고딕" charset="0"/>
+                <a:ea typeface="맑은 고딕" charset="0"/>
+              </a:rPr>
+              <a:t>Texture에 넣어줍니</a:t>
+            </a:r>
+            <a:r>
+              <a:rPr lang="ko-KR" sz="1800">
+                <a:latin typeface="맑은 고딕" charset="0"/>
+                <a:ea typeface="맑은 고딕" charset="0"/>
+              </a:rPr>
+              <a:t>다.</a:t>
+            </a:r>
+            <a:endParaRPr lang="ko-KR" altLang="en-US" sz="1800">
+              <a:latin typeface="맑은 고딕" charset="0"/>
+              <a:ea typeface="맑은 고딕" charset="0"/>
+            </a:endParaRPr>
+          </a:p>
+        </p:txBody>
+      </p:sp>
+      <p:pic>
+        <p:nvPicPr>
+          <p:cNvPr id="99" name="그림 12" descr="C:/Users/Admin1/AppData/Roaming/PolarisOffice/ETemp/19036_23582592/fImage1419628841.png"/>
+          <p:cNvPicPr>
+            <a:picLocks noChangeAspect="1"/>
+          </p:cNvPicPr>
+          <p:nvPr/>
+        </p:nvPicPr>
+        <p:blipFill rotWithShape="1">
+          <a:blip r:embed="rId2" cstate="print">
+            <a:extLst>
+              <a:ext uri="{28A0092B-C50C-407E-A947-70E740481C1C}">
+                <a14:useLocalDpi xmlns:a14="http://schemas.microsoft.com/office/drawing/2010/main" val="0"/>
+              </a:ext>
+            </a:extLst>
+          </a:blip>
+          <a:stretch>
+            <a:fillRect/>
+          </a:stretch>
+        </p:blipFill>
+        <p:spPr>
+          <a:xfrm rot="0">
+            <a:off x="1240790" y="1447165"/>
+            <a:ext cx="4126230" cy="1748790"/>
+          </a:xfrm>
+          <a:prstGeom prst="roundRect"/>
+          <a:solidFill>
+            <a:srgbClr val="EDEDED"/>
+          </a:solidFill>
+        </p:spPr>
+      </p:pic>
+      <p:pic>
+        <p:nvPicPr>
+          <p:cNvPr id="100" name="그림 15" descr="C:/Users/Admin1/AppData/Roaming/PolarisOffice/ETemp/19036_23582592/fImage134832898467.png"/>
+          <p:cNvPicPr>
+            <a:picLocks noChangeAspect="1"/>
+          </p:cNvPicPr>
+          <p:nvPr/>
+        </p:nvPicPr>
+        <p:blipFill rotWithShape="1">
+          <a:blip r:embed="rId3" cstate="print">
+            <a:extLst>
+              <a:ext uri="{28A0092B-C50C-407E-A947-70E740481C1C}">
+                <a14:useLocalDpi xmlns:a14="http://schemas.microsoft.com/office/drawing/2010/main" val="0"/>
+              </a:ext>
+            </a:extLst>
+          </a:blip>
+          <a:stretch>
+            <a:fillRect/>
+          </a:stretch>
+        </p:blipFill>
+        <p:spPr>
+          <a:xfrm rot="0">
+            <a:off x="1243330" y="3359150"/>
+            <a:ext cx="4123690" cy="948055"/>
+          </a:xfrm>
+          <a:prstGeom prst="roundRect"/>
+          <a:solidFill>
+            <a:srgbClr val="EDEDED"/>
+          </a:solidFill>
+        </p:spPr>
+      </p:pic>
+      <p:cxnSp>
+        <p:nvCxnSpPr>
+          <p:cNvPr id="101" name="도형 18"/>
+          <p:cNvCxnSpPr/>
+          <p:nvPr/>
+        </p:nvCxnSpPr>
+        <p:spPr>
+          <a:xfrm rot="0" flipV="1">
+            <a:off x="3324860" y="1739900"/>
+            <a:ext cx="1921510" cy="2059305"/>
+          </a:xfrm>
+          <a:prstGeom prst="straightConnector1"/>
+          <a:ln w="6350" cap="flat" cmpd="sng">
+            <a:prstDash/>
+            <a:headEnd type="none" w="med" len="med"/>
+            <a:tailEnd type="triangle" w="med" len="med"/>
+          </a:ln>
+        </p:spPr>
+        <p:style>
+          <a:lnRef idx="1">
+            <a:schemeClr val="accent1"/>
+          </a:lnRef>
+          <a:fillRef idx="0">
+            <a:schemeClr val="accent1"/>
+          </a:fillRef>
+          <a:effectRef idx="0">
+            <a:schemeClr val="accent1"/>
+          </a:effectRef>
+          <a:fontRef idx="minor">
+            <a:schemeClr val="tx1"/>
+          </a:fontRef>
+        </p:style>
+      </p:cxnSp>
+      <p:sp>
+        <p:nvSpPr>
+          <p:cNvPr id="102" name="텍스트 상자 19"/>
+          <p:cNvSpPr txBox="1">
+            <a:spLocks/>
+          </p:cNvSpPr>
+          <p:nvPr/>
+        </p:nvSpPr>
+        <p:spPr>
+          <a:xfrm rot="0">
+            <a:off x="6813550" y="2624455"/>
+            <a:ext cx="4152265" cy="954405"/>
+          </a:xfrm>
+          <a:prstGeom prst="rect"/>
+          <a:noFill/>
+          <a:ln w="0">
+            <a:noFill/>
+            <a:prstDash/>
+          </a:ln>
+        </p:spPr>
+        <p:txBody>
+          <a:bodyPr wrap="square" lIns="89535" tIns="46355" rIns="89535" bIns="46355" numCol="1" vert="horz" anchor="t">
+            <a:spAutoFit/>
+          </a:bodyPr>
+          <a:lstStyle/>
+          <a:p>
+            <a:pPr marL="0" indent="0" algn="l" latinLnBrk="0" hangingPunct="1">
+              <a:buFontTx/>
+              <a:buNone/>
+            </a:pPr>
+            <a:r>
+              <a:rPr lang="ko-KR" sz="2000" b="1">
+                <a:solidFill>
+                  <a:srgbClr val="0611F2"/>
+                </a:solidFill>
+                <a:latin typeface="맑은 고딕" charset="0"/>
+                <a:ea typeface="맑은 고딕" charset="0"/>
+              </a:rPr>
+              <a:t>38.</a:t>
+            </a:r>
+            <a:r>
+              <a:rPr lang="ko-KR" sz="2000">
+                <a:solidFill>
+                  <a:srgbClr val="0611F2"/>
+                </a:solidFill>
+                <a:latin typeface="맑은 고딕" charset="0"/>
+                <a:ea typeface="맑은 고딕" charset="0"/>
+              </a:rPr>
+              <a:t> </a:t>
+            </a:r>
+            <a:r>
+              <a:rPr lang="ko-KR" sz="1800">
+                <a:latin typeface="맑은 고딕" charset="0"/>
+                <a:ea typeface="맑은 고딕" charset="0"/>
+              </a:rPr>
+              <a:t>이제 Close Button </a:t>
+            </a:r>
+            <a:r>
+              <a:rPr lang="ko-KR" sz="1800">
+                <a:latin typeface="맑은 고딕" charset="0"/>
+                <a:ea typeface="맑은 고딕" charset="0"/>
+              </a:rPr>
+              <a:t>오브젝트의</a:t>
+            </a:r>
+            <a:r>
+              <a:rPr lang="ko-KR" sz="1800">
+                <a:latin typeface="맑은 고딕" charset="0"/>
+                <a:ea typeface="맑은 고딕" charset="0"/>
+              </a:rPr>
+              <a:t> </a:t>
+            </a:r>
+            <a:r>
+              <a:rPr lang="ko-KR" sz="1800">
+                <a:latin typeface="맑은 고딕" charset="0"/>
+                <a:ea typeface="맑은 고딕" charset="0"/>
+              </a:rPr>
+              <a:t>On</a:t>
+            </a:r>
+            <a:r>
+              <a:rPr lang="ko-KR" sz="1800">
+                <a:latin typeface="맑은 고딕" charset="0"/>
+                <a:ea typeface="맑은 고딕" charset="0"/>
+              </a:rPr>
+              <a:t> </a:t>
+            </a:r>
+            <a:r>
+              <a:rPr lang="ko-KR" sz="1800">
+                <a:latin typeface="맑은 고딕" charset="0"/>
+                <a:ea typeface="맑은 고딕" charset="0"/>
+              </a:rPr>
+              <a:t>Click(</a:t>
+            </a:r>
+            <a:r>
+              <a:rPr lang="ko-KR" sz="1800">
+                <a:latin typeface="맑은 고딕" charset="0"/>
+                <a:ea typeface="맑은 고딕" charset="0"/>
+              </a:rPr>
+              <a:t> </a:t>
+            </a:r>
+            <a:r>
+              <a:rPr lang="ko-KR" sz="1800">
+                <a:latin typeface="맑은 고딕" charset="0"/>
+                <a:ea typeface="맑은 고딕" charset="0"/>
+              </a:rPr>
+              <a:t>)</a:t>
+            </a:r>
+            <a:r>
+              <a:rPr lang="ko-KR" sz="1800">
+                <a:latin typeface="맑은 고딕" charset="0"/>
+                <a:ea typeface="맑은 고딕" charset="0"/>
+              </a:rPr>
+              <a:t> 함수에 </a:t>
+            </a:r>
+            <a:r>
+              <a:rPr lang="ko-KR" sz="1800">
+                <a:latin typeface="맑은 고딕" charset="0"/>
+                <a:ea typeface="맑은 고딕" charset="0"/>
+              </a:rPr>
+              <a:t>Animator</a:t>
+            </a:r>
+            <a:r>
+              <a:rPr lang="ko-KR" sz="1800">
+                <a:latin typeface="맑은 고딕" charset="0"/>
+                <a:ea typeface="맑은 고딕" charset="0"/>
+              </a:rPr>
+              <a:t> </a:t>
+            </a:r>
+            <a:r>
+              <a:rPr lang="ko-KR" sz="1800">
+                <a:latin typeface="맑은 고딕" charset="0"/>
+                <a:ea typeface="맑은 고딕" charset="0"/>
+              </a:rPr>
+              <a:t>Manager</a:t>
+            </a:r>
+            <a:r>
+              <a:rPr lang="ko-KR" sz="1800">
+                <a:latin typeface="맑은 고딕" charset="0"/>
+                <a:ea typeface="맑은 고딕" charset="0"/>
+              </a:rPr>
+              <a:t> </a:t>
+            </a:r>
+            <a:r>
+              <a:rPr lang="ko-KR" sz="1800">
+                <a:latin typeface="맑은 고딕" charset="0"/>
+                <a:ea typeface="맑은 고딕" charset="0"/>
+              </a:rPr>
+              <a:t>오브젝트를</a:t>
+            </a:r>
+            <a:r>
+              <a:rPr lang="ko-KR" sz="1800">
+                <a:latin typeface="맑은 고딕" charset="0"/>
+                <a:ea typeface="맑은 고딕" charset="0"/>
+              </a:rPr>
+              <a:t> </a:t>
+            </a:r>
+            <a:r>
+              <a:rPr lang="ko-KR" sz="1800">
+                <a:latin typeface="맑은 고딕" charset="0"/>
+                <a:ea typeface="맑은 고딕" charset="0"/>
+              </a:rPr>
+              <a:t>넣어줍니다.</a:t>
+            </a:r>
+            <a:endParaRPr lang="ko-KR" altLang="en-US" sz="1800">
+              <a:latin typeface="맑은 고딕" charset="0"/>
+              <a:ea typeface="맑은 고딕" charset="0"/>
+            </a:endParaRPr>
+          </a:p>
+        </p:txBody>
+      </p:sp>
+      <p:pic>
+        <p:nvPicPr>
+          <p:cNvPr id="103" name="그림 20" descr="C:/Users/Admin1/AppData/Roaming/PolarisOffice/ETemp/19036_23582592/fImage53862866334.png"/>
+          <p:cNvPicPr>
+            <a:picLocks noChangeAspect="1"/>
+          </p:cNvPicPr>
+          <p:nvPr/>
+        </p:nvPicPr>
+        <p:blipFill rotWithShape="1">
+          <a:blip r:embed="rId4" cstate="hqprint">
+            <a:extLst>
+              <a:ext uri="{28A0092B-C50C-407E-A947-70E740481C1C}">
+                <a14:useLocalDpi xmlns:a14="http://schemas.microsoft.com/office/drawing/2010/main"/>
+              </a:ext>
+            </a:extLst>
+          </a:blip>
+          <a:stretch>
+            <a:fillRect/>
+          </a:stretch>
+        </p:blipFill>
+        <p:spPr>
+          <a:xfrm rot="0">
+            <a:off x="8200390" y="1447165"/>
+            <a:ext cx="2757170" cy="1111885"/>
+          </a:xfrm>
+          <a:prstGeom prst="roundRect"/>
+          <a:solidFill>
+            <a:srgbClr val="EDEDED"/>
+          </a:solidFill>
+        </p:spPr>
+      </p:pic>
+      <p:pic>
+        <p:nvPicPr>
+          <p:cNvPr id="104" name="그림 21" descr="C:/Users/Admin1/AppData/Roaming/PolarisOffice/ETemp/19036_23582592/fImage85031468467.png"/>
+          <p:cNvPicPr>
+            <a:picLocks noChangeAspect="1"/>
+          </p:cNvPicPr>
+          <p:nvPr/>
+        </p:nvPicPr>
+        <p:blipFill rotWithShape="1">
+          <a:blip r:embed="rId5" cstate="hqprint">
+            <a:extLst>
+              <a:ext uri="{28A0092B-C50C-407E-A947-70E740481C1C}">
+                <a14:useLocalDpi xmlns:a14="http://schemas.microsoft.com/office/drawing/2010/main"/>
+              </a:ext>
+            </a:extLst>
+          </a:blip>
+          <a:stretch>
+            <a:fillRect/>
+          </a:stretch>
+        </p:blipFill>
+        <p:spPr>
+          <a:xfrm rot="0">
+            <a:off x="6831330" y="1438275"/>
+            <a:ext cx="1249045" cy="1116330"/>
+          </a:xfrm>
+          <a:prstGeom prst="roundRect"/>
+          <a:solidFill>
+            <a:srgbClr val="EDEDED"/>
+          </a:solidFill>
+        </p:spPr>
+      </p:pic>
+      <p:cxnSp>
+        <p:nvCxnSpPr>
+          <p:cNvPr id="105" name="도형 22"/>
+          <p:cNvCxnSpPr/>
+          <p:nvPr/>
+        </p:nvCxnSpPr>
+        <p:spPr>
+          <a:xfrm rot="0" flipV="1">
+            <a:off x="7908290" y="2092960"/>
+            <a:ext cx="1179830" cy="396875"/>
+          </a:xfrm>
+          <a:prstGeom prst="straightConnector1"/>
+          <a:ln w="6350" cap="flat" cmpd="sng">
+            <a:prstDash/>
+            <a:tailEnd type="triangle" w="med" len="med"/>
+          </a:ln>
+        </p:spPr>
+        <p:style>
+          <a:lnRef idx="1">
+            <a:schemeClr val="accent1"/>
+          </a:lnRef>
+          <a:fillRef idx="0">
+            <a:schemeClr val="accent1"/>
+          </a:fillRef>
+          <a:effectRef idx="0">
+            <a:schemeClr val="accent1"/>
+          </a:effectRef>
+          <a:fontRef idx="minor">
+            <a:schemeClr val="tx1"/>
+          </a:fontRef>
+        </p:style>
+      </p:cxnSp>
+      <p:pic>
+        <p:nvPicPr>
+          <p:cNvPr id="106" name="그림 27" descr="C:/Users/Admin1/AppData/Roaming/PolarisOffice/ETemp/19036_23582592/fImage469082749961.png"/>
+          <p:cNvPicPr>
+            <a:picLocks noChangeAspect="1"/>
+          </p:cNvPicPr>
+          <p:nvPr/>
+        </p:nvPicPr>
+        <p:blipFill rotWithShape="1">
+          <a:blip r:embed="rId6" cstate="hqprint">
+            <a:extLst>
+              <a:ext uri="{28A0092B-C50C-407E-A947-70E740481C1C}">
+                <a14:useLocalDpi xmlns:a14="http://schemas.microsoft.com/office/drawing/2010/main"/>
+              </a:ext>
+            </a:extLst>
+          </a:blip>
+          <a:stretch>
+            <a:fillRect/>
+          </a:stretch>
+        </p:blipFill>
+        <p:spPr>
+          <a:xfrm rot="0">
+            <a:off x="6822440" y="3721100"/>
+            <a:ext cx="4143375" cy="1129030"/>
+          </a:xfrm>
+          <a:prstGeom prst="roundRect"/>
+          <a:solidFill>
+            <a:srgbClr val="EDEDED"/>
+          </a:solidFill>
+        </p:spPr>
+      </p:pic>
+      <p:sp>
+        <p:nvSpPr>
+          <p:cNvPr id="107" name="텍스트 상자 28"/>
+          <p:cNvSpPr txBox="1">
+            <a:spLocks/>
+          </p:cNvSpPr>
+          <p:nvPr/>
+        </p:nvSpPr>
+        <p:spPr>
+          <a:xfrm rot="0">
+            <a:off x="6813550" y="4934585"/>
+            <a:ext cx="4144010" cy="1231265"/>
+          </a:xfrm>
+          <a:prstGeom prst="rect"/>
+          <a:noFill/>
+          <a:ln w="0">
+            <a:noFill/>
+            <a:prstDash/>
+          </a:ln>
+        </p:spPr>
+        <p:txBody>
+          <a:bodyPr wrap="square" lIns="89535" tIns="46355" rIns="89535" bIns="46355" numCol="1" vert="horz" anchor="t">
+            <a:spAutoFit/>
+          </a:bodyPr>
+          <a:lstStyle/>
+          <a:p>
+            <a:pPr marL="0" indent="0" algn="l" latinLnBrk="0" hangingPunct="1">
+              <a:buFontTx/>
+              <a:buNone/>
+            </a:pPr>
+            <a:r>
+              <a:rPr lang="ko-KR" sz="2000" b="1">
+                <a:solidFill>
+                  <a:srgbClr val="0611F2"/>
+                </a:solidFill>
+                <a:latin typeface="맑은 고딕" charset="0"/>
+                <a:ea typeface="맑은 고딕" charset="0"/>
+              </a:rPr>
+              <a:t>39.</a:t>
+            </a:r>
+            <a:r>
+              <a:rPr lang="ko-KR" sz="2000">
+                <a:solidFill>
+                  <a:srgbClr val="0611F2"/>
+                </a:solidFill>
+                <a:latin typeface="맑은 고딕" charset="0"/>
+                <a:ea typeface="맑은 고딕" charset="0"/>
+              </a:rPr>
+              <a:t> </a:t>
+            </a:r>
+            <a:r>
+              <a:rPr lang="ko-KR" sz="1800">
+                <a:latin typeface="맑은 고딕" charset="0"/>
+                <a:ea typeface="맑은 고딕" charset="0"/>
+              </a:rPr>
+              <a:t>그리고 AnimatorManager </a:t>
+            </a:r>
+            <a:r>
+              <a:rPr lang="ko-KR" sz="1800">
+                <a:latin typeface="맑은 고딕" charset="0"/>
+                <a:ea typeface="맑은 고딕" charset="0"/>
+              </a:rPr>
+              <a:t>스크립트에서</a:t>
+            </a:r>
+            <a:r>
+              <a:rPr lang="ko-KR" sz="1800">
+                <a:latin typeface="맑은 고딕" charset="0"/>
+                <a:ea typeface="맑은 고딕" charset="0"/>
+              </a:rPr>
+              <a:t> </a:t>
+            </a:r>
+            <a:r>
+              <a:rPr lang="ko-KR" sz="1800">
+                <a:latin typeface="맑은 고딕" charset="0"/>
+                <a:ea typeface="맑은 고딕" charset="0"/>
+              </a:rPr>
+              <a:t>animator</a:t>
+            </a:r>
+            <a:r>
+              <a:rPr lang="ko-KR" sz="1800">
+                <a:latin typeface="맑은 고딕" charset="0"/>
+                <a:ea typeface="맑은 고딕" charset="0"/>
+              </a:rPr>
+              <a:t> 변수를 </a:t>
+            </a:r>
+            <a:r>
+              <a:rPr lang="ko-KR" sz="1800">
+                <a:latin typeface="맑은 고딕" charset="0"/>
+                <a:ea typeface="맑은 고딕" charset="0"/>
+              </a:rPr>
+              <a:t>선언하고</a:t>
+            </a:r>
+            <a:r>
+              <a:rPr lang="ko-KR" sz="1800">
+                <a:latin typeface="맑은 고딕" charset="0"/>
+                <a:ea typeface="맑은 고딕" charset="0"/>
+              </a:rPr>
+              <a:t> </a:t>
+            </a:r>
+            <a:r>
+              <a:rPr lang="ko-KR" sz="1800">
+                <a:latin typeface="맑은 고딕" charset="0"/>
+                <a:ea typeface="맑은 고딕" charset="0"/>
+              </a:rPr>
+              <a:t>AnimationClip</a:t>
+            </a:r>
+            <a:r>
+              <a:rPr lang="ko-KR" sz="1800">
+                <a:latin typeface="맑은 고딕" charset="0"/>
+                <a:ea typeface="맑은 고딕" charset="0"/>
+              </a:rPr>
+              <a:t> </a:t>
+            </a:r>
+            <a:r>
+              <a:rPr lang="ko-KR" sz="1800">
+                <a:latin typeface="맑은 고딕" charset="0"/>
+                <a:ea typeface="맑은 고딕" charset="0"/>
+              </a:rPr>
+              <a:t>변수를</a:t>
+            </a:r>
+            <a:r>
+              <a:rPr lang="ko-KR" sz="1800">
+                <a:latin typeface="맑은 고딕" charset="0"/>
+                <a:ea typeface="맑은 고딕" charset="0"/>
+              </a:rPr>
+              <a:t> </a:t>
+            </a:r>
+            <a:r>
+              <a:rPr lang="ko-KR" sz="1800">
+                <a:latin typeface="맑은 고딕" charset="0"/>
+                <a:ea typeface="맑은 고딕" charset="0"/>
+              </a:rPr>
+              <a:t>배열로</a:t>
+            </a:r>
+            <a:r>
+              <a:rPr lang="ko-KR" sz="1800">
+                <a:latin typeface="맑은 고딕" charset="0"/>
+                <a:ea typeface="맑은 고딕" charset="0"/>
+              </a:rPr>
+              <a:t> </a:t>
+            </a:r>
+            <a:r>
+              <a:rPr lang="ko-KR" sz="1800">
+                <a:latin typeface="맑은 고딕" charset="0"/>
+                <a:ea typeface="맑은 고딕" charset="0"/>
+              </a:rPr>
+              <a:t>선언합니다.</a:t>
+            </a:r>
+            <a:endParaRPr lang="ko-KR" altLang="en-US" sz="1800">
+              <a:latin typeface="맑은 고딕" charset="0"/>
+              <a:ea typeface="맑은 고딕" charset="0"/>
+            </a:endParaRPr>
+          </a:p>
+        </p:txBody>
+      </p:sp>
+    </p:spTree>
+  </p:cSld>
+  <p:clrMapOvr>
+    <a:masterClrMapping/>
+  </p:clrMapOvr>
+  <mc:AlternateContent xmlns:mc="http://schemas.openxmlformats.org/markup-compatibility/2006">
+    <mc:Choice xmlns:p14="http://schemas.microsoft.com/office/powerpoint/2010/main" Requires="p14">
+      <p:transition spd="slow" p14:dur="2000"/>
+    </mc:Choice>
+    <mc:Fallback>
+      <p:transition spd="slow"/>
+    </mc:Fallback>
+  </mc:AlternateContent>
+  <p:timing>
+    <p:tnLst>
+      <p:par>
+        <p:cTn id="1" dur="indefinite" restart="never" nodeType="tmRoot"/>
+      </p:par>
+    </p:tnLst>
+  </p:timing>
+</p:sld>
+</file>
+
+<file path=ppt/slides/slide14.xml><?xml version="1.0" encoding="utf-8"?>
+<p:sld xmlns:a="http://schemas.openxmlformats.org/drawingml/2006/main" xmlns:r="http://schemas.openxmlformats.org/officeDocument/2006/relationships" xmlns:p="http://schemas.openxmlformats.org/presentationml/2006/main" xmlns:p14="http://schemas.microsoft.com/office/powerpoint/2010/main">
+  <p:cSld>
+    <p:spTree>
+      <p:nvGrpSpPr>
+        <p:cNvPr id="1" name=""/>
+        <p:cNvGrpSpPr/>
+        <p:nvPr/>
+      </p:nvGrpSpPr>
+      <p:grpSpPr>
+        <a:xfrm>
+          <a:off x="0" y="0"/>
+          <a:ext cx="0" cy="0"/>
+          <a:chOff x="0" y="0"/>
+          <a:chExt cx="0" cy="0"/>
+        </a:xfrm>
+      </p:grpSpPr>
+      <p:sp>
+        <p:nvSpPr>
+          <p:cNvPr id="22" name="Rect 0"/>
+          <p:cNvSpPr txBox="1">
+            <a:spLocks/>
+          </p:cNvSpPr>
+          <p:nvPr/>
+        </p:nvSpPr>
+        <p:spPr>
+          <a:xfrm>
+            <a:off x="4152265" y="336550"/>
+            <a:ext cx="3877310" cy="554990"/>
+          </a:xfrm>
+          <a:prstGeom prst="rect"/>
+          <a:noFill/>
+          <a:ln w="0">
+            <a:noFill/>
+            <a:prstDash/>
+          </a:ln>
+        </p:spPr>
+        <p:txBody>
+          <a:bodyPr wrap="square" lIns="89535" tIns="46355" rIns="89535" bIns="46355" numCol="1" vert="horz" anchor="t">
+            <a:spAutoFit/>
+          </a:bodyPr>
+          <a:lstStyle/>
+          <a:p>
+            <a:pPr marL="0" indent="0" algn="ctr" latinLnBrk="0" hangingPunct="1">
+              <a:buFontTx/>
+              <a:buNone/>
+            </a:pPr>
+            <a:r>
+              <a:rPr lang="ko-KR" sz="2500" b="1">
+                <a:latin typeface="나눔바른고딕" charset="0"/>
+                <a:ea typeface="나눔바른고딕" charset="0"/>
+              </a:rPr>
+              <a:t>열네</a:t>
+            </a:r>
+            <a:r>
+              <a:rPr lang="ko-KR" sz="2500" b="1">
+                <a:latin typeface="나눔바른고딕" charset="0"/>
+                <a:ea typeface="나눔바른고딕" charset="0"/>
+              </a:rPr>
+              <a:t> 번째 튜토리얼</a:t>
+            </a:r>
+            <a:r>
+              <a:rPr lang="ko-KR" sz="3000" b="1">
+                <a:latin typeface="맑은 고딕" charset="0"/>
+                <a:ea typeface="맑은 고딕" charset="0"/>
+              </a:rPr>
+              <a:t> </a:t>
+            </a:r>
+            <a:endParaRPr lang="ko-KR" altLang="en-US" sz="3000" b="1">
+              <a:latin typeface="맑은 고딕" charset="0"/>
+              <a:ea typeface="맑은 고딕" charset="0"/>
+            </a:endParaRPr>
+          </a:p>
+        </p:txBody>
+      </p:sp>
+      <p:pic>
+        <p:nvPicPr>
+          <p:cNvPr id="97" name="그림 4"/>
+          <p:cNvPicPr>
+            <a:picLocks noChangeAspect="1"/>
+          </p:cNvPicPr>
+          <p:nvPr/>
+        </p:nvPicPr>
+        <p:blipFill rotWithShape="1">
+          <a:blip r:embed="rId4" cstate="print">
+            <a:extLst>
+              <a:ext uri="{28A0092B-C50C-407E-A947-70E740481C1C}">
+                <a14:useLocalDpi xmlns:a14="http://schemas.microsoft.com/office/drawing/2010/main" val="0"/>
+              </a:ext>
+            </a:extLst>
+          </a:blip>
+          <a:stretch>
+            <a:fillRect/>
+          </a:stretch>
+        </p:blipFill>
+        <p:spPr>
+          <a:xfrm rot="0">
+            <a:off x="1240790" y="1437005"/>
+            <a:ext cx="4143375" cy="2564130"/>
+          </a:xfrm>
+          <a:prstGeom prst="roundRect"/>
+          <a:solidFill>
+            <a:srgbClr val="EDEDED"/>
+          </a:solidFill>
+        </p:spPr>
+      </p:pic>
+      <p:sp>
+        <p:nvSpPr>
+          <p:cNvPr id="98" name="텍스트 상자 7"/>
+          <p:cNvSpPr txBox="1">
+            <a:spLocks/>
+          </p:cNvSpPr>
+          <p:nvPr/>
+        </p:nvSpPr>
+        <p:spPr>
+          <a:xfrm rot="0">
+            <a:off x="1240790" y="4153535"/>
+            <a:ext cx="4141470" cy="2061845"/>
+          </a:xfrm>
+          <a:prstGeom prst="rect"/>
+          <a:noFill/>
+          <a:ln w="0">
+            <a:noFill/>
+            <a:prstDash/>
+          </a:ln>
+        </p:spPr>
+        <p:txBody>
+          <a:bodyPr wrap="square" lIns="89535" tIns="46355" rIns="89535" bIns="46355" numCol="1" vert="horz" anchor="t">
+            <a:spAutoFit/>
+          </a:bodyPr>
+          <a:lstStyle/>
+          <a:p>
+            <a:pPr marL="0" indent="0" algn="l" latinLnBrk="0" hangingPunct="1">
+              <a:buFontTx/>
+              <a:buNone/>
+            </a:pPr>
+            <a:r>
+              <a:rPr lang="ko-KR" sz="2000" b="1">
+                <a:solidFill>
+                  <a:srgbClr val="0611F2"/>
+                </a:solidFill>
+                <a:latin typeface="맑은 고딕" charset="0"/>
+                <a:ea typeface="맑은 고딕" charset="0"/>
+              </a:rPr>
+              <a:t>4</a:t>
+            </a:r>
+            <a:r>
+              <a:rPr lang="ko-KR" sz="2000" b="1">
+                <a:solidFill>
+                  <a:srgbClr val="0611F2"/>
+                </a:solidFill>
+                <a:latin typeface="맑은 고딕" charset="0"/>
+                <a:ea typeface="맑은 고딕" charset="0"/>
+              </a:rPr>
+              <a:t>0</a:t>
+            </a:r>
+            <a:r>
+              <a:rPr lang="ko-KR" sz="2000" b="1">
+                <a:solidFill>
+                  <a:srgbClr val="0611F2"/>
+                </a:solidFill>
+                <a:latin typeface="맑은 고딕" charset="0"/>
+                <a:ea typeface="맑은 고딕" charset="0"/>
+              </a:rPr>
+              <a:t>.</a:t>
+            </a:r>
+            <a:r>
+              <a:rPr lang="ko-KR" sz="2000">
+                <a:solidFill>
+                  <a:srgbClr val="0611F2"/>
+                </a:solidFill>
+                <a:latin typeface="맑은 고딕" charset="0"/>
+                <a:ea typeface="맑은 고딕" charset="0"/>
+              </a:rPr>
+              <a:t> </a:t>
+            </a:r>
+            <a:r>
+              <a:rPr lang="ko-KR" sz="1800">
+                <a:latin typeface="맑은 고딕" charset="0"/>
+                <a:ea typeface="맑은 고딕" charset="0"/>
+              </a:rPr>
+              <a:t>그리고 Start( ) 함수에서 </a:t>
+            </a:r>
+            <a:r>
+              <a:rPr lang="ko-KR" sz="1800">
+                <a:latin typeface="맑은 고딕" charset="0"/>
+                <a:ea typeface="맑은 고딕" charset="0"/>
+              </a:rPr>
+              <a:t>반복문으로</a:t>
+            </a:r>
+            <a:r>
+              <a:rPr lang="ko-KR" sz="1800">
+                <a:latin typeface="맑은 고딕" charset="0"/>
+                <a:ea typeface="맑은 고딕" charset="0"/>
+              </a:rPr>
+              <a:t> 배열로 선언된 </a:t>
+            </a:r>
+            <a:r>
+              <a:rPr lang="ko-KR" sz="1800">
+                <a:latin typeface="맑은 고딕" charset="0"/>
+                <a:ea typeface="맑은 고딕" charset="0"/>
+              </a:rPr>
+              <a:t>각각의 </a:t>
+            </a:r>
+            <a:r>
+              <a:rPr lang="ko-KR" sz="1800">
+                <a:latin typeface="맑은 고딕" charset="0"/>
+                <a:ea typeface="맑은 고딕" charset="0"/>
+              </a:rPr>
+              <a:t>애니메이션</a:t>
+            </a:r>
+            <a:r>
+              <a:rPr lang="ko-KR" sz="1800">
+                <a:latin typeface="맑은 고딕" charset="0"/>
+                <a:ea typeface="맑은 고딕" charset="0"/>
+              </a:rPr>
+              <a:t>에</a:t>
+            </a:r>
+            <a:r>
+              <a:rPr lang="ko-KR" sz="1800">
+                <a:latin typeface="맑은 고딕" charset="0"/>
+                <a:ea typeface="맑은 고딕" charset="0"/>
+              </a:rPr>
+              <a:t> </a:t>
+            </a:r>
+            <a:r>
+              <a:rPr lang="ko-KR" sz="1800">
+                <a:latin typeface="맑은 고딕" charset="0"/>
+                <a:ea typeface="맑은 고딕" charset="0"/>
+              </a:rPr>
+              <a:t>접근합니다.</a:t>
+            </a:r>
+            <a:endParaRPr lang="ko-KR" altLang="en-US" sz="1800">
+              <a:latin typeface="맑은 고딕" charset="0"/>
+              <a:ea typeface="맑은 고딕" charset="0"/>
+            </a:endParaRPr>
+          </a:p>
+          <a:p>
+            <a:pPr marL="0" indent="0" algn="l" latinLnBrk="0" hangingPunct="1">
+              <a:buFontTx/>
+              <a:buNone/>
+            </a:pPr>
+            <a:endParaRPr lang="ko-KR" altLang="en-US" sz="1800">
+              <a:latin typeface="맑은 고딕" charset="0"/>
+              <a:ea typeface="맑은 고딕" charset="0"/>
+            </a:endParaRPr>
+          </a:p>
+          <a:p>
+            <a:pPr marL="0" indent="0" algn="l" latinLnBrk="0" hangingPunct="1">
+              <a:buFontTx/>
+              <a:buNone/>
+            </a:pPr>
+            <a:r>
+              <a:rPr lang="ko-KR" sz="1800">
+                <a:latin typeface="맑은 고딕" charset="0"/>
+                <a:ea typeface="맑은 고딕" charset="0"/>
+              </a:rPr>
+              <a:t>그</a:t>
+            </a:r>
+            <a:r>
+              <a:rPr lang="ko-KR" sz="1800">
+                <a:latin typeface="맑은 고딕" charset="0"/>
+                <a:ea typeface="맑은 고딕" charset="0"/>
+              </a:rPr>
+              <a:t>런</a:t>
+            </a:r>
+            <a:r>
+              <a:rPr lang="ko-KR" sz="1800">
+                <a:latin typeface="맑은 고딕" charset="0"/>
+                <a:ea typeface="맑은 고딕" charset="0"/>
+              </a:rPr>
+              <a:t> </a:t>
+            </a:r>
+            <a:r>
+              <a:rPr lang="ko-KR" sz="1800">
+                <a:latin typeface="맑은 고딕" charset="0"/>
+                <a:ea typeface="맑은 고딕" charset="0"/>
+              </a:rPr>
+              <a:t>다음 Animation Clip에 있는 </a:t>
+            </a:r>
+            <a:r>
+              <a:rPr lang="ko-KR" sz="1800">
+                <a:latin typeface="맑은 고딕" charset="0"/>
+                <a:ea typeface="맑은 고딕" charset="0"/>
+              </a:rPr>
+              <a:t>loopTime</a:t>
+            </a:r>
+            <a:r>
+              <a:rPr lang="ko-KR" sz="1800">
+                <a:latin typeface="맑은 고딕" charset="0"/>
+                <a:ea typeface="맑은 고딕" charset="0"/>
+              </a:rPr>
+              <a:t> 속성을 f</a:t>
+            </a:r>
+            <a:r>
+              <a:rPr lang="ko-KR" sz="1800">
+                <a:latin typeface="맑은 고딕" charset="0"/>
+                <a:ea typeface="맑은 고딕" charset="0"/>
+              </a:rPr>
+              <a:t>a</a:t>
+            </a:r>
+            <a:r>
+              <a:rPr lang="ko-KR" sz="1800">
+                <a:latin typeface="맑은 고딕" charset="0"/>
+                <a:ea typeface="맑은 고딕" charset="0"/>
+              </a:rPr>
+              <a:t>lse</a:t>
+            </a:r>
+            <a:r>
+              <a:rPr lang="ko-KR" sz="1800">
+                <a:latin typeface="맑은 고딕" charset="0"/>
+                <a:ea typeface="맑은 고딕" charset="0"/>
+              </a:rPr>
+              <a:t>로 </a:t>
+            </a:r>
+            <a:r>
+              <a:rPr lang="ko-KR" sz="1800">
+                <a:latin typeface="맑은 고딕" charset="0"/>
+                <a:ea typeface="맑은 고딕" charset="0"/>
+              </a:rPr>
+              <a:t>설정하고 </a:t>
+            </a:r>
+            <a:r>
+              <a:rPr lang="ko-KR" sz="1800">
+                <a:latin typeface="맑은 고딕" charset="0"/>
+                <a:ea typeface="맑은 고딕" charset="0"/>
+              </a:rPr>
+              <a:t>저장합니</a:t>
+            </a:r>
+            <a:r>
+              <a:rPr lang="ko-KR" sz="1800">
+                <a:latin typeface="맑은 고딕" charset="0"/>
+                <a:ea typeface="맑은 고딕" charset="0"/>
+              </a:rPr>
+              <a:t>다.</a:t>
+            </a:r>
+            <a:endParaRPr lang="ko-KR" altLang="en-US" sz="1800">
+              <a:latin typeface="맑은 고딕" charset="0"/>
+              <a:ea typeface="맑은 고딕" charset="0"/>
+            </a:endParaRPr>
+          </a:p>
+        </p:txBody>
+      </p:sp>
+      <p:pic>
+        <p:nvPicPr>
+          <p:cNvPr id="99" name="그림 29" descr="C:/Users/Admin1/AppData/Roaming/PolarisOffice/ETemp/19980_20186672/fImage610593016500.png"/>
+          <p:cNvPicPr>
+            <a:picLocks noChangeAspect="1"/>
+          </p:cNvPicPr>
+          <p:nvPr/>
+        </p:nvPicPr>
+        <p:blipFill rotWithShape="1">
+          <a:blip r:embed="rId5" cstate="hqprint">
+            <a:extLst>
+              <a:ext uri="{28A0092B-C50C-407E-A947-70E740481C1C}">
+                <a14:useLocalDpi xmlns:a14="http://schemas.microsoft.com/office/drawing/2010/main"/>
+              </a:ext>
+            </a:extLst>
+          </a:blip>
+          <a:stretch>
+            <a:fillRect/>
+          </a:stretch>
+        </p:blipFill>
+        <p:spPr>
+          <a:xfrm rot="0">
+            <a:off x="6830695" y="1437640"/>
+            <a:ext cx="4118610" cy="2568575"/>
+          </a:xfrm>
+          <a:prstGeom prst="roundRect"/>
+          <a:solidFill>
+            <a:srgbClr val="EDEDED"/>
+          </a:solidFill>
+        </p:spPr>
+      </p:pic>
+      <p:sp>
+        <p:nvSpPr>
+          <p:cNvPr id="100" name="텍스트 상자 32"/>
+          <p:cNvSpPr txBox="1">
+            <a:spLocks/>
+          </p:cNvSpPr>
+          <p:nvPr/>
+        </p:nvSpPr>
+        <p:spPr>
+          <a:xfrm rot="0">
+            <a:off x="6824980" y="4157345"/>
+            <a:ext cx="4120515" cy="2061845"/>
+          </a:xfrm>
+          <a:prstGeom prst="rect"/>
+          <a:noFill/>
+          <a:ln w="0">
+            <a:noFill/>
+            <a:prstDash/>
+          </a:ln>
+        </p:spPr>
+        <p:txBody>
+          <a:bodyPr wrap="square" lIns="89535" tIns="46355" rIns="89535" bIns="46355" numCol="1" vert="horz" anchor="t">
+            <a:spAutoFit/>
+          </a:bodyPr>
+          <a:lstStyle/>
+          <a:p>
+            <a:pPr marL="0" indent="0" algn="l" latinLnBrk="0" hangingPunct="1">
+              <a:buFontTx/>
+              <a:buNone/>
+            </a:pPr>
+            <a:r>
+              <a:rPr lang="ko-KR" sz="2000" b="1">
+                <a:solidFill>
+                  <a:srgbClr val="0611F2"/>
+                </a:solidFill>
+                <a:latin typeface="맑은 고딕" charset="0"/>
+                <a:ea typeface="맑은 고딕" charset="0"/>
+              </a:rPr>
+              <a:t>41.</a:t>
+            </a:r>
+            <a:r>
+              <a:rPr lang="ko-KR" sz="2000">
+                <a:solidFill>
+                  <a:srgbClr val="0611F2"/>
+                </a:solidFill>
+                <a:latin typeface="맑은 고딕" charset="0"/>
+                <a:ea typeface="맑은 고딕" charset="0"/>
+              </a:rPr>
+              <a:t> </a:t>
+            </a:r>
+            <a:r>
+              <a:rPr lang="ko-KR" sz="1800">
+                <a:latin typeface="맑은 고딕" charset="0"/>
+                <a:ea typeface="맑은 고딕" charset="0"/>
+              </a:rPr>
+              <a:t>그다음 Update( ) 함수에서 </a:t>
+            </a:r>
+            <a:r>
+              <a:rPr lang="ko-KR" sz="1800">
+                <a:latin typeface="맑은 고딕" charset="0"/>
+                <a:ea typeface="맑은 고딕" charset="0"/>
+              </a:rPr>
+              <a:t>현재 </a:t>
+            </a:r>
+            <a:r>
+              <a:rPr lang="ko-KR" sz="1800">
+                <a:latin typeface="맑은 고딕" charset="0"/>
+                <a:ea typeface="맑은 고딕" charset="0"/>
+              </a:rPr>
+              <a:t>애니메이션</a:t>
+            </a:r>
+            <a:r>
+              <a:rPr lang="ko-KR" sz="1800">
+                <a:latin typeface="맑은 고딕" charset="0"/>
+                <a:ea typeface="맑은 고딕" charset="0"/>
+              </a:rPr>
+              <a:t> 상태의 이름을 확인</a:t>
+            </a:r>
+            <a:r>
+              <a:rPr lang="ko-KR" sz="1800">
+                <a:latin typeface="맑은 고딕" charset="0"/>
+                <a:ea typeface="맑은 고딕" charset="0"/>
+              </a:rPr>
+              <a:t>합니다.</a:t>
+            </a:r>
+            <a:endParaRPr lang="ko-KR" altLang="en-US" sz="1800">
+              <a:latin typeface="맑은 고딕" charset="0"/>
+              <a:ea typeface="맑은 고딕" charset="0"/>
+            </a:endParaRPr>
+          </a:p>
+          <a:p>
+            <a:pPr marL="0" indent="0" algn="l" latinLnBrk="0" hangingPunct="1">
+              <a:buFontTx/>
+              <a:buNone/>
+            </a:pPr>
+            <a:endParaRPr lang="ko-KR" altLang="en-US" sz="1800">
+              <a:latin typeface="맑은 고딕" charset="0"/>
+              <a:ea typeface="맑은 고딕" charset="0"/>
+            </a:endParaRPr>
+          </a:p>
+          <a:p>
+            <a:pPr marL="0" indent="0" algn="l" latinLnBrk="0" hangingPunct="1">
+              <a:buFontTx/>
+              <a:buNone/>
+            </a:pPr>
+            <a:r>
+              <a:rPr lang="ko-KR" sz="1800">
+                <a:latin typeface="맑은 고딕" charset="0"/>
+                <a:ea typeface="맑은 고딕" charset="0"/>
+              </a:rPr>
+              <a:t>그러</a:t>
+            </a:r>
+            <a:r>
+              <a:rPr lang="ko-KR" sz="1800">
+                <a:latin typeface="맑은 고딕" charset="0"/>
+                <a:ea typeface="맑은 고딕" charset="0"/>
+              </a:rPr>
+              <a:t>고</a:t>
+            </a:r>
+            <a:r>
+              <a:rPr lang="ko-KR" sz="1800">
+                <a:latin typeface="맑은 고딕" charset="0"/>
+                <a:ea typeface="맑은 고딕" charset="0"/>
+              </a:rPr>
+              <a:t> </a:t>
+            </a:r>
+            <a:r>
+              <a:rPr lang="ko-KR" sz="1800">
+                <a:latin typeface="맑은 고딕" charset="0"/>
+                <a:ea typeface="맑은 고딕" charset="0"/>
+              </a:rPr>
+              <a:t>나서 현재 애니메이션의 </a:t>
+            </a:r>
+            <a:r>
+              <a:rPr lang="ko-KR" sz="1800">
+                <a:latin typeface="맑은 고딕" charset="0"/>
+                <a:ea typeface="맑은 고딕" charset="0"/>
+              </a:rPr>
+              <a:t>진행도</a:t>
+            </a:r>
+            <a:r>
+              <a:rPr lang="ko-KR" sz="1800">
+                <a:latin typeface="맑은 고딕" charset="0"/>
+                <a:ea typeface="맑은 고딕" charset="0"/>
+              </a:rPr>
+              <a:t>가</a:t>
+            </a:r>
+            <a:r>
+              <a:rPr lang="ko-KR" sz="1800">
+                <a:latin typeface="맑은 고딕" charset="0"/>
+                <a:ea typeface="맑은 고딕" charset="0"/>
+              </a:rPr>
+              <a:t> </a:t>
+            </a:r>
+            <a:r>
+              <a:rPr lang="ko-KR" sz="1800">
+                <a:latin typeface="맑은 고딕" charset="0"/>
+                <a:ea typeface="맑은 고딕" charset="0"/>
+              </a:rPr>
+              <a:t>1보다 크거나 같다면 게임 </a:t>
+            </a:r>
+            <a:r>
+              <a:rPr lang="ko-KR" sz="1800">
+                <a:latin typeface="맑은 고딕" charset="0"/>
+                <a:ea typeface="맑은 고딕" charset="0"/>
+              </a:rPr>
+              <a:t>오브젝트</a:t>
+            </a:r>
+            <a:r>
+              <a:rPr lang="ko-KR" sz="1800">
+                <a:latin typeface="맑은 고딕" charset="0"/>
+                <a:ea typeface="맑은 고딕" charset="0"/>
+              </a:rPr>
+              <a:t>를</a:t>
+            </a:r>
+            <a:r>
+              <a:rPr lang="ko-KR" sz="1800">
+                <a:latin typeface="맑은 고딕" charset="0"/>
+                <a:ea typeface="맑은 고딕" charset="0"/>
+              </a:rPr>
+              <a:t> </a:t>
+            </a:r>
+            <a:r>
+              <a:rPr lang="ko-KR" sz="1800">
+                <a:latin typeface="맑은 고딕" charset="0"/>
+                <a:ea typeface="맑은 고딕" charset="0"/>
+              </a:rPr>
+              <a:t>비활성화하도록 </a:t>
+            </a:r>
+            <a:r>
+              <a:rPr lang="ko-KR" sz="1800">
+                <a:latin typeface="맑은 고딕" charset="0"/>
+                <a:ea typeface="맑은 고딕" charset="0"/>
+              </a:rPr>
+              <a:t>설정합니</a:t>
+            </a:r>
+            <a:r>
+              <a:rPr lang="ko-KR" sz="1800">
+                <a:latin typeface="맑은 고딕" charset="0"/>
+                <a:ea typeface="맑은 고딕" charset="0"/>
+              </a:rPr>
+              <a:t>다.</a:t>
+            </a:r>
+            <a:endParaRPr lang="ko-KR" altLang="en-US" sz="1800">
+              <a:latin typeface="맑은 고딕" charset="0"/>
+              <a:ea typeface="맑은 고딕" charset="0"/>
+            </a:endParaRPr>
+          </a:p>
+        </p:txBody>
+      </p:sp>
+    </p:spTree>
+  </p:cSld>
+  <p:clrMapOvr>
+    <a:masterClrMapping/>
+  </p:clrMapOvr>
+  <mc:AlternateContent xmlns:mc="http://schemas.openxmlformats.org/markup-compatibility/2006">
+    <mc:Choice xmlns:p14="http://schemas.microsoft.com/office/powerpoint/2010/main" Requires="p14">
+      <p:transition spd="slow" p14:dur="2000"/>
+    </mc:Choice>
+    <mc:Fallback>
+      <p:transition spd="slow"/>
+    </mc:Fallback>
+  </mc:AlternateContent>
+  <p:timing>
+    <p:tnLst>
+      <p:par>
+        <p:cTn id="1" dur="indefinite" restart="never" nodeType="tmRoot"/>
+      </p:par>
+    </p:tnLst>
+  </p:timing>
+</p:sld>
+</file>
+
+<file path=ppt/slides/slide15.xml><?xml version="1.0" encoding="utf-8"?>
+<p:sld xmlns:a="http://schemas.openxmlformats.org/drawingml/2006/main" xmlns:r="http://schemas.openxmlformats.org/officeDocument/2006/relationships" xmlns:p="http://schemas.openxmlformats.org/presentationml/2006/main" xmlns:p14="http://schemas.microsoft.com/office/powerpoint/2010/main">
+  <p:cSld>
+    <p:spTree>
+      <p:nvGrpSpPr>
+        <p:cNvPr id="1" name=""/>
+        <p:cNvGrpSpPr/>
+        <p:nvPr/>
+      </p:nvGrpSpPr>
+      <p:grpSpPr>
+        <a:xfrm>
+          <a:off x="0" y="0"/>
+          <a:ext cx="0" cy="0"/>
+          <a:chOff x="0" y="0"/>
+          <a:chExt cx="0" cy="0"/>
+        </a:xfrm>
+      </p:grpSpPr>
+      <p:sp>
+        <p:nvSpPr>
+          <p:cNvPr id="22" name="Rect 0"/>
+          <p:cNvSpPr txBox="1">
+            <a:spLocks/>
+          </p:cNvSpPr>
+          <p:nvPr/>
+        </p:nvSpPr>
+        <p:spPr>
+          <a:xfrm rot="0">
+            <a:off x="4152265" y="336550"/>
+            <a:ext cx="3877310" cy="554990"/>
+          </a:xfrm>
+          <a:prstGeom prst="rect"/>
+          <a:noFill/>
+          <a:ln w="0">
+            <a:noFill/>
+            <a:prstDash/>
+          </a:ln>
+        </p:spPr>
+        <p:txBody>
+          <a:bodyPr wrap="square" lIns="89535" tIns="46355" rIns="89535" bIns="46355" numCol="1" vert="horz" anchor="t">
+            <a:spAutoFit/>
+          </a:bodyPr>
+          <a:lstStyle/>
+          <a:p>
+            <a:pPr marL="0" indent="0" algn="ctr" latinLnBrk="0" hangingPunct="1">
+              <a:buFontTx/>
+              <a:buNone/>
+            </a:pPr>
+            <a:r>
+              <a:rPr lang="ko-KR" sz="2500" b="1">
+                <a:latin typeface="나눔바른고딕" charset="0"/>
+                <a:ea typeface="나눔바른고딕" charset="0"/>
+              </a:rPr>
+              <a:t>열다섯</a:t>
+            </a:r>
+            <a:r>
+              <a:rPr lang="ko-KR" sz="2500" b="1">
+                <a:latin typeface="나눔바른고딕" charset="0"/>
+                <a:ea typeface="나눔바른고딕" charset="0"/>
+              </a:rPr>
+              <a:t> 번째 튜토리얼</a:t>
+            </a:r>
+            <a:r>
+              <a:rPr lang="ko-KR" sz="3000" b="1">
+                <a:latin typeface="맑은 고딕" charset="0"/>
+                <a:ea typeface="맑은 고딕" charset="0"/>
+              </a:rPr>
+              <a:t> </a:t>
+            </a:r>
+            <a:endParaRPr lang="ko-KR" altLang="en-US" sz="3000" b="1">
+              <a:latin typeface="맑은 고딕" charset="0"/>
+              <a:ea typeface="맑은 고딕" charset="0"/>
+            </a:endParaRPr>
+          </a:p>
+        </p:txBody>
+      </p:sp>
+      <p:sp>
+        <p:nvSpPr>
+          <p:cNvPr id="98" name="Rect 0"/>
+          <p:cNvSpPr txBox="1">
+            <a:spLocks/>
+          </p:cNvSpPr>
+          <p:nvPr/>
+        </p:nvSpPr>
+        <p:spPr>
+          <a:xfrm rot="0">
+            <a:off x="1238250" y="2811145"/>
+            <a:ext cx="4140200" cy="954405"/>
+          </a:xfrm>
+          <a:prstGeom prst="rect"/>
+          <a:noFill/>
+          <a:ln w="0">
+            <a:noFill/>
+            <a:prstDash/>
+          </a:ln>
+        </p:spPr>
+        <p:txBody>
+          <a:bodyPr wrap="square" lIns="89535" tIns="46355" rIns="89535" bIns="46355" numCol="1" vert="horz" anchor="t">
+            <a:spAutoFit/>
+          </a:bodyPr>
+          <a:lstStyle/>
+          <a:p>
+            <a:pPr marL="0" indent="0" algn="l" latinLnBrk="0" hangingPunct="1">
+              <a:buFontTx/>
+              <a:buNone/>
+            </a:pPr>
+            <a:r>
+              <a:rPr lang="ko-KR" sz="2000" b="1">
+                <a:solidFill>
+                  <a:srgbClr val="0611F2"/>
+                </a:solidFill>
+                <a:latin typeface="맑은 고딕" charset="0"/>
+                <a:ea typeface="맑은 고딕" charset="0"/>
+              </a:rPr>
+              <a:t>42.</a:t>
+            </a:r>
+            <a:r>
+              <a:rPr lang="ko-KR" sz="2000">
+                <a:solidFill>
+                  <a:srgbClr val="0611F2"/>
+                </a:solidFill>
+                <a:latin typeface="맑은 고딕" charset="0"/>
+                <a:ea typeface="맑은 고딕" charset="0"/>
+              </a:rPr>
+              <a:t> </a:t>
+            </a:r>
+            <a:r>
+              <a:rPr lang="ko-KR" sz="1800">
+                <a:latin typeface="맑은 고딕" charset="0"/>
+                <a:ea typeface="맑은 고딕" charset="0"/>
+              </a:rPr>
+              <a:t>이제 Open( ) 이라는 함수를 </a:t>
+            </a:r>
+            <a:r>
+              <a:rPr lang="ko-KR" sz="1800">
+                <a:latin typeface="맑은 고딕" charset="0"/>
+                <a:ea typeface="맑은 고딕" charset="0"/>
+              </a:rPr>
+              <a:t>선언한</a:t>
+            </a:r>
+            <a:r>
+              <a:rPr lang="ko-KR" sz="1800">
+                <a:latin typeface="맑은 고딕" charset="0"/>
+                <a:ea typeface="맑은 고딕" charset="0"/>
+              </a:rPr>
+              <a:t> </a:t>
+            </a:r>
+            <a:r>
+              <a:rPr lang="ko-KR" sz="1800">
+                <a:latin typeface="맑은 고딕" charset="0"/>
+                <a:ea typeface="맑은 고딕" charset="0"/>
+              </a:rPr>
+              <a:t>다음 게임 오브젝트를 </a:t>
+            </a:r>
+            <a:r>
+              <a:rPr lang="ko-KR" sz="1800">
+                <a:latin typeface="맑은 고딕" charset="0"/>
+                <a:ea typeface="맑은 고딕" charset="0"/>
+              </a:rPr>
+              <a:t>활성화하도</a:t>
+            </a:r>
+            <a:r>
+              <a:rPr lang="ko-KR" sz="1800">
+                <a:latin typeface="맑은 고딕" charset="0"/>
+                <a:ea typeface="맑은 고딕" charset="0"/>
+              </a:rPr>
+              <a:t>록</a:t>
+            </a:r>
+            <a:r>
+              <a:rPr lang="ko-KR" sz="1800">
+                <a:latin typeface="맑은 고딕" charset="0"/>
+                <a:ea typeface="맑은 고딕" charset="0"/>
+              </a:rPr>
+              <a:t> </a:t>
+            </a:r>
+            <a:r>
+              <a:rPr lang="ko-KR" sz="1800">
+                <a:latin typeface="맑은 고딕" charset="0"/>
+                <a:ea typeface="맑은 고딕" charset="0"/>
+              </a:rPr>
+              <a:t>선언합니다.</a:t>
+            </a:r>
+            <a:endParaRPr lang="ko-KR" altLang="en-US" sz="1800">
+              <a:latin typeface="맑은 고딕" charset="0"/>
+              <a:ea typeface="맑은 고딕" charset="0"/>
+            </a:endParaRPr>
+          </a:p>
+        </p:txBody>
+      </p:sp>
+      <p:pic>
+        <p:nvPicPr>
+          <p:cNvPr id="101" name="그림 33"/>
+          <p:cNvPicPr>
+            <a:picLocks noChangeAspect="1"/>
+          </p:cNvPicPr>
+          <p:nvPr/>
+        </p:nvPicPr>
+        <p:blipFill rotWithShape="1">
+          <a:blip r:embed="rId2" cstate="print">
+            <a:extLst>
+              <a:ext uri="{28A0092B-C50C-407E-A947-70E740481C1C}">
+                <a14:useLocalDpi xmlns:a14="http://schemas.microsoft.com/office/drawing/2010/main" val="0"/>
+              </a:ext>
+            </a:extLst>
+          </a:blip>
+          <a:stretch>
+            <a:fillRect/>
+          </a:stretch>
+        </p:blipFill>
+        <p:spPr>
+          <a:xfrm rot="0">
+            <a:off x="1238250" y="1445895"/>
+            <a:ext cx="4140200" cy="1264920"/>
+          </a:xfrm>
+          <a:prstGeom prst="roundRect"/>
+          <a:solidFill>
+            <a:srgbClr val="EDEDED"/>
+          </a:solidFill>
+        </p:spPr>
+      </p:pic>
+      <p:pic>
+        <p:nvPicPr>
+          <p:cNvPr id="102" name="그림 36"/>
+          <p:cNvPicPr>
+            <a:picLocks noChangeAspect="1"/>
+          </p:cNvPicPr>
+          <p:nvPr/>
+        </p:nvPicPr>
+        <p:blipFill rotWithShape="1">
+          <a:blip r:embed="rId3" cstate="print">
+            <a:extLst>
+              <a:ext uri="{28A0092B-C50C-407E-A947-70E740481C1C}">
+                <a14:useLocalDpi xmlns:a14="http://schemas.microsoft.com/office/drawing/2010/main" val="0"/>
+              </a:ext>
+            </a:extLst>
+          </a:blip>
+          <a:stretch>
+            <a:fillRect/>
+          </a:stretch>
+        </p:blipFill>
+        <p:spPr>
+          <a:xfrm rot="0">
+            <a:off x="1238250" y="3896995"/>
+            <a:ext cx="4140200" cy="1281430"/>
+          </a:xfrm>
+          <a:prstGeom prst="roundRect"/>
+          <a:solidFill>
+            <a:srgbClr val="EDEDED"/>
+          </a:solidFill>
+        </p:spPr>
+      </p:pic>
+      <p:sp>
+        <p:nvSpPr>
+          <p:cNvPr id="103" name="텍스트 상자 39"/>
+          <p:cNvSpPr txBox="1">
+            <a:spLocks/>
+          </p:cNvSpPr>
+          <p:nvPr/>
+        </p:nvSpPr>
+        <p:spPr>
+          <a:xfrm rot="0">
+            <a:off x="1229995" y="5264150"/>
+            <a:ext cx="4148455" cy="954405"/>
+          </a:xfrm>
+          <a:prstGeom prst="rect"/>
+          <a:noFill/>
+          <a:ln w="0">
+            <a:noFill/>
+            <a:prstDash/>
+          </a:ln>
+        </p:spPr>
+        <p:txBody>
+          <a:bodyPr wrap="square" lIns="89535" tIns="46355" rIns="89535" bIns="46355" numCol="1" vert="horz" anchor="t">
+            <a:spAutoFit/>
+          </a:bodyPr>
+          <a:lstStyle/>
+          <a:p>
+            <a:pPr marL="0" indent="0" algn="l" latinLnBrk="0" hangingPunct="1">
+              <a:buFontTx/>
+              <a:buNone/>
+            </a:pPr>
+            <a:r>
+              <a:rPr lang="ko-KR" sz="2000" b="1">
+                <a:solidFill>
+                  <a:srgbClr val="0611F2"/>
+                </a:solidFill>
+                <a:latin typeface="맑은 고딕" charset="0"/>
+                <a:ea typeface="맑은 고딕" charset="0"/>
+              </a:rPr>
+              <a:t>43.</a:t>
+            </a:r>
+            <a:r>
+              <a:rPr lang="ko-KR" sz="2000">
+                <a:solidFill>
+                  <a:srgbClr val="0611F2"/>
+                </a:solidFill>
+                <a:latin typeface="맑은 고딕" charset="0"/>
+                <a:ea typeface="맑은 고딕" charset="0"/>
+              </a:rPr>
+              <a:t> </a:t>
+            </a:r>
+            <a:r>
+              <a:rPr lang="ko-KR" sz="1800">
+                <a:latin typeface="맑은 고딕" charset="0"/>
+                <a:ea typeface="맑은 고딕" charset="0"/>
+              </a:rPr>
+              <a:t>그리고 Close( ) 라는 함수를 </a:t>
+            </a:r>
+            <a:r>
+              <a:rPr lang="ko-KR" sz="1800">
+                <a:latin typeface="맑은 고딕" charset="0"/>
+                <a:ea typeface="맑은 고딕" charset="0"/>
+              </a:rPr>
+              <a:t>선언하고</a:t>
+            </a:r>
+            <a:r>
+              <a:rPr lang="ko-KR" sz="1800">
+                <a:latin typeface="맑은 고딕" charset="0"/>
+                <a:ea typeface="맑은 고딕" charset="0"/>
+              </a:rPr>
+              <a:t> 애니메이터의 Close 라는 </a:t>
+            </a:r>
+            <a:r>
+              <a:rPr lang="ko-KR" sz="1800">
+                <a:latin typeface="맑은 고딕" charset="0"/>
+                <a:ea typeface="맑은 고딕" charset="0"/>
+              </a:rPr>
+              <a:t>Trigger</a:t>
+            </a:r>
+            <a:r>
+              <a:rPr lang="ko-KR" sz="1800">
+                <a:latin typeface="맑은 고딕" charset="0"/>
+                <a:ea typeface="맑은 고딕" charset="0"/>
+              </a:rPr>
+              <a:t>를</a:t>
+            </a:r>
+            <a:r>
+              <a:rPr lang="ko-KR" sz="1800">
+                <a:latin typeface="맑은 고딕" charset="0"/>
+                <a:ea typeface="맑은 고딕" charset="0"/>
+              </a:rPr>
+              <a:t> </a:t>
+            </a:r>
+            <a:r>
+              <a:rPr lang="ko-KR" sz="1800">
+                <a:latin typeface="맑은 고딕" charset="0"/>
+                <a:ea typeface="맑은 고딕" charset="0"/>
+              </a:rPr>
+              <a:t>활성화하도록 선언합니다.</a:t>
+            </a:r>
+            <a:endParaRPr lang="ko-KR" altLang="en-US" sz="1800">
+              <a:latin typeface="맑은 고딕" charset="0"/>
+              <a:ea typeface="맑은 고딕" charset="0"/>
+            </a:endParaRPr>
+          </a:p>
+        </p:txBody>
+      </p:sp>
+      <p:pic>
+        <p:nvPicPr>
+          <p:cNvPr id="104" name="그림 40"/>
+          <p:cNvPicPr>
+            <a:picLocks noChangeAspect="1"/>
+          </p:cNvPicPr>
+          <p:nvPr/>
+        </p:nvPicPr>
+        <p:blipFill rotWithShape="1">
+          <a:blip r:embed="rId4" cstate="print">
+            <a:extLst>
+              <a:ext uri="{28A0092B-C50C-407E-A947-70E740481C1C}">
+                <a14:useLocalDpi xmlns:a14="http://schemas.microsoft.com/office/drawing/2010/main" val="0"/>
+              </a:ext>
+            </a:extLst>
+          </a:blip>
+          <a:stretch>
+            <a:fillRect/>
+          </a:stretch>
+        </p:blipFill>
+        <p:spPr>
+          <a:xfrm rot="0">
+            <a:off x="6823710" y="1445895"/>
+            <a:ext cx="4130675" cy="1767205"/>
+          </a:xfrm>
+          <a:prstGeom prst="roundRect"/>
+          <a:solidFill>
+            <a:srgbClr val="EDEDED"/>
+          </a:solidFill>
+        </p:spPr>
+      </p:pic>
+      <p:pic>
+        <p:nvPicPr>
+          <p:cNvPr id="105" name="그림 43"/>
+          <p:cNvPicPr>
+            <a:picLocks noChangeAspect="1"/>
+          </p:cNvPicPr>
+          <p:nvPr/>
+        </p:nvPicPr>
+        <p:blipFill rotWithShape="1">
+          <a:blip r:embed="rId5" cstate="print">
+            <a:extLst>
+              <a:ext uri="{28A0092B-C50C-407E-A947-70E740481C1C}">
+                <a14:useLocalDpi xmlns:a14="http://schemas.microsoft.com/office/drawing/2010/main" val="0"/>
+              </a:ext>
+            </a:extLst>
+          </a:blip>
+          <a:stretch>
+            <a:fillRect/>
+          </a:stretch>
+        </p:blipFill>
+        <p:spPr>
+          <a:xfrm rot="0">
+            <a:off x="6814820" y="3346450"/>
+            <a:ext cx="4148455" cy="1026160"/>
+          </a:xfrm>
+          <a:prstGeom prst="roundRect"/>
+          <a:solidFill>
+            <a:srgbClr val="EDEDED"/>
+          </a:solidFill>
+        </p:spPr>
+      </p:pic>
+      <p:sp>
+        <p:nvSpPr>
+          <p:cNvPr id="106" name="텍스트 상자 46"/>
+          <p:cNvSpPr txBox="1">
+            <a:spLocks/>
+          </p:cNvSpPr>
+          <p:nvPr/>
+        </p:nvSpPr>
+        <p:spPr>
+          <a:xfrm rot="0">
+            <a:off x="6815455" y="4431030"/>
+            <a:ext cx="4139565" cy="1785620"/>
+          </a:xfrm>
+          <a:prstGeom prst="rect"/>
+          <a:noFill/>
+          <a:ln w="0">
+            <a:noFill/>
+            <a:prstDash/>
+          </a:ln>
+        </p:spPr>
+        <p:txBody>
+          <a:bodyPr wrap="square" lIns="89535" tIns="46355" rIns="89535" bIns="46355" numCol="1" vert="horz" anchor="t">
+            <a:spAutoFit/>
+          </a:bodyPr>
+          <a:lstStyle/>
+          <a:p>
+            <a:pPr marL="0" indent="0" algn="l" latinLnBrk="0" hangingPunct="1">
+              <a:buFontTx/>
+              <a:buNone/>
+            </a:pPr>
+            <a:r>
+              <a:rPr lang="ko-KR" sz="2000" b="1">
+                <a:solidFill>
+                  <a:srgbClr val="0611F2"/>
+                </a:solidFill>
+                <a:latin typeface="맑은 고딕" charset="0"/>
+                <a:ea typeface="맑은 고딕" charset="0"/>
+              </a:rPr>
+              <a:t>44.</a:t>
+            </a:r>
+            <a:r>
+              <a:rPr lang="ko-KR" sz="2000">
+                <a:solidFill>
+                  <a:srgbClr val="0611F2"/>
+                </a:solidFill>
+                <a:latin typeface="맑은 고딕" charset="0"/>
+                <a:ea typeface="맑은 고딕" charset="0"/>
+              </a:rPr>
+              <a:t> </a:t>
+            </a:r>
+            <a:r>
+              <a:rPr lang="ko-KR" sz="1800">
+                <a:latin typeface="맑은 고딕" charset="0"/>
+                <a:ea typeface="맑은 고딕" charset="0"/>
+              </a:rPr>
+              <a:t>그런 다음 Project 폴더 아래에 </a:t>
+            </a:r>
+            <a:r>
+              <a:rPr lang="ko-KR" sz="1800">
+                <a:latin typeface="맑은 고딕" charset="0"/>
+                <a:ea typeface="맑은 고딕" charset="0"/>
+              </a:rPr>
+              <a:t>있는</a:t>
+            </a:r>
+            <a:r>
+              <a:rPr lang="ko-KR" sz="1800">
+                <a:latin typeface="맑은 고딕" charset="0"/>
+                <a:ea typeface="맑은 고딕" charset="0"/>
+              </a:rPr>
+              <a:t> Texture 폴더에 Question </a:t>
+            </a:r>
+            <a:r>
+              <a:rPr lang="ko-KR" sz="1800">
+                <a:latin typeface="맑은 고딕" charset="0"/>
+                <a:ea typeface="맑은 고딕" charset="0"/>
+              </a:rPr>
+              <a:t>텍스처를</a:t>
+            </a:r>
+            <a:r>
+              <a:rPr lang="ko-KR" sz="1800">
+                <a:latin typeface="맑은 고딕" charset="0"/>
+                <a:ea typeface="맑은 고딕" charset="0"/>
+              </a:rPr>
+              <a:t> 선택합니다.</a:t>
+            </a:r>
+            <a:endParaRPr lang="ko-KR" altLang="en-US" sz="1800">
+              <a:latin typeface="맑은 고딕" charset="0"/>
+              <a:ea typeface="맑은 고딕" charset="0"/>
+            </a:endParaRPr>
+          </a:p>
+          <a:p>
+            <a:pPr marL="0" indent="0" algn="l" latinLnBrk="0" hangingPunct="1">
+              <a:buFontTx/>
+              <a:buNone/>
+            </a:pPr>
+            <a:endParaRPr lang="ko-KR" altLang="en-US" sz="1800">
+              <a:latin typeface="맑은 고딕" charset="0"/>
+              <a:ea typeface="맑은 고딕" charset="0"/>
+            </a:endParaRPr>
+          </a:p>
+          <a:p>
+            <a:pPr marL="0" indent="0" algn="l" latinLnBrk="0" hangingPunct="1">
+              <a:buFontTx/>
+              <a:buNone/>
+            </a:pPr>
+            <a:r>
+              <a:rPr lang="ko-KR" sz="1800">
+                <a:latin typeface="맑은 고딕" charset="0"/>
+                <a:ea typeface="맑은 고딕" charset="0"/>
+              </a:rPr>
+              <a:t>그다음으로</a:t>
+            </a:r>
+            <a:r>
+              <a:rPr lang="ko-KR" sz="1800">
+                <a:latin typeface="맑은 고딕" charset="0"/>
+                <a:ea typeface="맑은 고딕" charset="0"/>
+              </a:rPr>
+              <a:t> Open Button 오브젝트의 </a:t>
+            </a:r>
+            <a:r>
+              <a:rPr lang="ko-KR" sz="1800">
+                <a:latin typeface="맑은 고딕" charset="0"/>
+                <a:ea typeface="맑은 고딕" charset="0"/>
+              </a:rPr>
+              <a:t>Source</a:t>
+            </a:r>
+            <a:r>
+              <a:rPr lang="ko-KR" sz="1800">
+                <a:latin typeface="맑은 고딕" charset="0"/>
+                <a:ea typeface="맑은 고딕" charset="0"/>
+              </a:rPr>
+              <a:t> Image에 넣어줍니다.</a:t>
+            </a:r>
+            <a:endParaRPr lang="ko-KR" altLang="en-US" sz="1800">
+              <a:latin typeface="맑은 고딕" charset="0"/>
+              <a:ea typeface="맑은 고딕" charset="0"/>
+            </a:endParaRPr>
+          </a:p>
+        </p:txBody>
+      </p:sp>
+      <p:cxnSp>
+        <p:nvCxnSpPr>
+          <p:cNvPr id="107" name="도형 47"/>
+          <p:cNvCxnSpPr/>
+          <p:nvPr/>
+        </p:nvCxnSpPr>
+        <p:spPr>
+          <a:xfrm rot="0" flipV="1">
+            <a:off x="9854565" y="1714500"/>
+            <a:ext cx="970280" cy="1897380"/>
+          </a:xfrm>
+          <a:prstGeom prst="straightConnector1"/>
+          <a:ln w="6350" cap="flat" cmpd="sng">
+            <a:prstDash/>
+            <a:headEnd type="none" w="med" len="med"/>
+            <a:tailEnd type="triangle" w="med" len="med"/>
+          </a:ln>
+        </p:spPr>
+        <p:style>
+          <a:lnRef idx="1">
+            <a:schemeClr val="accent1"/>
+          </a:lnRef>
+          <a:fillRef idx="0">
+            <a:schemeClr val="accent1"/>
+          </a:fillRef>
+          <a:effectRef idx="0">
+            <a:schemeClr val="accent1"/>
+          </a:effectRef>
+          <a:fontRef idx="minor">
+            <a:schemeClr val="tx1"/>
+          </a:fontRef>
+        </p:style>
+      </p:cxnSp>
+    </p:spTree>
+  </p:cSld>
+  <p:clrMapOvr>
+    <a:masterClrMapping/>
+  </p:clrMapOvr>
+  <mc:AlternateContent xmlns:mc="http://schemas.openxmlformats.org/markup-compatibility/2006">
+    <mc:Choice xmlns:p14="http://schemas.microsoft.com/office/powerpoint/2010/main" Requires="p14">
+      <p:transition spd="slow" p14:dur="2000"/>
+    </mc:Choice>
+    <mc:Fallback>
+      <p:transition spd="slow"/>
+    </mc:Fallback>
+  </mc:AlternateContent>
+  <p:timing>
+    <p:tnLst>
+      <p:par>
+        <p:cTn id="1" dur="indefinite" restart="never" nodeType="tmRoot"/>
+      </p:par>
+    </p:tnLst>
+  </p:timing>
+</p:sld>
+</file>
+
+<file path=ppt/slides/slide16.xml><?xml version="1.0" encoding="utf-8"?>
+<p:sld xmlns:a="http://schemas.openxmlformats.org/drawingml/2006/main" xmlns:r="http://schemas.openxmlformats.org/officeDocument/2006/relationships" xmlns:p="http://schemas.openxmlformats.org/presentationml/2006/main">
+  <p:cSld>
+    <p:spTree>
+      <p:nvGrpSpPr>
+        <p:cNvPr id="1" name=""/>
+        <p:cNvGrpSpPr/>
+        <p:nvPr/>
+      </p:nvGrpSpPr>
+      <p:grpSpPr>
+        <a:xfrm>
+          <a:off x="0" y="0"/>
+          <a:ext cx="0" cy="0"/>
+          <a:chOff x="0" y="0"/>
+          <a:chExt cx="0" cy="0"/>
+        </a:xfrm>
+      </p:grpSpPr>
+      <p:sp>
+        <p:nvSpPr>
+          <p:cNvPr id="22" name="Rect 0"/>
+          <p:cNvSpPr txBox="1">
+            <a:spLocks/>
+          </p:cNvSpPr>
+          <p:nvPr/>
+        </p:nvSpPr>
+        <p:spPr>
+          <a:xfrm rot="0">
+            <a:off x="4152265" y="336550"/>
+            <a:ext cx="3877945" cy="554990"/>
+          </a:xfrm>
+          <a:prstGeom prst="rect"/>
+          <a:noFill/>
+          <a:ln w="0">
+            <a:noFill/>
+            <a:prstDash/>
+          </a:ln>
+        </p:spPr>
+        <p:txBody>
+          <a:bodyPr wrap="square" lIns="89535" tIns="46355" rIns="89535" bIns="46355" numCol="1" vert="horz" anchor="t">
+            <a:spAutoFit/>
+          </a:bodyPr>
+          <a:lstStyle/>
+          <a:p>
+            <a:pPr marL="0" indent="0" algn="ctr" latinLnBrk="0" hangingPunct="1">
+              <a:buFontTx/>
+              <a:buNone/>
+            </a:pPr>
+            <a:r>
+              <a:rPr lang="ko-KR" sz="2500" b="1">
+                <a:latin typeface="나눔바른고딕" charset="0"/>
+                <a:ea typeface="나눔바른고딕" charset="0"/>
+              </a:rPr>
+              <a:t>열여섯</a:t>
+            </a:r>
+            <a:r>
+              <a:rPr lang="ko-KR" sz="2500" b="1">
+                <a:latin typeface="나눔바른고딕" charset="0"/>
+                <a:ea typeface="나눔바른고딕" charset="0"/>
+              </a:rPr>
+              <a:t> 번째 튜토리얼</a:t>
+            </a:r>
+            <a:r>
+              <a:rPr lang="ko-KR" sz="3000" b="1">
+                <a:latin typeface="맑은 고딕" charset="0"/>
+                <a:ea typeface="맑은 고딕" charset="0"/>
+              </a:rPr>
+              <a:t> </a:t>
+            </a:r>
+            <a:endParaRPr lang="ko-KR" altLang="en-US" sz="3000" b="1">
+              <a:latin typeface="맑은 고딕" charset="0"/>
+              <a:ea typeface="맑은 고딕" charset="0"/>
+            </a:endParaRPr>
+          </a:p>
+        </p:txBody>
+      </p:sp>
+      <p:sp>
+        <p:nvSpPr>
+          <p:cNvPr id="103" name="Rect 0"/>
+          <p:cNvSpPr txBox="1">
+            <a:spLocks/>
+          </p:cNvSpPr>
+          <p:nvPr/>
+        </p:nvSpPr>
+        <p:spPr>
+          <a:xfrm rot="0">
+            <a:off x="1229995" y="5264150"/>
+            <a:ext cx="4149090" cy="954405"/>
+          </a:xfrm>
+          <a:prstGeom prst="rect"/>
+          <a:noFill/>
+          <a:ln w="0">
+            <a:noFill/>
+            <a:prstDash/>
+          </a:ln>
+        </p:spPr>
+        <p:txBody>
+          <a:bodyPr wrap="square" lIns="89535" tIns="46355" rIns="89535" bIns="46355" numCol="1" vert="horz" anchor="t">
+            <a:spAutoFit/>
+          </a:bodyPr>
+          <a:lstStyle/>
+          <a:p>
+            <a:pPr marL="0" indent="0" algn="l" latinLnBrk="0" hangingPunct="1">
+              <a:buFontTx/>
+              <a:buNone/>
+            </a:pPr>
+            <a:r>
+              <a:rPr lang="ko-KR" sz="2000" b="1">
+                <a:solidFill>
+                  <a:srgbClr val="0611F2"/>
+                </a:solidFill>
+                <a:latin typeface="맑은 고딕" charset="0"/>
+                <a:ea typeface="맑은 고딕" charset="0"/>
+              </a:rPr>
+              <a:t>46.</a:t>
+            </a:r>
+            <a:r>
+              <a:rPr lang="ko-KR" sz="2000">
+                <a:solidFill>
+                  <a:srgbClr val="0611F2"/>
+                </a:solidFill>
+                <a:latin typeface="맑은 고딕" charset="0"/>
+                <a:ea typeface="맑은 고딕" charset="0"/>
+              </a:rPr>
+              <a:t> </a:t>
+            </a:r>
+            <a:r>
+              <a:rPr lang="ko-KR" sz="1800">
+                <a:latin typeface="맑은 고딕" charset="0"/>
+                <a:ea typeface="맑은 고딕" charset="0"/>
+              </a:rPr>
+              <a:t>이제 Close Button 오브젝트의 </a:t>
+            </a:r>
+            <a:r>
+              <a:rPr lang="ko-KR" sz="1800">
+                <a:latin typeface="맑은 고딕" charset="0"/>
+                <a:ea typeface="맑은 고딕" charset="0"/>
+              </a:rPr>
+              <a:t>On </a:t>
+            </a:r>
+            <a:r>
+              <a:rPr lang="ko-KR" sz="1800">
+                <a:latin typeface="맑은 고딕" charset="0"/>
+                <a:ea typeface="맑은 고딕" charset="0"/>
+              </a:rPr>
+              <a:t>Click(</a:t>
+            </a:r>
+            <a:r>
+              <a:rPr lang="ko-KR" sz="1800">
+                <a:latin typeface="맑은 고딕" charset="0"/>
+                <a:ea typeface="맑은 고딕" charset="0"/>
+              </a:rPr>
+              <a:t> </a:t>
+            </a:r>
+            <a:r>
+              <a:rPr lang="ko-KR" sz="1800">
+                <a:latin typeface="맑은 고딕" charset="0"/>
+                <a:ea typeface="맑은 고딕" charset="0"/>
+              </a:rPr>
+              <a:t>) 함수에 Close( ) 함수를 </a:t>
+            </a:r>
+            <a:r>
+              <a:rPr lang="ko-KR" sz="1800">
+                <a:latin typeface="맑은 고딕" charset="0"/>
+                <a:ea typeface="맑은 고딕" charset="0"/>
+              </a:rPr>
+              <a:t>등록합니</a:t>
+            </a:r>
+            <a:r>
+              <a:rPr lang="ko-KR" sz="1800">
+                <a:latin typeface="맑은 고딕" charset="0"/>
+                <a:ea typeface="맑은 고딕" charset="0"/>
+              </a:rPr>
+              <a:t>다.</a:t>
+            </a:r>
+            <a:endParaRPr lang="ko-KR" altLang="en-US" sz="1800">
+              <a:latin typeface="맑은 고딕" charset="0"/>
+              <a:ea typeface="맑은 고딕" charset="0"/>
+            </a:endParaRPr>
+          </a:p>
+        </p:txBody>
+      </p:sp>
+      <p:sp>
+        <p:nvSpPr>
+          <p:cNvPr id="106" name="Rect 0"/>
+          <p:cNvSpPr txBox="1">
+            <a:spLocks/>
+          </p:cNvSpPr>
+          <p:nvPr/>
+        </p:nvSpPr>
+        <p:spPr>
+          <a:xfrm rot="0">
+            <a:off x="6815455" y="4431030"/>
+            <a:ext cx="4142105" cy="1784985"/>
+          </a:xfrm>
+          <a:prstGeom prst="rect"/>
+          <a:noFill/>
+          <a:ln w="0">
+            <a:noFill/>
+            <a:prstDash/>
+          </a:ln>
+        </p:spPr>
+        <p:txBody>
+          <a:bodyPr wrap="square" lIns="89535" tIns="46355" rIns="89535" bIns="46355" numCol="1" vert="horz" anchor="t">
+            <a:spAutoFit/>
+          </a:bodyPr>
+          <a:lstStyle/>
+          <a:p>
+            <a:pPr marL="0" indent="0" algn="l" latinLnBrk="0" hangingPunct="1">
+              <a:buFontTx/>
+              <a:buNone/>
+            </a:pPr>
+            <a:r>
+              <a:rPr lang="ko-KR" sz="2000" b="1">
+                <a:solidFill>
+                  <a:srgbClr val="0611F2"/>
+                </a:solidFill>
+                <a:latin typeface="맑은 고딕" charset="0"/>
+                <a:ea typeface="맑은 고딕" charset="0"/>
+              </a:rPr>
+              <a:t>47.</a:t>
+            </a:r>
+            <a:r>
+              <a:rPr lang="ko-KR" sz="2000">
+                <a:solidFill>
+                  <a:srgbClr val="0611F2"/>
+                </a:solidFill>
+                <a:latin typeface="맑은 고딕" charset="0"/>
+                <a:ea typeface="맑은 고딕" charset="0"/>
+              </a:rPr>
+              <a:t> </a:t>
+            </a:r>
+            <a:r>
+              <a:rPr lang="ko-KR" sz="1800">
+                <a:latin typeface="맑은 고딕" charset="0"/>
+                <a:ea typeface="맑은 고딕" charset="0"/>
+              </a:rPr>
+              <a:t>그리고 Project 폴더 아래에 </a:t>
+            </a:r>
+            <a:r>
+              <a:rPr lang="ko-KR" sz="1800">
+                <a:latin typeface="맑은 고딕" charset="0"/>
+                <a:ea typeface="맑은 고딕" charset="0"/>
+              </a:rPr>
+              <a:t>있는</a:t>
+            </a:r>
+            <a:r>
+              <a:rPr lang="ko-KR" sz="1800">
+                <a:latin typeface="맑은 고딕" charset="0"/>
+                <a:ea typeface="맑은 고딕" charset="0"/>
+              </a:rPr>
+              <a:t> </a:t>
+            </a:r>
+            <a:r>
+              <a:rPr lang="ko-KR" sz="1800">
+                <a:latin typeface="맑은 고딕" charset="0"/>
+                <a:ea typeface="맑은 고딕" charset="0"/>
+              </a:rPr>
+              <a:t>Texture</a:t>
+            </a:r>
+            <a:r>
+              <a:rPr lang="ko-KR" sz="1800">
+                <a:latin typeface="맑은 고딕" charset="0"/>
+                <a:ea typeface="맑은 고딕" charset="0"/>
+              </a:rPr>
+              <a:t> </a:t>
+            </a:r>
+            <a:r>
+              <a:rPr lang="ko-KR" sz="1800">
+                <a:latin typeface="맑은 고딕" charset="0"/>
+                <a:ea typeface="맑은 고딕" charset="0"/>
+              </a:rPr>
+              <a:t>폴더에</a:t>
+            </a:r>
+            <a:r>
+              <a:rPr lang="ko-KR" sz="1800">
+                <a:latin typeface="맑은 고딕" charset="0"/>
+                <a:ea typeface="맑은 고딕" charset="0"/>
+              </a:rPr>
+              <a:t> Window </a:t>
+            </a:r>
+            <a:r>
+              <a:rPr lang="ko-KR" sz="1800">
+                <a:latin typeface="맑은 고딕" charset="0"/>
+                <a:ea typeface="맑은 고딕" charset="0"/>
+              </a:rPr>
+              <a:t>텍스처를</a:t>
+            </a:r>
+            <a:r>
+              <a:rPr lang="ko-KR" sz="1800">
+                <a:latin typeface="맑은 고딕" charset="0"/>
+                <a:ea typeface="맑은 고딕" charset="0"/>
+              </a:rPr>
+              <a:t> </a:t>
+            </a:r>
+            <a:r>
+              <a:rPr lang="ko-KR" sz="1800">
+                <a:latin typeface="맑은 고딕" charset="0"/>
+                <a:ea typeface="맑은 고딕" charset="0"/>
+              </a:rPr>
+              <a:t>선택합니다.</a:t>
+            </a:r>
+            <a:endParaRPr lang="ko-KR" altLang="en-US" sz="1800">
+              <a:latin typeface="맑은 고딕" charset="0"/>
+              <a:ea typeface="맑은 고딕" charset="0"/>
+            </a:endParaRPr>
+          </a:p>
+          <a:p>
+            <a:pPr marL="0" indent="0" algn="l" latinLnBrk="0" hangingPunct="1">
+              <a:buFontTx/>
+              <a:buNone/>
+            </a:pPr>
+            <a:endParaRPr lang="ko-KR" altLang="en-US" sz="1800">
+              <a:latin typeface="맑은 고딕" charset="0"/>
+              <a:ea typeface="맑은 고딕" charset="0"/>
+            </a:endParaRPr>
+          </a:p>
+          <a:p>
+            <a:pPr marL="0" indent="0" algn="l" latinLnBrk="0" hangingPunct="1">
+              <a:buFontTx/>
+              <a:buNone/>
+            </a:pPr>
+            <a:r>
+              <a:rPr lang="ko-KR" sz="1800">
+                <a:latin typeface="맑은 고딕" charset="0"/>
+                <a:ea typeface="맑은 고딕" charset="0"/>
+              </a:rPr>
+              <a:t>그런</a:t>
+            </a:r>
+            <a:r>
+              <a:rPr lang="ko-KR" sz="1800">
+                <a:latin typeface="맑은 고딕" charset="0"/>
+                <a:ea typeface="맑은 고딕" charset="0"/>
+              </a:rPr>
+              <a:t> </a:t>
+            </a:r>
+            <a:r>
+              <a:rPr lang="ko-KR" sz="1800">
+                <a:latin typeface="맑은 고딕" charset="0"/>
+                <a:ea typeface="맑은 고딕" charset="0"/>
+              </a:rPr>
+              <a:t>다음</a:t>
+            </a:r>
+            <a:r>
+              <a:rPr lang="ko-KR" sz="1800">
+                <a:latin typeface="맑은 고딕" charset="0"/>
+                <a:ea typeface="맑은 고딕" charset="0"/>
+              </a:rPr>
+              <a:t> Window 오브젝트의 </a:t>
+            </a:r>
+            <a:r>
+              <a:rPr lang="ko-KR" sz="1800">
+                <a:latin typeface="맑은 고딕" charset="0"/>
+                <a:ea typeface="맑은 고딕" charset="0"/>
+              </a:rPr>
+              <a:t>Source</a:t>
+            </a:r>
+            <a:r>
+              <a:rPr lang="ko-KR" sz="1800">
+                <a:latin typeface="맑은 고딕" charset="0"/>
+                <a:ea typeface="맑은 고딕" charset="0"/>
+              </a:rPr>
+              <a:t> </a:t>
+            </a:r>
+            <a:r>
+              <a:rPr lang="ko-KR" sz="1800">
+                <a:latin typeface="맑은 고딕" charset="0"/>
+                <a:ea typeface="맑은 고딕" charset="0"/>
+              </a:rPr>
+              <a:t>Image에</a:t>
+            </a:r>
+            <a:r>
+              <a:rPr lang="ko-KR" sz="1800">
+                <a:latin typeface="맑은 고딕" charset="0"/>
+                <a:ea typeface="맑은 고딕" charset="0"/>
+              </a:rPr>
+              <a:t> </a:t>
+            </a:r>
+            <a:r>
+              <a:rPr lang="ko-KR" sz="1800">
+                <a:latin typeface="맑은 고딕" charset="0"/>
+                <a:ea typeface="맑은 고딕" charset="0"/>
+              </a:rPr>
+              <a:t>넣어줍니다.</a:t>
+            </a:r>
+            <a:endParaRPr lang="ko-KR" altLang="en-US" sz="1800">
+              <a:latin typeface="맑은 고딕" charset="0"/>
+              <a:ea typeface="맑은 고딕" charset="0"/>
+            </a:endParaRPr>
+          </a:p>
+        </p:txBody>
+      </p:sp>
+      <p:pic>
+        <p:nvPicPr>
+          <p:cNvPr id="108" name="그림 1" descr="C:/Users/Admin1/AppData/Roaming/PolarisOffice/ETemp/19980_20186672/fImage605731141.png"/>
+          <p:cNvPicPr>
+            <a:picLocks noChangeAspect="1"/>
+          </p:cNvPicPr>
+          <p:nvPr/>
+        </p:nvPicPr>
+        <p:blipFill rotWithShape="1">
+          <a:blip r:embed="rId2" cstate="print">
+            <a:extLst>
+              <a:ext uri="{28A0092B-C50C-407E-A947-70E740481C1C}">
+                <a14:useLocalDpi xmlns:a14="http://schemas.microsoft.com/office/drawing/2010/main" val="0"/>
+              </a:ext>
+            </a:extLst>
+          </a:blip>
+          <a:stretch>
+            <a:fillRect/>
+          </a:stretch>
+        </p:blipFill>
+        <p:spPr>
+          <a:xfrm rot="0">
+            <a:off x="1231900" y="1447165"/>
+            <a:ext cx="4152265" cy="1318260"/>
+          </a:xfrm>
+          <a:prstGeom prst="roundRect"/>
+          <a:solidFill>
+            <a:srgbClr val="EDEDED"/>
+          </a:solidFill>
+        </p:spPr>
+      </p:pic>
+      <p:sp>
+        <p:nvSpPr>
+          <p:cNvPr id="109" name="텍스트 상자 4"/>
+          <p:cNvSpPr txBox="1">
+            <a:spLocks/>
+          </p:cNvSpPr>
+          <p:nvPr/>
+        </p:nvSpPr>
+        <p:spPr>
+          <a:xfrm rot="0">
+            <a:off x="1224280" y="2837815"/>
+            <a:ext cx="4151630" cy="954405"/>
+          </a:xfrm>
+          <a:prstGeom prst="rect"/>
+          <a:noFill/>
+          <a:ln w="0">
+            <a:noFill/>
+            <a:prstDash/>
+          </a:ln>
+        </p:spPr>
+        <p:txBody>
+          <a:bodyPr wrap="square" lIns="89535" tIns="46355" rIns="89535" bIns="46355" numCol="1" vert="horz" anchor="t">
+            <a:spAutoFit/>
+          </a:bodyPr>
+          <a:lstStyle/>
+          <a:p>
+            <a:pPr marL="0" indent="0" algn="l" latinLnBrk="0" hangingPunct="1">
+              <a:buFontTx/>
+              <a:buNone/>
+            </a:pPr>
+            <a:r>
+              <a:rPr lang="ko-KR" sz="2000" b="1">
+                <a:solidFill>
+                  <a:srgbClr val="0611F2"/>
+                </a:solidFill>
+                <a:latin typeface="맑은 고딕" charset="0"/>
+                <a:ea typeface="맑은 고딕" charset="0"/>
+              </a:rPr>
+              <a:t>45.</a:t>
+            </a:r>
+            <a:r>
+              <a:rPr lang="ko-KR" sz="2000">
+                <a:solidFill>
+                  <a:srgbClr val="0611F2"/>
+                </a:solidFill>
+                <a:latin typeface="맑은 고딕" charset="0"/>
+                <a:ea typeface="맑은 고딕" charset="0"/>
+              </a:rPr>
+              <a:t> </a:t>
+            </a:r>
+            <a:r>
+              <a:rPr lang="ko-KR" sz="1800">
+                <a:latin typeface="맑은 고딕" charset="0"/>
+                <a:ea typeface="맑은 고딕" charset="0"/>
+              </a:rPr>
+              <a:t>그러고 나서 Open Button </a:t>
+            </a:r>
+            <a:r>
+              <a:rPr lang="ko-KR" sz="1800">
+                <a:latin typeface="맑은 고딕" charset="0"/>
+                <a:ea typeface="맑은 고딕" charset="0"/>
+              </a:rPr>
+              <a:t>오브젝트의</a:t>
+            </a:r>
+            <a:r>
+              <a:rPr lang="ko-KR" sz="1800">
+                <a:latin typeface="맑은 고딕" charset="0"/>
+                <a:ea typeface="맑은 고딕" charset="0"/>
+              </a:rPr>
+              <a:t> </a:t>
+            </a:r>
+            <a:r>
+              <a:rPr lang="ko-KR" sz="1800">
+                <a:latin typeface="맑은 고딕" charset="0"/>
+                <a:ea typeface="맑은 고딕" charset="0"/>
+              </a:rPr>
+              <a:t>On Click( )</a:t>
+            </a:r>
+            <a:r>
+              <a:rPr lang="ko-KR" sz="1800">
+                <a:latin typeface="맑은 고딕" charset="0"/>
+                <a:ea typeface="맑은 고딕" charset="0"/>
+              </a:rPr>
+              <a:t> 함수에 Open( ) </a:t>
+            </a:r>
+            <a:r>
+              <a:rPr lang="ko-KR" sz="1800">
+                <a:latin typeface="맑은 고딕" charset="0"/>
+                <a:ea typeface="맑은 고딕" charset="0"/>
+              </a:rPr>
+              <a:t>함수를</a:t>
+            </a:r>
+            <a:r>
+              <a:rPr lang="ko-KR" sz="1800">
+                <a:latin typeface="맑은 고딕" charset="0"/>
+                <a:ea typeface="맑은 고딕" charset="0"/>
+              </a:rPr>
+              <a:t> </a:t>
+            </a:r>
+            <a:r>
+              <a:rPr lang="ko-KR" sz="1800">
+                <a:latin typeface="맑은 고딕" charset="0"/>
+                <a:ea typeface="맑은 고딕" charset="0"/>
+              </a:rPr>
+              <a:t>등록합니다.</a:t>
+            </a:r>
+            <a:endParaRPr lang="ko-KR" altLang="en-US" sz="1800">
+              <a:latin typeface="맑은 고딕" charset="0"/>
+              <a:ea typeface="맑은 고딕" charset="0"/>
+            </a:endParaRPr>
+          </a:p>
+        </p:txBody>
+      </p:sp>
+      <p:pic>
+        <p:nvPicPr>
+          <p:cNvPr id="110" name="그림 5" descr="C:/Users/Admin1/AppData/Roaming/PolarisOffice/ETemp/19980_20186672/fImage61353138467.png"/>
+          <p:cNvPicPr>
+            <a:picLocks noChangeAspect="1"/>
+          </p:cNvPicPr>
+          <p:nvPr/>
+        </p:nvPicPr>
+        <p:blipFill rotWithShape="1">
+          <a:blip r:embed="rId3" cstate="print">
+            <a:extLst>
+              <a:ext uri="{28A0092B-C50C-407E-A947-70E740481C1C}">
+                <a14:useLocalDpi xmlns:a14="http://schemas.microsoft.com/office/drawing/2010/main" val="0"/>
+              </a:ext>
+            </a:extLst>
+          </a:blip>
+          <a:stretch>
+            <a:fillRect/>
+          </a:stretch>
+        </p:blipFill>
+        <p:spPr>
+          <a:xfrm rot="0">
+            <a:off x="1240790" y="3902075"/>
+            <a:ext cx="4143375" cy="1283970"/>
+          </a:xfrm>
+          <a:prstGeom prst="roundRect"/>
+          <a:solidFill>
+            <a:srgbClr val="EDEDED"/>
+          </a:solidFill>
+        </p:spPr>
+      </p:pic>
+      <p:pic>
+        <p:nvPicPr>
+          <p:cNvPr id="111" name="그림 8" descr="C:/Users/Admin1/AppData/Roaming/PolarisOffice/ETemp/19980_20186672/fImage167703146334.png"/>
+          <p:cNvPicPr>
+            <a:picLocks noChangeAspect="1"/>
+          </p:cNvPicPr>
+          <p:nvPr/>
+        </p:nvPicPr>
+        <p:blipFill rotWithShape="1">
+          <a:blip r:embed="rId4" cstate="print">
+            <a:extLst>
+              <a:ext uri="{28A0092B-C50C-407E-A947-70E740481C1C}">
+                <a14:useLocalDpi xmlns:a14="http://schemas.microsoft.com/office/drawing/2010/main" val="0"/>
+              </a:ext>
+            </a:extLst>
+          </a:blip>
+          <a:stretch>
+            <a:fillRect/>
+          </a:stretch>
+        </p:blipFill>
+        <p:spPr>
+          <a:xfrm rot="0">
+            <a:off x="6817360" y="1438275"/>
+            <a:ext cx="4131310" cy="1783715"/>
+          </a:xfrm>
+          <a:prstGeom prst="roundRect"/>
+          <a:solidFill>
+            <a:srgbClr val="EDEDED"/>
+          </a:solidFill>
+        </p:spPr>
+      </p:pic>
+      <p:pic>
+        <p:nvPicPr>
+          <p:cNvPr id="112" name="그림 11" descr="C:/Users/Admin1/AppData/Roaming/PolarisOffice/ETemp/19980_20186672/fImage132223156500.png"/>
+          <p:cNvPicPr>
+            <a:picLocks noChangeAspect="1"/>
+          </p:cNvPicPr>
+          <p:nvPr/>
+        </p:nvPicPr>
+        <p:blipFill rotWithShape="1">
+          <a:blip r:embed="rId5" cstate="print">
+            <a:extLst>
+              <a:ext uri="{28A0092B-C50C-407E-A947-70E740481C1C}">
+                <a14:useLocalDpi xmlns:a14="http://schemas.microsoft.com/office/drawing/2010/main" val="0"/>
+              </a:ext>
+            </a:extLst>
+          </a:blip>
+          <a:stretch>
+            <a:fillRect/>
+          </a:stretch>
+        </p:blipFill>
+        <p:spPr>
+          <a:xfrm rot="0">
+            <a:off x="6811645" y="3359150"/>
+            <a:ext cx="4145915" cy="978535"/>
+          </a:xfrm>
+          <a:prstGeom prst="roundRect"/>
+          <a:solidFill>
+            <a:srgbClr val="EDEDED"/>
+          </a:solidFill>
+        </p:spPr>
+      </p:pic>
+      <p:cxnSp>
+        <p:nvCxnSpPr>
+          <p:cNvPr id="107" name="Rect 0"/>
+          <p:cNvCxnSpPr/>
+          <p:nvPr/>
+        </p:nvCxnSpPr>
+        <p:spPr>
+          <a:xfrm rot="0" flipV="1">
+            <a:off x="10543540" y="1696720"/>
+            <a:ext cx="284480" cy="1930400"/>
+          </a:xfrm>
+          <a:prstGeom prst="straightConnector1"/>
+          <a:ln w="6350" cap="flat" cmpd="sng">
+            <a:prstDash/>
+            <a:tailEnd type="triangle" w="med" len="med"/>
+          </a:ln>
+        </p:spPr>
+        <p:style>
+          <a:lnRef idx="1">
+            <a:schemeClr val="accent1"/>
+          </a:lnRef>
+          <a:fillRef idx="0">
+            <a:schemeClr val="accent1"/>
+          </a:fillRef>
+          <a:effectRef idx="0">
+            <a:schemeClr val="accent1"/>
+          </a:effectRef>
+          <a:fontRef idx="minor">
+            <a:schemeClr val="tx1"/>
+          </a:fontRef>
+        </p:style>
+      </p:cxnSp>
+    </p:spTree>
+  </p:cSld>
+  <p:clrMapOvr>
+    <a:masterClrMapping/>
+  </p:clrMapOvr>
+  <mc:AlternateContent xmlns:mc="http://schemas.openxmlformats.org/markup-compatibility/2006">
+    <mc:Choice xmlns:p14="http://schemas.microsoft.com/office/powerpoint/2010/main" Requires="p14">
+      <p:transition spd="slow" p14:dur="2000"/>
+    </mc:Choice>
+    <mc:Fallback>
+      <p:transition spd="slow"/>
+    </mc:Fallback>
+  </mc:AlternateContent>
+  <p:timing>
+    <p:tnLst>
+      <p:par>
+        <p:cTn id="1" dur="indefinite" restart="never" nodeType="tmRoot"/>
+      </p:par>
+    </p:tnLst>
+  </p:timing>
+</p:sld>
+</file>
+
+<file path=ppt/slides/slide17.xml><?xml version="1.0" encoding="utf-8"?>
+<p:sld xmlns:a="http://schemas.openxmlformats.org/drawingml/2006/main" xmlns:r="http://schemas.openxmlformats.org/officeDocument/2006/relationships" xmlns:p="http://schemas.openxmlformats.org/presentationml/2006/main" xmlns:p14="http://schemas.microsoft.com/office/powerpoint/2010/main">
+  <p:cSld>
+    <p:spTree>
+      <p:nvGrpSpPr>
+        <p:cNvPr id="1" name=""/>
+        <p:cNvGrpSpPr/>
+        <p:nvPr/>
+      </p:nvGrpSpPr>
+      <p:grpSpPr>
+        <a:xfrm>
+          <a:off x="0" y="0"/>
+          <a:ext cx="0" cy="0"/>
+          <a:chOff x="0" y="0"/>
+          <a:chExt cx="0" cy="0"/>
+        </a:xfrm>
+      </p:grpSpPr>
+      <p:sp>
+        <p:nvSpPr>
+          <p:cNvPr id="22" name="Rect 0"/>
+          <p:cNvSpPr txBox="1">
+            <a:spLocks/>
+          </p:cNvSpPr>
+          <p:nvPr/>
+        </p:nvSpPr>
+        <p:spPr>
+          <a:xfrm rot="0">
+            <a:off x="4152265" y="336550"/>
+            <a:ext cx="3877945" cy="554990"/>
+          </a:xfrm>
+          <a:prstGeom prst="rect"/>
+          <a:noFill/>
+          <a:ln w="0">
+            <a:noFill/>
+            <a:prstDash/>
+          </a:ln>
+        </p:spPr>
+        <p:txBody>
+          <a:bodyPr wrap="square" lIns="89535" tIns="46355" rIns="89535" bIns="46355" numCol="1" vert="horz" anchor="t">
+            <a:spAutoFit/>
+          </a:bodyPr>
+          <a:lstStyle/>
+          <a:p>
+            <a:pPr marL="0" indent="0" algn="ctr" latinLnBrk="0" hangingPunct="1">
+              <a:buFontTx/>
+              <a:buNone/>
+            </a:pPr>
+            <a:r>
+              <a:rPr lang="ko-KR" sz="2500" b="1">
+                <a:latin typeface="나눔바른고딕" charset="0"/>
+                <a:ea typeface="나눔바른고딕" charset="0"/>
+              </a:rPr>
+              <a:t>열일곱</a:t>
+            </a:r>
+            <a:r>
+              <a:rPr lang="ko-KR" sz="2500" b="1">
+                <a:latin typeface="나눔바른고딕" charset="0"/>
+                <a:ea typeface="나눔바른고딕" charset="0"/>
+              </a:rPr>
+              <a:t> 번째 튜토리얼</a:t>
+            </a:r>
+            <a:r>
+              <a:rPr lang="ko-KR" sz="3000" b="1">
+                <a:latin typeface="맑은 고딕" charset="0"/>
+                <a:ea typeface="맑은 고딕" charset="0"/>
+              </a:rPr>
+              <a:t> </a:t>
+            </a:r>
+            <a:endParaRPr lang="ko-KR" altLang="en-US" sz="3000" b="1">
+              <a:latin typeface="맑은 고딕" charset="0"/>
+              <a:ea typeface="맑은 고딕" charset="0"/>
+            </a:endParaRPr>
+          </a:p>
+        </p:txBody>
+      </p:sp>
+      <p:sp>
+        <p:nvSpPr>
+          <p:cNvPr id="103" name="Rect 0"/>
+          <p:cNvSpPr txBox="1">
+            <a:spLocks/>
+          </p:cNvSpPr>
+          <p:nvPr/>
+        </p:nvSpPr>
+        <p:spPr>
+          <a:xfrm rot="0">
+            <a:off x="1238885" y="4712970"/>
+            <a:ext cx="4149090" cy="1508125"/>
+          </a:xfrm>
+          <a:prstGeom prst="rect"/>
+          <a:noFill/>
+          <a:ln w="0">
+            <a:noFill/>
+            <a:prstDash/>
+          </a:ln>
+        </p:spPr>
+        <p:txBody>
+          <a:bodyPr wrap="square" lIns="89535" tIns="46355" rIns="89535" bIns="46355" numCol="1" vert="horz" anchor="t">
+            <a:spAutoFit/>
+          </a:bodyPr>
+          <a:lstStyle/>
+          <a:p>
+            <a:pPr marL="0" indent="0" algn="l" latinLnBrk="0" hangingPunct="1">
+              <a:buFontTx/>
+              <a:buNone/>
+            </a:pPr>
+            <a:r>
+              <a:rPr lang="ko-KR" sz="2000" b="1">
+                <a:solidFill>
+                  <a:srgbClr val="0611F2"/>
+                </a:solidFill>
+                <a:latin typeface="맑은 고딕" charset="0"/>
+                <a:ea typeface="맑은 고딕" charset="0"/>
+              </a:rPr>
+              <a:t>48.</a:t>
+            </a:r>
+            <a:r>
+              <a:rPr lang="ko-KR" sz="2000">
+                <a:solidFill>
+                  <a:srgbClr val="0611F2"/>
+                </a:solidFill>
+                <a:latin typeface="맑은 고딕" charset="0"/>
+                <a:ea typeface="맑은 고딕" charset="0"/>
+              </a:rPr>
+              <a:t> </a:t>
+            </a:r>
+            <a:r>
+              <a:rPr lang="ko-KR" sz="1800">
+                <a:latin typeface="맑은 고딕" charset="0"/>
+                <a:ea typeface="맑은 고딕" charset="0"/>
+              </a:rPr>
+              <a:t>그다음 Animator Controller에 </a:t>
+            </a:r>
+            <a:r>
+              <a:rPr lang="ko-KR" sz="1800">
+                <a:latin typeface="맑은 고딕" charset="0"/>
+                <a:ea typeface="맑은 고딕" charset="0"/>
+              </a:rPr>
+              <a:t>있는</a:t>
+            </a:r>
+            <a:r>
+              <a:rPr lang="ko-KR" sz="1800">
+                <a:latin typeface="맑은 고딕" charset="0"/>
+                <a:ea typeface="맑은 고딕" charset="0"/>
+              </a:rPr>
+              <a:t> </a:t>
+            </a:r>
+            <a:r>
+              <a:rPr lang="ko-KR" sz="1800">
+                <a:latin typeface="맑은 고딕" charset="0"/>
+                <a:ea typeface="맑은 고딕" charset="0"/>
+              </a:rPr>
+              <a:t>Transition을 선택합니다.</a:t>
+            </a:r>
+            <a:endParaRPr lang="ko-KR" altLang="en-US" sz="1800">
+              <a:latin typeface="맑은 고딕" charset="0"/>
+              <a:ea typeface="맑은 고딕" charset="0"/>
+            </a:endParaRPr>
+          </a:p>
+          <a:p>
+            <a:pPr marL="0" indent="0" algn="l" latinLnBrk="0" hangingPunct="1">
+              <a:buFontTx/>
+              <a:buNone/>
+            </a:pPr>
+            <a:endParaRPr lang="ko-KR" altLang="en-US" sz="1800">
+              <a:latin typeface="맑은 고딕" charset="0"/>
+              <a:ea typeface="맑은 고딕" charset="0"/>
+            </a:endParaRPr>
+          </a:p>
+          <a:p>
+            <a:pPr marL="0" indent="0" algn="l" latinLnBrk="0" hangingPunct="1">
+              <a:buFontTx/>
+              <a:buNone/>
+            </a:pPr>
+            <a:r>
+              <a:rPr lang="ko-KR" sz="1800">
+                <a:latin typeface="맑은 고딕" charset="0"/>
+                <a:ea typeface="맑은 고딕" charset="0"/>
+              </a:rPr>
+              <a:t>그러</a:t>
+            </a:r>
+            <a:r>
+              <a:rPr lang="ko-KR" sz="1800">
+                <a:latin typeface="맑은 고딕" charset="0"/>
+                <a:ea typeface="맑은 고딕" charset="0"/>
+              </a:rPr>
+              <a:t>고</a:t>
+            </a:r>
+            <a:r>
+              <a:rPr lang="ko-KR" sz="1800">
+                <a:latin typeface="맑은 고딕" charset="0"/>
+                <a:ea typeface="맑은 고딕" charset="0"/>
+              </a:rPr>
+              <a:t> </a:t>
+            </a:r>
+            <a:r>
+              <a:rPr lang="ko-KR" sz="1800">
+                <a:latin typeface="맑은 고딕" charset="0"/>
+                <a:ea typeface="맑은 고딕" charset="0"/>
+              </a:rPr>
+              <a:t>나서 has Exit Time을 </a:t>
+            </a:r>
+            <a:r>
+              <a:rPr lang="ko-KR" sz="1800">
+                <a:latin typeface="맑은 고딕" charset="0"/>
+                <a:ea typeface="맑은 고딕" charset="0"/>
+              </a:rPr>
+              <a:t>비활성화하</a:t>
+            </a:r>
+            <a:r>
+              <a:rPr lang="ko-KR" sz="1800">
+                <a:latin typeface="맑은 고딕" charset="0"/>
+                <a:ea typeface="맑은 고딕" charset="0"/>
+              </a:rPr>
+              <a:t>고</a:t>
+            </a:r>
+            <a:r>
+              <a:rPr lang="ko-KR" sz="1800">
+                <a:latin typeface="맑은 고딕" charset="0"/>
+                <a:ea typeface="맑은 고딕" charset="0"/>
+              </a:rPr>
+              <a:t> </a:t>
+            </a:r>
+            <a:r>
+              <a:rPr lang="ko-KR" sz="1800">
+                <a:latin typeface="맑은 고딕" charset="0"/>
+                <a:ea typeface="맑은 고딕" charset="0"/>
+              </a:rPr>
+              <a:t>Condition을 추가합니다.</a:t>
+            </a:r>
+            <a:endParaRPr lang="ko-KR" altLang="en-US" sz="1800">
+              <a:latin typeface="맑은 고딕" charset="0"/>
+              <a:ea typeface="맑은 고딕" charset="0"/>
+            </a:endParaRPr>
+          </a:p>
+        </p:txBody>
+      </p:sp>
+      <p:sp>
+        <p:nvSpPr>
+          <p:cNvPr id="106" name="Rect 0"/>
+          <p:cNvSpPr txBox="1">
+            <a:spLocks/>
+          </p:cNvSpPr>
+          <p:nvPr/>
+        </p:nvSpPr>
+        <p:spPr>
+          <a:xfrm rot="0">
+            <a:off x="6815455" y="4431030"/>
+            <a:ext cx="4150360" cy="1784985"/>
+          </a:xfrm>
+          <a:prstGeom prst="rect"/>
+          <a:noFill/>
+          <a:ln w="0">
+            <a:noFill/>
+            <a:prstDash/>
+          </a:ln>
+        </p:spPr>
+        <p:txBody>
+          <a:bodyPr wrap="square" lIns="89535" tIns="46355" rIns="89535" bIns="46355" numCol="1" vert="horz" anchor="t">
+            <a:spAutoFit/>
+          </a:bodyPr>
+          <a:lstStyle/>
+          <a:p>
+            <a:pPr marL="0" indent="0" algn="l" latinLnBrk="0" hangingPunct="1">
+              <a:buFontTx/>
+              <a:buNone/>
+            </a:pPr>
+            <a:r>
+              <a:rPr lang="ko-KR" sz="2000" b="1">
+                <a:solidFill>
+                  <a:srgbClr val="0611F2"/>
+                </a:solidFill>
+                <a:latin typeface="맑은 고딕" charset="0"/>
+                <a:ea typeface="맑은 고딕" charset="0"/>
+              </a:rPr>
+              <a:t>49.</a:t>
+            </a:r>
+            <a:r>
+              <a:rPr lang="ko-KR" sz="2000">
+                <a:solidFill>
+                  <a:srgbClr val="0611F2"/>
+                </a:solidFill>
+                <a:latin typeface="맑은 고딕" charset="0"/>
+                <a:ea typeface="맑은 고딕" charset="0"/>
+              </a:rPr>
+              <a:t> </a:t>
+            </a:r>
+            <a:r>
+              <a:rPr lang="ko-KR" sz="1800">
+                <a:latin typeface="맑은 고딕" charset="0"/>
+                <a:ea typeface="맑은 고딕" charset="0"/>
+              </a:rPr>
+              <a:t>이제 Project 폴더 아래에 </a:t>
+            </a:r>
+            <a:r>
+              <a:rPr lang="ko-KR" sz="1800">
+                <a:latin typeface="맑은 고딕" charset="0"/>
+                <a:ea typeface="맑은 고딕" charset="0"/>
+              </a:rPr>
+              <a:t>있는</a:t>
+            </a:r>
+            <a:r>
+              <a:rPr lang="ko-KR" sz="1800">
+                <a:latin typeface="맑은 고딕" charset="0"/>
+                <a:ea typeface="맑은 고딕" charset="0"/>
+              </a:rPr>
+              <a:t> </a:t>
+            </a:r>
+            <a:r>
+              <a:rPr lang="ko-KR" sz="1800">
+                <a:latin typeface="맑은 고딕" charset="0"/>
+                <a:ea typeface="맑은 고딕" charset="0"/>
+              </a:rPr>
+              <a:t>Texture</a:t>
+            </a:r>
+            <a:r>
+              <a:rPr lang="ko-KR" sz="1800">
+                <a:latin typeface="맑은 고딕" charset="0"/>
+                <a:ea typeface="맑은 고딕" charset="0"/>
+              </a:rPr>
+              <a:t> </a:t>
+            </a:r>
+            <a:r>
+              <a:rPr lang="ko-KR" sz="1800">
+                <a:latin typeface="맑은 고딕" charset="0"/>
+                <a:ea typeface="맑은 고딕" charset="0"/>
+              </a:rPr>
+              <a:t>폴더에</a:t>
+            </a:r>
+            <a:r>
+              <a:rPr lang="ko-KR" sz="1800">
+                <a:latin typeface="맑은 고딕" charset="0"/>
+                <a:ea typeface="맑은 고딕" charset="0"/>
+              </a:rPr>
+              <a:t> Close </a:t>
+            </a:r>
+            <a:r>
+              <a:rPr lang="ko-KR" sz="1800">
+                <a:latin typeface="맑은 고딕" charset="0"/>
+                <a:ea typeface="맑은 고딕" charset="0"/>
+              </a:rPr>
+              <a:t>텍스처를</a:t>
+            </a:r>
+            <a:r>
+              <a:rPr lang="ko-KR" sz="1800">
+                <a:latin typeface="맑은 고딕" charset="0"/>
+                <a:ea typeface="맑은 고딕" charset="0"/>
+              </a:rPr>
+              <a:t> </a:t>
+            </a:r>
+            <a:r>
+              <a:rPr lang="ko-KR" sz="1800">
+                <a:latin typeface="맑은 고딕" charset="0"/>
+                <a:ea typeface="맑은 고딕" charset="0"/>
+              </a:rPr>
+              <a:t>선택합니다.</a:t>
+            </a:r>
+            <a:endParaRPr lang="ko-KR" altLang="en-US" sz="1800">
+              <a:latin typeface="맑은 고딕" charset="0"/>
+              <a:ea typeface="맑은 고딕" charset="0"/>
+            </a:endParaRPr>
+          </a:p>
+          <a:p>
+            <a:pPr marL="0" indent="0" algn="l" latinLnBrk="0" hangingPunct="1">
+              <a:buFontTx/>
+              <a:buNone/>
+            </a:pPr>
+            <a:endParaRPr lang="ko-KR" altLang="en-US" sz="1800">
+              <a:latin typeface="맑은 고딕" charset="0"/>
+              <a:ea typeface="맑은 고딕" charset="0"/>
+            </a:endParaRPr>
+          </a:p>
+          <a:p>
+            <a:pPr marL="0" indent="0" algn="l" latinLnBrk="0" hangingPunct="1">
+              <a:buFontTx/>
+              <a:buNone/>
+            </a:pPr>
+            <a:r>
+              <a:rPr lang="ko-KR" sz="1800">
+                <a:latin typeface="맑은 고딕" charset="0"/>
+                <a:ea typeface="맑은 고딕" charset="0"/>
+              </a:rPr>
+              <a:t>그리고</a:t>
+            </a:r>
+            <a:r>
+              <a:rPr lang="ko-KR" sz="1800">
+                <a:latin typeface="맑은 고딕" charset="0"/>
+                <a:ea typeface="맑은 고딕" charset="0"/>
+              </a:rPr>
+              <a:t> Close Button 오브젝트의 </a:t>
+            </a:r>
+            <a:r>
+              <a:rPr lang="ko-KR" sz="1800">
+                <a:latin typeface="맑은 고딕" charset="0"/>
+                <a:ea typeface="맑은 고딕" charset="0"/>
+              </a:rPr>
+              <a:t>Source</a:t>
+            </a:r>
+            <a:r>
+              <a:rPr lang="ko-KR" sz="1800">
+                <a:latin typeface="맑은 고딕" charset="0"/>
+                <a:ea typeface="맑은 고딕" charset="0"/>
+              </a:rPr>
+              <a:t> </a:t>
+            </a:r>
+            <a:r>
+              <a:rPr lang="ko-KR" sz="1800">
+                <a:latin typeface="맑은 고딕" charset="0"/>
+                <a:ea typeface="맑은 고딕" charset="0"/>
+              </a:rPr>
+              <a:t>Image에</a:t>
+            </a:r>
+            <a:r>
+              <a:rPr lang="ko-KR" sz="1800">
+                <a:latin typeface="맑은 고딕" charset="0"/>
+                <a:ea typeface="맑은 고딕" charset="0"/>
+              </a:rPr>
+              <a:t> 넣어줍니다.</a:t>
+            </a:r>
+            <a:endParaRPr lang="ko-KR" altLang="en-US" sz="1800">
+              <a:latin typeface="맑은 고딕" charset="0"/>
+              <a:ea typeface="맑은 고딕" charset="0"/>
+            </a:endParaRPr>
+          </a:p>
+        </p:txBody>
+      </p:sp>
+      <p:pic>
+        <p:nvPicPr>
+          <p:cNvPr id="113" name="그림 22" descr="C:/Users/Admin1/AppData/Roaming/PolarisOffice/ETemp/17208_8641560/fImage136103449169.png"/>
+          <p:cNvPicPr>
+            <a:picLocks noChangeAspect="1"/>
+          </p:cNvPicPr>
+          <p:nvPr/>
+        </p:nvPicPr>
+        <p:blipFill rotWithShape="1">
+          <a:blip r:embed="rId2" cstate="hqprint">
+            <a:extLst>
+              <a:ext uri="{28A0092B-C50C-407E-A947-70E740481C1C}">
+                <a14:useLocalDpi xmlns:a14="http://schemas.microsoft.com/office/drawing/2010/main"/>
+              </a:ext>
+            </a:extLst>
+          </a:blip>
+          <a:stretch>
+            <a:fillRect/>
+          </a:stretch>
+        </p:blipFill>
+        <p:spPr>
+          <a:xfrm rot="0">
+            <a:off x="1231900" y="1455420"/>
+            <a:ext cx="4152900" cy="3119755"/>
+          </a:xfrm>
+          <a:prstGeom prst="roundRect"/>
+          <a:solidFill>
+            <a:srgbClr val="EDEDED"/>
+          </a:solidFill>
+        </p:spPr>
+      </p:pic>
+      <p:pic>
+        <p:nvPicPr>
+          <p:cNvPr id="114" name="그림 25" descr="C:/Users/Admin1/AppData/Roaming/PolarisOffice/ETemp/17208_8641560/fImage166693455724.png"/>
           <p:cNvPicPr>
             <a:picLocks noChangeAspect="1"/>
           </p:cNvPicPr>
@@ -7504,8 +13818,8 @@
         </p:blipFill>
         <p:spPr>
           <a:xfrm rot="0">
-            <a:off x="1240790" y="3858895"/>
-            <a:ext cx="4126230" cy="1266825"/>
+            <a:off x="6813550" y="1455420"/>
+            <a:ext cx="4152900" cy="1750060"/>
           </a:xfrm>
           <a:prstGeom prst="roundRect"/>
           <a:solidFill>
@@ -7513,9 +13827,112 @@
           </a:solidFill>
         </p:spPr>
       </p:pic>
+      <p:pic>
+        <p:nvPicPr>
+          <p:cNvPr id="115" name="그림 28"/>
+          <p:cNvPicPr>
+            <a:picLocks noChangeAspect="1"/>
+          </p:cNvPicPr>
+          <p:nvPr/>
+        </p:nvPicPr>
+        <p:blipFill rotWithShape="1">
+          <a:blip r:embed="rId4" cstate="print">
+            <a:extLst>
+              <a:ext uri="{28A0092B-C50C-407E-A947-70E740481C1C}">
+                <a14:useLocalDpi xmlns:a14="http://schemas.microsoft.com/office/drawing/2010/main" val="0"/>
+              </a:ext>
+            </a:extLst>
+          </a:blip>
+          <a:stretch>
+            <a:fillRect/>
+          </a:stretch>
+        </p:blipFill>
+        <p:spPr>
+          <a:xfrm rot="0">
+            <a:off x="6822440" y="3350895"/>
+            <a:ext cx="4135120" cy="1009015"/>
+          </a:xfrm>
+          <a:prstGeom prst="roundRect"/>
+          <a:solidFill>
+            <a:srgbClr val="EDEDED"/>
+          </a:solidFill>
+        </p:spPr>
+      </p:pic>
+      <p:cxnSp>
+        <p:nvCxnSpPr>
+          <p:cNvPr id="107" name="Rect 0"/>
+          <p:cNvCxnSpPr/>
+          <p:nvPr/>
+        </p:nvCxnSpPr>
+        <p:spPr>
+          <a:xfrm rot="0" flipV="1">
+            <a:off x="7941945" y="1688465"/>
+            <a:ext cx="2912110" cy="1929765"/>
+          </a:xfrm>
+          <a:prstGeom prst="straightConnector1"/>
+          <a:ln w="6350" cap="flat" cmpd="sng">
+            <a:prstDash/>
+            <a:tailEnd type="triangle" w="med" len="med"/>
+          </a:ln>
+        </p:spPr>
+        <p:style>
+          <a:lnRef idx="1">
+            <a:schemeClr val="accent1"/>
+          </a:lnRef>
+          <a:fillRef idx="0">
+            <a:schemeClr val="accent1"/>
+          </a:fillRef>
+          <a:effectRef idx="0">
+            <a:schemeClr val="accent1"/>
+          </a:effectRef>
+          <a:fontRef idx="minor">
+            <a:schemeClr val="tx1"/>
+          </a:fontRef>
+        </p:style>
+      </p:cxnSp>
+    </p:spTree>
+  </p:cSld>
+  <p:clrMapOvr>
+    <a:masterClrMapping/>
+  </p:clrMapOvr>
+  <mc:AlternateContent xmlns:mc="http://schemas.openxmlformats.org/markup-compatibility/2006">
+    <mc:Choice xmlns:p14="http://schemas.microsoft.com/office/powerpoint/2010/main" Requires="p14">
+      <p:transition spd="slow" p14:dur="2000"/>
+    </mc:Choice>
+    <mc:Fallback>
+      <p:transition spd="slow"/>
+    </mc:Fallback>
+  </mc:AlternateContent>
+  <p:timing>
+    <p:tnLst>
+      <p:par>
+        <p:cTn id="1" dur="indefinite" restart="never" nodeType="tmRoot"/>
+      </p:par>
+    </p:tnLst>
+  </p:timing>
+</p:sld>
+</file>
+
+<file path=ppt/slides/slide18.xml><?xml version="1.0" encoding="utf-8"?>
+<p:sld xmlns:a="http://schemas.openxmlformats.org/drawingml/2006/main" xmlns:r="http://schemas.openxmlformats.org/officeDocument/2006/relationships" xmlns:p="http://schemas.openxmlformats.org/presentationml/2006/main">
+  <p:cSld>
+    <p:spTree>
+      <p:nvGrpSpPr>
+        <p:cNvPr id="1" name=""/>
+        <p:cNvGrpSpPr/>
+        <p:nvPr/>
+      </p:nvGrpSpPr>
+      <p:grpSpPr>
+        <a:xfrm>
+          <a:off x="0" y="0"/>
+          <a:ext cx="0" cy="0"/>
+          <a:chOff x="0" y="0"/>
+          <a:chExt cx="0" cy="0"/>
+        </a:xfrm>
+      </p:grpSpPr>
       <p:sp>
         <p:nvSpPr>
-          <p:cNvPr id="79" name="텍스트 상자 21"/>
+          <p:cNvPr id="22" name="Rect 0"/>
           <p:cNvSpPr txBox="1">
             <a:spLocks/>
           </p:cNvSpPr>
@@ -7523,8 +13940,8 @@
         </p:nvSpPr>
         <p:spPr>
           <a:xfrm rot="0">
-            <a:off x="1243965" y="5212715"/>
-            <a:ext cx="4131945" cy="954405"/>
+            <a:off x="4152265" y="336550"/>
+            <a:ext cx="3878580" cy="554990"/>
           </a:xfrm>
           <a:prstGeom prst="rect"/>
           <a:noFill/>
@@ -7539,115 +13956,32 @@
           </a:bodyPr>
           <a:lstStyle/>
           <a:p>
-            <a:pPr marL="0" indent="0" algn="l" latinLnBrk="0" hangingPunct="1">
-              <a:buFontTx/>
-              <a:buNone/>
-            </a:pPr>
-            <a:r>
-              <a:rPr lang="ko-KR" sz="2000" b="1">
-                <a:solidFill>
-                  <a:srgbClr val="0611F2"/>
-                </a:solidFill>
-                <a:latin typeface="맑은 고딕" charset="0"/>
-                <a:ea typeface="맑은 고딕" charset="0"/>
-              </a:rPr>
-              <a:t>27.</a:t>
-            </a:r>
-            <a:r>
-              <a:rPr lang="ko-KR" sz="2000">
-                <a:solidFill>
-                  <a:srgbClr val="0611F2"/>
-                </a:solidFill>
+            <a:pPr marL="0" indent="0" algn="ctr" latinLnBrk="0" hangingPunct="1">
+              <a:buFontTx/>
+              <a:buNone/>
+            </a:pPr>
+            <a:r>
+              <a:rPr lang="ko-KR" sz="2500" b="1">
+                <a:latin typeface="나눔바른고딕" charset="0"/>
+                <a:ea typeface="나눔바른고딕" charset="0"/>
+              </a:rPr>
+              <a:t>열여덟</a:t>
+            </a:r>
+            <a:r>
+              <a:rPr lang="ko-KR" sz="2500" b="1">
+                <a:latin typeface="나눔바른고딕" charset="0"/>
+                <a:ea typeface="나눔바른고딕" charset="0"/>
+              </a:rPr>
+              <a:t> 번째 튜토리얼</a:t>
+            </a:r>
+            <a:r>
+              <a:rPr lang="ko-KR" sz="3000" b="1">
                 <a:latin typeface="맑은 고딕" charset="0"/>
                 <a:ea typeface="맑은 고딕" charset="0"/>
               </a:rPr>
               <a:t> </a:t>
             </a:r>
-            <a:r>
-              <a:rPr lang="ko-KR" sz="1800">
-                <a:latin typeface="맑은 고딕" charset="0"/>
-                <a:ea typeface="맑은 고딕" charset="0"/>
-              </a:rPr>
-              <a:t>그다음 Close Animation 앞에 </a:t>
-            </a:r>
-            <a:r>
-              <a:rPr lang="ko-KR" sz="1800">
-                <a:latin typeface="맑은 고딕" charset="0"/>
-                <a:ea typeface="맑은 고딕" charset="0"/>
-              </a:rPr>
-              <a:t>있는</a:t>
-            </a:r>
-            <a:r>
-              <a:rPr lang="ko-KR" sz="1800">
-                <a:latin typeface="맑은 고딕" charset="0"/>
-                <a:ea typeface="맑은 고딕" charset="0"/>
-              </a:rPr>
-              <a:t> </a:t>
-            </a:r>
-            <a:r>
-              <a:rPr lang="ko-KR" sz="1800">
-                <a:latin typeface="맑은 고딕" charset="0"/>
-                <a:ea typeface="맑은 고딕" charset="0"/>
-              </a:rPr>
-              <a:t>Key</a:t>
-            </a:r>
-            <a:r>
-              <a:rPr lang="ko-KR" sz="1800">
-                <a:latin typeface="맑은 고딕" charset="0"/>
-                <a:ea typeface="맑은 고딕" charset="0"/>
-              </a:rPr>
-              <a:t> </a:t>
-            </a:r>
-            <a:r>
-              <a:rPr lang="ko-KR" sz="1800">
-                <a:latin typeface="맑은 고딕" charset="0"/>
-                <a:ea typeface="맑은 고딕" charset="0"/>
-              </a:rPr>
-              <a:t>Frame의</a:t>
-            </a:r>
-            <a:r>
-              <a:rPr lang="ko-KR" sz="1800">
-                <a:latin typeface="맑은 고딕" charset="0"/>
-                <a:ea typeface="맑은 고딕" charset="0"/>
-              </a:rPr>
-              <a:t> Scale (x, y, z) 값을 </a:t>
-            </a:r>
-            <a:r>
-              <a:rPr lang="ko-KR" sz="1800">
-                <a:latin typeface="맑은 고딕" charset="0"/>
-                <a:ea typeface="맑은 고딕" charset="0"/>
-              </a:rPr>
-              <a:t>0</a:t>
-            </a:r>
-            <a:r>
-              <a:rPr lang="ko-KR" sz="1800">
-                <a:latin typeface="맑은 고딕" charset="0"/>
-                <a:ea typeface="맑은 고딕" charset="0"/>
-              </a:rPr>
-              <a:t> </a:t>
-            </a:r>
-            <a:r>
-              <a:rPr lang="ko-KR" sz="1800">
-                <a:latin typeface="맑은 고딕" charset="0"/>
-                <a:ea typeface="맑은 고딕" charset="0"/>
-              </a:rPr>
-              <a:t>으로</a:t>
-            </a:r>
-            <a:r>
-              <a:rPr lang="ko-KR" sz="1800">
-                <a:latin typeface="맑은 고딕" charset="0"/>
-                <a:ea typeface="맑은 고딕" charset="0"/>
-              </a:rPr>
-              <a:t> </a:t>
-            </a:r>
-            <a:r>
-              <a:rPr lang="ko-KR" sz="1800">
-                <a:latin typeface="맑은 고딕" charset="0"/>
-                <a:ea typeface="맑은 고딕" charset="0"/>
-              </a:rPr>
-              <a:t>설정합니다.</a:t>
-            </a:r>
-            <a:endParaRPr lang="ko-KR" altLang="en-US" sz="1800">
+            <a:endParaRPr lang="ko-KR" altLang="en-US" sz="3000" b="1">
               <a:latin typeface="맑은 고딕" charset="0"/>
               <a:ea typeface="맑은 고딕" charset="0"/>
             </a:endParaRPr>
@@ -7656,7 +13990,7 @@
       </p:sp>
       <p:sp>
         <p:nvSpPr>
-          <p:cNvPr id="80" name="텍스트 상자 22"/>
+          <p:cNvPr id="103" name="Rect 0"/>
           <p:cNvSpPr txBox="1">
             <a:spLocks/>
           </p:cNvSpPr>
@@ -7664,8 +13998,8 @@
         </p:nvSpPr>
         <p:spPr>
           <a:xfrm rot="0">
-            <a:off x="6807835" y="5214620"/>
-            <a:ext cx="4149090" cy="954405"/>
+            <a:off x="1247775" y="5264150"/>
+            <a:ext cx="4153535" cy="954405"/>
           </a:xfrm>
           <a:prstGeom prst="rect"/>
           <a:noFill/>
@@ -7692,7 +14026,7 @@
                 <a:latin typeface="맑은 고딕" charset="0"/>
                 <a:ea typeface="맑은 고딕" charset="0"/>
               </a:rPr>
-              <a:t>2</a:t>
+              <a:t>5</a:t>
             </a:r>
             <a:r>
               <a:rPr lang="ko-KR" sz="2000" b="1">
@@ -7702,7 +14036,7 @@
                 <a:latin typeface="맑은 고딕" charset="0"/>
                 <a:ea typeface="맑은 고딕" charset="0"/>
               </a:rPr>
-              <a:t>9</a:t>
+              <a:t>0</a:t>
             </a:r>
             <a:r>
               <a:rPr lang="ko-KR" sz="2000" b="1">
@@ -7729,28 +14063,14 @@
                 <a:latin typeface="맑은 고딕" charset="0"/>
                 <a:ea typeface="맑은 고딕" charset="0"/>
               </a:rPr>
-              <a:t>이제 Animator Controller의 </a:t>
-            </a:r>
-            <a:r>
-              <a:rPr lang="ko-KR" sz="1800">
-                <a:latin typeface="맑은 고딕" charset="0"/>
-                <a:ea typeface="맑은 고딕" charset="0"/>
-              </a:rPr>
-              <a:t>Paremeters에</a:t>
-            </a:r>
-            <a:r>
-              <a:rPr lang="ko-KR" sz="1800">
-                <a:latin typeface="맑은 고딕" charset="0"/>
-                <a:ea typeface="맑은 고딕" charset="0"/>
-              </a:rPr>
-              <a:t> Trigger 옵션을 </a:t>
-            </a:r>
-            <a:r>
-              <a:rPr lang="ko-KR" sz="1800">
-                <a:latin typeface="맑은 고딕" charset="0"/>
-                <a:ea typeface="맑은 고딕" charset="0"/>
-              </a:rPr>
-              <a:t>추가하고</a:t>
+              <a:t>그런 다음 UI에서 Image를 </a:t>
+            </a:r>
+            <a:r>
+              <a:rPr lang="ko-KR" sz="1800">
+                <a:latin typeface="맑은 고딕" charset="0"/>
+                <a:ea typeface="맑은 고딕" charset="0"/>
+              </a:rPr>
+              <a:t>생서하고</a:t>
             </a:r>
             <a:r>
               <a:rPr lang="ko-KR" sz="1800">
@@ -7764,14 +14084,21 @@
                 <a:latin typeface="맑은 고딕" charset="0"/>
                 <a:ea typeface="맑은 고딕" charset="0"/>
               </a:rPr>
-              <a:t>이름을</a:t>
-            </a:r>
-            <a:r>
-              <a:rPr lang="ko-KR" sz="1800">
-                <a:latin typeface="맑은 고딕" charset="0"/>
-                <a:ea typeface="맑은 고딕" charset="0"/>
-              </a:rPr>
-              <a:t> Close로 정의합니다.</a:t>
+              <a:t>Title 이라는 이름으로 </a:t>
+            </a:r>
+            <a:r>
+              <a:rPr lang="ko-KR" sz="1800">
+                <a:latin typeface="맑은 고딕" charset="0"/>
+                <a:ea typeface="맑은 고딕" charset="0"/>
+              </a:rPr>
+              <a:t>정의합니</a:t>
+            </a:r>
+            <a:r>
+              <a:rPr lang="ko-KR" sz="1800">
+                <a:latin typeface="맑은 고딕" charset="0"/>
+                <a:ea typeface="맑은 고딕" charset="0"/>
+              </a:rPr>
+              <a:t>다.</a:t>
             </a:r>
             <a:endParaRPr lang="ko-KR" altLang="en-US" sz="1800">
               <a:latin typeface="맑은 고딕" charset="0"/>
@@ -7780,16 +14107,111 @@
           </a:p>
         </p:txBody>
       </p:sp>
+      <p:sp>
+        <p:nvSpPr>
+          <p:cNvPr id="106" name="Rect 0"/>
+          <p:cNvSpPr txBox="1">
+            <a:spLocks/>
+          </p:cNvSpPr>
+          <p:nvPr/>
+        </p:nvSpPr>
+        <p:spPr>
+          <a:xfrm rot="0">
+            <a:off x="6824345" y="5542280"/>
+            <a:ext cx="4150995" cy="677545"/>
+          </a:xfrm>
+          <a:prstGeom prst="rect"/>
+          <a:noFill/>
+          <a:ln w="0">
+            <a:noFill/>
+            <a:prstDash/>
+          </a:ln>
+        </p:spPr>
+        <p:txBody>
+          <a:bodyPr wrap="square" lIns="89535" tIns="46355" rIns="89535" bIns="46355" numCol="1" vert="horz" anchor="t">
+            <a:spAutoFit/>
+          </a:bodyPr>
+          <a:lstStyle/>
+          <a:p>
+            <a:pPr marL="0" indent="0" algn="l" latinLnBrk="0" hangingPunct="1">
+              <a:buFontTx/>
+              <a:buNone/>
+            </a:pPr>
+            <a:r>
+              <a:rPr lang="ko-KR" sz="2000" b="1">
+                <a:solidFill>
+                  <a:srgbClr val="0611F2"/>
+                </a:solidFill>
+                <a:latin typeface="맑은 고딕" charset="0"/>
+                <a:ea typeface="맑은 고딕" charset="0"/>
+              </a:rPr>
+              <a:t>5</a:t>
+            </a:r>
+            <a:r>
+              <a:rPr lang="ko-KR" sz="2000" b="1">
+                <a:solidFill>
+                  <a:srgbClr val="0611F2"/>
+                </a:solidFill>
+                <a:latin typeface="맑은 고딕" charset="0"/>
+                <a:ea typeface="맑은 고딕" charset="0"/>
+              </a:rPr>
+              <a:t>2.</a:t>
+            </a:r>
+            <a:r>
+              <a:rPr lang="ko-KR" sz="2000">
+                <a:solidFill>
+                  <a:srgbClr val="0611F2"/>
+                </a:solidFill>
+                <a:latin typeface="맑은 고딕" charset="0"/>
+                <a:ea typeface="맑은 고딕" charset="0"/>
+              </a:rPr>
+              <a:t> </a:t>
+            </a:r>
+            <a:r>
+              <a:rPr lang="ko-KR" sz="1800">
+                <a:latin typeface="맑은 고딕" charset="0"/>
+                <a:ea typeface="맑은 고딕" charset="0"/>
+              </a:rPr>
+              <a:t>그러고 나서 Title 오브젝트의 </a:t>
+            </a:r>
+            <a:r>
+              <a:rPr lang="ko-KR" sz="1800">
+                <a:latin typeface="맑은 고딕" charset="0"/>
+                <a:ea typeface="맑은 고딕" charset="0"/>
+              </a:rPr>
+              <a:t>위치와</a:t>
+            </a:r>
+            <a:r>
+              <a:rPr lang="ko-KR" sz="1800">
+                <a:latin typeface="맑은 고딕" charset="0"/>
+                <a:ea typeface="맑은 고딕" charset="0"/>
+              </a:rPr>
+              <a:t> </a:t>
+            </a:r>
+            <a:r>
+              <a:rPr lang="ko-KR" sz="1800">
+                <a:latin typeface="맑은 고딕" charset="0"/>
+                <a:ea typeface="맑은 고딕" charset="0"/>
+              </a:rPr>
+              <a:t>크기를 설정합니다.</a:t>
+            </a:r>
+            <a:endParaRPr lang="ko-KR" altLang="en-US" sz="1800">
+              <a:latin typeface="맑은 고딕" charset="0"/>
+              <a:ea typeface="맑은 고딕" charset="0"/>
+            </a:endParaRPr>
+          </a:p>
+        </p:txBody>
+      </p:sp>
       <p:pic>
         <p:nvPicPr>
-          <p:cNvPr id="81" name="그림 23" descr="C:/Users/Admin1/AppData/Roaming/PolarisOffice/ETemp/23832_17297800/fImage56242544464.png"/>
+          <p:cNvPr id="116" name="그림 1" descr="C:/Users/Admin1/AppData/Roaming/PolarisOffice/ETemp/17208_8641560/fImage223692451478.png"/>
           <p:cNvPicPr>
             <a:picLocks noChangeAspect="1"/>
           </p:cNvPicPr>
           <p:nvPr/>
         </p:nvPicPr>
         <p:blipFill rotWithShape="1">
-          <a:blip r:embed="rId4" cstate="hqprint">
+          <a:blip r:embed="rId2" cstate="hqprint">
             <a:extLst>
               <a:ext uri="{28A0092B-C50C-407E-A947-70E740481C1C}">
                 <a14:useLocalDpi xmlns:a14="http://schemas.microsoft.com/office/drawing/2010/main"/>
@@ -7802,8 +14224,8 @@
         </p:blipFill>
         <p:spPr>
           <a:xfrm rot="0">
-            <a:off x="6815455" y="3858895"/>
-            <a:ext cx="4150360" cy="1275080"/>
+            <a:off x="1249045" y="1447165"/>
+            <a:ext cx="2731135" cy="3566795"/>
           </a:xfrm>
           <a:prstGeom prst="roundRect"/>
           <a:solidFill>
@@ -7813,7 +14235,962 @@
       </p:pic>
       <p:pic>
         <p:nvPicPr>
-          <p:cNvPr id="82" name="그림 25" descr="C:/Users/Admin1/AppData/Roaming/PolarisOffice/ETemp/23832_17297800/fImage30172699169.png"/>
+          <p:cNvPr id="117" name="그림 2" descr="C:/Users/Admin1/AppData/Roaming/PolarisOffice/ETemp/17208_8641560/fImage948333641.png"/>
+          <p:cNvPicPr>
+            <a:picLocks noChangeAspect="1"/>
+          </p:cNvPicPr>
+          <p:nvPr/>
+        </p:nvPicPr>
+        <p:blipFill rotWithShape="1">
+          <a:blip r:embed="rId3" cstate="print">
+            <a:extLst>
+              <a:ext uri="{28A0092B-C50C-407E-A947-70E740481C1C}">
+                <a14:useLocalDpi xmlns:a14="http://schemas.microsoft.com/office/drawing/2010/main" val="0"/>
+              </a:ext>
+            </a:extLst>
+          </a:blip>
+          <a:stretch>
+            <a:fillRect/>
+          </a:stretch>
+        </p:blipFill>
+        <p:spPr>
+          <a:xfrm rot="0">
+            <a:off x="4091940" y="2222500"/>
+            <a:ext cx="1310005" cy="1998980"/>
+          </a:xfrm>
+          <a:prstGeom prst="roundRect"/>
+          <a:solidFill>
+            <a:srgbClr val="EDEDED"/>
+          </a:solidFill>
+        </p:spPr>
+      </p:pic>
+      <p:pic>
+        <p:nvPicPr>
+          <p:cNvPr id="118" name="그림 5" descr="C:/Users/Admin1/AppData/Roaming/PolarisOffice/ETemp/17208_8641560/fImage147263378467.png"/>
+          <p:cNvPicPr>
+            <a:picLocks noChangeAspect="1"/>
+          </p:cNvPicPr>
+          <p:nvPr/>
+        </p:nvPicPr>
+        <p:blipFill rotWithShape="1">
+          <a:blip r:embed="rId4" cstate="print">
+            <a:extLst>
+              <a:ext uri="{28A0092B-C50C-407E-A947-70E740481C1C}">
+                <a14:useLocalDpi xmlns:a14="http://schemas.microsoft.com/office/drawing/2010/main" val="0"/>
+              </a:ext>
+            </a:extLst>
+          </a:blip>
+          <a:stretch>
+            <a:fillRect/>
+          </a:stretch>
+        </p:blipFill>
+        <p:spPr>
+          <a:xfrm rot="0">
+            <a:off x="8088630" y="1438275"/>
+            <a:ext cx="2868930" cy="1206500"/>
+          </a:xfrm>
+          <a:prstGeom prst="roundRect"/>
+          <a:solidFill>
+            <a:srgbClr val="EDEDED"/>
+          </a:solidFill>
+        </p:spPr>
+      </p:pic>
+      <p:pic>
+        <p:nvPicPr>
+          <p:cNvPr id="119" name="그림 8" descr="C:/Users/Admin1/AppData/Roaming/PolarisOffice/ETemp/17208_8641560/fImage85883386334.png"/>
+          <p:cNvPicPr>
+            <a:picLocks noChangeAspect="1"/>
+          </p:cNvPicPr>
+          <p:nvPr/>
+        </p:nvPicPr>
+        <p:blipFill rotWithShape="1">
+          <a:blip r:embed="rId5" cstate="print">
+            <a:extLst>
+              <a:ext uri="{28A0092B-C50C-407E-A947-70E740481C1C}">
+                <a14:useLocalDpi xmlns:a14="http://schemas.microsoft.com/office/drawing/2010/main" val="0"/>
+              </a:ext>
+            </a:extLst>
+          </a:blip>
+          <a:stretch>
+            <a:fillRect/>
+          </a:stretch>
+        </p:blipFill>
+        <p:spPr>
+          <a:xfrm rot="0">
+            <a:off x="6816725" y="1438275"/>
+            <a:ext cx="1203325" cy="1206500"/>
+          </a:xfrm>
+          <a:prstGeom prst="roundRect"/>
+          <a:solidFill>
+            <a:srgbClr val="EDEDED"/>
+          </a:solidFill>
+        </p:spPr>
+      </p:pic>
+      <p:sp>
+        <p:nvSpPr>
+          <p:cNvPr id="120" name="텍스트 상자 11"/>
+          <p:cNvSpPr txBox="1">
+            <a:spLocks/>
+          </p:cNvSpPr>
+          <p:nvPr/>
+        </p:nvSpPr>
+        <p:spPr>
+          <a:xfrm rot="0">
+            <a:off x="6809740" y="2736850"/>
+            <a:ext cx="4147820" cy="1231265"/>
+          </a:xfrm>
+          <a:prstGeom prst="rect"/>
+          <a:noFill/>
+          <a:ln w="0">
+            <a:noFill/>
+            <a:prstDash/>
+          </a:ln>
+        </p:spPr>
+        <p:txBody>
+          <a:bodyPr wrap="square" lIns="89535" tIns="46355" rIns="89535" bIns="46355" numCol="1" vert="horz" anchor="t">
+            <a:spAutoFit/>
+          </a:bodyPr>
+          <a:lstStyle/>
+          <a:p>
+            <a:pPr marL="0" indent="0" algn="l" latinLnBrk="0" hangingPunct="1">
+              <a:buFontTx/>
+              <a:buNone/>
+            </a:pPr>
+            <a:r>
+              <a:rPr lang="ko-KR" sz="2000" b="1">
+                <a:solidFill>
+                  <a:srgbClr val="0611F2"/>
+                </a:solidFill>
+                <a:latin typeface="맑은 고딕" charset="0"/>
+                <a:ea typeface="맑은 고딕" charset="0"/>
+              </a:rPr>
+              <a:t>5</a:t>
+            </a:r>
+            <a:r>
+              <a:rPr lang="ko-KR" sz="2000" b="1">
+                <a:solidFill>
+                  <a:srgbClr val="0611F2"/>
+                </a:solidFill>
+                <a:latin typeface="맑은 고딕" charset="0"/>
+                <a:ea typeface="맑은 고딕" charset="0"/>
+              </a:rPr>
+              <a:t>1</a:t>
+            </a:r>
+            <a:r>
+              <a:rPr lang="ko-KR" sz="2000" b="1">
+                <a:solidFill>
+                  <a:srgbClr val="0611F2"/>
+                </a:solidFill>
+                <a:latin typeface="맑은 고딕" charset="0"/>
+                <a:ea typeface="맑은 고딕" charset="0"/>
+              </a:rPr>
+              <a:t>.</a:t>
+            </a:r>
+            <a:r>
+              <a:rPr lang="ko-KR" sz="2000">
+                <a:solidFill>
+                  <a:srgbClr val="0611F2"/>
+                </a:solidFill>
+                <a:latin typeface="맑은 고딕" charset="0"/>
+                <a:ea typeface="맑은 고딕" charset="0"/>
+              </a:rPr>
+              <a:t> </a:t>
+            </a:r>
+            <a:r>
+              <a:rPr lang="ko-KR" sz="1800">
+                <a:latin typeface="맑은 고딕" charset="0"/>
+                <a:ea typeface="맑은 고딕" charset="0"/>
+              </a:rPr>
+              <a:t>그다음으로 Animator Manager </a:t>
+            </a:r>
+            <a:r>
+              <a:rPr lang="ko-KR" sz="1800">
+                <a:latin typeface="맑은 고딕" charset="0"/>
+                <a:ea typeface="맑은 고딕" charset="0"/>
+              </a:rPr>
+              <a:t>스크립트의</a:t>
+            </a:r>
+            <a:r>
+              <a:rPr lang="ko-KR" sz="1800">
+                <a:latin typeface="맑은 고딕" charset="0"/>
+                <a:ea typeface="맑은 고딕" charset="0"/>
+              </a:rPr>
+              <a:t> </a:t>
+            </a:r>
+            <a:r>
+              <a:rPr lang="ko-KR" sz="1800">
+                <a:latin typeface="맑은 고딕" charset="0"/>
+                <a:ea typeface="맑은 고딕" charset="0"/>
+              </a:rPr>
+              <a:t>Animator 변수에 Window </a:t>
+            </a:r>
+            <a:r>
+              <a:rPr lang="ko-KR" sz="1800">
+                <a:latin typeface="맑은 고딕" charset="0"/>
+                <a:ea typeface="맑은 고딕" charset="0"/>
+              </a:rPr>
+              <a:t>오브젝트</a:t>
+            </a:r>
+            <a:r>
+              <a:rPr lang="ko-KR" sz="1800">
+                <a:latin typeface="맑은 고딕" charset="0"/>
+                <a:ea typeface="맑은 고딕" charset="0"/>
+              </a:rPr>
+              <a:t>를</a:t>
+            </a:r>
+            <a:r>
+              <a:rPr lang="ko-KR" sz="1800">
+                <a:latin typeface="맑은 고딕" charset="0"/>
+                <a:ea typeface="맑은 고딕" charset="0"/>
+              </a:rPr>
+              <a:t> </a:t>
+            </a:r>
+            <a:r>
+              <a:rPr lang="ko-KR" sz="1800">
+                <a:latin typeface="맑은 고딕" charset="0"/>
+                <a:ea typeface="맑은 고딕" charset="0"/>
+              </a:rPr>
+              <a:t>넣어주고 Animaion Clip의 </a:t>
+            </a:r>
+            <a:r>
+              <a:rPr lang="ko-KR" sz="1800">
+                <a:latin typeface="맑은 고딕" charset="0"/>
+                <a:ea typeface="맑은 고딕" charset="0"/>
+              </a:rPr>
+              <a:t>크기</a:t>
+            </a:r>
+            <a:r>
+              <a:rPr lang="ko-KR" sz="1800">
+                <a:latin typeface="맑은 고딕" charset="0"/>
+                <a:ea typeface="맑은 고딕" charset="0"/>
+              </a:rPr>
+              <a:t>를</a:t>
+            </a:r>
+            <a:r>
+              <a:rPr lang="ko-KR" sz="1800">
+                <a:latin typeface="맑은 고딕" charset="0"/>
+                <a:ea typeface="맑은 고딕" charset="0"/>
+              </a:rPr>
+              <a:t> </a:t>
+            </a:r>
+            <a:r>
+              <a:rPr lang="ko-KR" sz="1800">
+                <a:latin typeface="맑은 고딕" charset="0"/>
+                <a:ea typeface="맑은 고딕" charset="0"/>
+              </a:rPr>
+              <a:t>설정합니다.</a:t>
+            </a:r>
+            <a:endParaRPr lang="ko-KR" altLang="en-US" sz="1800">
+              <a:latin typeface="맑은 고딕" charset="0"/>
+              <a:ea typeface="맑은 고딕" charset="0"/>
+            </a:endParaRPr>
+          </a:p>
+        </p:txBody>
+      </p:sp>
+      <p:cxnSp>
+        <p:nvCxnSpPr>
+          <p:cNvPr id="121" name="도형 12"/>
+          <p:cNvCxnSpPr/>
+          <p:nvPr/>
+        </p:nvCxnSpPr>
+        <p:spPr>
+          <a:xfrm rot="0" flipV="1">
+            <a:off x="7511415" y="1843405"/>
+            <a:ext cx="3368675" cy="457200"/>
+          </a:xfrm>
+          <a:prstGeom prst="straightConnector1"/>
+          <a:ln w="6350" cap="flat" cmpd="sng">
+            <a:prstDash/>
+            <a:headEnd type="none" w="med" len="med"/>
+            <a:tailEnd type="triangle" w="med" len="med"/>
+          </a:ln>
+        </p:spPr>
+        <p:style>
+          <a:lnRef idx="1">
+            <a:schemeClr val="accent1"/>
+          </a:lnRef>
+          <a:fillRef idx="0">
+            <a:schemeClr val="accent1"/>
+          </a:fillRef>
+          <a:effectRef idx="0">
+            <a:schemeClr val="accent1"/>
+          </a:effectRef>
+          <a:fontRef idx="minor">
+            <a:schemeClr val="tx1"/>
+          </a:fontRef>
+        </p:style>
+      </p:cxnSp>
+      <p:pic>
+        <p:nvPicPr>
+          <p:cNvPr id="122" name="그림 13" descr="C:/Users/Admin1/AppData/Roaming/PolarisOffice/ETemp/17208_8641560/fImage119173416500.png"/>
+          <p:cNvPicPr>
+            <a:picLocks noChangeAspect="1"/>
+          </p:cNvPicPr>
+          <p:nvPr/>
+        </p:nvPicPr>
+        <p:blipFill rotWithShape="1">
+          <a:blip r:embed="rId6" cstate="print">
+            <a:extLst>
+              <a:ext uri="{28A0092B-C50C-407E-A947-70E740481C1C}">
+                <a14:useLocalDpi xmlns:a14="http://schemas.microsoft.com/office/drawing/2010/main" val="0"/>
+              </a:ext>
+            </a:extLst>
+          </a:blip>
+          <a:stretch>
+            <a:fillRect/>
+          </a:stretch>
+        </p:blipFill>
+        <p:spPr>
+          <a:xfrm rot="0">
+            <a:off x="6823710" y="4082415"/>
+            <a:ext cx="4142740" cy="1370330"/>
+          </a:xfrm>
+          <a:prstGeom prst="roundRect"/>
+          <a:solidFill>
+            <a:srgbClr val="EDEDED"/>
+          </a:solidFill>
+        </p:spPr>
+      </p:pic>
+    </p:spTree>
+  </p:cSld>
+  <p:clrMapOvr>
+    <a:masterClrMapping/>
+  </p:clrMapOvr>
+  <mc:AlternateContent xmlns:mc="http://schemas.openxmlformats.org/markup-compatibility/2006">
+    <mc:Choice xmlns:p14="http://schemas.microsoft.com/office/powerpoint/2010/main" Requires="p14">
+      <p:transition spd="slow" p14:dur="2000"/>
+    </mc:Choice>
+    <mc:Fallback>
+      <p:transition spd="slow"/>
+    </mc:Fallback>
+  </mc:AlternateContent>
+  <p:timing>
+    <p:tnLst>
+      <p:par>
+        <p:cTn id="1" dur="indefinite" restart="never" nodeType="tmRoot"/>
+      </p:par>
+    </p:tnLst>
+  </p:timing>
+</p:sld>
+</file>
+
+<file path=ppt/slides/slide19.xml><?xml version="1.0" encoding="utf-8"?>
+<p:sld xmlns:a="http://schemas.openxmlformats.org/drawingml/2006/main" xmlns:r="http://schemas.openxmlformats.org/officeDocument/2006/relationships" xmlns:p="http://schemas.openxmlformats.org/presentationml/2006/main">
+  <p:cSld>
+    <p:spTree>
+      <p:nvGrpSpPr>
+        <p:cNvPr id="1" name=""/>
+        <p:cNvGrpSpPr/>
+        <p:nvPr/>
+      </p:nvGrpSpPr>
+      <p:grpSpPr>
+        <a:xfrm>
+          <a:off x="0" y="0"/>
+          <a:ext cx="0" cy="0"/>
+          <a:chOff x="0" y="0"/>
+          <a:chExt cx="0" cy="0"/>
+        </a:xfrm>
+      </p:grpSpPr>
+      <p:sp>
+        <p:nvSpPr>
+          <p:cNvPr id="22" name="Rect 0"/>
+          <p:cNvSpPr txBox="1">
+            <a:spLocks/>
+          </p:cNvSpPr>
+          <p:nvPr/>
+        </p:nvSpPr>
+        <p:spPr>
+          <a:xfrm rot="0">
+            <a:off x="4152265" y="336550"/>
+            <a:ext cx="3878580" cy="554990"/>
+          </a:xfrm>
+          <a:prstGeom prst="rect"/>
+          <a:noFill/>
+          <a:ln w="0">
+            <a:noFill/>
+            <a:prstDash/>
+          </a:ln>
+        </p:spPr>
+        <p:txBody>
+          <a:bodyPr wrap="square" lIns="89535" tIns="46355" rIns="89535" bIns="46355" numCol="1" vert="horz" anchor="t">
+            <a:spAutoFit/>
+          </a:bodyPr>
+          <a:lstStyle/>
+          <a:p>
+            <a:pPr marL="0" indent="0" algn="ctr" latinLnBrk="0" hangingPunct="1">
+              <a:buFontTx/>
+              <a:buNone/>
+            </a:pPr>
+            <a:r>
+              <a:rPr lang="ko-KR" sz="2500" b="1">
+                <a:latin typeface="나눔바른고딕" charset="0"/>
+                <a:ea typeface="나눔바른고딕" charset="0"/>
+              </a:rPr>
+              <a:t>열아홉</a:t>
+            </a:r>
+            <a:r>
+              <a:rPr lang="ko-KR" sz="2500" b="1">
+                <a:latin typeface="나눔바른고딕" charset="0"/>
+                <a:ea typeface="나눔바른고딕" charset="0"/>
+              </a:rPr>
+              <a:t> 번째 튜토리얼</a:t>
+            </a:r>
+            <a:r>
+              <a:rPr lang="ko-KR" sz="3000" b="1">
+                <a:latin typeface="맑은 고딕" charset="0"/>
+                <a:ea typeface="맑은 고딕" charset="0"/>
+              </a:rPr>
+              <a:t> </a:t>
+            </a:r>
+            <a:endParaRPr lang="ko-KR" altLang="en-US" sz="3000" b="1">
+              <a:latin typeface="맑은 고딕" charset="0"/>
+              <a:ea typeface="맑은 고딕" charset="0"/>
+            </a:endParaRPr>
+          </a:p>
+        </p:txBody>
+      </p:sp>
+      <p:sp>
+        <p:nvSpPr>
+          <p:cNvPr id="103" name="Rect 0"/>
+          <p:cNvSpPr txBox="1">
+            <a:spLocks/>
+          </p:cNvSpPr>
+          <p:nvPr/>
+        </p:nvSpPr>
+        <p:spPr>
+          <a:xfrm rot="0">
+            <a:off x="1238885" y="4178935"/>
+            <a:ext cx="4145280" cy="2061845"/>
+          </a:xfrm>
+          <a:prstGeom prst="rect"/>
+          <a:noFill/>
+          <a:ln w="0">
+            <a:noFill/>
+            <a:prstDash/>
+          </a:ln>
+        </p:spPr>
+        <p:txBody>
+          <a:bodyPr wrap="square" lIns="89535" tIns="46355" rIns="89535" bIns="46355" numCol="1" vert="horz" anchor="t">
+            <a:spAutoFit/>
+          </a:bodyPr>
+          <a:lstStyle/>
+          <a:p>
+            <a:pPr marL="0" indent="0" algn="l" latinLnBrk="0" hangingPunct="1">
+              <a:buFontTx/>
+              <a:buNone/>
+            </a:pPr>
+            <a:r>
+              <a:rPr lang="ko-KR" sz="2000" b="1">
+                <a:solidFill>
+                  <a:srgbClr val="0611F2"/>
+                </a:solidFill>
+                <a:latin typeface="맑은 고딕" charset="0"/>
+                <a:ea typeface="맑은 고딕" charset="0"/>
+              </a:rPr>
+              <a:t>53.</a:t>
+            </a:r>
+            <a:r>
+              <a:rPr lang="ko-KR" sz="2000">
+                <a:solidFill>
+                  <a:srgbClr val="0611F2"/>
+                </a:solidFill>
+                <a:latin typeface="맑은 고딕" charset="0"/>
+                <a:ea typeface="맑은 고딕" charset="0"/>
+              </a:rPr>
+              <a:t> </a:t>
+            </a:r>
+            <a:r>
+              <a:rPr lang="ko-KR" sz="1800">
+                <a:latin typeface="맑은 고딕" charset="0"/>
+                <a:ea typeface="맑은 고딕" charset="0"/>
+              </a:rPr>
+              <a:t>이제 Project 폴더 아래에 있는 </a:t>
+            </a:r>
+            <a:r>
+              <a:rPr lang="ko-KR" sz="1800">
+                <a:latin typeface="맑은 고딕" charset="0"/>
+                <a:ea typeface="맑은 고딕" charset="0"/>
+              </a:rPr>
+              <a:t>Animation</a:t>
+            </a:r>
+            <a:r>
+              <a:rPr lang="ko-KR" sz="1800">
+                <a:latin typeface="맑은 고딕" charset="0"/>
+                <a:ea typeface="맑은 고딕" charset="0"/>
+              </a:rPr>
+              <a:t> 폴더에 Open 애니메이션을 </a:t>
+            </a:r>
+            <a:r>
+              <a:rPr lang="ko-KR" sz="1800">
+                <a:latin typeface="맑은 고딕" charset="0"/>
+                <a:ea typeface="맑은 고딕" charset="0"/>
+              </a:rPr>
+              <a:t>선택합니다.</a:t>
+            </a:r>
+            <a:endParaRPr lang="ko-KR" altLang="en-US" sz="1800">
+              <a:latin typeface="맑은 고딕" charset="0"/>
+              <a:ea typeface="맑은 고딕" charset="0"/>
+            </a:endParaRPr>
+          </a:p>
+          <a:p>
+            <a:pPr marL="0" indent="0" algn="l" latinLnBrk="0" hangingPunct="1">
+              <a:buFontTx/>
+              <a:buNone/>
+            </a:pPr>
+            <a:endParaRPr lang="ko-KR" altLang="en-US" sz="1800">
+              <a:latin typeface="맑은 고딕" charset="0"/>
+              <a:ea typeface="맑은 고딕" charset="0"/>
+            </a:endParaRPr>
+          </a:p>
+          <a:p>
+            <a:pPr marL="0" indent="0" algn="l" latinLnBrk="0" hangingPunct="1">
+              <a:buFontTx/>
+              <a:buNone/>
+            </a:pPr>
+            <a:r>
+              <a:rPr lang="ko-KR" sz="1800">
+                <a:latin typeface="맑은 고딕" charset="0"/>
+                <a:ea typeface="맑은 고딕" charset="0"/>
+              </a:rPr>
+              <a:t>그리</a:t>
+            </a:r>
+            <a:r>
+              <a:rPr lang="ko-KR" sz="1800">
+                <a:latin typeface="맑은 고딕" charset="0"/>
+                <a:ea typeface="맑은 고딕" charset="0"/>
+              </a:rPr>
+              <a:t>고</a:t>
+            </a:r>
+            <a:r>
+              <a:rPr lang="ko-KR" sz="1800">
+                <a:latin typeface="맑은 고딕" charset="0"/>
+                <a:ea typeface="맑은 고딕" charset="0"/>
+              </a:rPr>
+              <a:t> </a:t>
+            </a:r>
+            <a:r>
+              <a:rPr lang="ko-KR" sz="1800">
+                <a:latin typeface="맑은 고딕" charset="0"/>
+                <a:ea typeface="맑은 고딕" charset="0"/>
+              </a:rPr>
+              <a:t>Animatio</a:t>
+            </a:r>
+            <a:r>
+              <a:rPr lang="ko-KR" sz="1800">
+                <a:latin typeface="맑은 고딕" charset="0"/>
+                <a:ea typeface="맑은 고딕" charset="0"/>
+              </a:rPr>
+              <a:t>r Manager </a:t>
+            </a:r>
+            <a:r>
+              <a:rPr lang="ko-KR" sz="1800">
+                <a:latin typeface="맑은 고딕" charset="0"/>
+                <a:ea typeface="맑은 고딕" charset="0"/>
+              </a:rPr>
+              <a:t>스크립트에</a:t>
+            </a:r>
+            <a:r>
+              <a:rPr lang="ko-KR" sz="1800">
+                <a:latin typeface="맑은 고딕" charset="0"/>
+                <a:ea typeface="맑은 고딕" charset="0"/>
+              </a:rPr>
+              <a:t> 있는 Animation</a:t>
+            </a:r>
+            <a:r>
+              <a:rPr lang="ko-KR" sz="1800">
+                <a:latin typeface="맑은 고딕" charset="0"/>
+                <a:ea typeface="맑은 고딕" charset="0"/>
+              </a:rPr>
+              <a:t> </a:t>
+            </a:r>
+            <a:r>
+              <a:rPr lang="ko-KR" sz="1800">
+                <a:latin typeface="맑은 고딕" charset="0"/>
+                <a:ea typeface="맑은 고딕" charset="0"/>
+              </a:rPr>
+              <a:t>Clip </a:t>
+            </a:r>
+            <a:r>
+              <a:rPr lang="ko-KR" sz="1800">
+                <a:latin typeface="맑은 고딕" charset="0"/>
+                <a:ea typeface="맑은 고딕" charset="0"/>
+              </a:rPr>
+              <a:t>배열</a:t>
+            </a:r>
+            <a:r>
+              <a:rPr lang="ko-KR" sz="1800">
+                <a:latin typeface="맑은 고딕" charset="0"/>
+                <a:ea typeface="맑은 고딕" charset="0"/>
+              </a:rPr>
+              <a:t>의</a:t>
+            </a:r>
+            <a:r>
+              <a:rPr lang="ko-KR" sz="1800">
+                <a:latin typeface="맑은 고딕" charset="0"/>
+                <a:ea typeface="맑은 고딕" charset="0"/>
+              </a:rPr>
+              <a:t> Element 0 에 넣어줍니</a:t>
+            </a:r>
+            <a:r>
+              <a:rPr lang="ko-KR" sz="1800">
+                <a:latin typeface="맑은 고딕" charset="0"/>
+                <a:ea typeface="맑은 고딕" charset="0"/>
+              </a:rPr>
+              <a:t>다.</a:t>
+            </a:r>
+            <a:endParaRPr lang="ko-KR" altLang="en-US" sz="1800">
+              <a:latin typeface="맑은 고딕" charset="0"/>
+              <a:ea typeface="맑은 고딕" charset="0"/>
+            </a:endParaRPr>
+          </a:p>
+        </p:txBody>
+      </p:sp>
+      <p:sp>
+        <p:nvSpPr>
+          <p:cNvPr id="106" name="Rect 0"/>
+          <p:cNvSpPr txBox="1">
+            <a:spLocks/>
+          </p:cNvSpPr>
+          <p:nvPr/>
+        </p:nvSpPr>
+        <p:spPr>
+          <a:xfrm rot="0">
+            <a:off x="6833235" y="4181475"/>
+            <a:ext cx="4141470" cy="2061845"/>
+          </a:xfrm>
+          <a:prstGeom prst="rect"/>
+          <a:noFill/>
+          <a:ln w="0">
+            <a:noFill/>
+            <a:prstDash/>
+          </a:ln>
+        </p:spPr>
+        <p:txBody>
+          <a:bodyPr wrap="square" lIns="89535" tIns="46355" rIns="89535" bIns="46355" numCol="1" vert="horz" anchor="t">
+            <a:spAutoFit/>
+          </a:bodyPr>
+          <a:lstStyle/>
+          <a:p>
+            <a:pPr marL="0" indent="0" algn="l" latinLnBrk="0" hangingPunct="1">
+              <a:buFontTx/>
+              <a:buNone/>
+            </a:pPr>
+            <a:r>
+              <a:rPr lang="ko-KR" sz="2000" b="1">
+                <a:solidFill>
+                  <a:srgbClr val="0611F2"/>
+                </a:solidFill>
+                <a:latin typeface="맑은 고딕" charset="0"/>
+                <a:ea typeface="맑은 고딕" charset="0"/>
+              </a:rPr>
+              <a:t>54.</a:t>
+            </a:r>
+            <a:r>
+              <a:rPr lang="ko-KR" sz="2000">
+                <a:solidFill>
+                  <a:srgbClr val="0611F2"/>
+                </a:solidFill>
+                <a:latin typeface="맑은 고딕" charset="0"/>
+                <a:ea typeface="맑은 고딕" charset="0"/>
+              </a:rPr>
+              <a:t> </a:t>
+            </a:r>
+            <a:r>
+              <a:rPr lang="ko-KR" sz="1800">
+                <a:latin typeface="맑은 고딕" charset="0"/>
+                <a:ea typeface="맑은 고딕" charset="0"/>
+              </a:rPr>
+              <a:t>그런 다음 Project 폴더 아래에 </a:t>
+            </a:r>
+            <a:r>
+              <a:rPr lang="ko-KR" sz="1800">
+                <a:latin typeface="맑은 고딕" charset="0"/>
+                <a:ea typeface="맑은 고딕" charset="0"/>
+              </a:rPr>
+              <a:t>있는</a:t>
+            </a:r>
+            <a:r>
+              <a:rPr lang="ko-KR" sz="1800">
+                <a:latin typeface="맑은 고딕" charset="0"/>
+                <a:ea typeface="맑은 고딕" charset="0"/>
+              </a:rPr>
+              <a:t> </a:t>
+            </a:r>
+            <a:r>
+              <a:rPr lang="ko-KR" sz="1800">
+                <a:latin typeface="맑은 고딕" charset="0"/>
+                <a:ea typeface="맑은 고딕" charset="0"/>
+              </a:rPr>
+              <a:t>Animation</a:t>
+            </a:r>
+            <a:r>
+              <a:rPr lang="ko-KR" sz="1800">
+                <a:latin typeface="맑은 고딕" charset="0"/>
+                <a:ea typeface="맑은 고딕" charset="0"/>
+              </a:rPr>
+              <a:t> 폴더에 Close </a:t>
+            </a:r>
+            <a:r>
+              <a:rPr lang="ko-KR" sz="1800">
+                <a:latin typeface="맑은 고딕" charset="0"/>
+                <a:ea typeface="맑은 고딕" charset="0"/>
+              </a:rPr>
+              <a:t>애니메이션을</a:t>
+            </a:r>
+            <a:r>
+              <a:rPr lang="ko-KR" sz="1800">
+                <a:latin typeface="맑은 고딕" charset="0"/>
+                <a:ea typeface="맑은 고딕" charset="0"/>
+              </a:rPr>
+              <a:t> </a:t>
+            </a:r>
+            <a:r>
+              <a:rPr lang="ko-KR" sz="1800">
+                <a:latin typeface="맑은 고딕" charset="0"/>
+                <a:ea typeface="맑은 고딕" charset="0"/>
+              </a:rPr>
+              <a:t>선택합니다.</a:t>
+            </a:r>
+            <a:endParaRPr lang="ko-KR" altLang="en-US" sz="1800">
+              <a:latin typeface="맑은 고딕" charset="0"/>
+              <a:ea typeface="맑은 고딕" charset="0"/>
+            </a:endParaRPr>
+          </a:p>
+          <a:p>
+            <a:pPr marL="0" indent="0" algn="l" latinLnBrk="0" hangingPunct="1">
+              <a:buFontTx/>
+              <a:buNone/>
+            </a:pPr>
+            <a:endParaRPr lang="ko-KR" altLang="en-US" sz="1800">
+              <a:latin typeface="맑은 고딕" charset="0"/>
+              <a:ea typeface="맑은 고딕" charset="0"/>
+            </a:endParaRPr>
+          </a:p>
+          <a:p>
+            <a:pPr marL="0" indent="0" algn="l" latinLnBrk="0" hangingPunct="1">
+              <a:buFontTx/>
+              <a:buNone/>
+            </a:pPr>
+            <a:r>
+              <a:rPr lang="ko-KR" sz="1800">
+                <a:latin typeface="맑은 고딕" charset="0"/>
+                <a:ea typeface="맑은 고딕" charset="0"/>
+              </a:rPr>
+              <a:t>그</a:t>
+            </a:r>
+            <a:r>
+              <a:rPr lang="ko-KR" sz="1800">
+                <a:latin typeface="맑은 고딕" charset="0"/>
+                <a:ea typeface="맑은 고딕" charset="0"/>
+              </a:rPr>
+              <a:t>다음으로</a:t>
+            </a:r>
+            <a:r>
+              <a:rPr lang="ko-KR" sz="1800">
+                <a:latin typeface="맑은 고딕" charset="0"/>
+                <a:ea typeface="맑은 고딕" charset="0"/>
+              </a:rPr>
+              <a:t> </a:t>
+            </a:r>
+            <a:r>
+              <a:rPr lang="ko-KR" sz="1800">
+                <a:latin typeface="맑은 고딕" charset="0"/>
+                <a:ea typeface="맑은 고딕" charset="0"/>
+              </a:rPr>
+              <a:t>Animatio</a:t>
+            </a:r>
+            <a:r>
+              <a:rPr lang="ko-KR" sz="1800">
+                <a:latin typeface="맑은 고딕" charset="0"/>
+                <a:ea typeface="맑은 고딕" charset="0"/>
+              </a:rPr>
+              <a:t>r Manager </a:t>
+            </a:r>
+            <a:r>
+              <a:rPr lang="ko-KR" sz="1800">
+                <a:latin typeface="맑은 고딕" charset="0"/>
+                <a:ea typeface="맑은 고딕" charset="0"/>
+              </a:rPr>
+              <a:t>스크립트에</a:t>
+            </a:r>
+            <a:r>
+              <a:rPr lang="ko-KR" sz="1800">
+                <a:latin typeface="맑은 고딕" charset="0"/>
+                <a:ea typeface="맑은 고딕" charset="0"/>
+              </a:rPr>
+              <a:t> 있는 Animation</a:t>
+            </a:r>
+            <a:r>
+              <a:rPr lang="ko-KR" sz="1800">
+                <a:latin typeface="맑은 고딕" charset="0"/>
+                <a:ea typeface="맑은 고딕" charset="0"/>
+              </a:rPr>
+              <a:t> </a:t>
+            </a:r>
+            <a:r>
+              <a:rPr lang="ko-KR" sz="1800">
+                <a:latin typeface="맑은 고딕" charset="0"/>
+                <a:ea typeface="맑은 고딕" charset="0"/>
+              </a:rPr>
+              <a:t>Clip </a:t>
+            </a:r>
+            <a:r>
+              <a:rPr lang="ko-KR" sz="1800">
+                <a:latin typeface="맑은 고딕" charset="0"/>
+                <a:ea typeface="맑은 고딕" charset="0"/>
+              </a:rPr>
+              <a:t>배열의</a:t>
+            </a:r>
+            <a:r>
+              <a:rPr lang="ko-KR" sz="1800">
+                <a:latin typeface="맑은 고딕" charset="0"/>
+                <a:ea typeface="맑은 고딕" charset="0"/>
+              </a:rPr>
+              <a:t> Element 1 에 넣어줍니</a:t>
+            </a:r>
+            <a:r>
+              <a:rPr lang="ko-KR" sz="1800">
+                <a:latin typeface="맑은 고딕" charset="0"/>
+                <a:ea typeface="맑은 고딕" charset="0"/>
+              </a:rPr>
+              <a:t>다.</a:t>
+            </a:r>
+            <a:endParaRPr lang="ko-KR" altLang="en-US" sz="1800">
+              <a:latin typeface="맑은 고딕" charset="0"/>
+              <a:ea typeface="맑은 고딕" charset="0"/>
+            </a:endParaRPr>
+          </a:p>
+        </p:txBody>
+      </p:sp>
+      <p:pic>
+        <p:nvPicPr>
+          <p:cNvPr id="123" name="그림 16" descr="C:/Users/Admin1/AppData/Roaming/PolarisOffice/ETemp/17208_8641560/fImage47042389169.png"/>
+          <p:cNvPicPr>
+            <a:picLocks noChangeAspect="1"/>
+          </p:cNvPicPr>
+          <p:nvPr/>
+        </p:nvPicPr>
+        <p:blipFill rotWithShape="1">
+          <a:blip r:embed="rId2" cstate="hqprint">
+            <a:extLst>
+              <a:ext uri="{28A0092B-C50C-407E-A947-70E740481C1C}">
+                <a14:useLocalDpi xmlns:a14="http://schemas.microsoft.com/office/drawing/2010/main"/>
+              </a:ext>
+            </a:extLst>
+          </a:blip>
+          <a:stretch>
+            <a:fillRect/>
+          </a:stretch>
+        </p:blipFill>
+        <p:spPr>
+          <a:xfrm rot="0">
+            <a:off x="1240790" y="3014980"/>
+            <a:ext cx="4152900" cy="1050925"/>
+          </a:xfrm>
+          <a:prstGeom prst="roundRect"/>
+          <a:solidFill>
+            <a:srgbClr val="EDEDED"/>
+          </a:solidFill>
+        </p:spPr>
+      </p:pic>
+      <p:pic>
+        <p:nvPicPr>
+          <p:cNvPr id="124" name="그림 17" descr="C:/Users/Admin1/AppData/Roaming/PolarisOffice/ETemp/17208_8641560/fImage142803569169.png"/>
+          <p:cNvPicPr>
+            <a:picLocks noChangeAspect="1"/>
+          </p:cNvPicPr>
+          <p:nvPr/>
+        </p:nvPicPr>
+        <p:blipFill rotWithShape="1">
+          <a:blip r:embed="rId3" cstate="print">
+            <a:extLst>
+              <a:ext uri="{28A0092B-C50C-407E-A947-70E740481C1C}">
+                <a14:useLocalDpi xmlns:a14="http://schemas.microsoft.com/office/drawing/2010/main" val="0"/>
+              </a:ext>
+            </a:extLst>
+          </a:blip>
+          <a:stretch>
+            <a:fillRect/>
+          </a:stretch>
+        </p:blipFill>
+        <p:spPr>
+          <a:xfrm rot="0">
+            <a:off x="1231900" y="1438275"/>
+            <a:ext cx="4152265" cy="1404620"/>
+          </a:xfrm>
+          <a:prstGeom prst="roundRect"/>
+          <a:solidFill>
+            <a:srgbClr val="EDEDED"/>
+          </a:solidFill>
+        </p:spPr>
+      </p:pic>
+      <p:cxnSp>
+        <p:nvCxnSpPr>
+          <p:cNvPr id="125" name="도형 20"/>
+          <p:cNvCxnSpPr/>
+          <p:nvPr/>
+        </p:nvCxnSpPr>
+        <p:spPr>
+          <a:xfrm rot="0" flipV="1">
+            <a:off x="4264025" y="2317115"/>
+            <a:ext cx="948055" cy="1034415"/>
+          </a:xfrm>
+          <a:prstGeom prst="straightConnector1"/>
+          <a:ln w="6350" cap="flat" cmpd="sng">
+            <a:prstDash/>
+            <a:headEnd type="none" w="med" len="med"/>
+            <a:tailEnd type="triangle" w="med" len="med"/>
+          </a:ln>
+        </p:spPr>
+        <p:style>
+          <a:lnRef idx="1">
+            <a:schemeClr val="accent1"/>
+          </a:lnRef>
+          <a:fillRef idx="0">
+            <a:schemeClr val="accent1"/>
+          </a:fillRef>
+          <a:effectRef idx="0">
+            <a:schemeClr val="accent1"/>
+          </a:effectRef>
+          <a:fontRef idx="minor">
+            <a:schemeClr val="tx1"/>
+          </a:fontRef>
+        </p:style>
+      </p:cxnSp>
+      <p:pic>
+        <p:nvPicPr>
+          <p:cNvPr id="126" name="그림 21" descr="C:/Users/Admin1/AppData/Roaming/PolarisOffice/ETemp/17208_8641560/fImage138513585724.png"/>
+          <p:cNvPicPr>
+            <a:picLocks noChangeAspect="1"/>
+          </p:cNvPicPr>
+          <p:nvPr/>
+        </p:nvPicPr>
+        <p:blipFill rotWithShape="1">
+          <a:blip r:embed="rId4" cstate="print">
+            <a:extLst>
+              <a:ext uri="{28A0092B-C50C-407E-A947-70E740481C1C}">
+                <a14:useLocalDpi xmlns:a14="http://schemas.microsoft.com/office/drawing/2010/main" val="0"/>
+              </a:ext>
+            </a:extLst>
+          </a:blip>
+          <a:stretch>
+            <a:fillRect/>
+          </a:stretch>
+        </p:blipFill>
+        <p:spPr>
+          <a:xfrm rot="0">
+            <a:off x="6822440" y="1428750"/>
+            <a:ext cx="4143375" cy="1414145"/>
+          </a:xfrm>
+          <a:prstGeom prst="roundRect"/>
+          <a:solidFill>
+            <a:srgbClr val="EDEDED"/>
+          </a:solidFill>
+        </p:spPr>
+      </p:pic>
+      <p:pic>
+        <p:nvPicPr>
+          <p:cNvPr id="127" name="그림 24" descr="C:/Users/Admin1/AppData/Roaming/PolarisOffice/ETemp/17208_8641560/fImage47342635705.png"/>
           <p:cNvPicPr>
             <a:picLocks noChangeAspect="1"/>
           </p:cNvPicPr>
@@ -7833,8 +15210,8 @@
         </p:blipFill>
         <p:spPr>
           <a:xfrm rot="0">
-            <a:off x="8194040" y="1445260"/>
-            <a:ext cx="2763520" cy="1242695"/>
+            <a:off x="6830695" y="3014980"/>
+            <a:ext cx="4126865" cy="1051560"/>
           </a:xfrm>
           <a:prstGeom prst="roundRect"/>
           <a:solidFill>
@@ -7842,136 +15219,39 @@
           </a:solidFill>
         </p:spPr>
       </p:pic>
-      <p:pic>
-        <p:nvPicPr>
-          <p:cNvPr id="83" name="그림 26" descr="C:/Users/Admin1/AppData/Roaming/PolarisOffice/ETemp/23832_17297800/fImage91962705724.png"/>
-          <p:cNvPicPr>
-            <a:picLocks noChangeAspect="1"/>
-          </p:cNvPicPr>
+      <p:cxnSp>
+        <p:nvCxnSpPr>
+          <p:cNvPr id="128" name="도형 25"/>
+          <p:cNvCxnSpPr/>
           <p:nvPr/>
-        </p:nvPicPr>
-        <p:blipFill rotWithShape="1">
-          <a:blip r:embed="rId6" cstate="print">
-            <a:extLst>
-              <a:ext uri="{28A0092B-C50C-407E-A947-70E740481C1C}">
-                <a14:useLocalDpi xmlns:a14="http://schemas.microsoft.com/office/drawing/2010/main" val="0"/>
-              </a:ext>
-            </a:extLst>
-          </a:blip>
-          <a:stretch>
-            <a:fillRect/>
-          </a:stretch>
-        </p:blipFill>
-        <p:spPr>
-          <a:xfrm rot="0">
-            <a:off x="6795135" y="1446530"/>
-            <a:ext cx="1294130" cy="1241425"/>
-          </a:xfrm>
-          <a:prstGeom prst="roundRect"/>
-          <a:solidFill>
-            <a:srgbClr val="EDEDED"/>
-          </a:solidFill>
-        </p:spPr>
-      </p:pic>
-      <p:sp>
-        <p:nvSpPr>
-          <p:cNvPr id="84" name="텍스트 상자 29"/>
-          <p:cNvSpPr txBox="1">
-            <a:spLocks/>
-          </p:cNvSpPr>
-          <p:nvPr/>
-        </p:nvSpPr>
-        <p:spPr>
-          <a:xfrm rot="0">
-            <a:off x="6808470" y="2779395"/>
-            <a:ext cx="4149090" cy="954405"/>
-          </a:xfrm>
-          <a:prstGeom prst="rect"/>
-          <a:noFill/>
-          <a:ln w="0">
-            <a:noFill/>
+        </p:nvCxnSpPr>
+        <p:spPr>
+          <a:xfrm rot="0" flipV="1">
+            <a:off x="8321040" y="2480945"/>
+            <a:ext cx="2472690" cy="1008380"/>
+          </a:xfrm>
+          <a:prstGeom prst="straightConnector1"/>
+          <a:ln w="6350" cap="flat" cmpd="sng">
             <a:prstDash/>
+            <a:headEnd type="none" w="med" len="med"/>
+            <a:tailEnd type="triangle" w="med" len="med"/>
           </a:ln>
         </p:spPr>
-        <p:txBody>
-          <a:bodyPr wrap="square" lIns="89535" tIns="46355" rIns="89535" bIns="46355" numCol="1" vert="horz" anchor="t">
-            <a:spAutoFit/>
-          </a:bodyPr>
-          <a:lstStyle/>
-          <a:p>
-            <a:pPr marL="0" indent="0" algn="l" latinLnBrk="0" hangingPunct="1">
-              <a:buFontTx/>
-              <a:buNone/>
-            </a:pPr>
-            <a:r>
-              <a:rPr lang="ko-KR" sz="2000" b="1">
-                <a:solidFill>
-                  <a:srgbClr val="0611F2"/>
-                </a:solidFill>
-                <a:latin typeface="맑은 고딕" charset="0"/>
-                <a:ea typeface="맑은 고딕" charset="0"/>
-              </a:rPr>
-              <a:t>28.</a:t>
-            </a:r>
-            <a:r>
-              <a:rPr lang="ko-KR" sz="2000">
-                <a:solidFill>
-                  <a:srgbClr val="0611F2"/>
-                </a:solidFill>
-                <a:latin typeface="맑은 고딕" charset="0"/>
-                <a:ea typeface="맑은 고딕" charset="0"/>
-              </a:rPr>
-              <a:t> </a:t>
-            </a:r>
-            <a:r>
-              <a:rPr lang="ko-KR" sz="1800">
-                <a:latin typeface="맑은 고딕" charset="0"/>
-                <a:ea typeface="맑은 고딕" charset="0"/>
-              </a:rPr>
-              <a:t>그러고 나서 Open Button </a:t>
-            </a:r>
-            <a:r>
-              <a:rPr lang="ko-KR" sz="1800">
-                <a:latin typeface="맑은 고딕" charset="0"/>
-                <a:ea typeface="맑은 고딕" charset="0"/>
-              </a:rPr>
-              <a:t>오브젝트의</a:t>
-            </a:r>
-            <a:r>
-              <a:rPr lang="ko-KR" sz="1800">
-                <a:latin typeface="맑은 고딕" charset="0"/>
-                <a:ea typeface="맑은 고딕" charset="0"/>
-              </a:rPr>
-              <a:t> </a:t>
-            </a:r>
-            <a:r>
-              <a:rPr lang="ko-KR" sz="1800">
-                <a:latin typeface="맑은 고딕" charset="0"/>
-                <a:ea typeface="맑은 고딕" charset="0"/>
-              </a:rPr>
-              <a:t>On Click( ) 함수를 </a:t>
-            </a:r>
-            <a:r>
-              <a:rPr lang="ko-KR" sz="1800">
-                <a:latin typeface="맑은 고딕" charset="0"/>
-                <a:ea typeface="맑은 고딕" charset="0"/>
-              </a:rPr>
-              <a:t>추가합니</a:t>
-            </a:r>
-            <a:r>
-              <a:rPr lang="ko-KR" sz="1800">
-                <a:latin typeface="맑은 고딕" charset="0"/>
-                <a:ea typeface="맑은 고딕" charset="0"/>
-              </a:rPr>
-              <a:t>다.</a:t>
-            </a:r>
-            <a:endParaRPr lang="ko-KR" altLang="en-US" sz="1800">
-              <a:latin typeface="맑은 고딕" charset="0"/>
-              <a:ea typeface="맑은 고딕" charset="0"/>
-            </a:endParaRPr>
-          </a:p>
-        </p:txBody>
-      </p:sp>
+        <p:style>
+          <a:lnRef idx="1">
+            <a:schemeClr val="accent1"/>
+          </a:lnRef>
+          <a:fillRef idx="0">
+            <a:schemeClr val="accent1"/>
+          </a:fillRef>
+          <a:effectRef idx="0">
+            <a:schemeClr val="accent1"/>
+          </a:effectRef>
+          <a:fontRef idx="minor">
+            <a:schemeClr val="tx1"/>
+          </a:fontRef>
+        </p:style>
+      </p:cxnSp>
     </p:spTree>
   </p:cSld>
   <p:clrMapOvr>
@@ -10105,7 +17385,7 @@
         <p:spPr>
           <a:xfrm rot="0">
             <a:off x="6813550" y="5300345"/>
-            <a:ext cx="4145280" cy="955675"/>
+            <a:ext cx="4149725" cy="954405"/>
           </a:xfrm>
           <a:prstGeom prst="rect"/>
           <a:noFill/>
@@ -10163,7 +17443,21 @@
                 <a:latin typeface="맑은 고딕" charset="0"/>
                 <a:ea typeface="맑은 고딕" charset="0"/>
               </a:rPr>
-              <a:t> 변수를 선언하고 RawImage </a:t>
+              <a:t> </a:t>
+            </a:r>
+            <a:r>
+              <a:rPr lang="ko-KR" sz="1800">
+                <a:latin typeface="맑은 고딕" charset="0"/>
+                <a:ea typeface="맑은 고딕" charset="0"/>
+              </a:rPr>
+              <a:t>변수를</a:t>
+            </a:r>
+            <a:r>
+              <a:rPr lang="ko-KR" sz="1800">
+                <a:latin typeface="맑은 고딕" charset="0"/>
+                <a:ea typeface="맑은 고딕" charset="0"/>
+              </a:rPr>
+              <a:t> 선언하고 RawImage </a:t>
             </a:r>
             <a:r>
               <a:rPr lang="ko-KR" sz="1800">
@@ -10177,7 +17471,21 @@
                 <a:latin typeface="맑은 고딕" charset="0"/>
                 <a:ea typeface="맑은 고딕" charset="0"/>
               </a:rPr>
-              <a:t> float 변수를 선언합니다.</a:t>
+              <a:t> float </a:t>
+            </a:r>
+            <a:r>
+              <a:rPr lang="ko-KR" sz="1800">
+                <a:latin typeface="맑은 고딕" charset="0"/>
+                <a:ea typeface="맑은 고딕" charset="0"/>
+              </a:rPr>
+              <a:t>변수를</a:t>
+            </a:r>
+            <a:r>
+              <a:rPr lang="ko-KR" sz="1800">
+                <a:latin typeface="맑은 고딕" charset="0"/>
+                <a:ea typeface="맑은 고딕" charset="0"/>
+              </a:rPr>
+              <a:t> 선언합니다.</a:t>
             </a:r>
             <a:endParaRPr lang="ko-KR" altLang="en-US" sz="1800">
               <a:latin typeface="맑은 고딕" charset="0"/>
@@ -10328,7 +17636,7 @@
       </p:sp>
       <p:pic>
         <p:nvPicPr>
-          <p:cNvPr id="55" name="그림 21" descr="C:/Users/Admin1/AppData/Roaming/PolarisOffice/ETemp/23832_17297800/fImage224372416334.png"/>
+          <p:cNvPr id="55" name="그림 21"/>
           <p:cNvPicPr>
             <a:picLocks noChangeAspect="1"/>
           </p:cNvPicPr>
@@ -10359,7 +17667,7 @@
       </p:pic>
       <p:pic>
         <p:nvPicPr>
-          <p:cNvPr id="56" name="그림 22" descr="C:/Users/Admin1/AppData/Roaming/PolarisOffice/ETemp/23832_17297800/fImage82822596334.png"/>
+          <p:cNvPr id="56" name="그림 22"/>
           <p:cNvPicPr>
             <a:picLocks noChangeAspect="1"/>
           </p:cNvPicPr>
@@ -10520,7 +17828,7 @@
       </p:sp>
       <p:pic>
         <p:nvPicPr>
-          <p:cNvPr id="59" name="그림 29" descr="C:/Users/Admin1/AppData/Roaming/PolarisOffice/ETemp/23832_17297800/fImage509832629169.png"/>
+          <p:cNvPr id="59" name="그림 29" descr="C:/Users/Admin1/AppData/Roaming/PolarisOffice/ETemp/19756_13428312/fImage509832629169.png"/>
           <p:cNvPicPr>
             <a:picLocks noChangeAspect="1"/>
           </p:cNvPicPr>
@@ -10540,8 +17848,8 @@
         </p:blipFill>
         <p:spPr>
           <a:xfrm rot="0">
-            <a:off x="6822440" y="3893185"/>
-            <a:ext cx="4144645" cy="1294130"/>
+            <a:off x="6822440" y="3922395"/>
+            <a:ext cx="4131945" cy="1265555"/>
           </a:xfrm>
           <a:prstGeom prst="roundRect"/>
           <a:solidFill>
@@ -10647,37 +17955,6 @@
           </a:p>
         </p:txBody>
       </p:sp>
-      <p:pic>
-        <p:nvPicPr>
-          <p:cNvPr id="58" name="그림 1" descr="C:/Users/Admin1/AppData/Roaming/PolarisOffice/ETemp/23832_17297800/fImage3917114341.png"/>
-          <p:cNvPicPr>
-            <a:picLocks noChangeAspect="1"/>
-          </p:cNvPicPr>
-          <p:nvPr/>
-        </p:nvPicPr>
-        <p:blipFill rotWithShape="1">
-          <a:blip r:embed="rId7" cstate="hqprint">
-            <a:extLst>
-              <a:ext uri="{28A0092B-C50C-407E-A947-70E740481C1C}">
-                <a14:useLocalDpi xmlns:a14="http://schemas.microsoft.com/office/drawing/2010/main"/>
-              </a:ext>
-            </a:extLst>
-          </a:blip>
-          <a:stretch>
-            <a:fillRect/>
-          </a:stretch>
-        </p:blipFill>
-        <p:spPr>
-          <a:xfrm rot="0">
-            <a:off x="1240790" y="1438275"/>
-            <a:ext cx="4145280" cy="2576195"/>
-          </a:xfrm>
-          <a:prstGeom prst="roundRect"/>
-          <a:solidFill>
-            <a:srgbClr val="EDEDED"/>
-          </a:solidFill>
-        </p:spPr>
-      </p:pic>
       <p:sp>
         <p:nvSpPr>
           <p:cNvPr id="59" name="텍스트 상자 4"/>
@@ -10688,8 +17965,8 @@
         </p:nvSpPr>
         <p:spPr>
           <a:xfrm rot="0">
-            <a:off x="1240790" y="4188460"/>
-            <a:ext cx="4135120" cy="2061845"/>
+            <a:off x="1240790" y="2741295"/>
+            <a:ext cx="4145915" cy="1231265"/>
           </a:xfrm>
           <a:prstGeom prst="rect"/>
           <a:noFill/>
@@ -10754,83 +18031,28 @@
                 <a:latin typeface="맑은 고딕" charset="0"/>
                 <a:ea typeface="맑은 고딕" charset="0"/>
               </a:rPr>
-              <a:t>넣어줍니다.</a:t>
-            </a:r>
-            <a:endParaRPr lang="ko-KR" altLang="en-US" sz="1800">
-              <a:latin typeface="맑은 고딕" charset="0"/>
-              <a:ea typeface="맑은 고딕" charset="0"/>
-            </a:endParaRPr>
-          </a:p>
-          <a:p>
-            <a:pPr marL="0" indent="0" algn="l" latinLnBrk="0" hangingPunct="1">
-              <a:buFontTx/>
-              <a:buNone/>
-            </a:pPr>
-            <a:endParaRPr lang="ko-KR" altLang="en-US" sz="1800">
-              <a:latin typeface="맑은 고딕" charset="0"/>
-              <a:ea typeface="맑은 고딕" charset="0"/>
-            </a:endParaRPr>
-          </a:p>
-          <a:p>
-            <a:pPr marL="0" indent="0" algn="l" latinLnBrk="0" hangingPunct="1">
-              <a:buFontTx/>
-              <a:buNone/>
-            </a:pPr>
-            <a:r>
-              <a:rPr lang="ko-KR" sz="1800">
-                <a:latin typeface="맑은 고딕" charset="0"/>
-                <a:ea typeface="맑은 고딕" charset="0"/>
-              </a:rPr>
-              <a:t>그다음으로</a:t>
-            </a:r>
-            <a:r>
-              <a:rPr lang="ko-KR" sz="1800">
-                <a:latin typeface="맑은 고딕" charset="0"/>
-                <a:ea typeface="맑은 고딕" charset="0"/>
-              </a:rPr>
-              <a:t> rect의 x 값을 계속 </a:t>
-            </a:r>
-            <a:r>
-              <a:rPr lang="ko-KR" sz="1800">
-                <a:latin typeface="맑은 고딕" charset="0"/>
-                <a:ea typeface="맑은 고딕" charset="0"/>
-              </a:rPr>
-              <a:t>증가시킨</a:t>
-            </a:r>
-            <a:r>
-              <a:rPr lang="ko-KR" sz="1800">
-                <a:latin typeface="맑은 고딕" charset="0"/>
-                <a:ea typeface="맑은 고딕" charset="0"/>
-              </a:rPr>
-              <a:t> </a:t>
-            </a:r>
-            <a:r>
-              <a:rPr lang="ko-KR" sz="1800">
-                <a:latin typeface="맑은 고딕" charset="0"/>
-                <a:ea typeface="맑은 고딕" charset="0"/>
-              </a:rPr>
-              <a:t>다음</a:t>
-            </a:r>
-            <a:r>
-              <a:rPr lang="ko-KR" sz="1800">
-                <a:latin typeface="맑은 고딕" charset="0"/>
-                <a:ea typeface="맑은 고딕" charset="0"/>
-              </a:rPr>
-              <a:t> rawImage의 uvRect에 </a:t>
-            </a:r>
-            <a:r>
-              <a:rPr lang="ko-KR" sz="1800">
-                <a:latin typeface="맑은 고딕" charset="0"/>
-                <a:ea typeface="맑은 고딕" charset="0"/>
-              </a:rPr>
-              <a:t>넣어줍니다.</a:t>
-            </a:r>
-            <a:r>
-              <a:rPr lang="ko-KR" sz="1800">
-                <a:latin typeface="맑은 고딕" charset="0"/>
-                <a:ea typeface="맑은 고딕" charset="0"/>
-              </a:rPr>
-              <a:t> </a:t>
+              <a:t>넣어주고</a:t>
+            </a:r>
+            <a:r>
+              <a:rPr lang="ko-KR" sz="1800">
+                <a:latin typeface="맑은 고딕" charset="0"/>
+                <a:ea typeface="맑은 고딕" charset="0"/>
+              </a:rPr>
+              <a:t> rect의</a:t>
+            </a:r>
+            <a:r>
+              <a:rPr lang="ko-KR" sz="1800">
+                <a:latin typeface="맑은 고딕" charset="0"/>
+                <a:ea typeface="맑은 고딕" charset="0"/>
+              </a:rPr>
+              <a:t> x 값을 계속 </a:t>
+            </a:r>
+            <a:r>
+              <a:rPr lang="ko-KR" sz="1800">
+                <a:latin typeface="맑은 고딕" charset="0"/>
+                <a:ea typeface="맑은 고딕" charset="0"/>
+              </a:rPr>
+              <a:t>증가시킵니다.</a:t>
             </a:r>
             <a:endParaRPr lang="ko-KR" altLang="en-US" sz="1800">
               <a:latin typeface="맑은 고딕" charset="0"/>
@@ -10977,8 +18199,8 @@
         </p:nvSpPr>
         <p:spPr>
           <a:xfrm rot="0">
-            <a:off x="6824980" y="4182745"/>
-            <a:ext cx="4132580" cy="2061845"/>
+            <a:off x="6806565" y="4182745"/>
+            <a:ext cx="4151630" cy="2061845"/>
           </a:xfrm>
           <a:prstGeom prst="rect"/>
           <a:noFill/>
@@ -11005,7 +18227,27 @@
                 <a:latin typeface="맑은 고딕" charset="0"/>
                 <a:ea typeface="맑은 고딕" charset="0"/>
               </a:rPr>
-              <a:t>19.</a:t>
+              <a:t>2</a:t>
+            </a:r>
+            <a:r>
+              <a:rPr lang="ko-KR" sz="2000" b="1">
+                <a:solidFill>
+                  <a:srgbClr val="0611F2"/>
+                </a:solidFill>
+                <a:latin typeface="맑은 고딕" charset="0"/>
+                <a:ea typeface="맑은 고딕" charset="0"/>
+              </a:rPr>
+              <a:t>0</a:t>
+            </a:r>
+            <a:r>
+              <a:rPr lang="ko-KR" sz="2000" b="1">
+                <a:solidFill>
+                  <a:srgbClr val="0611F2"/>
+                </a:solidFill>
+                <a:latin typeface="맑은 고딕" charset="0"/>
+                <a:ea typeface="맑은 고딕" charset="0"/>
+              </a:rPr>
+              <a:t>.</a:t>
             </a:r>
             <a:r>
               <a:rPr lang="ko-KR" sz="2000">
@@ -11022,7 +18264,7 @@
                 <a:latin typeface="맑은 고딕" charset="0"/>
                 <a:ea typeface="맑은 고딕" charset="0"/>
               </a:rPr>
-              <a:t>그러고 나서 빈 게임 오브젝트를 </a:t>
+              <a:t>이제 빈 게임 오브젝트를 </a:t>
             </a:r>
             <a:r>
               <a:rPr lang="ko-KR" sz="1800">
@@ -11036,7 +18278,35 @@
                 <a:latin typeface="맑은 고딕" charset="0"/>
                 <a:ea typeface="맑은 고딕" charset="0"/>
               </a:rPr>
-              <a:t> 다음 Animator Manager 라는 </a:t>
+              <a:t> </a:t>
+            </a:r>
+            <a:r>
+              <a:rPr lang="ko-KR" sz="1800">
+                <a:latin typeface="맑은 고딕" charset="0"/>
+                <a:ea typeface="맑은 고딕" charset="0"/>
+              </a:rPr>
+              <a:t>다음</a:t>
+            </a:r>
+            <a:r>
+              <a:rPr lang="ko-KR" sz="1800">
+                <a:latin typeface="맑은 고딕" charset="0"/>
+                <a:ea typeface="맑은 고딕" charset="0"/>
+              </a:rPr>
+              <a:t> </a:t>
+            </a:r>
+            <a:r>
+              <a:rPr lang="ko-KR" sz="1800">
+                <a:latin typeface="맑은 고딕" charset="0"/>
+                <a:ea typeface="맑은 고딕" charset="0"/>
+              </a:rPr>
+              <a:t>Animator</a:t>
+            </a:r>
+            <a:r>
+              <a:rPr lang="ko-KR" sz="1800">
+                <a:latin typeface="맑은 고딕" charset="0"/>
+                <a:ea typeface="맑은 고딕" charset="0"/>
+              </a:rPr>
+              <a:t> Manager 라는 </a:t>
             </a:r>
             <a:r>
               <a:rPr lang="ko-KR" sz="1800">
@@ -11050,7 +18320,14 @@
                 <a:latin typeface="맑은 고딕" charset="0"/>
                 <a:ea typeface="맑은 고딕" charset="0"/>
               </a:rPr>
-              <a:t> 정의합니다.</a:t>
+              <a:t> </a:t>
+            </a:r>
+            <a:r>
+              <a:rPr lang="ko-KR" sz="1800">
+                <a:latin typeface="맑은 고딕" charset="0"/>
+                <a:ea typeface="맑은 고딕" charset="0"/>
+              </a:rPr>
+              <a:t>정의합니다.</a:t>
             </a:r>
             <a:endParaRPr lang="ko-KR" altLang="en-US" sz="1800">
               <a:latin typeface="맑은 고딕" charset="0"/>
@@ -11077,7 +18354,7 @@
                 <a:latin typeface="맑은 고딕" charset="0"/>
                 <a:ea typeface="맑은 고딕" charset="0"/>
               </a:rPr>
-              <a:t>이제</a:t>
+              <a:t>그리고</a:t>
             </a:r>
             <a:r>
               <a:rPr lang="ko-KR" sz="1800">
@@ -11098,7 +18375,21 @@
                 <a:latin typeface="맑은 고딕" charset="0"/>
                 <a:ea typeface="맑은 고딕" charset="0"/>
               </a:rPr>
-              <a:t> 생성하고 Animator </a:t>
+              <a:t> </a:t>
+            </a:r>
+            <a:r>
+              <a:rPr lang="ko-KR" sz="1800">
+                <a:latin typeface="맑은 고딕" charset="0"/>
+                <a:ea typeface="맑은 고딕" charset="0"/>
+              </a:rPr>
+              <a:t>생성하고</a:t>
+            </a:r>
+            <a:r>
+              <a:rPr lang="ko-KR" sz="1800">
+                <a:latin typeface="맑은 고딕" charset="0"/>
+                <a:ea typeface="맑은 고딕" charset="0"/>
+              </a:rPr>
+              <a:t> Animator </a:t>
             </a:r>
             <a:r>
               <a:rPr lang="ko-KR" sz="1800">
@@ -11112,7 +18403,233 @@
                 <a:latin typeface="맑은 고딕" charset="0"/>
                 <a:ea typeface="맑은 고딕" charset="0"/>
               </a:rPr>
-              <a:t> 오브젝트에 넣어줍니다.</a:t>
+              <a:t> </a:t>
+            </a:r>
+            <a:r>
+              <a:rPr lang="ko-KR" sz="1800">
+                <a:latin typeface="맑은 고딕" charset="0"/>
+                <a:ea typeface="맑은 고딕" charset="0"/>
+              </a:rPr>
+              <a:t>오브젝트에</a:t>
+            </a:r>
+            <a:r>
+              <a:rPr lang="ko-KR" sz="1800">
+                <a:latin typeface="맑은 고딕" charset="0"/>
+                <a:ea typeface="맑은 고딕" charset="0"/>
+              </a:rPr>
+              <a:t> 넣어줍니다.</a:t>
+            </a:r>
+            <a:endParaRPr lang="ko-KR" altLang="en-US" sz="1800">
+              <a:latin typeface="맑은 고딕" charset="0"/>
+              <a:ea typeface="맑은 고딕" charset="0"/>
+            </a:endParaRPr>
+          </a:p>
+        </p:txBody>
+      </p:sp>
+      <p:pic>
+        <p:nvPicPr>
+          <p:cNvPr id="65" name="그림 9" descr="C:/Users/Admin1/AppData/Roaming/PolarisOffice/ETemp/19756_13428312/fImage3848224241.png"/>
+          <p:cNvPicPr>
+            <a:picLocks noChangeAspect="1"/>
+          </p:cNvPicPr>
+          <p:nvPr/>
+        </p:nvPicPr>
+        <p:blipFill rotWithShape="1">
+          <a:blip r:embed="rId11" cstate="print">
+            <a:extLst>
+              <a:ext uri="{28A0092B-C50C-407E-A947-70E740481C1C}">
+                <a14:useLocalDpi xmlns:a14="http://schemas.microsoft.com/office/drawing/2010/main" val="0"/>
+              </a:ext>
+            </a:extLst>
+          </a:blip>
+          <a:stretch>
+            <a:fillRect/>
+          </a:stretch>
+        </p:blipFill>
+        <p:spPr>
+          <a:xfrm rot="0">
+            <a:off x="1240790" y="1428750"/>
+            <a:ext cx="4143375" cy="1238885"/>
+          </a:xfrm>
+          <a:prstGeom prst="roundRect"/>
+          <a:solidFill>
+            <a:srgbClr val="EDEDED"/>
+          </a:solidFill>
+        </p:spPr>
+      </p:pic>
+      <p:pic>
+        <p:nvPicPr>
+          <p:cNvPr id="66" name="그림 48" descr="C:/Users/Admin1/AppData/Roaming/PolarisOffice/ETemp/19756_13428312/fImage30172699169.png"/>
+          <p:cNvPicPr>
+            <a:picLocks noChangeAspect="1"/>
+          </p:cNvPicPr>
+          <p:nvPr/>
+        </p:nvPicPr>
+        <p:blipFill rotWithShape="1">
+          <a:blip r:embed="rId12" cstate="hqprint">
+            <a:extLst>
+              <a:ext uri="{28A0092B-C50C-407E-A947-70E740481C1C}">
+                <a14:useLocalDpi xmlns:a14="http://schemas.microsoft.com/office/drawing/2010/main"/>
+              </a:ext>
+            </a:extLst>
+          </a:blip>
+          <a:stretch>
+            <a:fillRect/>
+          </a:stretch>
+        </p:blipFill>
+        <p:spPr>
+          <a:xfrm rot="0">
+            <a:off x="2686685" y="4095750"/>
+            <a:ext cx="2691765" cy="1117600"/>
+          </a:xfrm>
+          <a:prstGeom prst="roundRect"/>
+          <a:solidFill>
+            <a:srgbClr val="EDEDED"/>
+          </a:solidFill>
+        </p:spPr>
+      </p:pic>
+      <p:pic>
+        <p:nvPicPr>
+          <p:cNvPr id="67" name="그림 49" descr="C:/Users/Admin1/AppData/Roaming/PolarisOffice/ETemp/19756_13428312/fImage77392848467.png"/>
+          <p:cNvPicPr>
+            <a:picLocks noChangeAspect="1"/>
+          </p:cNvPicPr>
+          <p:nvPr/>
+        </p:nvPicPr>
+        <p:blipFill rotWithShape="1">
+          <a:blip r:embed="rId13" cstate="print">
+            <a:extLst>
+              <a:ext uri="{28A0092B-C50C-407E-A947-70E740481C1C}">
+                <a14:useLocalDpi xmlns:a14="http://schemas.microsoft.com/office/drawing/2010/main" val="0"/>
+              </a:ext>
+            </a:extLst>
+          </a:blip>
+          <a:stretch>
+            <a:fillRect/>
+          </a:stretch>
+        </p:blipFill>
+        <p:spPr>
+          <a:xfrm rot="0">
+            <a:off x="1238250" y="4095115"/>
+            <a:ext cx="1325880" cy="1118235"/>
+          </a:xfrm>
+          <a:prstGeom prst="roundRect"/>
+          <a:solidFill>
+            <a:srgbClr val="EDEDED"/>
+          </a:solidFill>
+        </p:spPr>
+      </p:pic>
+      <p:sp>
+        <p:nvSpPr>
+          <p:cNvPr id="68" name="텍스트 상자 52"/>
+          <p:cNvSpPr txBox="1">
+            <a:spLocks/>
+          </p:cNvSpPr>
+          <p:nvPr/>
+        </p:nvSpPr>
+        <p:spPr>
+          <a:xfrm rot="0">
+            <a:off x="1240790" y="5299710"/>
+            <a:ext cx="4145915" cy="954405"/>
+          </a:xfrm>
+          <a:prstGeom prst="rect"/>
+          <a:noFill/>
+          <a:ln w="0">
+            <a:noFill/>
+            <a:prstDash/>
+          </a:ln>
+        </p:spPr>
+        <p:txBody>
+          <a:bodyPr wrap="square" lIns="89535" tIns="46355" rIns="89535" bIns="46355" numCol="1" vert="horz" anchor="t">
+            <a:spAutoFit/>
+          </a:bodyPr>
+          <a:lstStyle/>
+          <a:p>
+            <a:pPr marL="0" indent="0" algn="l" latinLnBrk="0" hangingPunct="1">
+              <a:buFontTx/>
+              <a:buNone/>
+            </a:pPr>
+            <a:r>
+              <a:rPr lang="ko-KR" sz="2000" b="1">
+                <a:solidFill>
+                  <a:srgbClr val="0611F2"/>
+                </a:solidFill>
+                <a:latin typeface="맑은 고딕" charset="0"/>
+                <a:ea typeface="맑은 고딕" charset="0"/>
+              </a:rPr>
+              <a:t>1</a:t>
+            </a:r>
+            <a:r>
+              <a:rPr lang="ko-KR" sz="2000" b="1">
+                <a:solidFill>
+                  <a:srgbClr val="0611F2"/>
+                </a:solidFill>
+                <a:latin typeface="맑은 고딕" charset="0"/>
+                <a:ea typeface="맑은 고딕" charset="0"/>
+              </a:rPr>
+              <a:t>9</a:t>
+            </a:r>
+            <a:r>
+              <a:rPr lang="ko-KR" sz="2000" b="1">
+                <a:solidFill>
+                  <a:srgbClr val="0611F2"/>
+                </a:solidFill>
+                <a:latin typeface="맑은 고딕" charset="0"/>
+                <a:ea typeface="맑은 고딕" charset="0"/>
+              </a:rPr>
+              <a:t>.</a:t>
+            </a:r>
+            <a:r>
+              <a:rPr lang="ko-KR" sz="2000">
+                <a:solidFill>
+                  <a:srgbClr val="0611F2"/>
+                </a:solidFill>
+                <a:latin typeface="맑은 고딕" charset="0"/>
+                <a:ea typeface="맑은 고딕" charset="0"/>
+              </a:rPr>
+              <a:t> </a:t>
+            </a:r>
+            <a:r>
+              <a:rPr lang="ko-KR" sz="1800">
+                <a:latin typeface="맑은 고딕" charset="0"/>
+                <a:ea typeface="맑은 고딕" charset="0"/>
+              </a:rPr>
+              <a:t>그러고 나서 Open Button </a:t>
+            </a:r>
+            <a:r>
+              <a:rPr lang="ko-KR" sz="1800">
+                <a:latin typeface="맑은 고딕" charset="0"/>
+                <a:ea typeface="맑은 고딕" charset="0"/>
+              </a:rPr>
+              <a:t>오브젝트의</a:t>
+            </a:r>
+            <a:r>
+              <a:rPr lang="ko-KR" sz="1800">
+                <a:latin typeface="맑은 고딕" charset="0"/>
+                <a:ea typeface="맑은 고딕" charset="0"/>
+              </a:rPr>
+              <a:t> </a:t>
+            </a:r>
+            <a:r>
+              <a:rPr lang="ko-KR" sz="1800">
+                <a:latin typeface="맑은 고딕" charset="0"/>
+                <a:ea typeface="맑은 고딕" charset="0"/>
+              </a:rPr>
+              <a:t>On</a:t>
+            </a:r>
+            <a:r>
+              <a:rPr lang="ko-KR" sz="1800">
+                <a:latin typeface="맑은 고딕" charset="0"/>
+                <a:ea typeface="맑은 고딕" charset="0"/>
+              </a:rPr>
+              <a:t> Click( ) 함수를 </a:t>
+            </a:r>
+            <a:r>
+              <a:rPr lang="ko-KR" sz="1800">
+                <a:latin typeface="맑은 고딕" charset="0"/>
+                <a:ea typeface="맑은 고딕" charset="0"/>
+              </a:rPr>
+              <a:t>추가합니다.</a:t>
             </a:r>
             <a:endParaRPr lang="ko-KR" altLang="en-US" sz="1800">
               <a:latin typeface="맑은 고딕" charset="0"/>
@@ -11229,8 +18746,8 @@
         </p:nvSpPr>
         <p:spPr>
           <a:xfrm rot="0">
-            <a:off x="1240790" y="5443220"/>
-            <a:ext cx="4144010" cy="677545"/>
+            <a:off x="1240790" y="5260975"/>
+            <a:ext cx="4137660" cy="954405"/>
           </a:xfrm>
           <a:prstGeom prst="rect"/>
           <a:noFill/>
@@ -11257,7 +18774,7 @@
                 <a:latin typeface="맑은 고딕" charset="0"/>
                 <a:ea typeface="맑은 고딕" charset="0"/>
               </a:rPr>
-              <a:t>2</a:t>
+              <a:t>21.</a:t>
             </a:r>
             <a:r>
               <a:rPr lang="ko-KR" sz="2000" b="1">
@@ -11267,26 +18784,6 @@
                 <a:latin typeface="맑은 고딕" charset="0"/>
                 <a:ea typeface="맑은 고딕" charset="0"/>
               </a:rPr>
-              <a:t>0</a:t>
-            </a:r>
-            <a:r>
-              <a:rPr lang="ko-KR" sz="2000" b="1">
-                <a:solidFill>
-                  <a:srgbClr val="0611F2"/>
-                </a:solidFill>
-                <a:latin typeface="맑은 고딕" charset="0"/>
-                <a:ea typeface="맑은 고딕" charset="0"/>
-              </a:rPr>
-              <a:t>.</a:t>
-            </a:r>
-            <a:r>
-              <a:rPr lang="ko-KR" sz="2000" b="1">
-                <a:solidFill>
-                  <a:srgbClr val="0611F2"/>
-                </a:solidFill>
-                <a:latin typeface="맑은 고딕" charset="0"/>
-                <a:ea typeface="맑은 고딕" charset="0"/>
-              </a:rPr>
               <a:t> </a:t>
             </a:r>
             <a:r>
@@ -11294,7 +18791,7 @@
                 <a:latin typeface="맑은 고딕" charset="0"/>
                 <a:ea typeface="맑은 고딕" charset="0"/>
               </a:rPr>
-              <a:t>그리고 Window에서 </a:t>
+              <a:t>그런 다음 Window에서 </a:t>
             </a:r>
             <a:r>
               <a:rPr lang="ko-KR" sz="1800">
@@ -11340,7 +18837,7 @@
       </p:sp>
       <p:pic>
         <p:nvPicPr>
-          <p:cNvPr id="66" name="그림 2" descr="C:/Users/Admin1/AppData/Roaming/PolarisOffice/ETemp/23832_17297800/fImage205293289358.png"/>
+          <p:cNvPr id="66" name="그림 2" descr="C:/Users/Admin1/AppData/Roaming/PolarisOffice/ETemp/19756_13428312/fImage205293289358.png"/>
           <p:cNvPicPr>
             <a:picLocks noChangeAspect="1"/>
           </p:cNvPicPr>
@@ -11361,7 +18858,7 @@
         <p:spPr>
           <a:xfrm rot="0">
             <a:off x="1240790" y="1447165"/>
-            <a:ext cx="4136390" cy="3825875"/>
+            <a:ext cx="4137025" cy="3670935"/>
           </a:xfrm>
           <a:prstGeom prst="roundRect"/>
           <a:solidFill>
@@ -11371,17 +18868,17 @@
       </p:pic>
       <p:pic>
         <p:nvPicPr>
-          <p:cNvPr id="67" name="그림 1" descr="C:/Users/Admin1/AppData/Roaming/PolarisOffice/ETemp/23832_17297800/fImage1555015941.png"/>
+          <p:cNvPr id="67" name="그림 1" descr="C:/Users/Admin1/AppData/Roaming/PolarisOffice/ETemp/19756_13428312/fImage1555015941.png"/>
           <p:cNvPicPr>
             <a:picLocks noChangeAspect="1"/>
           </p:cNvPicPr>
           <p:nvPr/>
         </p:nvPicPr>
         <p:blipFill rotWithShape="1">
-          <a:blip r:embed="rId5" cstate="print">
+          <a:blip r:embed="rId5" cstate="hqprint">
             <a:extLst>
               <a:ext uri="{28A0092B-C50C-407E-A947-70E740481C1C}">
-                <a14:useLocalDpi xmlns:a14="http://schemas.microsoft.com/office/drawing/2010/main" val="0"/>
+                <a14:useLocalDpi xmlns:a14="http://schemas.microsoft.com/office/drawing/2010/main"/>
               </a:ext>
             </a:extLst>
           </a:blip>
@@ -11391,8 +18888,8 @@
         </p:blipFill>
         <p:spPr>
           <a:xfrm rot="0">
-            <a:off x="6822440" y="3945255"/>
-            <a:ext cx="4126230" cy="1395095"/>
+            <a:off x="6822440" y="3962400"/>
+            <a:ext cx="4126865" cy="1395730"/>
           </a:xfrm>
           <a:prstGeom prst="roundRect"/>
           <a:solidFill>
@@ -11410,8 +18907,8 @@
         </p:nvSpPr>
         <p:spPr>
           <a:xfrm rot="0">
-            <a:off x="6822440" y="5443220"/>
-            <a:ext cx="4126230" cy="677545"/>
+            <a:off x="6822440" y="5494655"/>
+            <a:ext cx="4126865" cy="677545"/>
           </a:xfrm>
           <a:prstGeom prst="rect"/>
           <a:noFill/>
@@ -11438,7 +18935,7 @@
                 <a:latin typeface="맑은 고딕" charset="0"/>
                 <a:ea typeface="맑은 고딕" charset="0"/>
               </a:rPr>
-              <a:t>22.</a:t>
+              <a:t>23.</a:t>
             </a:r>
             <a:r>
               <a:rPr lang="ko-KR" sz="2000">
@@ -11455,7 +18952,7 @@
                 <a:latin typeface="맑은 고딕" charset="0"/>
                 <a:ea typeface="맑은 고딕" charset="0"/>
               </a:rPr>
-              <a:t>그다음으로 Create New Clip을 </a:t>
+              <a:t>그러고 나서 Create New Clip을 </a:t>
             </a:r>
             <a:r>
               <a:rPr lang="ko-KR" sz="1800">
@@ -11473,7 +18970,7 @@
       </p:sp>
       <p:pic>
         <p:nvPicPr>
-          <p:cNvPr id="69" name="그림 5" descr="C:/Users/Admin1/AppData/Roaming/PolarisOffice/ETemp/23832_17297800/fImage122251618467.png"/>
+          <p:cNvPr id="69" name="그림 5"/>
           <p:cNvPicPr>
             <a:picLocks noChangeAspect="1"/>
           </p:cNvPicPr>
@@ -11511,9 +19008,9 @@
           <p:nvPr/>
         </p:nvSpPr>
         <p:spPr>
-          <a:xfrm rot="0">
+          <a:xfrm>
             <a:off x="6825615" y="2878455"/>
-            <a:ext cx="4131945" cy="954405"/>
+            <a:ext cx="4132580" cy="954405"/>
           </a:xfrm>
           <a:prstGeom prst="rect"/>
           <a:noFill/>
@@ -11540,7 +19037,7 @@
                 <a:latin typeface="맑은 고딕" charset="0"/>
                 <a:ea typeface="맑은 고딕" charset="0"/>
               </a:rPr>
-              <a:t>21.</a:t>
+              <a:t>22.</a:t>
             </a:r>
             <a:r>
               <a:rPr lang="ko-KR" sz="2000">
@@ -11557,7 +19054,7 @@
                 <a:latin typeface="맑은 고딕" charset="0"/>
                 <a:ea typeface="맑은 고딕" charset="0"/>
               </a:rPr>
-              <a:t>그런 다음 Animator Manager </a:t>
+              <a:t>그다음으로 Animator Manager </a:t>
             </a:r>
             <a:r>
               <a:rPr lang="ko-KR" sz="1800">
@@ -11578,21 +19075,21 @@
                 <a:latin typeface="맑은 고딕" charset="0"/>
                 <a:ea typeface="맑은 고딕" charset="0"/>
               </a:rPr>
-              <a:t>위치와 회전 값을 </a:t>
-            </a:r>
-            <a:r>
-              <a:rPr lang="ko-KR" sz="1800">
-                <a:latin typeface="맑은 고딕" charset="0"/>
-                <a:ea typeface="맑은 고딕" charset="0"/>
-              </a:rPr>
-              <a:t>초기화합니</a:t>
-            </a:r>
-            <a:r>
-              <a:rPr lang="ko-KR" sz="1800">
-                <a:latin typeface="맑은 고딕" charset="0"/>
-                <a:ea typeface="맑은 고딕" charset="0"/>
-              </a:rPr>
-              <a:t>다.</a:t>
+              <a:t>위치와</a:t>
+            </a:r>
+            <a:r>
+              <a:rPr lang="ko-KR" sz="1800">
+                <a:latin typeface="맑은 고딕" charset="0"/>
+                <a:ea typeface="맑은 고딕" charset="0"/>
+              </a:rPr>
+              <a:t> 회전 값을 </a:t>
+            </a:r>
+            <a:r>
+              <a:rPr lang="ko-KR" sz="1800">
+                <a:latin typeface="맑은 고딕" charset="0"/>
+                <a:ea typeface="맑은 고딕" charset="0"/>
+              </a:rPr>
+              <a:t>초기화합니다.</a:t>
             </a:r>
             <a:endParaRPr lang="ko-KR" altLang="en-US" sz="1800">
               <a:latin typeface="맑은 고딕" charset="0"/>
@@ -11625,7 +19122,7 @@
 </file>
 
 <file path=ppt/slides/slide9.xml><?xml version="1.0" encoding="utf-8"?>
-<p:sld xmlns:a="http://schemas.openxmlformats.org/drawingml/2006/main" xmlns:r="http://schemas.openxmlformats.org/officeDocument/2006/relationships" xmlns:p="http://schemas.openxmlformats.org/presentationml/2006/main">
+<p:sld xmlns:a="http://schemas.openxmlformats.org/drawingml/2006/main" xmlns:r="http://schemas.openxmlformats.org/officeDocument/2006/relationships" xmlns:p="http://schemas.openxmlformats.org/presentationml/2006/main" xmlns:p14="http://schemas.microsoft.com/office/powerpoint/2010/main">
   <p:cSld>
     <p:spTree>
       <p:nvGrpSpPr>
@@ -11710,7 +19207,7 @@
         <p:spPr>
           <a:xfrm rot="0">
             <a:off x="6805295" y="5511800"/>
-            <a:ext cx="4161155" cy="677545"/>
+            <a:ext cx="4149090" cy="677545"/>
           </a:xfrm>
           <a:prstGeom prst="rect"/>
           <a:noFill/>
@@ -11737,7 +19234,7 @@
                 <a:latin typeface="맑은 고딕" charset="0"/>
                 <a:ea typeface="맑은 고딕" charset="0"/>
               </a:rPr>
-              <a:t>25.</a:t>
+              <a:t>26.</a:t>
             </a:r>
             <a:r>
               <a:rPr lang="ko-KR" sz="2000">
@@ -11754,7 +19251,7 @@
                 <a:latin typeface="맑은 고딕" charset="0"/>
                 <a:ea typeface="맑은 고딕" charset="0"/>
               </a:rPr>
-              <a:t>그리고 Add Property에서 Rect </a:t>
+              <a:t>그런 다음 Add Property에서 Rect </a:t>
             </a:r>
             <a:r>
               <a:rPr lang="ko-KR" sz="1800">
@@ -11768,21 +19265,7 @@
                 <a:latin typeface="맑은 고딕" charset="0"/>
                 <a:ea typeface="맑은 고딕" charset="0"/>
               </a:rPr>
-              <a:t> </a:t>
-            </a:r>
-            <a:r>
-              <a:rPr lang="ko-KR" sz="1800">
-                <a:latin typeface="맑은 고딕" charset="0"/>
-                <a:ea typeface="맑은 고딕" charset="0"/>
-              </a:rPr>
-              <a:t>Scale을</a:t>
-            </a:r>
-            <a:r>
-              <a:rPr lang="ko-KR" sz="1800">
-                <a:latin typeface="맑은 고딕" charset="0"/>
-                <a:ea typeface="맑은 고딕" charset="0"/>
-              </a:rPr>
-              <a:t> 선택합니다</a:t>
+              <a:t> Scale을 선택합니다</a:t>
             </a:r>
             <a:endParaRPr lang="ko-KR" altLang="en-US" sz="1800">
               <a:latin typeface="맑은 고딕" charset="0"/>
@@ -11793,17 +19276,17 @@
       </p:sp>
       <p:pic>
         <p:nvPicPr>
-          <p:cNvPr id="71" name="그림 9" descr="C:/Users/Admin1/AppData/Roaming/PolarisOffice/ETemp/23832_17297800/fImage235232466334.png"/>
+          <p:cNvPr id="71" name="그림 9" descr="C:/Users/Admin1/AppData/Roaming/PolarisOffice/ETemp/19756_13428312/fImage235232466334.png"/>
           <p:cNvPicPr>
             <a:picLocks noChangeAspect="1"/>
           </p:cNvPicPr>
           <p:nvPr/>
         </p:nvPicPr>
         <p:blipFill rotWithShape="1">
-          <a:blip r:embed="rId2" cstate="print">
+          <a:blip r:embed="rId2" cstate="hqprint">
             <a:extLst>
               <a:ext uri="{28A0092B-C50C-407E-A947-70E740481C1C}">
-                <a14:useLocalDpi xmlns:a14="http://schemas.microsoft.com/office/drawing/2010/main" val="0"/>
+                <a14:useLocalDpi xmlns:a14="http://schemas.microsoft.com/office/drawing/2010/main"/>
               </a:ext>
             </a:extLst>
           </a:blip>
@@ -11813,8 +19296,8 @@
         </p:blipFill>
         <p:spPr>
           <a:xfrm rot="0">
-            <a:off x="1240790" y="1447165"/>
-            <a:ext cx="4135120" cy="2506980"/>
+            <a:off x="1238250" y="1445895"/>
+            <a:ext cx="4138295" cy="2788920"/>
           </a:xfrm>
           <a:prstGeom prst="roundRect"/>
           <a:solidFill>
@@ -11832,8 +19315,8 @@
         </p:nvSpPr>
         <p:spPr>
           <a:xfrm rot="0">
-            <a:off x="1231900" y="4127500"/>
-            <a:ext cx="4135120" cy="2061845"/>
+            <a:off x="1231900" y="4404360"/>
+            <a:ext cx="4146550" cy="1784985"/>
           </a:xfrm>
           <a:prstGeom prst="rect"/>
           <a:noFill/>
@@ -11860,7 +19343,7 @@
                 <a:latin typeface="맑은 고딕" charset="0"/>
                 <a:ea typeface="맑은 고딕" charset="0"/>
               </a:rPr>
-              <a:t>2</a:t>
+              <a:t>24.</a:t>
             </a:r>
             <a:r>
               <a:rPr lang="ko-KR" sz="2000" b="1">
@@ -11870,26 +19353,6 @@
                 <a:latin typeface="맑은 고딕" charset="0"/>
                 <a:ea typeface="맑은 고딕" charset="0"/>
               </a:rPr>
-              <a:t>3</a:t>
-            </a:r>
-            <a:r>
-              <a:rPr lang="ko-KR" sz="2000" b="1">
-                <a:solidFill>
-                  <a:srgbClr val="0611F2"/>
-                </a:solidFill>
-                <a:latin typeface="맑은 고딕" charset="0"/>
-                <a:ea typeface="맑은 고딕" charset="0"/>
-              </a:rPr>
-              <a:t>.</a:t>
-            </a:r>
-            <a:r>
-              <a:rPr lang="ko-KR" sz="2000" b="1">
-                <a:solidFill>
-                  <a:srgbClr val="0611F2"/>
-                </a:solidFill>
-                <a:latin typeface="맑은 고딕" charset="0"/>
-                <a:ea typeface="맑은 고딕" charset="0"/>
-              </a:rPr>
               <a:t> </a:t>
             </a:r>
             <a:r>
@@ -11897,7 +19360,7 @@
                 <a:latin typeface="맑은 고딕" charset="0"/>
                 <a:ea typeface="맑은 고딕" charset="0"/>
               </a:rPr>
-              <a:t>그러고 나서 Animation 파일을 </a:t>
+              <a:t>이제 Animation 파일을 </a:t>
             </a:r>
             <a:r>
               <a:rPr lang="ko-KR" sz="1800">
@@ -11973,14 +19436,21 @@
                 <a:latin typeface="맑은 고딕" charset="0"/>
                 <a:ea typeface="맑은 고딕" charset="0"/>
               </a:rPr>
-              <a:t>마지막으로</a:t>
-            </a:r>
-            <a:r>
-              <a:rPr lang="ko-KR" sz="1800">
-                <a:latin typeface="맑은 고딕" charset="0"/>
-                <a:ea typeface="맑은 고딕" charset="0"/>
-              </a:rPr>
-              <a:t> Close.anim이라는 </a:t>
+              <a:t>그리고</a:t>
+            </a:r>
+            <a:r>
+              <a:rPr lang="ko-KR" sz="1800">
+                <a:latin typeface="맑은 고딕" charset="0"/>
+                <a:ea typeface="맑은 고딕" charset="0"/>
+              </a:rPr>
+              <a:t> Close.anim이라는</a:t>
+            </a:r>
+            <a:r>
+              <a:rPr lang="ko-KR" sz="1800">
+                <a:latin typeface="맑은 고딕" charset="0"/>
+                <a:ea typeface="맑은 고딕" charset="0"/>
+              </a:rPr>
+              <a:t> </a:t>
             </a:r>
             <a:r>
               <a:rPr lang="ko-KR" sz="1800">
@@ -12001,7 +19471,14 @@
                 <a:latin typeface="맑은 고딕" charset="0"/>
                 <a:ea typeface="맑은 고딕" charset="0"/>
               </a:rPr>
-              <a:t>정의한 </a:t>
+              <a:t>정의한</a:t>
+            </a:r>
+            <a:r>
+              <a:rPr lang="ko-KR" sz="1800">
+                <a:latin typeface="맑은 고딕" charset="0"/>
+                <a:ea typeface="맑은 고딕" charset="0"/>
+              </a:rPr>
+              <a:t> </a:t>
             </a:r>
             <a:r>
               <a:rPr lang="ko-KR" sz="1800">
@@ -12061,7 +19538,7 @@
       </p:sp>
       <p:pic>
         <p:nvPicPr>
-          <p:cNvPr id="73" name="그림 13" descr="C:/Users/Admin1/AppData/Roaming/PolarisOffice/ETemp/23832_17297800/fImage109923422995.png"/>
+          <p:cNvPr id="73" name="그림 13"/>
           <p:cNvPicPr>
             <a:picLocks noChangeAspect="1"/>
           </p:cNvPicPr>
@@ -12099,9 +19576,9 @@
           <p:nvPr/>
         </p:nvSpPr>
         <p:spPr>
-          <a:xfrm rot="0">
+          <a:xfrm>
             <a:off x="6822440" y="2884805"/>
-            <a:ext cx="4143375" cy="954405"/>
+            <a:ext cx="4144010" cy="954405"/>
           </a:xfrm>
           <a:prstGeom prst="rect"/>
           <a:noFill/>
@@ -12128,27 +19605,7 @@
                 <a:latin typeface="맑은 고딕" charset="0"/>
                 <a:ea typeface="맑은 고딕" charset="0"/>
               </a:rPr>
-              <a:t>2</a:t>
-            </a:r>
-            <a:r>
-              <a:rPr lang="ko-KR" sz="2000" b="1">
-                <a:solidFill>
-                  <a:srgbClr val="0611F2"/>
-                </a:solidFill>
-                <a:latin typeface="맑은 고딕" charset="0"/>
-                <a:ea typeface="맑은 고딕" charset="0"/>
-              </a:rPr>
-              <a:t>4</a:t>
-            </a:r>
-            <a:r>
-              <a:rPr lang="ko-KR" sz="2000" b="1">
-                <a:solidFill>
-                  <a:srgbClr val="0611F2"/>
-                </a:solidFill>
-                <a:latin typeface="맑은 고딕" charset="0"/>
-                <a:ea typeface="맑은 고딕" charset="0"/>
-              </a:rPr>
-              <a:t>.</a:t>
+              <a:t>25.</a:t>
             </a:r>
             <a:r>
               <a:rPr lang="ko-KR" sz="2000">
@@ -12165,7 +19622,21 @@
                 <a:latin typeface="맑은 고딕" charset="0"/>
                 <a:ea typeface="맑은 고딕" charset="0"/>
               </a:rPr>
-              <a:t>이제 Close Animation 파일을 </a:t>
+              <a:t>그다음 Close Animation </a:t>
+            </a:r>
+            <a:r>
+              <a:rPr lang="ko-KR" sz="1800">
+                <a:latin typeface="맑은 고딕" charset="0"/>
+                <a:ea typeface="맑은 고딕" charset="0"/>
+              </a:rPr>
+              <a:t>파일을</a:t>
+            </a:r>
+            <a:r>
+              <a:rPr lang="ko-KR" sz="1800">
+                <a:latin typeface="맑은 고딕" charset="0"/>
+                <a:ea typeface="맑은 고딕" charset="0"/>
+              </a:rPr>
+              <a:t> </a:t>
             </a:r>
             <a:r>
               <a:rPr lang="ko-KR" sz="1800">
@@ -12193,7 +19664,21 @@
                 <a:latin typeface="맑은 고딕" charset="0"/>
                 <a:ea typeface="맑은 고딕" charset="0"/>
               </a:rPr>
-              <a:t> Window 오브젝트를 </a:t>
+              <a:t> Window </a:t>
+            </a:r>
+            <a:r>
+              <a:rPr lang="ko-KR" sz="1800">
+                <a:latin typeface="맑은 고딕" charset="0"/>
+                <a:ea typeface="맑은 고딕" charset="0"/>
+              </a:rPr>
+              <a:t>오브젝트를</a:t>
+            </a:r>
+            <a:r>
+              <a:rPr lang="ko-KR" sz="1800">
+                <a:latin typeface="맑은 고딕" charset="0"/>
+                <a:ea typeface="맑은 고딕" charset="0"/>
+              </a:rPr>
+              <a:t> </a:t>
             </a:r>
             <a:r>
               <a:rPr lang="ko-KR" sz="1800">
@@ -12235,7 +19720,14 @@
                 <a:latin typeface="맑은 고딕" charset="0"/>
                 <a:ea typeface="맑은 고딕" charset="0"/>
               </a:rPr>
-              <a:t> 선택합니다.</a:t>
+              <a:t> </a:t>
+            </a:r>
+            <a:r>
+              <a:rPr lang="ko-KR" sz="1800">
+                <a:latin typeface="맑은 고딕" charset="0"/>
+                <a:ea typeface="맑은 고딕" charset="0"/>
+              </a:rPr>
+              <a:t>선택합니다.</a:t>
             </a:r>
             <a:endParaRPr lang="ko-KR" altLang="en-US" sz="1800">
               <a:latin typeface="맑은 고딕" charset="0"/>
@@ -12246,7 +19738,7 @@
       </p:sp>
       <p:pic>
         <p:nvPicPr>
-          <p:cNvPr id="75" name="그림 15" descr="C:/Users/Admin1/AppData/Roaming/PolarisOffice/ETemp/23832_17297800/fImage260092506500.png"/>
+          <p:cNvPr id="75" name="그림 15"/>
           <p:cNvPicPr>
             <a:picLocks noChangeAspect="1"/>
           </p:cNvPicPr>
